--- a/trunk/Agile.net/Agile.net.pptx
+++ b/trunk/Agile.net/Agile.net.pptx
@@ -7,6 +7,14 @@
   <p:sldIdLst>
     <p:sldId id="256" r:id="rId2"/>
     <p:sldId id="257" r:id="rId3"/>
+    <p:sldId id="258" r:id="rId4"/>
+    <p:sldId id="259" r:id="rId5"/>
+    <p:sldId id="260" r:id="rId6"/>
+    <p:sldId id="261" r:id="rId7"/>
+    <p:sldId id="262" r:id="rId8"/>
+    <p:sldId id="263" r:id="rId9"/>
+    <p:sldId id="264" r:id="rId10"/>
+    <p:sldId id="265" r:id="rId11"/>
   </p:sldIdLst>
   <p:sldSz cx="9144000" cy="6858000" type="screen4x3"/>
   <p:notesSz cx="6858000" cy="9144000"/>
@@ -242,6 +250,7 @@
           <a:p>
             <a:fld id="{09609310-A27C-4486-85E6-BEA22C115EFC}" type="datetimeFigureOut">
               <a:rPr lang="en-US" smtClean="0"/>
+              <a:pPr/>
               <a:t>11/10/2008</a:t>
             </a:fld>
             <a:endParaRPr lang="en-US"/>
@@ -288,6 +297,7 @@
           <a:p>
             <a:fld id="{4DD8A983-2F2E-4C7B-8080-8D2C1175E14E}" type="slidenum">
               <a:rPr lang="en-US" smtClean="0"/>
+              <a:pPr/>
               <a:t>‹#›</a:t>
             </a:fld>
             <a:endParaRPr lang="en-US"/>
@@ -555,6 +565,7 @@
           <a:p>
             <a:fld id="{09609310-A27C-4486-85E6-BEA22C115EFC}" type="datetimeFigureOut">
               <a:rPr lang="en-US" smtClean="0"/>
+              <a:pPr/>
               <a:t>11/10/2008</a:t>
             </a:fld>
             <a:endParaRPr lang="en-US"/>
@@ -601,6 +612,7 @@
           <a:p>
             <a:fld id="{4DD8A983-2F2E-4C7B-8080-8D2C1175E14E}" type="slidenum">
               <a:rPr lang="en-US" smtClean="0"/>
+              <a:pPr/>
               <a:t>‹#›</a:t>
             </a:fld>
             <a:endParaRPr lang="en-US"/>
@@ -740,6 +752,7 @@
           <a:p>
             <a:fld id="{09609310-A27C-4486-85E6-BEA22C115EFC}" type="datetimeFigureOut">
               <a:rPr lang="en-US" smtClean="0"/>
+              <a:pPr/>
               <a:t>11/10/2008</a:t>
             </a:fld>
             <a:endParaRPr lang="en-US"/>
@@ -786,6 +799,7 @@
           <a:p>
             <a:fld id="{4DD8A983-2F2E-4C7B-8080-8D2C1175E14E}" type="slidenum">
               <a:rPr lang="en-US" smtClean="0"/>
+              <a:pPr/>
               <a:t>‹#›</a:t>
             </a:fld>
             <a:endParaRPr lang="en-US"/>
@@ -915,6 +929,7 @@
           <a:p>
             <a:fld id="{09609310-A27C-4486-85E6-BEA22C115EFC}" type="datetimeFigureOut">
               <a:rPr lang="en-US" smtClean="0"/>
+              <a:pPr/>
               <a:t>11/10/2008</a:t>
             </a:fld>
             <a:endParaRPr lang="en-US"/>
@@ -961,6 +976,7 @@
           <a:p>
             <a:fld id="{4DD8A983-2F2E-4C7B-8080-8D2C1175E14E}" type="slidenum">
               <a:rPr lang="en-US" smtClean="0"/>
+              <a:pPr/>
               <a:t>‹#›</a:t>
             </a:fld>
             <a:endParaRPr lang="en-US"/>
@@ -1183,6 +1199,7 @@
           <a:p>
             <a:fld id="{09609310-A27C-4486-85E6-BEA22C115EFC}" type="datetimeFigureOut">
               <a:rPr lang="en-US" smtClean="0"/>
+              <a:pPr/>
               <a:t>11/10/2008</a:t>
             </a:fld>
             <a:endParaRPr lang="en-US"/>
@@ -1229,6 +1246,7 @@
           <a:p>
             <a:fld id="{4DD8A983-2F2E-4C7B-8080-8D2C1175E14E}" type="slidenum">
               <a:rPr lang="en-US" smtClean="0"/>
+              <a:pPr/>
               <a:t>‹#›</a:t>
             </a:fld>
             <a:endParaRPr lang="en-US"/>
@@ -1651,6 +1669,7 @@
           <a:p>
             <a:fld id="{09609310-A27C-4486-85E6-BEA22C115EFC}" type="datetimeFigureOut">
               <a:rPr lang="en-US" smtClean="0"/>
+              <a:pPr/>
               <a:t>11/10/2008</a:t>
             </a:fld>
             <a:endParaRPr lang="en-US"/>
@@ -1697,6 +1716,7 @@
           <a:p>
             <a:fld id="{4DD8A983-2F2E-4C7B-8080-8D2C1175E14E}" type="slidenum">
               <a:rPr lang="en-US" smtClean="0"/>
+              <a:pPr/>
               <a:t>‹#›</a:t>
             </a:fld>
             <a:endParaRPr lang="en-US"/>
@@ -2140,6 +2160,7 @@
           <a:p>
             <a:fld id="{09609310-A27C-4486-85E6-BEA22C115EFC}" type="datetimeFigureOut">
               <a:rPr lang="en-US" smtClean="0"/>
+              <a:pPr/>
               <a:t>11/10/2008</a:t>
             </a:fld>
             <a:endParaRPr lang="en-US"/>
@@ -2186,6 +2207,7 @@
           <a:p>
             <a:fld id="{4DD8A983-2F2E-4C7B-8080-8D2C1175E14E}" type="slidenum">
               <a:rPr lang="en-US" smtClean="0"/>
+              <a:pPr/>
               <a:t>‹#›</a:t>
             </a:fld>
             <a:endParaRPr lang="en-US"/>
@@ -2266,6 +2288,7 @@
           <a:p>
             <a:fld id="{09609310-A27C-4486-85E6-BEA22C115EFC}" type="datetimeFigureOut">
               <a:rPr lang="en-US" smtClean="0"/>
+              <a:pPr/>
               <a:t>11/10/2008</a:t>
             </a:fld>
             <a:endParaRPr lang="en-US"/>
@@ -2312,6 +2335,7 @@
           <a:p>
             <a:fld id="{4DD8A983-2F2E-4C7B-8080-8D2C1175E14E}" type="slidenum">
               <a:rPr lang="en-US" smtClean="0"/>
+              <a:pPr/>
               <a:t>‹#›</a:t>
             </a:fld>
             <a:endParaRPr lang="en-US"/>
@@ -2410,6 +2434,7 @@
           <a:p>
             <a:fld id="{09609310-A27C-4486-85E6-BEA22C115EFC}" type="datetimeFigureOut">
               <a:rPr lang="en-US" smtClean="0"/>
+              <a:pPr/>
               <a:t>11/10/2008</a:t>
             </a:fld>
             <a:endParaRPr lang="en-US"/>
@@ -2456,6 +2481,7 @@
           <a:p>
             <a:fld id="{4DD8A983-2F2E-4C7B-8080-8D2C1175E14E}" type="slidenum">
               <a:rPr lang="en-US" smtClean="0"/>
+              <a:pPr/>
               <a:t>‹#›</a:t>
             </a:fld>
             <a:endParaRPr lang="en-US"/>
@@ -2732,6 +2758,7 @@
           <a:p>
             <a:fld id="{09609310-A27C-4486-85E6-BEA22C115EFC}" type="datetimeFigureOut">
               <a:rPr lang="en-US" smtClean="0"/>
+              <a:pPr/>
               <a:t>11/10/2008</a:t>
             </a:fld>
             <a:endParaRPr lang="en-US"/>
@@ -2778,6 +2805,7 @@
           <a:p>
             <a:fld id="{4DD8A983-2F2E-4C7B-8080-8D2C1175E14E}" type="slidenum">
               <a:rPr lang="en-US" smtClean="0"/>
+              <a:pPr/>
               <a:t>‹#›</a:t>
             </a:fld>
             <a:endParaRPr lang="en-US"/>
@@ -2866,6 +2894,7 @@
           <a:p>
             <a:fld id="{09609310-A27C-4486-85E6-BEA22C115EFC}" type="datetimeFigureOut">
               <a:rPr lang="en-US" smtClean="0"/>
+              <a:pPr/>
               <a:t>11/10/2008</a:t>
             </a:fld>
             <a:endParaRPr lang="en-US"/>
@@ -2912,6 +2941,7 @@
           <a:p>
             <a:fld id="{4DD8A983-2F2E-4C7B-8080-8D2C1175E14E}" type="slidenum">
               <a:rPr lang="en-US" smtClean="0"/>
+              <a:pPr/>
               <a:t>‹#›</a:t>
             </a:fld>
             <a:endParaRPr lang="en-US"/>
@@ -3647,6 +3677,7 @@
           <a:p>
             <a:fld id="{09609310-A27C-4486-85E6-BEA22C115EFC}" type="datetimeFigureOut">
               <a:rPr lang="en-US" smtClean="0"/>
+              <a:pPr/>
               <a:t>11/10/2008</a:t>
             </a:fld>
             <a:endParaRPr lang="en-US"/>
@@ -3731,6 +3762,7 @@
           <a:p>
             <a:fld id="{4DD8A983-2F2E-4C7B-8080-8D2C1175E14E}" type="slidenum">
               <a:rPr lang="en-US" smtClean="0"/>
+              <a:pPr/>
               <a:t>‹#›</a:t>
             </a:fld>
             <a:endParaRPr lang="en-US"/>
@@ -4201,6 +4233,77 @@
 </p:sld>
 </file>
 
+<file path=ppt/slides/slide10.xml><?xml version="1.0" encoding="utf-8"?>
+<p:sld xmlns:a="http://schemas.openxmlformats.org/drawingml/2006/main" xmlns:r="http://schemas.openxmlformats.org/officeDocument/2006/relationships" xmlns:p="http://schemas.openxmlformats.org/presentationml/2006/main">
+  <p:cSld>
+    <p:spTree>
+      <p:nvGrpSpPr>
+        <p:cNvPr id="1" name=""/>
+        <p:cNvGrpSpPr/>
+        <p:nvPr/>
+      </p:nvGrpSpPr>
+      <p:grpSpPr>
+        <a:xfrm>
+          <a:off x="0" y="0"/>
+          <a:ext cx="0" cy="0"/>
+          <a:chOff x="0" y="0"/>
+          <a:chExt cx="0" cy="0"/>
+        </a:xfrm>
+      </p:grpSpPr>
+      <p:sp>
+        <p:nvSpPr>
+          <p:cNvPr id="2" name="Title 1"/>
+          <p:cNvSpPr>
+            <a:spLocks noGrp="1"/>
+          </p:cNvSpPr>
+          <p:nvPr>
+            <p:ph type="title"/>
+          </p:nvPr>
+        </p:nvSpPr>
+        <p:spPr/>
+        <p:txBody>
+          <a:bodyPr/>
+          <a:lstStyle/>
+          <a:p>
+            <a:r>
+              <a:rPr lang="nl-BE" dirty="0" smtClean="0"/>
+              <a:t>Artilium:</a:t>
+            </a:r>
+            <a:r>
+              <a:rPr lang="nl-BE" baseline="0" dirty="0" smtClean="0"/>
+              <a:t> tools in .net</a:t>
+            </a:r>
+            <a:endParaRPr lang="en-US" dirty="0"/>
+          </a:p>
+        </p:txBody>
+      </p:sp>
+      <p:sp>
+        <p:nvSpPr>
+          <p:cNvPr id="3" name="Content Placeholder 2"/>
+          <p:cNvSpPr>
+            <a:spLocks noGrp="1"/>
+          </p:cNvSpPr>
+          <p:nvPr>
+            <p:ph idx="1"/>
+          </p:nvPr>
+        </p:nvSpPr>
+        <p:spPr/>
+        <p:txBody>
+          <a:bodyPr/>
+          <a:lstStyle/>
+          <a:p>
+            <a:endParaRPr lang="en-US"/>
+          </a:p>
+        </p:txBody>
+      </p:sp>
+    </p:spTree>
+  </p:cSld>
+  <p:clrMapOvr>
+    <a:masterClrMapping/>
+  </p:clrMapOvr>
+</p:sld>
+</file>
+
 <file path=ppt/slides/slide2.xml><?xml version="1.0" encoding="utf-8"?>
 <p:sld xmlns:a="http://schemas.openxmlformats.org/drawingml/2006/main" xmlns:r="http://schemas.openxmlformats.org/officeDocument/2006/relationships" xmlns:p="http://schemas.openxmlformats.org/presentationml/2006/main">
   <p:cSld>
@@ -4233,6 +4336,555 @@
           <a:bodyPr/>
           <a:lstStyle/>
           <a:p>
+            <a:r>
+              <a:rPr lang="nl-BE" dirty="0" smtClean="0"/>
+              <a:t>Agile?</a:t>
+            </a:r>
+            <a:endParaRPr lang="en-US" dirty="0"/>
+          </a:p>
+        </p:txBody>
+      </p:sp>
+      <p:sp>
+        <p:nvSpPr>
+          <p:cNvPr id="3" name="Content Placeholder 2"/>
+          <p:cNvSpPr>
+            <a:spLocks noGrp="1"/>
+          </p:cNvSpPr>
+          <p:nvPr>
+            <p:ph idx="1"/>
+          </p:nvPr>
+        </p:nvSpPr>
+        <p:spPr/>
+        <p:txBody>
+          <a:bodyPr/>
+          <a:lstStyle/>
+          <a:p>
+            <a:r>
+              <a:rPr lang="nl-BE" dirty="0" smtClean="0"/>
+              <a:t>Individuals and</a:t>
+            </a:r>
+            <a:r>
+              <a:rPr lang="nl-BE" baseline="0" dirty="0" smtClean="0"/>
+              <a:t> interaction </a:t>
+            </a:r>
+            <a:r>
+              <a:rPr lang="nl-BE" b="1" baseline="0" dirty="0" smtClean="0"/>
+              <a:t>over </a:t>
+            </a:r>
+            <a:r>
+              <a:rPr lang="nl-BE" baseline="0" dirty="0" smtClean="0"/>
+              <a:t>processes and tools</a:t>
+            </a:r>
+          </a:p>
+          <a:p>
+            <a:r>
+              <a:rPr lang="nl-BE" baseline="0" dirty="0" smtClean="0"/>
+              <a:t>Working software </a:t>
+            </a:r>
+            <a:r>
+              <a:rPr lang="nl-BE" b="1" baseline="0" dirty="0" smtClean="0"/>
+              <a:t>over</a:t>
+            </a:r>
+            <a:r>
+              <a:rPr lang="nl-BE" baseline="0" dirty="0" smtClean="0"/>
+              <a:t> comprehensive documentation</a:t>
+            </a:r>
+          </a:p>
+          <a:p>
+            <a:r>
+              <a:rPr lang="nl-BE" baseline="0" dirty="0" smtClean="0"/>
+              <a:t>Customer collaboration </a:t>
+            </a:r>
+            <a:r>
+              <a:rPr lang="nl-BE" b="1" baseline="0" dirty="0" smtClean="0"/>
+              <a:t>over</a:t>
+            </a:r>
+            <a:r>
+              <a:rPr lang="nl-BE" baseline="0" dirty="0" smtClean="0"/>
+              <a:t> contracr negotiation</a:t>
+            </a:r>
+          </a:p>
+          <a:p>
+            <a:r>
+              <a:rPr lang="nl-BE" baseline="0" dirty="0" smtClean="0"/>
+              <a:t>Responding to change </a:t>
+            </a:r>
+            <a:r>
+              <a:rPr lang="nl-BE" b="1" baseline="0" dirty="0" smtClean="0"/>
+              <a:t>over</a:t>
+            </a:r>
+            <a:r>
+              <a:rPr lang="nl-BE" baseline="0" dirty="0" smtClean="0"/>
+              <a:t> following a plan</a:t>
+            </a:r>
+          </a:p>
+          <a:p>
+            <a:r>
+              <a:rPr lang="nl-BE" baseline="0" dirty="0" smtClean="0"/>
+              <a:t>Craftmanship </a:t>
+            </a:r>
+            <a:r>
+              <a:rPr lang="nl-BE" b="1" baseline="0" dirty="0" smtClean="0"/>
+              <a:t>over</a:t>
+            </a:r>
+            <a:r>
+              <a:rPr lang="nl-BE" baseline="0" dirty="0" smtClean="0"/>
+              <a:t> crap</a:t>
+            </a:r>
+            <a:endParaRPr lang="en-US" dirty="0"/>
+          </a:p>
+        </p:txBody>
+      </p:sp>
+    </p:spTree>
+  </p:cSld>
+  <p:clrMapOvr>
+    <a:masterClrMapping/>
+  </p:clrMapOvr>
+</p:sld>
+</file>
+
+<file path=ppt/slides/slide3.xml><?xml version="1.0" encoding="utf-8"?>
+<p:sld xmlns:a="http://schemas.openxmlformats.org/drawingml/2006/main" xmlns:r="http://schemas.openxmlformats.org/officeDocument/2006/relationships" xmlns:p="http://schemas.openxmlformats.org/presentationml/2006/main">
+  <p:cSld>
+    <p:spTree>
+      <p:nvGrpSpPr>
+        <p:cNvPr id="1" name=""/>
+        <p:cNvGrpSpPr/>
+        <p:nvPr/>
+      </p:nvGrpSpPr>
+      <p:grpSpPr>
+        <a:xfrm>
+          <a:off x="0" y="0"/>
+          <a:ext cx="0" cy="0"/>
+          <a:chOff x="0" y="0"/>
+          <a:chExt cx="0" cy="0"/>
+        </a:xfrm>
+      </p:grpSpPr>
+      <p:sp>
+        <p:nvSpPr>
+          <p:cNvPr id="2" name="Title 1"/>
+          <p:cNvSpPr>
+            <a:spLocks noGrp="1"/>
+          </p:cNvSpPr>
+          <p:nvPr>
+            <p:ph type="title"/>
+          </p:nvPr>
+        </p:nvSpPr>
+        <p:spPr/>
+        <p:txBody>
+          <a:bodyPr/>
+          <a:lstStyle/>
+          <a:p>
+            <a:r>
+              <a:rPr lang="nl-BE" dirty="0" smtClean="0"/>
+              <a:t>SCRUM</a:t>
+            </a:r>
+            <a:endParaRPr lang="en-US" dirty="0"/>
+          </a:p>
+        </p:txBody>
+      </p:sp>
+      <p:sp>
+        <p:nvSpPr>
+          <p:cNvPr id="3" name="Content Placeholder 2"/>
+          <p:cNvSpPr>
+            <a:spLocks noGrp="1"/>
+          </p:cNvSpPr>
+          <p:nvPr>
+            <p:ph idx="1"/>
+          </p:nvPr>
+        </p:nvSpPr>
+        <p:spPr/>
+        <p:txBody>
+          <a:bodyPr/>
+          <a:lstStyle/>
+          <a:p>
+            <a:endParaRPr lang="en-US"/>
+          </a:p>
+        </p:txBody>
+      </p:sp>
+    </p:spTree>
+  </p:cSld>
+  <p:clrMapOvr>
+    <a:masterClrMapping/>
+  </p:clrMapOvr>
+</p:sld>
+</file>
+
+<file path=ppt/slides/slide4.xml><?xml version="1.0" encoding="utf-8"?>
+<p:sld xmlns:a="http://schemas.openxmlformats.org/drawingml/2006/main" xmlns:r="http://schemas.openxmlformats.org/officeDocument/2006/relationships" xmlns:p="http://schemas.openxmlformats.org/presentationml/2006/main">
+  <p:cSld>
+    <p:spTree>
+      <p:nvGrpSpPr>
+        <p:cNvPr id="1" name=""/>
+        <p:cNvGrpSpPr/>
+        <p:nvPr/>
+      </p:nvGrpSpPr>
+      <p:grpSpPr>
+        <a:xfrm>
+          <a:off x="0" y="0"/>
+          <a:ext cx="0" cy="0"/>
+          <a:chOff x="0" y="0"/>
+          <a:chExt cx="0" cy="0"/>
+        </a:xfrm>
+      </p:grpSpPr>
+      <p:sp>
+        <p:nvSpPr>
+          <p:cNvPr id="2" name="Title 1"/>
+          <p:cNvSpPr>
+            <a:spLocks noGrp="1"/>
+          </p:cNvSpPr>
+          <p:nvPr>
+            <p:ph type="title"/>
+          </p:nvPr>
+        </p:nvSpPr>
+        <p:spPr/>
+        <p:txBody>
+          <a:bodyPr/>
+          <a:lstStyle/>
+          <a:p>
+            <a:r>
+              <a:rPr lang="nl-BE" dirty="0" smtClean="0"/>
+              <a:t>eXtreme</a:t>
+            </a:r>
+            <a:r>
+              <a:rPr lang="nl-BE" baseline="0" dirty="0" smtClean="0"/>
+              <a:t> Programming</a:t>
+            </a:r>
+            <a:endParaRPr lang="en-US" dirty="0"/>
+          </a:p>
+        </p:txBody>
+      </p:sp>
+      <p:sp>
+        <p:nvSpPr>
+          <p:cNvPr id="3" name="Content Placeholder 2"/>
+          <p:cNvSpPr>
+            <a:spLocks noGrp="1"/>
+          </p:cNvSpPr>
+          <p:nvPr>
+            <p:ph idx="1"/>
+          </p:nvPr>
+        </p:nvSpPr>
+        <p:spPr/>
+        <p:txBody>
+          <a:bodyPr/>
+          <a:lstStyle/>
+          <a:p>
+            <a:endParaRPr lang="en-US"/>
+          </a:p>
+        </p:txBody>
+      </p:sp>
+    </p:spTree>
+  </p:cSld>
+  <p:clrMapOvr>
+    <a:masterClrMapping/>
+  </p:clrMapOvr>
+</p:sld>
+</file>
+
+<file path=ppt/slides/slide5.xml><?xml version="1.0" encoding="utf-8"?>
+<p:sld xmlns:a="http://schemas.openxmlformats.org/drawingml/2006/main" xmlns:r="http://schemas.openxmlformats.org/officeDocument/2006/relationships" xmlns:p="http://schemas.openxmlformats.org/presentationml/2006/main">
+  <p:cSld>
+    <p:spTree>
+      <p:nvGrpSpPr>
+        <p:cNvPr id="1" name=""/>
+        <p:cNvGrpSpPr/>
+        <p:nvPr/>
+      </p:nvGrpSpPr>
+      <p:grpSpPr>
+        <a:xfrm>
+          <a:off x="0" y="0"/>
+          <a:ext cx="0" cy="0"/>
+          <a:chOff x="0" y="0"/>
+          <a:chExt cx="0" cy="0"/>
+        </a:xfrm>
+      </p:grpSpPr>
+      <p:sp>
+        <p:nvSpPr>
+          <p:cNvPr id="2" name="Title 1"/>
+          <p:cNvSpPr>
+            <a:spLocks noGrp="1"/>
+          </p:cNvSpPr>
+          <p:nvPr>
+            <p:ph type="title"/>
+          </p:nvPr>
+        </p:nvSpPr>
+        <p:spPr/>
+        <p:txBody>
+          <a:bodyPr/>
+          <a:lstStyle/>
+          <a:p>
+            <a:r>
+              <a:rPr lang="nl-BE" dirty="0" smtClean="0"/>
+              <a:t>.net</a:t>
+            </a:r>
+            <a:endParaRPr lang="en-US" dirty="0"/>
+          </a:p>
+        </p:txBody>
+      </p:sp>
+      <p:sp>
+        <p:nvSpPr>
+          <p:cNvPr id="3" name="Content Placeholder 2"/>
+          <p:cNvSpPr>
+            <a:spLocks noGrp="1"/>
+          </p:cNvSpPr>
+          <p:nvPr>
+            <p:ph idx="1"/>
+          </p:nvPr>
+        </p:nvSpPr>
+        <p:spPr/>
+        <p:txBody>
+          <a:bodyPr/>
+          <a:lstStyle/>
+          <a:p>
+            <a:endParaRPr lang="en-US"/>
+          </a:p>
+        </p:txBody>
+      </p:sp>
+    </p:spTree>
+  </p:cSld>
+  <p:clrMapOvr>
+    <a:masterClrMapping/>
+  </p:clrMapOvr>
+</p:sld>
+</file>
+
+<file path=ppt/slides/slide6.xml><?xml version="1.0" encoding="utf-8"?>
+<p:sld xmlns:a="http://schemas.openxmlformats.org/drawingml/2006/main" xmlns:r="http://schemas.openxmlformats.org/officeDocument/2006/relationships" xmlns:p="http://schemas.openxmlformats.org/presentationml/2006/main">
+  <p:cSld>
+    <p:spTree>
+      <p:nvGrpSpPr>
+        <p:cNvPr id="1" name=""/>
+        <p:cNvGrpSpPr/>
+        <p:nvPr/>
+      </p:nvGrpSpPr>
+      <p:grpSpPr>
+        <a:xfrm>
+          <a:off x="0" y="0"/>
+          <a:ext cx="0" cy="0"/>
+          <a:chOff x="0" y="0"/>
+          <a:chExt cx="0" cy="0"/>
+        </a:xfrm>
+      </p:grpSpPr>
+      <p:sp>
+        <p:nvSpPr>
+          <p:cNvPr id="2" name="Title 1"/>
+          <p:cNvSpPr>
+            <a:spLocks noGrp="1"/>
+          </p:cNvSpPr>
+          <p:nvPr>
+            <p:ph type="title"/>
+          </p:nvPr>
+        </p:nvSpPr>
+        <p:spPr/>
+        <p:txBody>
+          <a:bodyPr/>
+          <a:lstStyle/>
+          <a:p>
+            <a:r>
+              <a:rPr lang="nl-BE" dirty="0" smtClean="0"/>
+              <a:t>Artilium</a:t>
+            </a:r>
+            <a:endParaRPr lang="en-US" dirty="0"/>
+          </a:p>
+        </p:txBody>
+      </p:sp>
+      <p:sp>
+        <p:nvSpPr>
+          <p:cNvPr id="3" name="Content Placeholder 2"/>
+          <p:cNvSpPr>
+            <a:spLocks noGrp="1"/>
+          </p:cNvSpPr>
+          <p:nvPr>
+            <p:ph idx="1"/>
+          </p:nvPr>
+        </p:nvSpPr>
+        <p:spPr/>
+        <p:txBody>
+          <a:bodyPr/>
+          <a:lstStyle/>
+          <a:p>
+            <a:endParaRPr lang="en-US"/>
+          </a:p>
+        </p:txBody>
+      </p:sp>
+    </p:spTree>
+  </p:cSld>
+  <p:clrMapOvr>
+    <a:masterClrMapping/>
+  </p:clrMapOvr>
+</p:sld>
+</file>
+
+<file path=ppt/slides/slide7.xml><?xml version="1.0" encoding="utf-8"?>
+<p:sld xmlns:a="http://schemas.openxmlformats.org/drawingml/2006/main" xmlns:r="http://schemas.openxmlformats.org/officeDocument/2006/relationships" xmlns:p="http://schemas.openxmlformats.org/presentationml/2006/main">
+  <p:cSld>
+    <p:spTree>
+      <p:nvGrpSpPr>
+        <p:cNvPr id="1" name=""/>
+        <p:cNvGrpSpPr/>
+        <p:nvPr/>
+      </p:nvGrpSpPr>
+      <p:grpSpPr>
+        <a:xfrm>
+          <a:off x="0" y="0"/>
+          <a:ext cx="0" cy="0"/>
+          <a:chOff x="0" y="0"/>
+          <a:chExt cx="0" cy="0"/>
+        </a:xfrm>
+      </p:grpSpPr>
+      <p:sp>
+        <p:nvSpPr>
+          <p:cNvPr id="2" name="Title 1"/>
+          <p:cNvSpPr>
+            <a:spLocks noGrp="1"/>
+          </p:cNvSpPr>
+          <p:nvPr>
+            <p:ph type="title"/>
+          </p:nvPr>
+        </p:nvSpPr>
+        <p:spPr/>
+        <p:txBody>
+          <a:bodyPr/>
+          <a:lstStyle/>
+          <a:p>
+            <a:r>
+              <a:rPr lang="nl-BE" dirty="0" smtClean="0"/>
+              <a:t>Artilium: team room</a:t>
+            </a:r>
+            <a:endParaRPr lang="en-US" dirty="0"/>
+          </a:p>
+        </p:txBody>
+      </p:sp>
+      <p:sp>
+        <p:nvSpPr>
+          <p:cNvPr id="3" name="Content Placeholder 2"/>
+          <p:cNvSpPr>
+            <a:spLocks noGrp="1"/>
+          </p:cNvSpPr>
+          <p:nvPr>
+            <p:ph idx="1"/>
+          </p:nvPr>
+        </p:nvSpPr>
+        <p:spPr/>
+        <p:txBody>
+          <a:bodyPr/>
+          <a:lstStyle/>
+          <a:p>
+            <a:endParaRPr lang="en-US"/>
+          </a:p>
+        </p:txBody>
+      </p:sp>
+    </p:spTree>
+  </p:cSld>
+  <p:clrMapOvr>
+    <a:masterClrMapping/>
+  </p:clrMapOvr>
+</p:sld>
+</file>
+
+<file path=ppt/slides/slide8.xml><?xml version="1.0" encoding="utf-8"?>
+<p:sld xmlns:a="http://schemas.openxmlformats.org/drawingml/2006/main" xmlns:r="http://schemas.openxmlformats.org/officeDocument/2006/relationships" xmlns:p="http://schemas.openxmlformats.org/presentationml/2006/main">
+  <p:cSld>
+    <p:spTree>
+      <p:nvGrpSpPr>
+        <p:cNvPr id="1" name=""/>
+        <p:cNvGrpSpPr/>
+        <p:nvPr/>
+      </p:nvGrpSpPr>
+      <p:grpSpPr>
+        <a:xfrm>
+          <a:off x="0" y="0"/>
+          <a:ext cx="0" cy="0"/>
+          <a:chOff x="0" y="0"/>
+          <a:chExt cx="0" cy="0"/>
+        </a:xfrm>
+      </p:grpSpPr>
+      <p:sp>
+        <p:nvSpPr>
+          <p:cNvPr id="2" name="Title 1"/>
+          <p:cNvSpPr>
+            <a:spLocks noGrp="1"/>
+          </p:cNvSpPr>
+          <p:nvPr>
+            <p:ph type="title"/>
+          </p:nvPr>
+        </p:nvSpPr>
+        <p:spPr/>
+        <p:txBody>
+          <a:bodyPr/>
+          <a:lstStyle/>
+          <a:p>
+            <a:r>
+              <a:rPr lang="nl-BE" dirty="0" smtClean="0"/>
+              <a:t>Artilium: evolution</a:t>
+            </a:r>
+            <a:endParaRPr lang="en-US" dirty="0"/>
+          </a:p>
+        </p:txBody>
+      </p:sp>
+      <p:sp>
+        <p:nvSpPr>
+          <p:cNvPr id="3" name="Content Placeholder 2"/>
+          <p:cNvSpPr>
+            <a:spLocks noGrp="1"/>
+          </p:cNvSpPr>
+          <p:nvPr>
+            <p:ph idx="1"/>
+          </p:nvPr>
+        </p:nvSpPr>
+        <p:spPr/>
+        <p:txBody>
+          <a:bodyPr/>
+          <a:lstStyle/>
+          <a:p>
+            <a:endParaRPr lang="en-US"/>
+          </a:p>
+        </p:txBody>
+      </p:sp>
+    </p:spTree>
+  </p:cSld>
+  <p:clrMapOvr>
+    <a:masterClrMapping/>
+  </p:clrMapOvr>
+</p:sld>
+</file>
+
+<file path=ppt/slides/slide9.xml><?xml version="1.0" encoding="utf-8"?>
+<p:sld xmlns:a="http://schemas.openxmlformats.org/drawingml/2006/main" xmlns:r="http://schemas.openxmlformats.org/officeDocument/2006/relationships" xmlns:p="http://schemas.openxmlformats.org/presentationml/2006/main">
+  <p:cSld>
+    <p:spTree>
+      <p:nvGrpSpPr>
+        <p:cNvPr id="1" name=""/>
+        <p:cNvGrpSpPr/>
+        <p:nvPr/>
+      </p:nvGrpSpPr>
+      <p:grpSpPr>
+        <a:xfrm>
+          <a:off x="0" y="0"/>
+          <a:ext cx="0" cy="0"/>
+          <a:chOff x="0" y="0"/>
+          <a:chExt cx="0" cy="0"/>
+        </a:xfrm>
+      </p:grpSpPr>
+      <p:sp>
+        <p:nvSpPr>
+          <p:cNvPr id="2" name="Title 1"/>
+          <p:cNvSpPr>
+            <a:spLocks noGrp="1"/>
+          </p:cNvSpPr>
+          <p:nvPr>
+            <p:ph type="title"/>
+          </p:nvPr>
+        </p:nvSpPr>
+        <p:spPr/>
+        <p:txBody>
+          <a:bodyPr/>
+          <a:lstStyle/>
+          <a:p>
+            <a:r>
+              <a:rPr lang="nl-BE" dirty="0" smtClean="0"/>
+              <a:t>Artilium: people</a:t>
+            </a:r>
             <a:endParaRPr lang="en-US" dirty="0"/>
           </a:p>
         </p:txBody>

--- a/trunk/Agile.net/Agile.net.pptx
+++ b/trunk/Agile.net/Agile.net.pptx
@@ -3,18 +3,27 @@
 <p:presentation xmlns:a="http://schemas.openxmlformats.org/drawingml/2006/main" xmlns:r="http://schemas.openxmlformats.org/officeDocument/2006/relationships" xmlns:p="http://schemas.openxmlformats.org/presentationml/2006/main" saveSubsetFonts="1">
   <p:sldMasterIdLst>
     <p:sldMasterId id="2147483660" r:id="rId1"/>
+    <p:sldMasterId id="2147483672" r:id="rId2"/>
   </p:sldMasterIdLst>
   <p:sldIdLst>
-    <p:sldId id="256" r:id="rId2"/>
-    <p:sldId id="257" r:id="rId3"/>
-    <p:sldId id="258" r:id="rId4"/>
-    <p:sldId id="259" r:id="rId5"/>
-    <p:sldId id="260" r:id="rId6"/>
-    <p:sldId id="261" r:id="rId7"/>
-    <p:sldId id="262" r:id="rId8"/>
-    <p:sldId id="263" r:id="rId9"/>
-    <p:sldId id="264" r:id="rId10"/>
-    <p:sldId id="265" r:id="rId11"/>
+    <p:sldId id="256" r:id="rId3"/>
+    <p:sldId id="275" r:id="rId4"/>
+    <p:sldId id="258" r:id="rId5"/>
+    <p:sldId id="266" r:id="rId6"/>
+    <p:sldId id="268" r:id="rId7"/>
+    <p:sldId id="259" r:id="rId8"/>
+    <p:sldId id="269" r:id="rId9"/>
+    <p:sldId id="261" r:id="rId10"/>
+    <p:sldId id="262" r:id="rId11"/>
+    <p:sldId id="270" r:id="rId12"/>
+    <p:sldId id="271" r:id="rId13"/>
+    <p:sldId id="272" r:id="rId14"/>
+    <p:sldId id="273" r:id="rId15"/>
+    <p:sldId id="274" r:id="rId16"/>
+    <p:sldId id="276" r:id="rId17"/>
+    <p:sldId id="263" r:id="rId18"/>
+    <p:sldId id="264" r:id="rId19"/>
+    <p:sldId id="265" r:id="rId20"/>
   </p:sldIdLst>
   <p:sldSz cx="9144000" cy="6858000" type="screen4x3"/>
   <p:notesSz cx="6858000" cy="9144000"/>
@@ -251,7 +260,7 @@
             <a:fld id="{09609310-A27C-4486-85E6-BEA22C115EFC}" type="datetimeFigureOut">
               <a:rPr lang="en-US" smtClean="0"/>
               <a:pPr/>
-              <a:t>11/10/2008</a:t>
+              <a:t>11/11/2008</a:t>
             </a:fld>
             <a:endParaRPr lang="en-US"/>
           </a:p>
@@ -447,6 +456,16 @@
   <p:clrMapOvr>
     <a:masterClrMapping/>
   </p:clrMapOvr>
+  <p:transition>
+    <p:fade/>
+  </p:transition>
+  <p:timing>
+    <p:tnLst>
+      <p:par>
+        <p:cTn id="1" dur="indefinite" restart="never" nodeType="tmRoot"/>
+      </p:par>
+    </p:tnLst>
+  </p:timing>
 </p:sldLayout>
 </file>
 
@@ -566,7 +585,7 @@
             <a:fld id="{09609310-A27C-4486-85E6-BEA22C115EFC}" type="datetimeFigureOut">
               <a:rPr lang="en-US" smtClean="0"/>
               <a:pPr/>
-              <a:t>11/10/2008</a:t>
+              <a:t>11/11/2008</a:t>
             </a:fld>
             <a:endParaRPr lang="en-US"/>
           </a:p>
@@ -624,6 +643,9 @@
   <p:clrMapOvr>
     <a:masterClrMapping/>
   </p:clrMapOvr>
+  <p:transition>
+    <p:fade/>
+  </p:transition>
 </p:sldLayout>
 </file>
 
@@ -753,7 +775,7 @@
             <a:fld id="{09609310-A27C-4486-85E6-BEA22C115EFC}" type="datetimeFigureOut">
               <a:rPr lang="en-US" smtClean="0"/>
               <a:pPr/>
-              <a:t>11/10/2008</a:t>
+              <a:t>11/11/2008</a:t>
             </a:fld>
             <a:endParaRPr lang="en-US"/>
           </a:p>
@@ -811,6 +833,1851 @@
   <p:clrMapOvr>
     <a:masterClrMapping/>
   </p:clrMapOvr>
+  <p:transition>
+    <p:fade/>
+  </p:transition>
+</p:sldLayout>
+</file>
+
+<file path=ppt/slideLayouts/slideLayout12.xml><?xml version="1.0" encoding="utf-8"?>
+<p:sldLayout xmlns:a="http://schemas.openxmlformats.org/drawingml/2006/main" xmlns:r="http://schemas.openxmlformats.org/officeDocument/2006/relationships" xmlns:p="http://schemas.openxmlformats.org/presentationml/2006/main" type="title" preserve="1">
+  <p:cSld name="Title Slide">
+    <p:spTree>
+      <p:nvGrpSpPr>
+        <p:cNvPr id="1" name=""/>
+        <p:cNvGrpSpPr/>
+        <p:nvPr/>
+      </p:nvGrpSpPr>
+      <p:grpSpPr>
+        <a:xfrm>
+          <a:off x="0" y="0"/>
+          <a:ext cx="0" cy="0"/>
+          <a:chOff x="0" y="0"/>
+          <a:chExt cx="0" cy="0"/>
+        </a:xfrm>
+      </p:grpSpPr>
+      <p:sp>
+        <p:nvSpPr>
+          <p:cNvPr id="2" name="Title 1"/>
+          <p:cNvSpPr>
+            <a:spLocks noGrp="1"/>
+          </p:cNvSpPr>
+          <p:nvPr>
+            <p:ph type="ctrTitle"/>
+          </p:nvPr>
+        </p:nvSpPr>
+        <p:spPr>
+          <a:xfrm>
+            <a:off x="685800" y="2130425"/>
+            <a:ext cx="7772400" cy="1470025"/>
+          </a:xfrm>
+        </p:spPr>
+        <p:txBody>
+          <a:bodyPr/>
+          <a:lstStyle/>
+          <a:p>
+            <a:r>
+              <a:rPr lang="en-US" smtClean="0"/>
+              <a:t>Click to edit Master title style</a:t>
+            </a:r>
+            <a:endParaRPr lang="en-US"/>
+          </a:p>
+        </p:txBody>
+      </p:sp>
+      <p:sp>
+        <p:nvSpPr>
+          <p:cNvPr id="3" name="Subtitle 2"/>
+          <p:cNvSpPr>
+            <a:spLocks noGrp="1"/>
+          </p:cNvSpPr>
+          <p:nvPr>
+            <p:ph type="subTitle" idx="1"/>
+          </p:nvPr>
+        </p:nvSpPr>
+        <p:spPr>
+          <a:xfrm>
+            <a:off x="1371600" y="3886200"/>
+            <a:ext cx="6400800" cy="1752600"/>
+          </a:xfrm>
+        </p:spPr>
+        <p:txBody>
+          <a:bodyPr/>
+          <a:lstStyle>
+            <a:lvl1pPr marL="0" indent="0" algn="ctr">
+              <a:buNone/>
+              <a:defRPr>
+                <a:solidFill>
+                  <a:schemeClr val="tx1">
+                    <a:tint val="75000"/>
+                  </a:schemeClr>
+                </a:solidFill>
+              </a:defRPr>
+            </a:lvl1pPr>
+            <a:lvl2pPr marL="457200" indent="0" algn="ctr">
+              <a:buNone/>
+              <a:defRPr>
+                <a:solidFill>
+                  <a:schemeClr val="tx1">
+                    <a:tint val="75000"/>
+                  </a:schemeClr>
+                </a:solidFill>
+              </a:defRPr>
+            </a:lvl2pPr>
+            <a:lvl3pPr marL="914400" indent="0" algn="ctr">
+              <a:buNone/>
+              <a:defRPr>
+                <a:solidFill>
+                  <a:schemeClr val="tx1">
+                    <a:tint val="75000"/>
+                  </a:schemeClr>
+                </a:solidFill>
+              </a:defRPr>
+            </a:lvl3pPr>
+            <a:lvl4pPr marL="1371600" indent="0" algn="ctr">
+              <a:buNone/>
+              <a:defRPr>
+                <a:solidFill>
+                  <a:schemeClr val="tx1">
+                    <a:tint val="75000"/>
+                  </a:schemeClr>
+                </a:solidFill>
+              </a:defRPr>
+            </a:lvl4pPr>
+            <a:lvl5pPr marL="1828800" indent="0" algn="ctr">
+              <a:buNone/>
+              <a:defRPr>
+                <a:solidFill>
+                  <a:schemeClr val="tx1">
+                    <a:tint val="75000"/>
+                  </a:schemeClr>
+                </a:solidFill>
+              </a:defRPr>
+            </a:lvl5pPr>
+            <a:lvl6pPr marL="2286000" indent="0" algn="ctr">
+              <a:buNone/>
+              <a:defRPr>
+                <a:solidFill>
+                  <a:schemeClr val="tx1">
+                    <a:tint val="75000"/>
+                  </a:schemeClr>
+                </a:solidFill>
+              </a:defRPr>
+            </a:lvl6pPr>
+            <a:lvl7pPr marL="2743200" indent="0" algn="ctr">
+              <a:buNone/>
+              <a:defRPr>
+                <a:solidFill>
+                  <a:schemeClr val="tx1">
+                    <a:tint val="75000"/>
+                  </a:schemeClr>
+                </a:solidFill>
+              </a:defRPr>
+            </a:lvl7pPr>
+            <a:lvl8pPr marL="3200400" indent="0" algn="ctr">
+              <a:buNone/>
+              <a:defRPr>
+                <a:solidFill>
+                  <a:schemeClr val="tx1">
+                    <a:tint val="75000"/>
+                  </a:schemeClr>
+                </a:solidFill>
+              </a:defRPr>
+            </a:lvl8pPr>
+            <a:lvl9pPr marL="3657600" indent="0" algn="ctr">
+              <a:buNone/>
+              <a:defRPr>
+                <a:solidFill>
+                  <a:schemeClr val="tx1">
+                    <a:tint val="75000"/>
+                  </a:schemeClr>
+                </a:solidFill>
+              </a:defRPr>
+            </a:lvl9pPr>
+          </a:lstStyle>
+          <a:p>
+            <a:r>
+              <a:rPr lang="en-US" smtClean="0"/>
+              <a:t>Click to edit Master subtitle style</a:t>
+            </a:r>
+            <a:endParaRPr lang="en-US"/>
+          </a:p>
+        </p:txBody>
+      </p:sp>
+      <p:sp>
+        <p:nvSpPr>
+          <p:cNvPr id="4" name="Date Placeholder 3"/>
+          <p:cNvSpPr>
+            <a:spLocks noGrp="1"/>
+          </p:cNvSpPr>
+          <p:nvPr>
+            <p:ph type="dt" sz="half" idx="10"/>
+          </p:nvPr>
+        </p:nvSpPr>
+        <p:spPr/>
+        <p:txBody>
+          <a:bodyPr/>
+          <a:lstStyle/>
+          <a:p>
+            <a:fld id="{5AB54E97-EA14-4D6D-B65E-B97DF81584A8}" type="datetimeFigureOut">
+              <a:rPr lang="en-US" smtClean="0"/>
+              <a:t>11/11/2008</a:t>
+            </a:fld>
+            <a:endParaRPr lang="en-US"/>
+          </a:p>
+        </p:txBody>
+      </p:sp>
+      <p:sp>
+        <p:nvSpPr>
+          <p:cNvPr id="5" name="Footer Placeholder 4"/>
+          <p:cNvSpPr>
+            <a:spLocks noGrp="1"/>
+          </p:cNvSpPr>
+          <p:nvPr>
+            <p:ph type="ftr" sz="quarter" idx="11"/>
+          </p:nvPr>
+        </p:nvSpPr>
+        <p:spPr/>
+        <p:txBody>
+          <a:bodyPr/>
+          <a:lstStyle/>
+          <a:p>
+            <a:endParaRPr lang="en-US"/>
+          </a:p>
+        </p:txBody>
+      </p:sp>
+      <p:sp>
+        <p:nvSpPr>
+          <p:cNvPr id="6" name="Slide Number Placeholder 5"/>
+          <p:cNvSpPr>
+            <a:spLocks noGrp="1"/>
+          </p:cNvSpPr>
+          <p:nvPr>
+            <p:ph type="sldNum" sz="quarter" idx="12"/>
+          </p:nvPr>
+        </p:nvSpPr>
+        <p:spPr/>
+        <p:txBody>
+          <a:bodyPr/>
+          <a:lstStyle/>
+          <a:p>
+            <a:fld id="{C2E99204-D3AF-4B0E-B808-5AFF8377D7BB}" type="slidenum">
+              <a:rPr lang="en-US" smtClean="0"/>
+              <a:t>‹#›</a:t>
+            </a:fld>
+            <a:endParaRPr lang="en-US"/>
+          </a:p>
+        </p:txBody>
+      </p:sp>
+    </p:spTree>
+  </p:cSld>
+  <p:clrMapOvr>
+    <a:masterClrMapping/>
+  </p:clrMapOvr>
+  <p:transition>
+    <p:fade/>
+  </p:transition>
+</p:sldLayout>
+</file>
+
+<file path=ppt/slideLayouts/slideLayout13.xml><?xml version="1.0" encoding="utf-8"?>
+<p:sldLayout xmlns:a="http://schemas.openxmlformats.org/drawingml/2006/main" xmlns:r="http://schemas.openxmlformats.org/officeDocument/2006/relationships" xmlns:p="http://schemas.openxmlformats.org/presentationml/2006/main" type="obj" preserve="1">
+  <p:cSld name="Title and Content">
+    <p:spTree>
+      <p:nvGrpSpPr>
+        <p:cNvPr id="1" name=""/>
+        <p:cNvGrpSpPr/>
+        <p:nvPr/>
+      </p:nvGrpSpPr>
+      <p:grpSpPr>
+        <a:xfrm>
+          <a:off x="0" y="0"/>
+          <a:ext cx="0" cy="0"/>
+          <a:chOff x="0" y="0"/>
+          <a:chExt cx="0" cy="0"/>
+        </a:xfrm>
+      </p:grpSpPr>
+      <p:sp>
+        <p:nvSpPr>
+          <p:cNvPr id="2" name="Title 1"/>
+          <p:cNvSpPr>
+            <a:spLocks noGrp="1"/>
+          </p:cNvSpPr>
+          <p:nvPr>
+            <p:ph type="title"/>
+          </p:nvPr>
+        </p:nvSpPr>
+        <p:spPr/>
+        <p:txBody>
+          <a:bodyPr/>
+          <a:lstStyle/>
+          <a:p>
+            <a:r>
+              <a:rPr lang="en-US" smtClean="0"/>
+              <a:t>Click to edit Master title style</a:t>
+            </a:r>
+            <a:endParaRPr lang="en-US"/>
+          </a:p>
+        </p:txBody>
+      </p:sp>
+      <p:sp>
+        <p:nvSpPr>
+          <p:cNvPr id="3" name="Content Placeholder 2"/>
+          <p:cNvSpPr>
+            <a:spLocks noGrp="1"/>
+          </p:cNvSpPr>
+          <p:nvPr>
+            <p:ph idx="1"/>
+          </p:nvPr>
+        </p:nvSpPr>
+        <p:spPr/>
+        <p:txBody>
+          <a:bodyPr/>
+          <a:lstStyle/>
+          <a:p>
+            <a:pPr lvl="0"/>
+            <a:r>
+              <a:rPr lang="en-US" smtClean="0"/>
+              <a:t>Click to edit Master text styles</a:t>
+            </a:r>
+          </a:p>
+          <a:p>
+            <a:pPr lvl="1"/>
+            <a:r>
+              <a:rPr lang="en-US" smtClean="0"/>
+              <a:t>Second level</a:t>
+            </a:r>
+          </a:p>
+          <a:p>
+            <a:pPr lvl="2"/>
+            <a:r>
+              <a:rPr lang="en-US" smtClean="0"/>
+              <a:t>Third level</a:t>
+            </a:r>
+          </a:p>
+          <a:p>
+            <a:pPr lvl="3"/>
+            <a:r>
+              <a:rPr lang="en-US" smtClean="0"/>
+              <a:t>Fourth level</a:t>
+            </a:r>
+          </a:p>
+          <a:p>
+            <a:pPr lvl="4"/>
+            <a:r>
+              <a:rPr lang="en-US" smtClean="0"/>
+              <a:t>Fifth level</a:t>
+            </a:r>
+            <a:endParaRPr lang="en-US"/>
+          </a:p>
+        </p:txBody>
+      </p:sp>
+      <p:sp>
+        <p:nvSpPr>
+          <p:cNvPr id="4" name="Date Placeholder 3"/>
+          <p:cNvSpPr>
+            <a:spLocks noGrp="1"/>
+          </p:cNvSpPr>
+          <p:nvPr>
+            <p:ph type="dt" sz="half" idx="10"/>
+          </p:nvPr>
+        </p:nvSpPr>
+        <p:spPr/>
+        <p:txBody>
+          <a:bodyPr/>
+          <a:lstStyle/>
+          <a:p>
+            <a:fld id="{5AB54E97-EA14-4D6D-B65E-B97DF81584A8}" type="datetimeFigureOut">
+              <a:rPr lang="en-US" smtClean="0"/>
+              <a:t>11/11/2008</a:t>
+            </a:fld>
+            <a:endParaRPr lang="en-US"/>
+          </a:p>
+        </p:txBody>
+      </p:sp>
+      <p:sp>
+        <p:nvSpPr>
+          <p:cNvPr id="5" name="Footer Placeholder 4"/>
+          <p:cNvSpPr>
+            <a:spLocks noGrp="1"/>
+          </p:cNvSpPr>
+          <p:nvPr>
+            <p:ph type="ftr" sz="quarter" idx="11"/>
+          </p:nvPr>
+        </p:nvSpPr>
+        <p:spPr/>
+        <p:txBody>
+          <a:bodyPr/>
+          <a:lstStyle/>
+          <a:p>
+            <a:endParaRPr lang="en-US"/>
+          </a:p>
+        </p:txBody>
+      </p:sp>
+      <p:sp>
+        <p:nvSpPr>
+          <p:cNvPr id="6" name="Slide Number Placeholder 5"/>
+          <p:cNvSpPr>
+            <a:spLocks noGrp="1"/>
+          </p:cNvSpPr>
+          <p:nvPr>
+            <p:ph type="sldNum" sz="quarter" idx="12"/>
+          </p:nvPr>
+        </p:nvSpPr>
+        <p:spPr/>
+        <p:txBody>
+          <a:bodyPr/>
+          <a:lstStyle/>
+          <a:p>
+            <a:fld id="{C2E99204-D3AF-4B0E-B808-5AFF8377D7BB}" type="slidenum">
+              <a:rPr lang="en-US" smtClean="0"/>
+              <a:t>‹#›</a:t>
+            </a:fld>
+            <a:endParaRPr lang="en-US"/>
+          </a:p>
+        </p:txBody>
+      </p:sp>
+    </p:spTree>
+  </p:cSld>
+  <p:clrMapOvr>
+    <a:masterClrMapping/>
+  </p:clrMapOvr>
+  <p:transition>
+    <p:fade/>
+  </p:transition>
+</p:sldLayout>
+</file>
+
+<file path=ppt/slideLayouts/slideLayout14.xml><?xml version="1.0" encoding="utf-8"?>
+<p:sldLayout xmlns:a="http://schemas.openxmlformats.org/drawingml/2006/main" xmlns:r="http://schemas.openxmlformats.org/officeDocument/2006/relationships" xmlns:p="http://schemas.openxmlformats.org/presentationml/2006/main" type="secHead" preserve="1">
+  <p:cSld name="Section Header">
+    <p:spTree>
+      <p:nvGrpSpPr>
+        <p:cNvPr id="1" name=""/>
+        <p:cNvGrpSpPr/>
+        <p:nvPr/>
+      </p:nvGrpSpPr>
+      <p:grpSpPr>
+        <a:xfrm>
+          <a:off x="0" y="0"/>
+          <a:ext cx="0" cy="0"/>
+          <a:chOff x="0" y="0"/>
+          <a:chExt cx="0" cy="0"/>
+        </a:xfrm>
+      </p:grpSpPr>
+      <p:sp>
+        <p:nvSpPr>
+          <p:cNvPr id="2" name="Title 1"/>
+          <p:cNvSpPr>
+            <a:spLocks noGrp="1"/>
+          </p:cNvSpPr>
+          <p:nvPr>
+            <p:ph type="title"/>
+          </p:nvPr>
+        </p:nvSpPr>
+        <p:spPr>
+          <a:xfrm>
+            <a:off x="722313" y="4406900"/>
+            <a:ext cx="7772400" cy="1362075"/>
+          </a:xfrm>
+        </p:spPr>
+        <p:txBody>
+          <a:bodyPr anchor="t"/>
+          <a:lstStyle>
+            <a:lvl1pPr algn="l">
+              <a:defRPr sz="4000" b="1" cap="all"/>
+            </a:lvl1pPr>
+          </a:lstStyle>
+          <a:p>
+            <a:r>
+              <a:rPr lang="en-US" smtClean="0"/>
+              <a:t>Click to edit Master title style</a:t>
+            </a:r>
+            <a:endParaRPr lang="en-US"/>
+          </a:p>
+        </p:txBody>
+      </p:sp>
+      <p:sp>
+        <p:nvSpPr>
+          <p:cNvPr id="3" name="Text Placeholder 2"/>
+          <p:cNvSpPr>
+            <a:spLocks noGrp="1"/>
+          </p:cNvSpPr>
+          <p:nvPr>
+            <p:ph type="body" idx="1"/>
+          </p:nvPr>
+        </p:nvSpPr>
+        <p:spPr>
+          <a:xfrm>
+            <a:off x="722313" y="2906713"/>
+            <a:ext cx="7772400" cy="1500187"/>
+          </a:xfrm>
+        </p:spPr>
+        <p:txBody>
+          <a:bodyPr anchor="b"/>
+          <a:lstStyle>
+            <a:lvl1pPr marL="0" indent="0">
+              <a:buNone/>
+              <a:defRPr sz="2000">
+                <a:solidFill>
+                  <a:schemeClr val="tx1">
+                    <a:tint val="75000"/>
+                  </a:schemeClr>
+                </a:solidFill>
+              </a:defRPr>
+            </a:lvl1pPr>
+            <a:lvl2pPr marL="457200" indent="0">
+              <a:buNone/>
+              <a:defRPr sz="1800">
+                <a:solidFill>
+                  <a:schemeClr val="tx1">
+                    <a:tint val="75000"/>
+                  </a:schemeClr>
+                </a:solidFill>
+              </a:defRPr>
+            </a:lvl2pPr>
+            <a:lvl3pPr marL="914400" indent="0">
+              <a:buNone/>
+              <a:defRPr sz="1600">
+                <a:solidFill>
+                  <a:schemeClr val="tx1">
+                    <a:tint val="75000"/>
+                  </a:schemeClr>
+                </a:solidFill>
+              </a:defRPr>
+            </a:lvl3pPr>
+            <a:lvl4pPr marL="1371600" indent="0">
+              <a:buNone/>
+              <a:defRPr sz="1400">
+                <a:solidFill>
+                  <a:schemeClr val="tx1">
+                    <a:tint val="75000"/>
+                  </a:schemeClr>
+                </a:solidFill>
+              </a:defRPr>
+            </a:lvl4pPr>
+            <a:lvl5pPr marL="1828800" indent="0">
+              <a:buNone/>
+              <a:defRPr sz="1400">
+                <a:solidFill>
+                  <a:schemeClr val="tx1">
+                    <a:tint val="75000"/>
+                  </a:schemeClr>
+                </a:solidFill>
+              </a:defRPr>
+            </a:lvl5pPr>
+            <a:lvl6pPr marL="2286000" indent="0">
+              <a:buNone/>
+              <a:defRPr sz="1400">
+                <a:solidFill>
+                  <a:schemeClr val="tx1">
+                    <a:tint val="75000"/>
+                  </a:schemeClr>
+                </a:solidFill>
+              </a:defRPr>
+            </a:lvl6pPr>
+            <a:lvl7pPr marL="2743200" indent="0">
+              <a:buNone/>
+              <a:defRPr sz="1400">
+                <a:solidFill>
+                  <a:schemeClr val="tx1">
+                    <a:tint val="75000"/>
+                  </a:schemeClr>
+                </a:solidFill>
+              </a:defRPr>
+            </a:lvl7pPr>
+            <a:lvl8pPr marL="3200400" indent="0">
+              <a:buNone/>
+              <a:defRPr sz="1400">
+                <a:solidFill>
+                  <a:schemeClr val="tx1">
+                    <a:tint val="75000"/>
+                  </a:schemeClr>
+                </a:solidFill>
+              </a:defRPr>
+            </a:lvl8pPr>
+            <a:lvl9pPr marL="3657600" indent="0">
+              <a:buNone/>
+              <a:defRPr sz="1400">
+                <a:solidFill>
+                  <a:schemeClr val="tx1">
+                    <a:tint val="75000"/>
+                  </a:schemeClr>
+                </a:solidFill>
+              </a:defRPr>
+            </a:lvl9pPr>
+          </a:lstStyle>
+          <a:p>
+            <a:pPr lvl="0"/>
+            <a:r>
+              <a:rPr lang="en-US" smtClean="0"/>
+              <a:t>Click to edit Master text styles</a:t>
+            </a:r>
+          </a:p>
+        </p:txBody>
+      </p:sp>
+      <p:sp>
+        <p:nvSpPr>
+          <p:cNvPr id="4" name="Date Placeholder 3"/>
+          <p:cNvSpPr>
+            <a:spLocks noGrp="1"/>
+          </p:cNvSpPr>
+          <p:nvPr>
+            <p:ph type="dt" sz="half" idx="10"/>
+          </p:nvPr>
+        </p:nvSpPr>
+        <p:spPr/>
+        <p:txBody>
+          <a:bodyPr/>
+          <a:lstStyle/>
+          <a:p>
+            <a:fld id="{5AB54E97-EA14-4D6D-B65E-B97DF81584A8}" type="datetimeFigureOut">
+              <a:rPr lang="en-US" smtClean="0"/>
+              <a:t>11/11/2008</a:t>
+            </a:fld>
+            <a:endParaRPr lang="en-US"/>
+          </a:p>
+        </p:txBody>
+      </p:sp>
+      <p:sp>
+        <p:nvSpPr>
+          <p:cNvPr id="5" name="Footer Placeholder 4"/>
+          <p:cNvSpPr>
+            <a:spLocks noGrp="1"/>
+          </p:cNvSpPr>
+          <p:nvPr>
+            <p:ph type="ftr" sz="quarter" idx="11"/>
+          </p:nvPr>
+        </p:nvSpPr>
+        <p:spPr/>
+        <p:txBody>
+          <a:bodyPr/>
+          <a:lstStyle/>
+          <a:p>
+            <a:endParaRPr lang="en-US"/>
+          </a:p>
+        </p:txBody>
+      </p:sp>
+      <p:sp>
+        <p:nvSpPr>
+          <p:cNvPr id="6" name="Slide Number Placeholder 5"/>
+          <p:cNvSpPr>
+            <a:spLocks noGrp="1"/>
+          </p:cNvSpPr>
+          <p:nvPr>
+            <p:ph type="sldNum" sz="quarter" idx="12"/>
+          </p:nvPr>
+        </p:nvSpPr>
+        <p:spPr/>
+        <p:txBody>
+          <a:bodyPr/>
+          <a:lstStyle/>
+          <a:p>
+            <a:fld id="{C2E99204-D3AF-4B0E-B808-5AFF8377D7BB}" type="slidenum">
+              <a:rPr lang="en-US" smtClean="0"/>
+              <a:t>‹#›</a:t>
+            </a:fld>
+            <a:endParaRPr lang="en-US"/>
+          </a:p>
+        </p:txBody>
+      </p:sp>
+    </p:spTree>
+  </p:cSld>
+  <p:clrMapOvr>
+    <a:masterClrMapping/>
+  </p:clrMapOvr>
+  <p:transition>
+    <p:fade/>
+  </p:transition>
+</p:sldLayout>
+</file>
+
+<file path=ppt/slideLayouts/slideLayout15.xml><?xml version="1.0" encoding="utf-8"?>
+<p:sldLayout xmlns:a="http://schemas.openxmlformats.org/drawingml/2006/main" xmlns:r="http://schemas.openxmlformats.org/officeDocument/2006/relationships" xmlns:p="http://schemas.openxmlformats.org/presentationml/2006/main" type="twoObj" preserve="1">
+  <p:cSld name="Two Content">
+    <p:spTree>
+      <p:nvGrpSpPr>
+        <p:cNvPr id="1" name=""/>
+        <p:cNvGrpSpPr/>
+        <p:nvPr/>
+      </p:nvGrpSpPr>
+      <p:grpSpPr>
+        <a:xfrm>
+          <a:off x="0" y="0"/>
+          <a:ext cx="0" cy="0"/>
+          <a:chOff x="0" y="0"/>
+          <a:chExt cx="0" cy="0"/>
+        </a:xfrm>
+      </p:grpSpPr>
+      <p:sp>
+        <p:nvSpPr>
+          <p:cNvPr id="2" name="Title 1"/>
+          <p:cNvSpPr>
+            <a:spLocks noGrp="1"/>
+          </p:cNvSpPr>
+          <p:nvPr>
+            <p:ph type="title"/>
+          </p:nvPr>
+        </p:nvSpPr>
+        <p:spPr/>
+        <p:txBody>
+          <a:bodyPr/>
+          <a:lstStyle/>
+          <a:p>
+            <a:r>
+              <a:rPr lang="en-US" smtClean="0"/>
+              <a:t>Click to edit Master title style</a:t>
+            </a:r>
+            <a:endParaRPr lang="en-US"/>
+          </a:p>
+        </p:txBody>
+      </p:sp>
+      <p:sp>
+        <p:nvSpPr>
+          <p:cNvPr id="3" name="Content Placeholder 2"/>
+          <p:cNvSpPr>
+            <a:spLocks noGrp="1"/>
+          </p:cNvSpPr>
+          <p:nvPr>
+            <p:ph sz="half" idx="1"/>
+          </p:nvPr>
+        </p:nvSpPr>
+        <p:spPr>
+          <a:xfrm>
+            <a:off x="457200" y="1600200"/>
+            <a:ext cx="4038600" cy="4525963"/>
+          </a:xfrm>
+        </p:spPr>
+        <p:txBody>
+          <a:bodyPr/>
+          <a:lstStyle>
+            <a:lvl1pPr>
+              <a:defRPr sz="2800"/>
+            </a:lvl1pPr>
+            <a:lvl2pPr>
+              <a:defRPr sz="2400"/>
+            </a:lvl2pPr>
+            <a:lvl3pPr>
+              <a:defRPr sz="2000"/>
+            </a:lvl3pPr>
+            <a:lvl4pPr>
+              <a:defRPr sz="1800"/>
+            </a:lvl4pPr>
+            <a:lvl5pPr>
+              <a:defRPr sz="1800"/>
+            </a:lvl5pPr>
+            <a:lvl6pPr>
+              <a:defRPr sz="1800"/>
+            </a:lvl6pPr>
+            <a:lvl7pPr>
+              <a:defRPr sz="1800"/>
+            </a:lvl7pPr>
+            <a:lvl8pPr>
+              <a:defRPr sz="1800"/>
+            </a:lvl8pPr>
+            <a:lvl9pPr>
+              <a:defRPr sz="1800"/>
+            </a:lvl9pPr>
+          </a:lstStyle>
+          <a:p>
+            <a:pPr lvl="0"/>
+            <a:r>
+              <a:rPr lang="en-US" smtClean="0"/>
+              <a:t>Click to edit Master text styles</a:t>
+            </a:r>
+          </a:p>
+          <a:p>
+            <a:pPr lvl="1"/>
+            <a:r>
+              <a:rPr lang="en-US" smtClean="0"/>
+              <a:t>Second level</a:t>
+            </a:r>
+          </a:p>
+          <a:p>
+            <a:pPr lvl="2"/>
+            <a:r>
+              <a:rPr lang="en-US" smtClean="0"/>
+              <a:t>Third level</a:t>
+            </a:r>
+          </a:p>
+          <a:p>
+            <a:pPr lvl="3"/>
+            <a:r>
+              <a:rPr lang="en-US" smtClean="0"/>
+              <a:t>Fourth level</a:t>
+            </a:r>
+          </a:p>
+          <a:p>
+            <a:pPr lvl="4"/>
+            <a:r>
+              <a:rPr lang="en-US" smtClean="0"/>
+              <a:t>Fifth level</a:t>
+            </a:r>
+            <a:endParaRPr lang="en-US"/>
+          </a:p>
+        </p:txBody>
+      </p:sp>
+      <p:sp>
+        <p:nvSpPr>
+          <p:cNvPr id="4" name="Content Placeholder 3"/>
+          <p:cNvSpPr>
+            <a:spLocks noGrp="1"/>
+          </p:cNvSpPr>
+          <p:nvPr>
+            <p:ph sz="half" idx="2"/>
+          </p:nvPr>
+        </p:nvSpPr>
+        <p:spPr>
+          <a:xfrm>
+            <a:off x="4648200" y="1600200"/>
+            <a:ext cx="4038600" cy="4525963"/>
+          </a:xfrm>
+        </p:spPr>
+        <p:txBody>
+          <a:bodyPr/>
+          <a:lstStyle>
+            <a:lvl1pPr>
+              <a:defRPr sz="2800"/>
+            </a:lvl1pPr>
+            <a:lvl2pPr>
+              <a:defRPr sz="2400"/>
+            </a:lvl2pPr>
+            <a:lvl3pPr>
+              <a:defRPr sz="2000"/>
+            </a:lvl3pPr>
+            <a:lvl4pPr>
+              <a:defRPr sz="1800"/>
+            </a:lvl4pPr>
+            <a:lvl5pPr>
+              <a:defRPr sz="1800"/>
+            </a:lvl5pPr>
+            <a:lvl6pPr>
+              <a:defRPr sz="1800"/>
+            </a:lvl6pPr>
+            <a:lvl7pPr>
+              <a:defRPr sz="1800"/>
+            </a:lvl7pPr>
+            <a:lvl8pPr>
+              <a:defRPr sz="1800"/>
+            </a:lvl8pPr>
+            <a:lvl9pPr>
+              <a:defRPr sz="1800"/>
+            </a:lvl9pPr>
+          </a:lstStyle>
+          <a:p>
+            <a:pPr lvl="0"/>
+            <a:r>
+              <a:rPr lang="en-US" smtClean="0"/>
+              <a:t>Click to edit Master text styles</a:t>
+            </a:r>
+          </a:p>
+          <a:p>
+            <a:pPr lvl="1"/>
+            <a:r>
+              <a:rPr lang="en-US" smtClean="0"/>
+              <a:t>Second level</a:t>
+            </a:r>
+          </a:p>
+          <a:p>
+            <a:pPr lvl="2"/>
+            <a:r>
+              <a:rPr lang="en-US" smtClean="0"/>
+              <a:t>Third level</a:t>
+            </a:r>
+          </a:p>
+          <a:p>
+            <a:pPr lvl="3"/>
+            <a:r>
+              <a:rPr lang="en-US" smtClean="0"/>
+              <a:t>Fourth level</a:t>
+            </a:r>
+          </a:p>
+          <a:p>
+            <a:pPr lvl="4"/>
+            <a:r>
+              <a:rPr lang="en-US" smtClean="0"/>
+              <a:t>Fifth level</a:t>
+            </a:r>
+            <a:endParaRPr lang="en-US"/>
+          </a:p>
+        </p:txBody>
+      </p:sp>
+      <p:sp>
+        <p:nvSpPr>
+          <p:cNvPr id="5" name="Date Placeholder 4"/>
+          <p:cNvSpPr>
+            <a:spLocks noGrp="1"/>
+          </p:cNvSpPr>
+          <p:nvPr>
+            <p:ph type="dt" sz="half" idx="10"/>
+          </p:nvPr>
+        </p:nvSpPr>
+        <p:spPr/>
+        <p:txBody>
+          <a:bodyPr/>
+          <a:lstStyle/>
+          <a:p>
+            <a:fld id="{5AB54E97-EA14-4D6D-B65E-B97DF81584A8}" type="datetimeFigureOut">
+              <a:rPr lang="en-US" smtClean="0"/>
+              <a:t>11/11/2008</a:t>
+            </a:fld>
+            <a:endParaRPr lang="en-US"/>
+          </a:p>
+        </p:txBody>
+      </p:sp>
+      <p:sp>
+        <p:nvSpPr>
+          <p:cNvPr id="6" name="Footer Placeholder 5"/>
+          <p:cNvSpPr>
+            <a:spLocks noGrp="1"/>
+          </p:cNvSpPr>
+          <p:nvPr>
+            <p:ph type="ftr" sz="quarter" idx="11"/>
+          </p:nvPr>
+        </p:nvSpPr>
+        <p:spPr/>
+        <p:txBody>
+          <a:bodyPr/>
+          <a:lstStyle/>
+          <a:p>
+            <a:endParaRPr lang="en-US"/>
+          </a:p>
+        </p:txBody>
+      </p:sp>
+      <p:sp>
+        <p:nvSpPr>
+          <p:cNvPr id="7" name="Slide Number Placeholder 6"/>
+          <p:cNvSpPr>
+            <a:spLocks noGrp="1"/>
+          </p:cNvSpPr>
+          <p:nvPr>
+            <p:ph type="sldNum" sz="quarter" idx="12"/>
+          </p:nvPr>
+        </p:nvSpPr>
+        <p:spPr/>
+        <p:txBody>
+          <a:bodyPr/>
+          <a:lstStyle/>
+          <a:p>
+            <a:fld id="{C2E99204-D3AF-4B0E-B808-5AFF8377D7BB}" type="slidenum">
+              <a:rPr lang="en-US" smtClean="0"/>
+              <a:t>‹#›</a:t>
+            </a:fld>
+            <a:endParaRPr lang="en-US"/>
+          </a:p>
+        </p:txBody>
+      </p:sp>
+    </p:spTree>
+  </p:cSld>
+  <p:clrMapOvr>
+    <a:masterClrMapping/>
+  </p:clrMapOvr>
+  <p:transition>
+    <p:fade/>
+  </p:transition>
+</p:sldLayout>
+</file>
+
+<file path=ppt/slideLayouts/slideLayout16.xml><?xml version="1.0" encoding="utf-8"?>
+<p:sldLayout xmlns:a="http://schemas.openxmlformats.org/drawingml/2006/main" xmlns:r="http://schemas.openxmlformats.org/officeDocument/2006/relationships" xmlns:p="http://schemas.openxmlformats.org/presentationml/2006/main" type="twoTxTwoObj" preserve="1">
+  <p:cSld name="Comparison">
+    <p:spTree>
+      <p:nvGrpSpPr>
+        <p:cNvPr id="1" name=""/>
+        <p:cNvGrpSpPr/>
+        <p:nvPr/>
+      </p:nvGrpSpPr>
+      <p:grpSpPr>
+        <a:xfrm>
+          <a:off x="0" y="0"/>
+          <a:ext cx="0" cy="0"/>
+          <a:chOff x="0" y="0"/>
+          <a:chExt cx="0" cy="0"/>
+        </a:xfrm>
+      </p:grpSpPr>
+      <p:sp>
+        <p:nvSpPr>
+          <p:cNvPr id="2" name="Title 1"/>
+          <p:cNvSpPr>
+            <a:spLocks noGrp="1"/>
+          </p:cNvSpPr>
+          <p:nvPr>
+            <p:ph type="title"/>
+          </p:nvPr>
+        </p:nvSpPr>
+        <p:spPr/>
+        <p:txBody>
+          <a:bodyPr/>
+          <a:lstStyle>
+            <a:lvl1pPr>
+              <a:defRPr/>
+            </a:lvl1pPr>
+          </a:lstStyle>
+          <a:p>
+            <a:r>
+              <a:rPr lang="en-US" smtClean="0"/>
+              <a:t>Click to edit Master title style</a:t>
+            </a:r>
+            <a:endParaRPr lang="en-US"/>
+          </a:p>
+        </p:txBody>
+      </p:sp>
+      <p:sp>
+        <p:nvSpPr>
+          <p:cNvPr id="3" name="Text Placeholder 2"/>
+          <p:cNvSpPr>
+            <a:spLocks noGrp="1"/>
+          </p:cNvSpPr>
+          <p:nvPr>
+            <p:ph type="body" idx="1"/>
+          </p:nvPr>
+        </p:nvSpPr>
+        <p:spPr>
+          <a:xfrm>
+            <a:off x="457200" y="1535113"/>
+            <a:ext cx="4040188" cy="639762"/>
+          </a:xfrm>
+        </p:spPr>
+        <p:txBody>
+          <a:bodyPr anchor="b"/>
+          <a:lstStyle>
+            <a:lvl1pPr marL="0" indent="0">
+              <a:buNone/>
+              <a:defRPr sz="2400" b="1"/>
+            </a:lvl1pPr>
+            <a:lvl2pPr marL="457200" indent="0">
+              <a:buNone/>
+              <a:defRPr sz="2000" b="1"/>
+            </a:lvl2pPr>
+            <a:lvl3pPr marL="914400" indent="0">
+              <a:buNone/>
+              <a:defRPr sz="1800" b="1"/>
+            </a:lvl3pPr>
+            <a:lvl4pPr marL="1371600" indent="0">
+              <a:buNone/>
+              <a:defRPr sz="1600" b="1"/>
+            </a:lvl4pPr>
+            <a:lvl5pPr marL="1828800" indent="0">
+              <a:buNone/>
+              <a:defRPr sz="1600" b="1"/>
+            </a:lvl5pPr>
+            <a:lvl6pPr marL="2286000" indent="0">
+              <a:buNone/>
+              <a:defRPr sz="1600" b="1"/>
+            </a:lvl6pPr>
+            <a:lvl7pPr marL="2743200" indent="0">
+              <a:buNone/>
+              <a:defRPr sz="1600" b="1"/>
+            </a:lvl7pPr>
+            <a:lvl8pPr marL="3200400" indent="0">
+              <a:buNone/>
+              <a:defRPr sz="1600" b="1"/>
+            </a:lvl8pPr>
+            <a:lvl9pPr marL="3657600" indent="0">
+              <a:buNone/>
+              <a:defRPr sz="1600" b="1"/>
+            </a:lvl9pPr>
+          </a:lstStyle>
+          <a:p>
+            <a:pPr lvl="0"/>
+            <a:r>
+              <a:rPr lang="en-US" smtClean="0"/>
+              <a:t>Click to edit Master text styles</a:t>
+            </a:r>
+          </a:p>
+        </p:txBody>
+      </p:sp>
+      <p:sp>
+        <p:nvSpPr>
+          <p:cNvPr id="4" name="Content Placeholder 3"/>
+          <p:cNvSpPr>
+            <a:spLocks noGrp="1"/>
+          </p:cNvSpPr>
+          <p:nvPr>
+            <p:ph sz="half" idx="2"/>
+          </p:nvPr>
+        </p:nvSpPr>
+        <p:spPr>
+          <a:xfrm>
+            <a:off x="457200" y="2174875"/>
+            <a:ext cx="4040188" cy="3951288"/>
+          </a:xfrm>
+        </p:spPr>
+        <p:txBody>
+          <a:bodyPr/>
+          <a:lstStyle>
+            <a:lvl1pPr>
+              <a:defRPr sz="2400"/>
+            </a:lvl1pPr>
+            <a:lvl2pPr>
+              <a:defRPr sz="2000"/>
+            </a:lvl2pPr>
+            <a:lvl3pPr>
+              <a:defRPr sz="1800"/>
+            </a:lvl3pPr>
+            <a:lvl4pPr>
+              <a:defRPr sz="1600"/>
+            </a:lvl4pPr>
+            <a:lvl5pPr>
+              <a:defRPr sz="1600"/>
+            </a:lvl5pPr>
+            <a:lvl6pPr>
+              <a:defRPr sz="1600"/>
+            </a:lvl6pPr>
+            <a:lvl7pPr>
+              <a:defRPr sz="1600"/>
+            </a:lvl7pPr>
+            <a:lvl8pPr>
+              <a:defRPr sz="1600"/>
+            </a:lvl8pPr>
+            <a:lvl9pPr>
+              <a:defRPr sz="1600"/>
+            </a:lvl9pPr>
+          </a:lstStyle>
+          <a:p>
+            <a:pPr lvl="0"/>
+            <a:r>
+              <a:rPr lang="en-US" smtClean="0"/>
+              <a:t>Click to edit Master text styles</a:t>
+            </a:r>
+          </a:p>
+          <a:p>
+            <a:pPr lvl="1"/>
+            <a:r>
+              <a:rPr lang="en-US" smtClean="0"/>
+              <a:t>Second level</a:t>
+            </a:r>
+          </a:p>
+          <a:p>
+            <a:pPr lvl="2"/>
+            <a:r>
+              <a:rPr lang="en-US" smtClean="0"/>
+              <a:t>Third level</a:t>
+            </a:r>
+          </a:p>
+          <a:p>
+            <a:pPr lvl="3"/>
+            <a:r>
+              <a:rPr lang="en-US" smtClean="0"/>
+              <a:t>Fourth level</a:t>
+            </a:r>
+          </a:p>
+          <a:p>
+            <a:pPr lvl="4"/>
+            <a:r>
+              <a:rPr lang="en-US" smtClean="0"/>
+              <a:t>Fifth level</a:t>
+            </a:r>
+            <a:endParaRPr lang="en-US"/>
+          </a:p>
+        </p:txBody>
+      </p:sp>
+      <p:sp>
+        <p:nvSpPr>
+          <p:cNvPr id="5" name="Text Placeholder 4"/>
+          <p:cNvSpPr>
+            <a:spLocks noGrp="1"/>
+          </p:cNvSpPr>
+          <p:nvPr>
+            <p:ph type="body" sz="quarter" idx="3"/>
+          </p:nvPr>
+        </p:nvSpPr>
+        <p:spPr>
+          <a:xfrm>
+            <a:off x="4645025" y="1535113"/>
+            <a:ext cx="4041775" cy="639762"/>
+          </a:xfrm>
+        </p:spPr>
+        <p:txBody>
+          <a:bodyPr anchor="b"/>
+          <a:lstStyle>
+            <a:lvl1pPr marL="0" indent="0">
+              <a:buNone/>
+              <a:defRPr sz="2400" b="1"/>
+            </a:lvl1pPr>
+            <a:lvl2pPr marL="457200" indent="0">
+              <a:buNone/>
+              <a:defRPr sz="2000" b="1"/>
+            </a:lvl2pPr>
+            <a:lvl3pPr marL="914400" indent="0">
+              <a:buNone/>
+              <a:defRPr sz="1800" b="1"/>
+            </a:lvl3pPr>
+            <a:lvl4pPr marL="1371600" indent="0">
+              <a:buNone/>
+              <a:defRPr sz="1600" b="1"/>
+            </a:lvl4pPr>
+            <a:lvl5pPr marL="1828800" indent="0">
+              <a:buNone/>
+              <a:defRPr sz="1600" b="1"/>
+            </a:lvl5pPr>
+            <a:lvl6pPr marL="2286000" indent="0">
+              <a:buNone/>
+              <a:defRPr sz="1600" b="1"/>
+            </a:lvl6pPr>
+            <a:lvl7pPr marL="2743200" indent="0">
+              <a:buNone/>
+              <a:defRPr sz="1600" b="1"/>
+            </a:lvl7pPr>
+            <a:lvl8pPr marL="3200400" indent="0">
+              <a:buNone/>
+              <a:defRPr sz="1600" b="1"/>
+            </a:lvl8pPr>
+            <a:lvl9pPr marL="3657600" indent="0">
+              <a:buNone/>
+              <a:defRPr sz="1600" b="1"/>
+            </a:lvl9pPr>
+          </a:lstStyle>
+          <a:p>
+            <a:pPr lvl="0"/>
+            <a:r>
+              <a:rPr lang="en-US" smtClean="0"/>
+              <a:t>Click to edit Master text styles</a:t>
+            </a:r>
+          </a:p>
+        </p:txBody>
+      </p:sp>
+      <p:sp>
+        <p:nvSpPr>
+          <p:cNvPr id="6" name="Content Placeholder 5"/>
+          <p:cNvSpPr>
+            <a:spLocks noGrp="1"/>
+          </p:cNvSpPr>
+          <p:nvPr>
+            <p:ph sz="quarter" idx="4"/>
+          </p:nvPr>
+        </p:nvSpPr>
+        <p:spPr>
+          <a:xfrm>
+            <a:off x="4645025" y="2174875"/>
+            <a:ext cx="4041775" cy="3951288"/>
+          </a:xfrm>
+        </p:spPr>
+        <p:txBody>
+          <a:bodyPr/>
+          <a:lstStyle>
+            <a:lvl1pPr>
+              <a:defRPr sz="2400"/>
+            </a:lvl1pPr>
+            <a:lvl2pPr>
+              <a:defRPr sz="2000"/>
+            </a:lvl2pPr>
+            <a:lvl3pPr>
+              <a:defRPr sz="1800"/>
+            </a:lvl3pPr>
+            <a:lvl4pPr>
+              <a:defRPr sz="1600"/>
+            </a:lvl4pPr>
+            <a:lvl5pPr>
+              <a:defRPr sz="1600"/>
+            </a:lvl5pPr>
+            <a:lvl6pPr>
+              <a:defRPr sz="1600"/>
+            </a:lvl6pPr>
+            <a:lvl7pPr>
+              <a:defRPr sz="1600"/>
+            </a:lvl7pPr>
+            <a:lvl8pPr>
+              <a:defRPr sz="1600"/>
+            </a:lvl8pPr>
+            <a:lvl9pPr>
+              <a:defRPr sz="1600"/>
+            </a:lvl9pPr>
+          </a:lstStyle>
+          <a:p>
+            <a:pPr lvl="0"/>
+            <a:r>
+              <a:rPr lang="en-US" smtClean="0"/>
+              <a:t>Click to edit Master text styles</a:t>
+            </a:r>
+          </a:p>
+          <a:p>
+            <a:pPr lvl="1"/>
+            <a:r>
+              <a:rPr lang="en-US" smtClean="0"/>
+              <a:t>Second level</a:t>
+            </a:r>
+          </a:p>
+          <a:p>
+            <a:pPr lvl="2"/>
+            <a:r>
+              <a:rPr lang="en-US" smtClean="0"/>
+              <a:t>Third level</a:t>
+            </a:r>
+          </a:p>
+          <a:p>
+            <a:pPr lvl="3"/>
+            <a:r>
+              <a:rPr lang="en-US" smtClean="0"/>
+              <a:t>Fourth level</a:t>
+            </a:r>
+          </a:p>
+          <a:p>
+            <a:pPr lvl="4"/>
+            <a:r>
+              <a:rPr lang="en-US" smtClean="0"/>
+              <a:t>Fifth level</a:t>
+            </a:r>
+            <a:endParaRPr lang="en-US"/>
+          </a:p>
+        </p:txBody>
+      </p:sp>
+      <p:sp>
+        <p:nvSpPr>
+          <p:cNvPr id="7" name="Date Placeholder 6"/>
+          <p:cNvSpPr>
+            <a:spLocks noGrp="1"/>
+          </p:cNvSpPr>
+          <p:nvPr>
+            <p:ph type="dt" sz="half" idx="10"/>
+          </p:nvPr>
+        </p:nvSpPr>
+        <p:spPr/>
+        <p:txBody>
+          <a:bodyPr/>
+          <a:lstStyle/>
+          <a:p>
+            <a:fld id="{5AB54E97-EA14-4D6D-B65E-B97DF81584A8}" type="datetimeFigureOut">
+              <a:rPr lang="en-US" smtClean="0"/>
+              <a:t>11/11/2008</a:t>
+            </a:fld>
+            <a:endParaRPr lang="en-US"/>
+          </a:p>
+        </p:txBody>
+      </p:sp>
+      <p:sp>
+        <p:nvSpPr>
+          <p:cNvPr id="8" name="Footer Placeholder 7"/>
+          <p:cNvSpPr>
+            <a:spLocks noGrp="1"/>
+          </p:cNvSpPr>
+          <p:nvPr>
+            <p:ph type="ftr" sz="quarter" idx="11"/>
+          </p:nvPr>
+        </p:nvSpPr>
+        <p:spPr/>
+        <p:txBody>
+          <a:bodyPr/>
+          <a:lstStyle/>
+          <a:p>
+            <a:endParaRPr lang="en-US"/>
+          </a:p>
+        </p:txBody>
+      </p:sp>
+      <p:sp>
+        <p:nvSpPr>
+          <p:cNvPr id="9" name="Slide Number Placeholder 8"/>
+          <p:cNvSpPr>
+            <a:spLocks noGrp="1"/>
+          </p:cNvSpPr>
+          <p:nvPr>
+            <p:ph type="sldNum" sz="quarter" idx="12"/>
+          </p:nvPr>
+        </p:nvSpPr>
+        <p:spPr/>
+        <p:txBody>
+          <a:bodyPr/>
+          <a:lstStyle/>
+          <a:p>
+            <a:fld id="{C2E99204-D3AF-4B0E-B808-5AFF8377D7BB}" type="slidenum">
+              <a:rPr lang="en-US" smtClean="0"/>
+              <a:t>‹#›</a:t>
+            </a:fld>
+            <a:endParaRPr lang="en-US"/>
+          </a:p>
+        </p:txBody>
+      </p:sp>
+    </p:spTree>
+  </p:cSld>
+  <p:clrMapOvr>
+    <a:masterClrMapping/>
+  </p:clrMapOvr>
+  <p:transition>
+    <p:fade/>
+  </p:transition>
+</p:sldLayout>
+</file>
+
+<file path=ppt/slideLayouts/slideLayout17.xml><?xml version="1.0" encoding="utf-8"?>
+<p:sldLayout xmlns:a="http://schemas.openxmlformats.org/drawingml/2006/main" xmlns:r="http://schemas.openxmlformats.org/officeDocument/2006/relationships" xmlns:p="http://schemas.openxmlformats.org/presentationml/2006/main" type="titleOnly" preserve="1">
+  <p:cSld name="Title Only">
+    <p:spTree>
+      <p:nvGrpSpPr>
+        <p:cNvPr id="1" name=""/>
+        <p:cNvGrpSpPr/>
+        <p:nvPr/>
+      </p:nvGrpSpPr>
+      <p:grpSpPr>
+        <a:xfrm>
+          <a:off x="0" y="0"/>
+          <a:ext cx="0" cy="0"/>
+          <a:chOff x="0" y="0"/>
+          <a:chExt cx="0" cy="0"/>
+        </a:xfrm>
+      </p:grpSpPr>
+      <p:sp>
+        <p:nvSpPr>
+          <p:cNvPr id="2" name="Title 1"/>
+          <p:cNvSpPr>
+            <a:spLocks noGrp="1"/>
+          </p:cNvSpPr>
+          <p:nvPr>
+            <p:ph type="title"/>
+          </p:nvPr>
+        </p:nvSpPr>
+        <p:spPr/>
+        <p:txBody>
+          <a:bodyPr/>
+          <a:lstStyle/>
+          <a:p>
+            <a:r>
+              <a:rPr lang="en-US" smtClean="0"/>
+              <a:t>Click to edit Master title style</a:t>
+            </a:r>
+            <a:endParaRPr lang="en-US"/>
+          </a:p>
+        </p:txBody>
+      </p:sp>
+      <p:sp>
+        <p:nvSpPr>
+          <p:cNvPr id="3" name="Date Placeholder 2"/>
+          <p:cNvSpPr>
+            <a:spLocks noGrp="1"/>
+          </p:cNvSpPr>
+          <p:nvPr>
+            <p:ph type="dt" sz="half" idx="10"/>
+          </p:nvPr>
+        </p:nvSpPr>
+        <p:spPr/>
+        <p:txBody>
+          <a:bodyPr/>
+          <a:lstStyle/>
+          <a:p>
+            <a:fld id="{5AB54E97-EA14-4D6D-B65E-B97DF81584A8}" type="datetimeFigureOut">
+              <a:rPr lang="en-US" smtClean="0"/>
+              <a:t>11/11/2008</a:t>
+            </a:fld>
+            <a:endParaRPr lang="en-US"/>
+          </a:p>
+        </p:txBody>
+      </p:sp>
+      <p:sp>
+        <p:nvSpPr>
+          <p:cNvPr id="4" name="Footer Placeholder 3"/>
+          <p:cNvSpPr>
+            <a:spLocks noGrp="1"/>
+          </p:cNvSpPr>
+          <p:nvPr>
+            <p:ph type="ftr" sz="quarter" idx="11"/>
+          </p:nvPr>
+        </p:nvSpPr>
+        <p:spPr/>
+        <p:txBody>
+          <a:bodyPr/>
+          <a:lstStyle/>
+          <a:p>
+            <a:endParaRPr lang="en-US"/>
+          </a:p>
+        </p:txBody>
+      </p:sp>
+      <p:sp>
+        <p:nvSpPr>
+          <p:cNvPr id="5" name="Slide Number Placeholder 4"/>
+          <p:cNvSpPr>
+            <a:spLocks noGrp="1"/>
+          </p:cNvSpPr>
+          <p:nvPr>
+            <p:ph type="sldNum" sz="quarter" idx="12"/>
+          </p:nvPr>
+        </p:nvSpPr>
+        <p:spPr/>
+        <p:txBody>
+          <a:bodyPr/>
+          <a:lstStyle/>
+          <a:p>
+            <a:fld id="{C2E99204-D3AF-4B0E-B808-5AFF8377D7BB}" type="slidenum">
+              <a:rPr lang="en-US" smtClean="0"/>
+              <a:t>‹#›</a:t>
+            </a:fld>
+            <a:endParaRPr lang="en-US"/>
+          </a:p>
+        </p:txBody>
+      </p:sp>
+    </p:spTree>
+  </p:cSld>
+  <p:clrMapOvr>
+    <a:masterClrMapping/>
+  </p:clrMapOvr>
+  <p:transition>
+    <p:fade/>
+  </p:transition>
+</p:sldLayout>
+</file>
+
+<file path=ppt/slideLayouts/slideLayout18.xml><?xml version="1.0" encoding="utf-8"?>
+<p:sldLayout xmlns:a="http://schemas.openxmlformats.org/drawingml/2006/main" xmlns:r="http://schemas.openxmlformats.org/officeDocument/2006/relationships" xmlns:p="http://schemas.openxmlformats.org/presentationml/2006/main" type="blank" preserve="1">
+  <p:cSld name="Blank">
+    <p:spTree>
+      <p:nvGrpSpPr>
+        <p:cNvPr id="1" name=""/>
+        <p:cNvGrpSpPr/>
+        <p:nvPr/>
+      </p:nvGrpSpPr>
+      <p:grpSpPr>
+        <a:xfrm>
+          <a:off x="0" y="0"/>
+          <a:ext cx="0" cy="0"/>
+          <a:chOff x="0" y="0"/>
+          <a:chExt cx="0" cy="0"/>
+        </a:xfrm>
+      </p:grpSpPr>
+      <p:sp>
+        <p:nvSpPr>
+          <p:cNvPr id="2" name="Date Placeholder 1"/>
+          <p:cNvSpPr>
+            <a:spLocks noGrp="1"/>
+          </p:cNvSpPr>
+          <p:nvPr>
+            <p:ph type="dt" sz="half" idx="10"/>
+          </p:nvPr>
+        </p:nvSpPr>
+        <p:spPr/>
+        <p:txBody>
+          <a:bodyPr/>
+          <a:lstStyle/>
+          <a:p>
+            <a:fld id="{5AB54E97-EA14-4D6D-B65E-B97DF81584A8}" type="datetimeFigureOut">
+              <a:rPr lang="en-US" smtClean="0"/>
+              <a:t>11/11/2008</a:t>
+            </a:fld>
+            <a:endParaRPr lang="en-US"/>
+          </a:p>
+        </p:txBody>
+      </p:sp>
+      <p:sp>
+        <p:nvSpPr>
+          <p:cNvPr id="3" name="Footer Placeholder 2"/>
+          <p:cNvSpPr>
+            <a:spLocks noGrp="1"/>
+          </p:cNvSpPr>
+          <p:nvPr>
+            <p:ph type="ftr" sz="quarter" idx="11"/>
+          </p:nvPr>
+        </p:nvSpPr>
+        <p:spPr/>
+        <p:txBody>
+          <a:bodyPr/>
+          <a:lstStyle/>
+          <a:p>
+            <a:endParaRPr lang="en-US"/>
+          </a:p>
+        </p:txBody>
+      </p:sp>
+      <p:sp>
+        <p:nvSpPr>
+          <p:cNvPr id="4" name="Slide Number Placeholder 3"/>
+          <p:cNvSpPr>
+            <a:spLocks noGrp="1"/>
+          </p:cNvSpPr>
+          <p:nvPr>
+            <p:ph type="sldNum" sz="quarter" idx="12"/>
+          </p:nvPr>
+        </p:nvSpPr>
+        <p:spPr/>
+        <p:txBody>
+          <a:bodyPr/>
+          <a:lstStyle/>
+          <a:p>
+            <a:fld id="{C2E99204-D3AF-4B0E-B808-5AFF8377D7BB}" type="slidenum">
+              <a:rPr lang="en-US" smtClean="0"/>
+              <a:t>‹#›</a:t>
+            </a:fld>
+            <a:endParaRPr lang="en-US"/>
+          </a:p>
+        </p:txBody>
+      </p:sp>
+    </p:spTree>
+  </p:cSld>
+  <p:clrMapOvr>
+    <a:masterClrMapping/>
+  </p:clrMapOvr>
+  <p:transition>
+    <p:fade/>
+  </p:transition>
+</p:sldLayout>
+</file>
+
+<file path=ppt/slideLayouts/slideLayout19.xml><?xml version="1.0" encoding="utf-8"?>
+<p:sldLayout xmlns:a="http://schemas.openxmlformats.org/drawingml/2006/main" xmlns:r="http://schemas.openxmlformats.org/officeDocument/2006/relationships" xmlns:p="http://schemas.openxmlformats.org/presentationml/2006/main" type="objTx" preserve="1">
+  <p:cSld name="Content with Caption">
+    <p:spTree>
+      <p:nvGrpSpPr>
+        <p:cNvPr id="1" name=""/>
+        <p:cNvGrpSpPr/>
+        <p:nvPr/>
+      </p:nvGrpSpPr>
+      <p:grpSpPr>
+        <a:xfrm>
+          <a:off x="0" y="0"/>
+          <a:ext cx="0" cy="0"/>
+          <a:chOff x="0" y="0"/>
+          <a:chExt cx="0" cy="0"/>
+        </a:xfrm>
+      </p:grpSpPr>
+      <p:sp>
+        <p:nvSpPr>
+          <p:cNvPr id="2" name="Title 1"/>
+          <p:cNvSpPr>
+            <a:spLocks noGrp="1"/>
+          </p:cNvSpPr>
+          <p:nvPr>
+            <p:ph type="title"/>
+          </p:nvPr>
+        </p:nvSpPr>
+        <p:spPr>
+          <a:xfrm>
+            <a:off x="457200" y="273050"/>
+            <a:ext cx="3008313" cy="1162050"/>
+          </a:xfrm>
+        </p:spPr>
+        <p:txBody>
+          <a:bodyPr anchor="b"/>
+          <a:lstStyle>
+            <a:lvl1pPr algn="l">
+              <a:defRPr sz="2000" b="1"/>
+            </a:lvl1pPr>
+          </a:lstStyle>
+          <a:p>
+            <a:r>
+              <a:rPr lang="en-US" smtClean="0"/>
+              <a:t>Click to edit Master title style</a:t>
+            </a:r>
+            <a:endParaRPr lang="en-US"/>
+          </a:p>
+        </p:txBody>
+      </p:sp>
+      <p:sp>
+        <p:nvSpPr>
+          <p:cNvPr id="3" name="Content Placeholder 2"/>
+          <p:cNvSpPr>
+            <a:spLocks noGrp="1"/>
+          </p:cNvSpPr>
+          <p:nvPr>
+            <p:ph idx="1"/>
+          </p:nvPr>
+        </p:nvSpPr>
+        <p:spPr>
+          <a:xfrm>
+            <a:off x="3575050" y="273050"/>
+            <a:ext cx="5111750" cy="5853113"/>
+          </a:xfrm>
+        </p:spPr>
+        <p:txBody>
+          <a:bodyPr/>
+          <a:lstStyle>
+            <a:lvl1pPr>
+              <a:defRPr sz="3200"/>
+            </a:lvl1pPr>
+            <a:lvl2pPr>
+              <a:defRPr sz="2800"/>
+            </a:lvl2pPr>
+            <a:lvl3pPr>
+              <a:defRPr sz="2400"/>
+            </a:lvl3pPr>
+            <a:lvl4pPr>
+              <a:defRPr sz="2000"/>
+            </a:lvl4pPr>
+            <a:lvl5pPr>
+              <a:defRPr sz="2000"/>
+            </a:lvl5pPr>
+            <a:lvl6pPr>
+              <a:defRPr sz="2000"/>
+            </a:lvl6pPr>
+            <a:lvl7pPr>
+              <a:defRPr sz="2000"/>
+            </a:lvl7pPr>
+            <a:lvl8pPr>
+              <a:defRPr sz="2000"/>
+            </a:lvl8pPr>
+            <a:lvl9pPr>
+              <a:defRPr sz="2000"/>
+            </a:lvl9pPr>
+          </a:lstStyle>
+          <a:p>
+            <a:pPr lvl="0"/>
+            <a:r>
+              <a:rPr lang="en-US" smtClean="0"/>
+              <a:t>Click to edit Master text styles</a:t>
+            </a:r>
+          </a:p>
+          <a:p>
+            <a:pPr lvl="1"/>
+            <a:r>
+              <a:rPr lang="en-US" smtClean="0"/>
+              <a:t>Second level</a:t>
+            </a:r>
+          </a:p>
+          <a:p>
+            <a:pPr lvl="2"/>
+            <a:r>
+              <a:rPr lang="en-US" smtClean="0"/>
+              <a:t>Third level</a:t>
+            </a:r>
+          </a:p>
+          <a:p>
+            <a:pPr lvl="3"/>
+            <a:r>
+              <a:rPr lang="en-US" smtClean="0"/>
+              <a:t>Fourth level</a:t>
+            </a:r>
+          </a:p>
+          <a:p>
+            <a:pPr lvl="4"/>
+            <a:r>
+              <a:rPr lang="en-US" smtClean="0"/>
+              <a:t>Fifth level</a:t>
+            </a:r>
+            <a:endParaRPr lang="en-US"/>
+          </a:p>
+        </p:txBody>
+      </p:sp>
+      <p:sp>
+        <p:nvSpPr>
+          <p:cNvPr id="4" name="Text Placeholder 3"/>
+          <p:cNvSpPr>
+            <a:spLocks noGrp="1"/>
+          </p:cNvSpPr>
+          <p:nvPr>
+            <p:ph type="body" sz="half" idx="2"/>
+          </p:nvPr>
+        </p:nvSpPr>
+        <p:spPr>
+          <a:xfrm>
+            <a:off x="457200" y="1435100"/>
+            <a:ext cx="3008313" cy="4691063"/>
+          </a:xfrm>
+        </p:spPr>
+        <p:txBody>
+          <a:bodyPr/>
+          <a:lstStyle>
+            <a:lvl1pPr marL="0" indent="0">
+              <a:buNone/>
+              <a:defRPr sz="1400"/>
+            </a:lvl1pPr>
+            <a:lvl2pPr marL="457200" indent="0">
+              <a:buNone/>
+              <a:defRPr sz="1200"/>
+            </a:lvl2pPr>
+            <a:lvl3pPr marL="914400" indent="0">
+              <a:buNone/>
+              <a:defRPr sz="1000"/>
+            </a:lvl3pPr>
+            <a:lvl4pPr marL="1371600" indent="0">
+              <a:buNone/>
+              <a:defRPr sz="900"/>
+            </a:lvl4pPr>
+            <a:lvl5pPr marL="1828800" indent="0">
+              <a:buNone/>
+              <a:defRPr sz="900"/>
+            </a:lvl5pPr>
+            <a:lvl6pPr marL="2286000" indent="0">
+              <a:buNone/>
+              <a:defRPr sz="900"/>
+            </a:lvl6pPr>
+            <a:lvl7pPr marL="2743200" indent="0">
+              <a:buNone/>
+              <a:defRPr sz="900"/>
+            </a:lvl7pPr>
+            <a:lvl8pPr marL="3200400" indent="0">
+              <a:buNone/>
+              <a:defRPr sz="900"/>
+            </a:lvl8pPr>
+            <a:lvl9pPr marL="3657600" indent="0">
+              <a:buNone/>
+              <a:defRPr sz="900"/>
+            </a:lvl9pPr>
+          </a:lstStyle>
+          <a:p>
+            <a:pPr lvl="0"/>
+            <a:r>
+              <a:rPr lang="en-US" smtClean="0"/>
+              <a:t>Click to edit Master text styles</a:t>
+            </a:r>
+          </a:p>
+        </p:txBody>
+      </p:sp>
+      <p:sp>
+        <p:nvSpPr>
+          <p:cNvPr id="5" name="Date Placeholder 4"/>
+          <p:cNvSpPr>
+            <a:spLocks noGrp="1"/>
+          </p:cNvSpPr>
+          <p:nvPr>
+            <p:ph type="dt" sz="half" idx="10"/>
+          </p:nvPr>
+        </p:nvSpPr>
+        <p:spPr/>
+        <p:txBody>
+          <a:bodyPr/>
+          <a:lstStyle/>
+          <a:p>
+            <a:fld id="{5AB54E97-EA14-4D6D-B65E-B97DF81584A8}" type="datetimeFigureOut">
+              <a:rPr lang="en-US" smtClean="0"/>
+              <a:t>11/11/2008</a:t>
+            </a:fld>
+            <a:endParaRPr lang="en-US"/>
+          </a:p>
+        </p:txBody>
+      </p:sp>
+      <p:sp>
+        <p:nvSpPr>
+          <p:cNvPr id="6" name="Footer Placeholder 5"/>
+          <p:cNvSpPr>
+            <a:spLocks noGrp="1"/>
+          </p:cNvSpPr>
+          <p:nvPr>
+            <p:ph type="ftr" sz="quarter" idx="11"/>
+          </p:nvPr>
+        </p:nvSpPr>
+        <p:spPr/>
+        <p:txBody>
+          <a:bodyPr/>
+          <a:lstStyle/>
+          <a:p>
+            <a:endParaRPr lang="en-US"/>
+          </a:p>
+        </p:txBody>
+      </p:sp>
+      <p:sp>
+        <p:nvSpPr>
+          <p:cNvPr id="7" name="Slide Number Placeholder 6"/>
+          <p:cNvSpPr>
+            <a:spLocks noGrp="1"/>
+          </p:cNvSpPr>
+          <p:nvPr>
+            <p:ph type="sldNum" sz="quarter" idx="12"/>
+          </p:nvPr>
+        </p:nvSpPr>
+        <p:spPr/>
+        <p:txBody>
+          <a:bodyPr/>
+          <a:lstStyle/>
+          <a:p>
+            <a:fld id="{C2E99204-D3AF-4B0E-B808-5AFF8377D7BB}" type="slidenum">
+              <a:rPr lang="en-US" smtClean="0"/>
+              <a:t>‹#›</a:t>
+            </a:fld>
+            <a:endParaRPr lang="en-US"/>
+          </a:p>
+        </p:txBody>
+      </p:sp>
+    </p:spTree>
+  </p:cSld>
+  <p:clrMapOvr>
+    <a:masterClrMapping/>
+  </p:clrMapOvr>
+  <p:transition>
+    <p:fade/>
+  </p:transition>
 </p:sldLayout>
 </file>
 
@@ -875,38 +2742,38 @@
           <a:p>
             <a:pPr lvl="0" eaLnBrk="1" latinLnBrk="0" hangingPunct="1"/>
             <a:r>
-              <a:rPr lang="en-US" smtClean="0"/>
+              <a:rPr lang="en-US" dirty="0" smtClean="0"/>
               <a:t>Click to edit Master text styles</a:t>
             </a:r>
           </a:p>
           <a:p>
             <a:pPr lvl="1" eaLnBrk="1" latinLnBrk="0" hangingPunct="1"/>
             <a:r>
-              <a:rPr lang="en-US" smtClean="0"/>
+              <a:rPr lang="en-US" dirty="0" smtClean="0"/>
               <a:t>Second level</a:t>
             </a:r>
           </a:p>
           <a:p>
             <a:pPr lvl="2" eaLnBrk="1" latinLnBrk="0" hangingPunct="1"/>
             <a:r>
-              <a:rPr lang="en-US" smtClean="0"/>
+              <a:rPr lang="en-US" dirty="0" smtClean="0"/>
               <a:t>Third level</a:t>
             </a:r>
           </a:p>
           <a:p>
             <a:pPr lvl="3" eaLnBrk="1" latinLnBrk="0" hangingPunct="1"/>
             <a:r>
-              <a:rPr lang="en-US" smtClean="0"/>
+              <a:rPr lang="en-US" dirty="0" smtClean="0"/>
               <a:t>Fourth level</a:t>
             </a:r>
           </a:p>
           <a:p>
             <a:pPr lvl="4" eaLnBrk="1" latinLnBrk="0" hangingPunct="1"/>
             <a:r>
-              <a:rPr lang="en-US" smtClean="0"/>
+              <a:rPr lang="en-US" dirty="0" smtClean="0"/>
               <a:t>Fifth level</a:t>
             </a:r>
-            <a:endParaRPr kumimoji="0" lang="en-US"/>
+            <a:endParaRPr kumimoji="0" lang="en-US" dirty="0"/>
           </a:p>
         </p:txBody>
       </p:sp>
@@ -930,7 +2797,7 @@
             <a:fld id="{09609310-A27C-4486-85E6-BEA22C115EFC}" type="datetimeFigureOut">
               <a:rPr lang="en-US" smtClean="0"/>
               <a:pPr/>
-              <a:t>11/10/2008</a:t>
+              <a:t>11/11/2008</a:t>
             </a:fld>
             <a:endParaRPr lang="en-US"/>
           </a:p>
@@ -988,6 +2855,613 @@
   <p:clrMapOvr>
     <a:masterClrMapping/>
   </p:clrMapOvr>
+  <p:transition>
+    <p:fade/>
+  </p:transition>
+  <p:timing>
+    <p:tnLst>
+      <p:par>
+        <p:cTn id="1" dur="indefinite" restart="never" nodeType="tmRoot"/>
+      </p:par>
+    </p:tnLst>
+  </p:timing>
+</p:sldLayout>
+</file>
+
+<file path=ppt/slideLayouts/slideLayout20.xml><?xml version="1.0" encoding="utf-8"?>
+<p:sldLayout xmlns:a="http://schemas.openxmlformats.org/drawingml/2006/main" xmlns:r="http://schemas.openxmlformats.org/officeDocument/2006/relationships" xmlns:p="http://schemas.openxmlformats.org/presentationml/2006/main" type="picTx" preserve="1">
+  <p:cSld name="Picture with Caption">
+    <p:spTree>
+      <p:nvGrpSpPr>
+        <p:cNvPr id="1" name=""/>
+        <p:cNvGrpSpPr/>
+        <p:nvPr/>
+      </p:nvGrpSpPr>
+      <p:grpSpPr>
+        <a:xfrm>
+          <a:off x="0" y="0"/>
+          <a:ext cx="0" cy="0"/>
+          <a:chOff x="0" y="0"/>
+          <a:chExt cx="0" cy="0"/>
+        </a:xfrm>
+      </p:grpSpPr>
+      <p:sp>
+        <p:nvSpPr>
+          <p:cNvPr id="2" name="Title 1"/>
+          <p:cNvSpPr>
+            <a:spLocks noGrp="1"/>
+          </p:cNvSpPr>
+          <p:nvPr>
+            <p:ph type="title"/>
+          </p:nvPr>
+        </p:nvSpPr>
+        <p:spPr>
+          <a:xfrm>
+            <a:off x="1792288" y="4800600"/>
+            <a:ext cx="5486400" cy="566738"/>
+          </a:xfrm>
+        </p:spPr>
+        <p:txBody>
+          <a:bodyPr anchor="b"/>
+          <a:lstStyle>
+            <a:lvl1pPr algn="l">
+              <a:defRPr sz="2000" b="1"/>
+            </a:lvl1pPr>
+          </a:lstStyle>
+          <a:p>
+            <a:r>
+              <a:rPr lang="en-US" smtClean="0"/>
+              <a:t>Click to edit Master title style</a:t>
+            </a:r>
+            <a:endParaRPr lang="en-US"/>
+          </a:p>
+        </p:txBody>
+      </p:sp>
+      <p:sp>
+        <p:nvSpPr>
+          <p:cNvPr id="3" name="Picture Placeholder 2"/>
+          <p:cNvSpPr>
+            <a:spLocks noGrp="1"/>
+          </p:cNvSpPr>
+          <p:nvPr>
+            <p:ph type="pic" idx="1"/>
+          </p:nvPr>
+        </p:nvSpPr>
+        <p:spPr>
+          <a:xfrm>
+            <a:off x="1792288" y="612775"/>
+            <a:ext cx="5486400" cy="4114800"/>
+          </a:xfrm>
+        </p:spPr>
+        <p:txBody>
+          <a:bodyPr/>
+          <a:lstStyle>
+            <a:lvl1pPr marL="0" indent="0">
+              <a:buNone/>
+              <a:defRPr sz="3200"/>
+            </a:lvl1pPr>
+            <a:lvl2pPr marL="457200" indent="0">
+              <a:buNone/>
+              <a:defRPr sz="2800"/>
+            </a:lvl2pPr>
+            <a:lvl3pPr marL="914400" indent="0">
+              <a:buNone/>
+              <a:defRPr sz="2400"/>
+            </a:lvl3pPr>
+            <a:lvl4pPr marL="1371600" indent="0">
+              <a:buNone/>
+              <a:defRPr sz="2000"/>
+            </a:lvl4pPr>
+            <a:lvl5pPr marL="1828800" indent="0">
+              <a:buNone/>
+              <a:defRPr sz="2000"/>
+            </a:lvl5pPr>
+            <a:lvl6pPr marL="2286000" indent="0">
+              <a:buNone/>
+              <a:defRPr sz="2000"/>
+            </a:lvl6pPr>
+            <a:lvl7pPr marL="2743200" indent="0">
+              <a:buNone/>
+              <a:defRPr sz="2000"/>
+            </a:lvl7pPr>
+            <a:lvl8pPr marL="3200400" indent="0">
+              <a:buNone/>
+              <a:defRPr sz="2000"/>
+            </a:lvl8pPr>
+            <a:lvl9pPr marL="3657600" indent="0">
+              <a:buNone/>
+              <a:defRPr sz="2000"/>
+            </a:lvl9pPr>
+          </a:lstStyle>
+          <a:p>
+            <a:endParaRPr lang="en-US"/>
+          </a:p>
+        </p:txBody>
+      </p:sp>
+      <p:sp>
+        <p:nvSpPr>
+          <p:cNvPr id="4" name="Text Placeholder 3"/>
+          <p:cNvSpPr>
+            <a:spLocks noGrp="1"/>
+          </p:cNvSpPr>
+          <p:nvPr>
+            <p:ph type="body" sz="half" idx="2"/>
+          </p:nvPr>
+        </p:nvSpPr>
+        <p:spPr>
+          <a:xfrm>
+            <a:off x="1792288" y="5367338"/>
+            <a:ext cx="5486400" cy="804862"/>
+          </a:xfrm>
+        </p:spPr>
+        <p:txBody>
+          <a:bodyPr/>
+          <a:lstStyle>
+            <a:lvl1pPr marL="0" indent="0">
+              <a:buNone/>
+              <a:defRPr sz="1400"/>
+            </a:lvl1pPr>
+            <a:lvl2pPr marL="457200" indent="0">
+              <a:buNone/>
+              <a:defRPr sz="1200"/>
+            </a:lvl2pPr>
+            <a:lvl3pPr marL="914400" indent="0">
+              <a:buNone/>
+              <a:defRPr sz="1000"/>
+            </a:lvl3pPr>
+            <a:lvl4pPr marL="1371600" indent="0">
+              <a:buNone/>
+              <a:defRPr sz="900"/>
+            </a:lvl4pPr>
+            <a:lvl5pPr marL="1828800" indent="0">
+              <a:buNone/>
+              <a:defRPr sz="900"/>
+            </a:lvl5pPr>
+            <a:lvl6pPr marL="2286000" indent="0">
+              <a:buNone/>
+              <a:defRPr sz="900"/>
+            </a:lvl6pPr>
+            <a:lvl7pPr marL="2743200" indent="0">
+              <a:buNone/>
+              <a:defRPr sz="900"/>
+            </a:lvl7pPr>
+            <a:lvl8pPr marL="3200400" indent="0">
+              <a:buNone/>
+              <a:defRPr sz="900"/>
+            </a:lvl8pPr>
+            <a:lvl9pPr marL="3657600" indent="0">
+              <a:buNone/>
+              <a:defRPr sz="900"/>
+            </a:lvl9pPr>
+          </a:lstStyle>
+          <a:p>
+            <a:pPr lvl="0"/>
+            <a:r>
+              <a:rPr lang="en-US" smtClean="0"/>
+              <a:t>Click to edit Master text styles</a:t>
+            </a:r>
+          </a:p>
+        </p:txBody>
+      </p:sp>
+      <p:sp>
+        <p:nvSpPr>
+          <p:cNvPr id="5" name="Date Placeholder 4"/>
+          <p:cNvSpPr>
+            <a:spLocks noGrp="1"/>
+          </p:cNvSpPr>
+          <p:nvPr>
+            <p:ph type="dt" sz="half" idx="10"/>
+          </p:nvPr>
+        </p:nvSpPr>
+        <p:spPr/>
+        <p:txBody>
+          <a:bodyPr/>
+          <a:lstStyle/>
+          <a:p>
+            <a:fld id="{5AB54E97-EA14-4D6D-B65E-B97DF81584A8}" type="datetimeFigureOut">
+              <a:rPr lang="en-US" smtClean="0"/>
+              <a:t>11/11/2008</a:t>
+            </a:fld>
+            <a:endParaRPr lang="en-US"/>
+          </a:p>
+        </p:txBody>
+      </p:sp>
+      <p:sp>
+        <p:nvSpPr>
+          <p:cNvPr id="6" name="Footer Placeholder 5"/>
+          <p:cNvSpPr>
+            <a:spLocks noGrp="1"/>
+          </p:cNvSpPr>
+          <p:nvPr>
+            <p:ph type="ftr" sz="quarter" idx="11"/>
+          </p:nvPr>
+        </p:nvSpPr>
+        <p:spPr/>
+        <p:txBody>
+          <a:bodyPr/>
+          <a:lstStyle/>
+          <a:p>
+            <a:endParaRPr lang="en-US"/>
+          </a:p>
+        </p:txBody>
+      </p:sp>
+      <p:sp>
+        <p:nvSpPr>
+          <p:cNvPr id="7" name="Slide Number Placeholder 6"/>
+          <p:cNvSpPr>
+            <a:spLocks noGrp="1"/>
+          </p:cNvSpPr>
+          <p:nvPr>
+            <p:ph type="sldNum" sz="quarter" idx="12"/>
+          </p:nvPr>
+        </p:nvSpPr>
+        <p:spPr/>
+        <p:txBody>
+          <a:bodyPr/>
+          <a:lstStyle/>
+          <a:p>
+            <a:fld id="{C2E99204-D3AF-4B0E-B808-5AFF8377D7BB}" type="slidenum">
+              <a:rPr lang="en-US" smtClean="0"/>
+              <a:t>‹#›</a:t>
+            </a:fld>
+            <a:endParaRPr lang="en-US"/>
+          </a:p>
+        </p:txBody>
+      </p:sp>
+    </p:spTree>
+  </p:cSld>
+  <p:clrMapOvr>
+    <a:masterClrMapping/>
+  </p:clrMapOvr>
+  <p:transition>
+    <p:fade/>
+  </p:transition>
+</p:sldLayout>
+</file>
+
+<file path=ppt/slideLayouts/slideLayout21.xml><?xml version="1.0" encoding="utf-8"?>
+<p:sldLayout xmlns:a="http://schemas.openxmlformats.org/drawingml/2006/main" xmlns:r="http://schemas.openxmlformats.org/officeDocument/2006/relationships" xmlns:p="http://schemas.openxmlformats.org/presentationml/2006/main" type="vertTx" preserve="1">
+  <p:cSld name="Title and Vertical Text">
+    <p:spTree>
+      <p:nvGrpSpPr>
+        <p:cNvPr id="1" name=""/>
+        <p:cNvGrpSpPr/>
+        <p:nvPr/>
+      </p:nvGrpSpPr>
+      <p:grpSpPr>
+        <a:xfrm>
+          <a:off x="0" y="0"/>
+          <a:ext cx="0" cy="0"/>
+          <a:chOff x="0" y="0"/>
+          <a:chExt cx="0" cy="0"/>
+        </a:xfrm>
+      </p:grpSpPr>
+      <p:sp>
+        <p:nvSpPr>
+          <p:cNvPr id="2" name="Title 1"/>
+          <p:cNvSpPr>
+            <a:spLocks noGrp="1"/>
+          </p:cNvSpPr>
+          <p:nvPr>
+            <p:ph type="title"/>
+          </p:nvPr>
+        </p:nvSpPr>
+        <p:spPr/>
+        <p:txBody>
+          <a:bodyPr/>
+          <a:lstStyle/>
+          <a:p>
+            <a:r>
+              <a:rPr lang="en-US" smtClean="0"/>
+              <a:t>Click to edit Master title style</a:t>
+            </a:r>
+            <a:endParaRPr lang="en-US"/>
+          </a:p>
+        </p:txBody>
+      </p:sp>
+      <p:sp>
+        <p:nvSpPr>
+          <p:cNvPr id="3" name="Vertical Text Placeholder 2"/>
+          <p:cNvSpPr>
+            <a:spLocks noGrp="1"/>
+          </p:cNvSpPr>
+          <p:nvPr>
+            <p:ph type="body" orient="vert" idx="1"/>
+          </p:nvPr>
+        </p:nvSpPr>
+        <p:spPr/>
+        <p:txBody>
+          <a:bodyPr vert="eaVert"/>
+          <a:lstStyle/>
+          <a:p>
+            <a:pPr lvl="0"/>
+            <a:r>
+              <a:rPr lang="en-US" smtClean="0"/>
+              <a:t>Click to edit Master text styles</a:t>
+            </a:r>
+          </a:p>
+          <a:p>
+            <a:pPr lvl="1"/>
+            <a:r>
+              <a:rPr lang="en-US" smtClean="0"/>
+              <a:t>Second level</a:t>
+            </a:r>
+          </a:p>
+          <a:p>
+            <a:pPr lvl="2"/>
+            <a:r>
+              <a:rPr lang="en-US" smtClean="0"/>
+              <a:t>Third level</a:t>
+            </a:r>
+          </a:p>
+          <a:p>
+            <a:pPr lvl="3"/>
+            <a:r>
+              <a:rPr lang="en-US" smtClean="0"/>
+              <a:t>Fourth level</a:t>
+            </a:r>
+          </a:p>
+          <a:p>
+            <a:pPr lvl="4"/>
+            <a:r>
+              <a:rPr lang="en-US" smtClean="0"/>
+              <a:t>Fifth level</a:t>
+            </a:r>
+            <a:endParaRPr lang="en-US"/>
+          </a:p>
+        </p:txBody>
+      </p:sp>
+      <p:sp>
+        <p:nvSpPr>
+          <p:cNvPr id="4" name="Date Placeholder 3"/>
+          <p:cNvSpPr>
+            <a:spLocks noGrp="1"/>
+          </p:cNvSpPr>
+          <p:nvPr>
+            <p:ph type="dt" sz="half" idx="10"/>
+          </p:nvPr>
+        </p:nvSpPr>
+        <p:spPr/>
+        <p:txBody>
+          <a:bodyPr/>
+          <a:lstStyle/>
+          <a:p>
+            <a:fld id="{5AB54E97-EA14-4D6D-B65E-B97DF81584A8}" type="datetimeFigureOut">
+              <a:rPr lang="en-US" smtClean="0"/>
+              <a:t>11/11/2008</a:t>
+            </a:fld>
+            <a:endParaRPr lang="en-US"/>
+          </a:p>
+        </p:txBody>
+      </p:sp>
+      <p:sp>
+        <p:nvSpPr>
+          <p:cNvPr id="5" name="Footer Placeholder 4"/>
+          <p:cNvSpPr>
+            <a:spLocks noGrp="1"/>
+          </p:cNvSpPr>
+          <p:nvPr>
+            <p:ph type="ftr" sz="quarter" idx="11"/>
+          </p:nvPr>
+        </p:nvSpPr>
+        <p:spPr/>
+        <p:txBody>
+          <a:bodyPr/>
+          <a:lstStyle/>
+          <a:p>
+            <a:endParaRPr lang="en-US"/>
+          </a:p>
+        </p:txBody>
+      </p:sp>
+      <p:sp>
+        <p:nvSpPr>
+          <p:cNvPr id="6" name="Slide Number Placeholder 5"/>
+          <p:cNvSpPr>
+            <a:spLocks noGrp="1"/>
+          </p:cNvSpPr>
+          <p:nvPr>
+            <p:ph type="sldNum" sz="quarter" idx="12"/>
+          </p:nvPr>
+        </p:nvSpPr>
+        <p:spPr/>
+        <p:txBody>
+          <a:bodyPr/>
+          <a:lstStyle/>
+          <a:p>
+            <a:fld id="{C2E99204-D3AF-4B0E-B808-5AFF8377D7BB}" type="slidenum">
+              <a:rPr lang="en-US" smtClean="0"/>
+              <a:t>‹#›</a:t>
+            </a:fld>
+            <a:endParaRPr lang="en-US"/>
+          </a:p>
+        </p:txBody>
+      </p:sp>
+    </p:spTree>
+  </p:cSld>
+  <p:clrMapOvr>
+    <a:masterClrMapping/>
+  </p:clrMapOvr>
+  <p:transition>
+    <p:fade/>
+  </p:transition>
+</p:sldLayout>
+</file>
+
+<file path=ppt/slideLayouts/slideLayout22.xml><?xml version="1.0" encoding="utf-8"?>
+<p:sldLayout xmlns:a="http://schemas.openxmlformats.org/drawingml/2006/main" xmlns:r="http://schemas.openxmlformats.org/officeDocument/2006/relationships" xmlns:p="http://schemas.openxmlformats.org/presentationml/2006/main" type="vertTitleAndTx" preserve="1">
+  <p:cSld name="Vertical Title and Text">
+    <p:spTree>
+      <p:nvGrpSpPr>
+        <p:cNvPr id="1" name=""/>
+        <p:cNvGrpSpPr/>
+        <p:nvPr/>
+      </p:nvGrpSpPr>
+      <p:grpSpPr>
+        <a:xfrm>
+          <a:off x="0" y="0"/>
+          <a:ext cx="0" cy="0"/>
+          <a:chOff x="0" y="0"/>
+          <a:chExt cx="0" cy="0"/>
+        </a:xfrm>
+      </p:grpSpPr>
+      <p:sp>
+        <p:nvSpPr>
+          <p:cNvPr id="2" name="Vertical Title 1"/>
+          <p:cNvSpPr>
+            <a:spLocks noGrp="1"/>
+          </p:cNvSpPr>
+          <p:nvPr>
+            <p:ph type="title" orient="vert"/>
+          </p:nvPr>
+        </p:nvSpPr>
+        <p:spPr>
+          <a:xfrm>
+            <a:off x="6629400" y="274638"/>
+            <a:ext cx="2057400" cy="5851525"/>
+          </a:xfrm>
+        </p:spPr>
+        <p:txBody>
+          <a:bodyPr vert="eaVert"/>
+          <a:lstStyle/>
+          <a:p>
+            <a:r>
+              <a:rPr lang="en-US" smtClean="0"/>
+              <a:t>Click to edit Master title style</a:t>
+            </a:r>
+            <a:endParaRPr lang="en-US"/>
+          </a:p>
+        </p:txBody>
+      </p:sp>
+      <p:sp>
+        <p:nvSpPr>
+          <p:cNvPr id="3" name="Vertical Text Placeholder 2"/>
+          <p:cNvSpPr>
+            <a:spLocks noGrp="1"/>
+          </p:cNvSpPr>
+          <p:nvPr>
+            <p:ph type="body" orient="vert" idx="1"/>
+          </p:nvPr>
+        </p:nvSpPr>
+        <p:spPr>
+          <a:xfrm>
+            <a:off x="457200" y="274638"/>
+            <a:ext cx="6019800" cy="5851525"/>
+          </a:xfrm>
+        </p:spPr>
+        <p:txBody>
+          <a:bodyPr vert="eaVert"/>
+          <a:lstStyle/>
+          <a:p>
+            <a:pPr lvl="0"/>
+            <a:r>
+              <a:rPr lang="en-US" smtClean="0"/>
+              <a:t>Click to edit Master text styles</a:t>
+            </a:r>
+          </a:p>
+          <a:p>
+            <a:pPr lvl="1"/>
+            <a:r>
+              <a:rPr lang="en-US" smtClean="0"/>
+              <a:t>Second level</a:t>
+            </a:r>
+          </a:p>
+          <a:p>
+            <a:pPr lvl="2"/>
+            <a:r>
+              <a:rPr lang="en-US" smtClean="0"/>
+              <a:t>Third level</a:t>
+            </a:r>
+          </a:p>
+          <a:p>
+            <a:pPr lvl="3"/>
+            <a:r>
+              <a:rPr lang="en-US" smtClean="0"/>
+              <a:t>Fourth level</a:t>
+            </a:r>
+          </a:p>
+          <a:p>
+            <a:pPr lvl="4"/>
+            <a:r>
+              <a:rPr lang="en-US" smtClean="0"/>
+              <a:t>Fifth level</a:t>
+            </a:r>
+            <a:endParaRPr lang="en-US"/>
+          </a:p>
+        </p:txBody>
+      </p:sp>
+      <p:sp>
+        <p:nvSpPr>
+          <p:cNvPr id="4" name="Date Placeholder 3"/>
+          <p:cNvSpPr>
+            <a:spLocks noGrp="1"/>
+          </p:cNvSpPr>
+          <p:nvPr>
+            <p:ph type="dt" sz="half" idx="10"/>
+          </p:nvPr>
+        </p:nvSpPr>
+        <p:spPr/>
+        <p:txBody>
+          <a:bodyPr/>
+          <a:lstStyle/>
+          <a:p>
+            <a:fld id="{5AB54E97-EA14-4D6D-B65E-B97DF81584A8}" type="datetimeFigureOut">
+              <a:rPr lang="en-US" smtClean="0"/>
+              <a:t>11/11/2008</a:t>
+            </a:fld>
+            <a:endParaRPr lang="en-US"/>
+          </a:p>
+        </p:txBody>
+      </p:sp>
+      <p:sp>
+        <p:nvSpPr>
+          <p:cNvPr id="5" name="Footer Placeholder 4"/>
+          <p:cNvSpPr>
+            <a:spLocks noGrp="1"/>
+          </p:cNvSpPr>
+          <p:nvPr>
+            <p:ph type="ftr" sz="quarter" idx="11"/>
+          </p:nvPr>
+        </p:nvSpPr>
+        <p:spPr/>
+        <p:txBody>
+          <a:bodyPr/>
+          <a:lstStyle/>
+          <a:p>
+            <a:endParaRPr lang="en-US"/>
+          </a:p>
+        </p:txBody>
+      </p:sp>
+      <p:sp>
+        <p:nvSpPr>
+          <p:cNvPr id="6" name="Slide Number Placeholder 5"/>
+          <p:cNvSpPr>
+            <a:spLocks noGrp="1"/>
+          </p:cNvSpPr>
+          <p:nvPr>
+            <p:ph type="sldNum" sz="quarter" idx="12"/>
+          </p:nvPr>
+        </p:nvSpPr>
+        <p:spPr/>
+        <p:txBody>
+          <a:bodyPr/>
+          <a:lstStyle/>
+          <a:p>
+            <a:fld id="{C2E99204-D3AF-4B0E-B808-5AFF8377D7BB}" type="slidenum">
+              <a:rPr lang="en-US" smtClean="0"/>
+              <a:t>‹#›</a:t>
+            </a:fld>
+            <a:endParaRPr lang="en-US"/>
+          </a:p>
+        </p:txBody>
+      </p:sp>
+    </p:spTree>
+  </p:cSld>
+  <p:clrMapOvr>
+    <a:masterClrMapping/>
+  </p:clrMapOvr>
+  <p:transition>
+    <p:fade/>
+  </p:transition>
 </p:sldLayout>
 </file>
 
@@ -1200,7 +3674,7 @@
             <a:fld id="{09609310-A27C-4486-85E6-BEA22C115EFC}" type="datetimeFigureOut">
               <a:rPr lang="en-US" smtClean="0"/>
               <a:pPr/>
-              <a:t>11/10/2008</a:t>
+              <a:t>11/11/2008</a:t>
             </a:fld>
             <a:endParaRPr lang="en-US"/>
           </a:p>
@@ -1452,6 +3926,16 @@
   <p:clrMapOvr>
     <a:masterClrMapping/>
   </p:clrMapOvr>
+  <p:transition>
+    <p:fade/>
+  </p:transition>
+  <p:timing>
+    <p:tnLst>
+      <p:par>
+        <p:cTn id="1" dur="indefinite" restart="never" nodeType="tmRoot"/>
+      </p:par>
+    </p:tnLst>
+  </p:timing>
 </p:sldLayout>
 </file>
 
@@ -1670,7 +4154,7 @@
             <a:fld id="{09609310-A27C-4486-85E6-BEA22C115EFC}" type="datetimeFigureOut">
               <a:rPr lang="en-US" smtClean="0"/>
               <a:pPr/>
-              <a:t>11/10/2008</a:t>
+              <a:t>11/11/2008</a:t>
             </a:fld>
             <a:endParaRPr lang="en-US"/>
           </a:p>
@@ -1728,6 +4212,9 @@
   <p:clrMapOvr>
     <a:masterClrMapping/>
   </p:clrMapOvr>
+  <p:transition>
+    <p:fade/>
+  </p:transition>
 </p:sldLayout>
 </file>
 
@@ -2161,7 +4648,7 @@
             <a:fld id="{09609310-A27C-4486-85E6-BEA22C115EFC}" type="datetimeFigureOut">
               <a:rPr lang="en-US" smtClean="0"/>
               <a:pPr/>
-              <a:t>11/10/2008</a:t>
+              <a:t>11/11/2008</a:t>
             </a:fld>
             <a:endParaRPr lang="en-US"/>
           </a:p>
@@ -2219,6 +4706,9 @@
   <p:clrMapOvr>
     <a:masterClrMapping/>
   </p:clrMapOvr>
+  <p:transition>
+    <p:fade/>
+  </p:transition>
 </p:sldLayout>
 </file>
 
@@ -2289,7 +4779,7 @@
             <a:fld id="{09609310-A27C-4486-85E6-BEA22C115EFC}" type="datetimeFigureOut">
               <a:rPr lang="en-US" smtClean="0"/>
               <a:pPr/>
-              <a:t>11/10/2008</a:t>
+              <a:t>11/11/2008</a:t>
             </a:fld>
             <a:endParaRPr lang="en-US"/>
           </a:p>
@@ -2347,6 +4837,9 @@
   <p:clrMapOvr>
     <a:masterClrMapping/>
   </p:clrMapOvr>
+  <p:transition>
+    <p:fade/>
+  </p:transition>
 </p:sldLayout>
 </file>
 
@@ -2435,7 +4928,7 @@
             <a:fld id="{09609310-A27C-4486-85E6-BEA22C115EFC}" type="datetimeFigureOut">
               <a:rPr lang="en-US" smtClean="0"/>
               <a:pPr/>
-              <a:t>11/10/2008</a:t>
+              <a:t>11/11/2008</a:t>
             </a:fld>
             <a:endParaRPr lang="en-US"/>
           </a:p>
@@ -2549,6 +5042,9 @@
   <p:clrMapOvr>
     <a:masterClrMapping/>
   </p:clrMapOvr>
+  <p:transition>
+    <p:fade/>
+  </p:transition>
 </p:sldLayout>
 </file>
 
@@ -2759,7 +5255,7 @@
             <a:fld id="{09609310-A27C-4486-85E6-BEA22C115EFC}" type="datetimeFigureOut">
               <a:rPr lang="en-US" smtClean="0"/>
               <a:pPr/>
-              <a:t>11/10/2008</a:t>
+              <a:t>11/11/2008</a:t>
             </a:fld>
             <a:endParaRPr lang="en-US"/>
           </a:p>
@@ -2817,6 +5313,9 @@
   <p:clrMapOvr>
     <a:masterClrMapping/>
   </p:clrMapOvr>
+  <p:transition>
+    <p:fade/>
+  </p:transition>
 </p:sldLayout>
 </file>
 
@@ -2895,7 +5394,7 @@
             <a:fld id="{09609310-A27C-4486-85E6-BEA22C115EFC}" type="datetimeFigureOut">
               <a:rPr lang="en-US" smtClean="0"/>
               <a:pPr/>
-              <a:t>11/10/2008</a:t>
+              <a:t>11/11/2008</a:t>
             </a:fld>
             <a:endParaRPr lang="en-US"/>
           </a:p>
@@ -3255,6 +5754,9 @@
   <p:clrMapOvr>
     <a:masterClrMapping/>
   </p:clrMapOvr>
+  <p:transition>
+    <p:fade/>
+  </p:transition>
 </p:sldLayout>
 </file>
 
@@ -3678,7 +6180,7 @@
             <a:fld id="{09609310-A27C-4486-85E6-BEA22C115EFC}" type="datetimeFigureOut">
               <a:rPr lang="en-US" smtClean="0"/>
               <a:pPr/>
-              <a:t>11/10/2008</a:t>
+              <a:t>11/11/2008</a:t>
             </a:fld>
             <a:endParaRPr lang="en-US"/>
           </a:p>
@@ -3841,6 +6343,16 @@
     <p:sldLayoutId id="2147483670" r:id="rId10"/>
     <p:sldLayoutId id="2147483671" r:id="rId11"/>
   </p:sldLayoutIdLst>
+  <p:transition>
+    <p:fade/>
+  </p:transition>
+  <p:timing>
+    <p:tnLst>
+      <p:par>
+        <p:cTn id="1" dur="indefinite" restart="never" nodeType="tmRoot"/>
+      </p:par>
+    </p:tnLst>
+  </p:timing>
   <p:txStyles>
     <p:titleStyle>
       <a:lvl1pPr algn="l" rtl="0" eaLnBrk="1" latinLnBrk="0" hangingPunct="1">
@@ -4158,6 +6670,521 @@
 </p:sldMaster>
 </file>
 
+<file path=ppt/slideMasters/slideMaster2.xml><?xml version="1.0" encoding="utf-8"?>
+<p:sldMaster xmlns:a="http://schemas.openxmlformats.org/drawingml/2006/main" xmlns:r="http://schemas.openxmlformats.org/officeDocument/2006/relationships" xmlns:p="http://schemas.openxmlformats.org/presentationml/2006/main" preserve="1">
+  <p:cSld>
+    <p:bg>
+      <p:bgRef idx="1001">
+        <a:schemeClr val="bg1"/>
+      </p:bgRef>
+    </p:bg>
+    <p:spTree>
+      <p:nvGrpSpPr>
+        <p:cNvPr id="1" name=""/>
+        <p:cNvGrpSpPr/>
+        <p:nvPr/>
+      </p:nvGrpSpPr>
+      <p:grpSpPr>
+        <a:xfrm>
+          <a:off x="0" y="0"/>
+          <a:ext cx="0" cy="0"/>
+          <a:chOff x="0" y="0"/>
+          <a:chExt cx="0" cy="0"/>
+        </a:xfrm>
+      </p:grpSpPr>
+      <p:sp>
+        <p:nvSpPr>
+          <p:cNvPr id="2" name="Title Placeholder 1"/>
+          <p:cNvSpPr>
+            <a:spLocks noGrp="1"/>
+          </p:cNvSpPr>
+          <p:nvPr>
+            <p:ph type="title"/>
+          </p:nvPr>
+        </p:nvSpPr>
+        <p:spPr>
+          <a:xfrm>
+            <a:off x="457200" y="274638"/>
+            <a:ext cx="8229600" cy="1143000"/>
+          </a:xfrm>
+          <a:prstGeom prst="rect">
+            <a:avLst/>
+          </a:prstGeom>
+        </p:spPr>
+        <p:txBody>
+          <a:bodyPr vert="horz" lIns="91440" tIns="45720" rIns="91440" bIns="45720" rtlCol="0" anchor="ctr">
+            <a:normAutofit/>
+          </a:bodyPr>
+          <a:lstStyle/>
+          <a:p>
+            <a:r>
+              <a:rPr lang="en-US" smtClean="0"/>
+              <a:t>Click to edit Master title style</a:t>
+            </a:r>
+            <a:endParaRPr lang="en-US"/>
+          </a:p>
+        </p:txBody>
+      </p:sp>
+      <p:sp>
+        <p:nvSpPr>
+          <p:cNvPr id="3" name="Text Placeholder 2"/>
+          <p:cNvSpPr>
+            <a:spLocks noGrp="1"/>
+          </p:cNvSpPr>
+          <p:nvPr>
+            <p:ph type="body" idx="1"/>
+          </p:nvPr>
+        </p:nvSpPr>
+        <p:spPr>
+          <a:xfrm>
+            <a:off x="457200" y="1600200"/>
+            <a:ext cx="8229600" cy="4525963"/>
+          </a:xfrm>
+          <a:prstGeom prst="rect">
+            <a:avLst/>
+          </a:prstGeom>
+        </p:spPr>
+        <p:txBody>
+          <a:bodyPr vert="horz" lIns="91440" tIns="45720" rIns="91440" bIns="45720" rtlCol="0">
+            <a:normAutofit/>
+          </a:bodyPr>
+          <a:lstStyle/>
+          <a:p>
+            <a:pPr lvl="0"/>
+            <a:r>
+              <a:rPr lang="en-US" smtClean="0"/>
+              <a:t>Click to edit Master text styles</a:t>
+            </a:r>
+          </a:p>
+          <a:p>
+            <a:pPr lvl="1"/>
+            <a:r>
+              <a:rPr lang="en-US" smtClean="0"/>
+              <a:t>Second level</a:t>
+            </a:r>
+          </a:p>
+          <a:p>
+            <a:pPr lvl="2"/>
+            <a:r>
+              <a:rPr lang="en-US" smtClean="0"/>
+              <a:t>Third level</a:t>
+            </a:r>
+          </a:p>
+          <a:p>
+            <a:pPr lvl="3"/>
+            <a:r>
+              <a:rPr lang="en-US" smtClean="0"/>
+              <a:t>Fourth level</a:t>
+            </a:r>
+          </a:p>
+          <a:p>
+            <a:pPr lvl="4"/>
+            <a:r>
+              <a:rPr lang="en-US" smtClean="0"/>
+              <a:t>Fifth level</a:t>
+            </a:r>
+            <a:endParaRPr lang="en-US"/>
+          </a:p>
+        </p:txBody>
+      </p:sp>
+      <p:sp>
+        <p:nvSpPr>
+          <p:cNvPr id="4" name="Date Placeholder 3"/>
+          <p:cNvSpPr>
+            <a:spLocks noGrp="1"/>
+          </p:cNvSpPr>
+          <p:nvPr>
+            <p:ph type="dt" sz="half" idx="2"/>
+          </p:nvPr>
+        </p:nvSpPr>
+        <p:spPr>
+          <a:xfrm>
+            <a:off x="457200" y="6356350"/>
+            <a:ext cx="2133600" cy="365125"/>
+          </a:xfrm>
+          <a:prstGeom prst="rect">
+            <a:avLst/>
+          </a:prstGeom>
+        </p:spPr>
+        <p:txBody>
+          <a:bodyPr vert="horz" lIns="91440" tIns="45720" rIns="91440" bIns="45720" rtlCol="0" anchor="ctr"/>
+          <a:lstStyle>
+            <a:lvl1pPr algn="l">
+              <a:defRPr sz="1200">
+                <a:solidFill>
+                  <a:schemeClr val="tx1">
+                    <a:tint val="75000"/>
+                  </a:schemeClr>
+                </a:solidFill>
+              </a:defRPr>
+            </a:lvl1pPr>
+          </a:lstStyle>
+          <a:p>
+            <a:fld id="{5AB54E97-EA14-4D6D-B65E-B97DF81584A8}" type="datetimeFigureOut">
+              <a:rPr lang="en-US" smtClean="0"/>
+              <a:t>11/11/2008</a:t>
+            </a:fld>
+            <a:endParaRPr lang="en-US"/>
+          </a:p>
+        </p:txBody>
+      </p:sp>
+      <p:sp>
+        <p:nvSpPr>
+          <p:cNvPr id="5" name="Footer Placeholder 4"/>
+          <p:cNvSpPr>
+            <a:spLocks noGrp="1"/>
+          </p:cNvSpPr>
+          <p:nvPr>
+            <p:ph type="ftr" sz="quarter" idx="3"/>
+          </p:nvPr>
+        </p:nvSpPr>
+        <p:spPr>
+          <a:xfrm>
+            <a:off x="3124200" y="6356350"/>
+            <a:ext cx="2895600" cy="365125"/>
+          </a:xfrm>
+          <a:prstGeom prst="rect">
+            <a:avLst/>
+          </a:prstGeom>
+        </p:spPr>
+        <p:txBody>
+          <a:bodyPr vert="horz" lIns="91440" tIns="45720" rIns="91440" bIns="45720" rtlCol="0" anchor="ctr"/>
+          <a:lstStyle>
+            <a:lvl1pPr algn="ctr">
+              <a:defRPr sz="1200">
+                <a:solidFill>
+                  <a:schemeClr val="tx1">
+                    <a:tint val="75000"/>
+                  </a:schemeClr>
+                </a:solidFill>
+              </a:defRPr>
+            </a:lvl1pPr>
+          </a:lstStyle>
+          <a:p>
+            <a:endParaRPr lang="en-US"/>
+          </a:p>
+        </p:txBody>
+      </p:sp>
+      <p:sp>
+        <p:nvSpPr>
+          <p:cNvPr id="6" name="Slide Number Placeholder 5"/>
+          <p:cNvSpPr>
+            <a:spLocks noGrp="1"/>
+          </p:cNvSpPr>
+          <p:nvPr>
+            <p:ph type="sldNum" sz="quarter" idx="4"/>
+          </p:nvPr>
+        </p:nvSpPr>
+        <p:spPr>
+          <a:xfrm>
+            <a:off x="6553200" y="6356350"/>
+            <a:ext cx="2133600" cy="365125"/>
+          </a:xfrm>
+          <a:prstGeom prst="rect">
+            <a:avLst/>
+          </a:prstGeom>
+        </p:spPr>
+        <p:txBody>
+          <a:bodyPr vert="horz" lIns="91440" tIns="45720" rIns="91440" bIns="45720" rtlCol="0" anchor="ctr"/>
+          <a:lstStyle>
+            <a:lvl1pPr algn="r">
+              <a:defRPr sz="1200">
+                <a:solidFill>
+                  <a:schemeClr val="tx1">
+                    <a:tint val="75000"/>
+                  </a:schemeClr>
+                </a:solidFill>
+              </a:defRPr>
+            </a:lvl1pPr>
+          </a:lstStyle>
+          <a:p>
+            <a:fld id="{C2E99204-D3AF-4B0E-B808-5AFF8377D7BB}" type="slidenum">
+              <a:rPr lang="en-US" smtClean="0"/>
+              <a:t>‹#›</a:t>
+            </a:fld>
+            <a:endParaRPr lang="en-US"/>
+          </a:p>
+        </p:txBody>
+      </p:sp>
+    </p:spTree>
+  </p:cSld>
+  <p:clrMap bg1="lt1" tx1="dk1" bg2="lt2" tx2="dk2" accent1="accent1" accent2="accent2" accent3="accent3" accent4="accent4" accent5="accent5" accent6="accent6" hlink="hlink" folHlink="folHlink"/>
+  <p:sldLayoutIdLst>
+    <p:sldLayoutId id="2147483673" r:id="rId1"/>
+    <p:sldLayoutId id="2147483674" r:id="rId2"/>
+    <p:sldLayoutId id="2147483675" r:id="rId3"/>
+    <p:sldLayoutId id="2147483676" r:id="rId4"/>
+    <p:sldLayoutId id="2147483677" r:id="rId5"/>
+    <p:sldLayoutId id="2147483678" r:id="rId6"/>
+    <p:sldLayoutId id="2147483679" r:id="rId7"/>
+    <p:sldLayoutId id="2147483680" r:id="rId8"/>
+    <p:sldLayoutId id="2147483681" r:id="rId9"/>
+    <p:sldLayoutId id="2147483682" r:id="rId10"/>
+    <p:sldLayoutId id="2147483683" r:id="rId11"/>
+  </p:sldLayoutIdLst>
+  <p:transition>
+    <p:fade/>
+  </p:transition>
+  <p:timing>
+    <p:tnLst>
+      <p:par>
+        <p:cTn id="1" dur="indefinite" restart="never" nodeType="tmRoot"/>
+      </p:par>
+    </p:tnLst>
+  </p:timing>
+  <p:txStyles>
+    <p:titleStyle>
+      <a:lvl1pPr algn="ctr" defTabSz="914400" rtl="0" eaLnBrk="1" latinLnBrk="0" hangingPunct="1">
+        <a:spcBef>
+          <a:spcPct val="0"/>
+        </a:spcBef>
+        <a:buNone/>
+        <a:defRPr sz="4400" kern="1200">
+          <a:solidFill>
+            <a:schemeClr val="tx1"/>
+          </a:solidFill>
+          <a:latin typeface="+mj-lt"/>
+          <a:ea typeface="+mj-ea"/>
+          <a:cs typeface="+mj-cs"/>
+        </a:defRPr>
+      </a:lvl1pPr>
+    </p:titleStyle>
+    <p:bodyStyle>
+      <a:lvl1pPr marL="342900" indent="-342900" algn="l" defTabSz="914400" rtl="0" eaLnBrk="1" latinLnBrk="0" hangingPunct="1">
+        <a:spcBef>
+          <a:spcPct val="20000"/>
+        </a:spcBef>
+        <a:buFont typeface="Arial" pitchFamily="34" charset="0"/>
+        <a:buChar char="•"/>
+        <a:defRPr sz="3200" kern="1200">
+          <a:solidFill>
+            <a:schemeClr val="tx1"/>
+          </a:solidFill>
+          <a:latin typeface="+mn-lt"/>
+          <a:ea typeface="+mn-ea"/>
+          <a:cs typeface="+mn-cs"/>
+        </a:defRPr>
+      </a:lvl1pPr>
+      <a:lvl2pPr marL="742950" indent="-285750" algn="l" defTabSz="914400" rtl="0" eaLnBrk="1" latinLnBrk="0" hangingPunct="1">
+        <a:spcBef>
+          <a:spcPct val="20000"/>
+        </a:spcBef>
+        <a:buFont typeface="Arial" pitchFamily="34" charset="0"/>
+        <a:buChar char="–"/>
+        <a:defRPr sz="2800" kern="1200">
+          <a:solidFill>
+            <a:schemeClr val="tx1"/>
+          </a:solidFill>
+          <a:latin typeface="+mn-lt"/>
+          <a:ea typeface="+mn-ea"/>
+          <a:cs typeface="+mn-cs"/>
+        </a:defRPr>
+      </a:lvl2pPr>
+      <a:lvl3pPr marL="1143000" indent="-228600" algn="l" defTabSz="914400" rtl="0" eaLnBrk="1" latinLnBrk="0" hangingPunct="1">
+        <a:spcBef>
+          <a:spcPct val="20000"/>
+        </a:spcBef>
+        <a:buFont typeface="Arial" pitchFamily="34" charset="0"/>
+        <a:buChar char="•"/>
+        <a:defRPr sz="2400" kern="1200">
+          <a:solidFill>
+            <a:schemeClr val="tx1"/>
+          </a:solidFill>
+          <a:latin typeface="+mn-lt"/>
+          <a:ea typeface="+mn-ea"/>
+          <a:cs typeface="+mn-cs"/>
+        </a:defRPr>
+      </a:lvl3pPr>
+      <a:lvl4pPr marL="1600200" indent="-228600" algn="l" defTabSz="914400" rtl="0" eaLnBrk="1" latinLnBrk="0" hangingPunct="1">
+        <a:spcBef>
+          <a:spcPct val="20000"/>
+        </a:spcBef>
+        <a:buFont typeface="Arial" pitchFamily="34" charset="0"/>
+        <a:buChar char="–"/>
+        <a:defRPr sz="2000" kern="1200">
+          <a:solidFill>
+            <a:schemeClr val="tx1"/>
+          </a:solidFill>
+          <a:latin typeface="+mn-lt"/>
+          <a:ea typeface="+mn-ea"/>
+          <a:cs typeface="+mn-cs"/>
+        </a:defRPr>
+      </a:lvl4pPr>
+      <a:lvl5pPr marL="2057400" indent="-228600" algn="l" defTabSz="914400" rtl="0" eaLnBrk="1" latinLnBrk="0" hangingPunct="1">
+        <a:spcBef>
+          <a:spcPct val="20000"/>
+        </a:spcBef>
+        <a:buFont typeface="Arial" pitchFamily="34" charset="0"/>
+        <a:buChar char="»"/>
+        <a:defRPr sz="2000" kern="1200">
+          <a:solidFill>
+            <a:schemeClr val="tx1"/>
+          </a:solidFill>
+          <a:latin typeface="+mn-lt"/>
+          <a:ea typeface="+mn-ea"/>
+          <a:cs typeface="+mn-cs"/>
+        </a:defRPr>
+      </a:lvl5pPr>
+      <a:lvl6pPr marL="2514600" indent="-228600" algn="l" defTabSz="914400" rtl="0" eaLnBrk="1" latinLnBrk="0" hangingPunct="1">
+        <a:spcBef>
+          <a:spcPct val="20000"/>
+        </a:spcBef>
+        <a:buFont typeface="Arial" pitchFamily="34" charset="0"/>
+        <a:buChar char="•"/>
+        <a:defRPr sz="2000" kern="1200">
+          <a:solidFill>
+            <a:schemeClr val="tx1"/>
+          </a:solidFill>
+          <a:latin typeface="+mn-lt"/>
+          <a:ea typeface="+mn-ea"/>
+          <a:cs typeface="+mn-cs"/>
+        </a:defRPr>
+      </a:lvl6pPr>
+      <a:lvl7pPr marL="2971800" indent="-228600" algn="l" defTabSz="914400" rtl="0" eaLnBrk="1" latinLnBrk="0" hangingPunct="1">
+        <a:spcBef>
+          <a:spcPct val="20000"/>
+        </a:spcBef>
+        <a:buFont typeface="Arial" pitchFamily="34" charset="0"/>
+        <a:buChar char="•"/>
+        <a:defRPr sz="2000" kern="1200">
+          <a:solidFill>
+            <a:schemeClr val="tx1"/>
+          </a:solidFill>
+          <a:latin typeface="+mn-lt"/>
+          <a:ea typeface="+mn-ea"/>
+          <a:cs typeface="+mn-cs"/>
+        </a:defRPr>
+      </a:lvl7pPr>
+      <a:lvl8pPr marL="3429000" indent="-228600" algn="l" defTabSz="914400" rtl="0" eaLnBrk="1" latinLnBrk="0" hangingPunct="1">
+        <a:spcBef>
+          <a:spcPct val="20000"/>
+        </a:spcBef>
+        <a:buFont typeface="Arial" pitchFamily="34" charset="0"/>
+        <a:buChar char="•"/>
+        <a:defRPr sz="2000" kern="1200">
+          <a:solidFill>
+            <a:schemeClr val="tx1"/>
+          </a:solidFill>
+          <a:latin typeface="+mn-lt"/>
+          <a:ea typeface="+mn-ea"/>
+          <a:cs typeface="+mn-cs"/>
+        </a:defRPr>
+      </a:lvl8pPr>
+      <a:lvl9pPr marL="3886200" indent="-228600" algn="l" defTabSz="914400" rtl="0" eaLnBrk="1" latinLnBrk="0" hangingPunct="1">
+        <a:spcBef>
+          <a:spcPct val="20000"/>
+        </a:spcBef>
+        <a:buFont typeface="Arial" pitchFamily="34" charset="0"/>
+        <a:buChar char="•"/>
+        <a:defRPr sz="2000" kern="1200">
+          <a:solidFill>
+            <a:schemeClr val="tx1"/>
+          </a:solidFill>
+          <a:latin typeface="+mn-lt"/>
+          <a:ea typeface="+mn-ea"/>
+          <a:cs typeface="+mn-cs"/>
+        </a:defRPr>
+      </a:lvl9pPr>
+    </p:bodyStyle>
+    <p:otherStyle>
+      <a:defPPr>
+        <a:defRPr lang="en-US"/>
+      </a:defPPr>
+      <a:lvl1pPr marL="0" algn="l" defTabSz="914400" rtl="0" eaLnBrk="1" latinLnBrk="0" hangingPunct="1">
+        <a:defRPr sz="1800" kern="1200">
+          <a:solidFill>
+            <a:schemeClr val="tx1"/>
+          </a:solidFill>
+          <a:latin typeface="+mn-lt"/>
+          <a:ea typeface="+mn-ea"/>
+          <a:cs typeface="+mn-cs"/>
+        </a:defRPr>
+      </a:lvl1pPr>
+      <a:lvl2pPr marL="457200" algn="l" defTabSz="914400" rtl="0" eaLnBrk="1" latinLnBrk="0" hangingPunct="1">
+        <a:defRPr sz="1800" kern="1200">
+          <a:solidFill>
+            <a:schemeClr val="tx1"/>
+          </a:solidFill>
+          <a:latin typeface="+mn-lt"/>
+          <a:ea typeface="+mn-ea"/>
+          <a:cs typeface="+mn-cs"/>
+        </a:defRPr>
+      </a:lvl2pPr>
+      <a:lvl3pPr marL="914400" algn="l" defTabSz="914400" rtl="0" eaLnBrk="1" latinLnBrk="0" hangingPunct="1">
+        <a:defRPr sz="1800" kern="1200">
+          <a:solidFill>
+            <a:schemeClr val="tx1"/>
+          </a:solidFill>
+          <a:latin typeface="+mn-lt"/>
+          <a:ea typeface="+mn-ea"/>
+          <a:cs typeface="+mn-cs"/>
+        </a:defRPr>
+      </a:lvl3pPr>
+      <a:lvl4pPr marL="1371600" algn="l" defTabSz="914400" rtl="0" eaLnBrk="1" latinLnBrk="0" hangingPunct="1">
+        <a:defRPr sz="1800" kern="1200">
+          <a:solidFill>
+            <a:schemeClr val="tx1"/>
+          </a:solidFill>
+          <a:latin typeface="+mn-lt"/>
+          <a:ea typeface="+mn-ea"/>
+          <a:cs typeface="+mn-cs"/>
+        </a:defRPr>
+      </a:lvl4pPr>
+      <a:lvl5pPr marL="1828800" algn="l" defTabSz="914400" rtl="0" eaLnBrk="1" latinLnBrk="0" hangingPunct="1">
+        <a:defRPr sz="1800" kern="1200">
+          <a:solidFill>
+            <a:schemeClr val="tx1"/>
+          </a:solidFill>
+          <a:latin typeface="+mn-lt"/>
+          <a:ea typeface="+mn-ea"/>
+          <a:cs typeface="+mn-cs"/>
+        </a:defRPr>
+      </a:lvl5pPr>
+      <a:lvl6pPr marL="2286000" algn="l" defTabSz="914400" rtl="0" eaLnBrk="1" latinLnBrk="0" hangingPunct="1">
+        <a:defRPr sz="1800" kern="1200">
+          <a:solidFill>
+            <a:schemeClr val="tx1"/>
+          </a:solidFill>
+          <a:latin typeface="+mn-lt"/>
+          <a:ea typeface="+mn-ea"/>
+          <a:cs typeface="+mn-cs"/>
+        </a:defRPr>
+      </a:lvl6pPr>
+      <a:lvl7pPr marL="2743200" algn="l" defTabSz="914400" rtl="0" eaLnBrk="1" latinLnBrk="0" hangingPunct="1">
+        <a:defRPr sz="1800" kern="1200">
+          <a:solidFill>
+            <a:schemeClr val="tx1"/>
+          </a:solidFill>
+          <a:latin typeface="+mn-lt"/>
+          <a:ea typeface="+mn-ea"/>
+          <a:cs typeface="+mn-cs"/>
+        </a:defRPr>
+      </a:lvl7pPr>
+      <a:lvl8pPr marL="3200400" algn="l" defTabSz="914400" rtl="0" eaLnBrk="1" latinLnBrk="0" hangingPunct="1">
+        <a:defRPr sz="1800" kern="1200">
+          <a:solidFill>
+            <a:schemeClr val="tx1"/>
+          </a:solidFill>
+          <a:latin typeface="+mn-lt"/>
+          <a:ea typeface="+mn-ea"/>
+          <a:cs typeface="+mn-cs"/>
+        </a:defRPr>
+      </a:lvl8pPr>
+      <a:lvl9pPr marL="3657600" algn="l" defTabSz="914400" rtl="0" eaLnBrk="1" latinLnBrk="0" hangingPunct="1">
+        <a:defRPr sz="1800" kern="1200">
+          <a:solidFill>
+            <a:schemeClr val="tx1"/>
+          </a:solidFill>
+          <a:latin typeface="+mn-lt"/>
+          <a:ea typeface="+mn-ea"/>
+          <a:cs typeface="+mn-cs"/>
+        </a:defRPr>
+      </a:lvl9pPr>
+    </p:otherStyle>
+  </p:txStyles>
+</p:sldMaster>
+</file>
+
 <file path=ppt/slides/slide1.xml><?xml version="1.0" encoding="utf-8"?>
 <p:sld xmlns:a="http://schemas.openxmlformats.org/drawingml/2006/main" xmlns:r="http://schemas.openxmlformats.org/officeDocument/2006/relationships" xmlns:p="http://schemas.openxmlformats.org/presentationml/2006/main">
   <p:cSld>
@@ -4219,17 +7246,87 @@
             </a:r>
             <a:r>
               <a:rPr lang="nl-BE" baseline="0" dirty="0" smtClean="0"/>
-              <a:t> project</a:t>
-            </a:r>
-            <a:endParaRPr lang="en-US" baseline="0" dirty="0" smtClean="0"/>
-          </a:p>
-        </p:txBody>
-      </p:sp>
+              <a:t> </a:t>
+            </a:r>
+            <a:r>
+              <a:rPr lang="nl-BE" baseline="0" dirty="0" smtClean="0"/>
+              <a:t>project</a:t>
+            </a:r>
+          </a:p>
+        </p:txBody>
+      </p:sp>
+      <p:pic>
+        <p:nvPicPr>
+          <p:cNvPr id="3074" name="Picture 2"/>
+          <p:cNvPicPr>
+            <a:picLocks noChangeAspect="1" noChangeArrowheads="1"/>
+          </p:cNvPicPr>
+          <p:nvPr/>
+        </p:nvPicPr>
+        <p:blipFill>
+          <a:blip r:embed="rId2"/>
+          <a:srcRect/>
+          <a:stretch>
+            <a:fillRect/>
+          </a:stretch>
+        </p:blipFill>
+        <p:spPr bwMode="auto">
+          <a:xfrm>
+            <a:off x="142844" y="2786058"/>
+            <a:ext cx="8862080" cy="3119452"/>
+          </a:xfrm>
+          <a:prstGeom prst="rect">
+            <a:avLst/>
+          </a:prstGeom>
+          <a:solidFill>
+            <a:srgbClr val="FFFFFF">
+              <a:shade val="85000"/>
+            </a:srgbClr>
+          </a:solidFill>
+          <a:ln w="190500" cap="sq">
+            <a:solidFill>
+              <a:srgbClr val="FFFFFF"/>
+            </a:solidFill>
+            <a:miter lim="800000"/>
+          </a:ln>
+          <a:effectLst>
+            <a:outerShdw blurRad="65000" dist="50800" dir="12900000" kx="195000" ky="145000" algn="tl" rotWithShape="0">
+              <a:srgbClr val="000000">
+                <a:alpha val="30000"/>
+              </a:srgbClr>
+            </a:outerShdw>
+          </a:effectLst>
+          <a:scene3d>
+            <a:camera prst="orthographicFront">
+              <a:rot lat="0" lon="0" rev="360000"/>
+            </a:camera>
+            <a:lightRig rig="twoPt" dir="t">
+              <a:rot lat="0" lon="0" rev="7200000"/>
+            </a:lightRig>
+          </a:scene3d>
+          <a:sp3d contourW="12700">
+            <a:bevelT w="25400" h="19050"/>
+            <a:contourClr>
+              <a:srgbClr val="969696"/>
+            </a:contourClr>
+          </a:sp3d>
+        </p:spPr>
+      </p:pic>
     </p:spTree>
   </p:cSld>
   <p:clrMapOvr>
     <a:masterClrMapping/>
   </p:clrMapOvr>
+  <p:transition>
+    <p:fade/>
+  </p:transition>
+  <p:timing>
+    <p:tnLst>
+      <p:par>
+        <p:cTn id="1" dur="indefinite" restart="never" nodeType="tmRoot"/>
+      </p:par>
+    </p:tnLst>
+  </p:timing>
 </p:sld>
 </file>
 
@@ -4266,41 +7363,799 @@
           <a:lstStyle/>
           <a:p>
             <a:r>
-              <a:rPr lang="nl-BE" dirty="0" smtClean="0"/>
-              <a:t>Artilium:</a:t>
-            </a:r>
-            <a:r>
-              <a:rPr lang="nl-BE" baseline="0" dirty="0" smtClean="0"/>
-              <a:t> tools in .net</a:t>
+              <a:rPr kumimoji="0" lang="nl-BE" sz="4300" kern="1200" dirty="0" smtClean="0">
+                <a:solidFill>
+                  <a:schemeClr val="tx2">
+                    <a:satMod val="130000"/>
+                  </a:schemeClr>
+                </a:solidFill>
+                <a:effectLst>
+                  <a:outerShdw blurRad="50800" dist="38100" algn="tr" rotWithShape="0">
+                    <a:prstClr val="black">
+                      <a:alpha val="40000"/>
+                    </a:prstClr>
+                  </a:outerShdw>
+                </a:effectLst>
+                <a:latin typeface="+mj-lt"/>
+                <a:ea typeface="+mj-ea"/>
+                <a:cs typeface="+mj-cs"/>
+              </a:rPr>
+              <a:t>Artilium: Team Room</a:t>
             </a:r>
             <a:endParaRPr lang="en-US" dirty="0"/>
           </a:p>
         </p:txBody>
       </p:sp>
-      <p:sp>
-        <p:nvSpPr>
-          <p:cNvPr id="3" name="Content Placeholder 2"/>
-          <p:cNvSpPr>
-            <a:spLocks noGrp="1"/>
-          </p:cNvSpPr>
+      <p:pic>
+        <p:nvPicPr>
+          <p:cNvPr id="4" name="Content Placeholder 3" descr="teamroom2.jpg"/>
+          <p:cNvPicPr>
+            <a:picLocks noGrp="1" noChangeAspect="1"/>
+          </p:cNvPicPr>
           <p:nvPr>
             <p:ph idx="1"/>
           </p:nvPr>
-        </p:nvSpPr>
-        <p:spPr/>
-        <p:txBody>
-          <a:bodyPr/>
-          <a:lstStyle/>
-          <a:p>
-            <a:endParaRPr lang="en-US"/>
-          </a:p>
-        </p:txBody>
-      </p:sp>
+        </p:nvPicPr>
+        <p:blipFill>
+          <a:blip r:embed="rId2"/>
+          <a:stretch>
+            <a:fillRect/>
+          </a:stretch>
+        </p:blipFill>
+        <p:spPr>
+          <a:xfrm>
+            <a:off x="1599141" y="1447800"/>
+            <a:ext cx="7171267" cy="4800600"/>
+          </a:xfrm>
+        </p:spPr>
+      </p:pic>
     </p:spTree>
   </p:cSld>
   <p:clrMapOvr>
     <a:masterClrMapping/>
   </p:clrMapOvr>
+  <p:transition>
+    <p:fade/>
+  </p:transition>
+  <p:timing>
+    <p:tnLst>
+      <p:par>
+        <p:cTn id="1" dur="indefinite" restart="never" nodeType="tmRoot"/>
+      </p:par>
+    </p:tnLst>
+  </p:timing>
+</p:sld>
+</file>
+
+<file path=ppt/slides/slide11.xml><?xml version="1.0" encoding="utf-8"?>
+<p:sld xmlns:a="http://schemas.openxmlformats.org/drawingml/2006/main" xmlns:r="http://schemas.openxmlformats.org/officeDocument/2006/relationships" xmlns:p="http://schemas.openxmlformats.org/presentationml/2006/main">
+  <p:cSld>
+    <p:spTree>
+      <p:nvGrpSpPr>
+        <p:cNvPr id="1" name=""/>
+        <p:cNvGrpSpPr/>
+        <p:nvPr/>
+      </p:nvGrpSpPr>
+      <p:grpSpPr>
+        <a:xfrm>
+          <a:off x="0" y="0"/>
+          <a:ext cx="0" cy="0"/>
+          <a:chOff x="0" y="0"/>
+          <a:chExt cx="0" cy="0"/>
+        </a:xfrm>
+      </p:grpSpPr>
+      <p:sp>
+        <p:nvSpPr>
+          <p:cNvPr id="2" name="Title 1"/>
+          <p:cNvSpPr>
+            <a:spLocks noGrp="1"/>
+          </p:cNvSpPr>
+          <p:nvPr>
+            <p:ph type="title"/>
+          </p:nvPr>
+        </p:nvSpPr>
+        <p:spPr/>
+        <p:txBody>
+          <a:bodyPr/>
+          <a:lstStyle/>
+          <a:p>
+            <a:r>
+              <a:rPr lang="nl-BE" dirty="0" smtClean="0"/>
+              <a:t>Artilium: Story Board</a:t>
+            </a:r>
+            <a:endParaRPr lang="en-US" dirty="0"/>
+          </a:p>
+        </p:txBody>
+      </p:sp>
+      <p:pic>
+        <p:nvPicPr>
+          <p:cNvPr id="4" name="Content Placeholder 3" descr="Stroy board.jpg"/>
+          <p:cNvPicPr>
+            <a:picLocks noGrp="1" noChangeAspect="1"/>
+          </p:cNvPicPr>
+          <p:nvPr>
+            <p:ph idx="1"/>
+          </p:nvPr>
+        </p:nvPicPr>
+        <p:blipFill>
+          <a:blip r:embed="rId2"/>
+          <a:stretch>
+            <a:fillRect/>
+          </a:stretch>
+        </p:blipFill>
+        <p:spPr>
+          <a:xfrm>
+            <a:off x="1742618" y="1447800"/>
+            <a:ext cx="6884314" cy="4800600"/>
+          </a:xfrm>
+        </p:spPr>
+      </p:pic>
+    </p:spTree>
+  </p:cSld>
+  <p:clrMapOvr>
+    <a:masterClrMapping/>
+  </p:clrMapOvr>
+  <p:transition>
+    <p:fade/>
+  </p:transition>
+  <p:timing>
+    <p:tnLst>
+      <p:par>
+        <p:cTn id="1" dur="indefinite" restart="never" nodeType="tmRoot"/>
+      </p:par>
+    </p:tnLst>
+  </p:timing>
+</p:sld>
+</file>
+
+<file path=ppt/slides/slide12.xml><?xml version="1.0" encoding="utf-8"?>
+<p:sld xmlns:a="http://schemas.openxmlformats.org/drawingml/2006/main" xmlns:r="http://schemas.openxmlformats.org/officeDocument/2006/relationships" xmlns:p="http://schemas.openxmlformats.org/presentationml/2006/main">
+  <p:cSld>
+    <p:spTree>
+      <p:nvGrpSpPr>
+        <p:cNvPr id="1" name=""/>
+        <p:cNvGrpSpPr/>
+        <p:nvPr/>
+      </p:nvGrpSpPr>
+      <p:grpSpPr>
+        <a:xfrm>
+          <a:off x="0" y="0"/>
+          <a:ext cx="0" cy="0"/>
+          <a:chOff x="0" y="0"/>
+          <a:chExt cx="0" cy="0"/>
+        </a:xfrm>
+      </p:grpSpPr>
+      <p:sp>
+        <p:nvSpPr>
+          <p:cNvPr id="2" name="Title 1"/>
+          <p:cNvSpPr>
+            <a:spLocks noGrp="1"/>
+          </p:cNvSpPr>
+          <p:nvPr>
+            <p:ph type="title"/>
+          </p:nvPr>
+        </p:nvSpPr>
+        <p:spPr/>
+        <p:txBody>
+          <a:bodyPr/>
+          <a:lstStyle/>
+          <a:p>
+            <a:r>
+              <a:rPr lang="nl-BE" dirty="0" smtClean="0"/>
+              <a:t>Artilium:</a:t>
+            </a:r>
+            <a:r>
+              <a:rPr lang="nl-BE" baseline="0" dirty="0" smtClean="0"/>
+              <a:t> Informative Workspace</a:t>
+            </a:r>
+            <a:endParaRPr lang="en-US" dirty="0"/>
+          </a:p>
+        </p:txBody>
+      </p:sp>
+      <p:pic>
+        <p:nvPicPr>
+          <p:cNvPr id="4" name="Content Placeholder 3" descr="informative workspace 1.jpg"/>
+          <p:cNvPicPr>
+            <a:picLocks noGrp="1" noChangeAspect="1"/>
+          </p:cNvPicPr>
+          <p:nvPr>
+            <p:ph idx="1"/>
+          </p:nvPr>
+        </p:nvPicPr>
+        <p:blipFill>
+          <a:blip r:embed="rId2"/>
+          <a:stretch>
+            <a:fillRect/>
+          </a:stretch>
+        </p:blipFill>
+        <p:spPr>
+          <a:xfrm>
+            <a:off x="1629613" y="1447800"/>
+            <a:ext cx="7110323" cy="4800600"/>
+          </a:xfrm>
+        </p:spPr>
+      </p:pic>
+    </p:spTree>
+  </p:cSld>
+  <p:clrMapOvr>
+    <a:masterClrMapping/>
+  </p:clrMapOvr>
+  <p:transition>
+    <p:fade/>
+  </p:transition>
+  <p:timing>
+    <p:tnLst>
+      <p:par>
+        <p:cTn id="1" dur="indefinite" restart="never" nodeType="tmRoot"/>
+      </p:par>
+    </p:tnLst>
+  </p:timing>
+</p:sld>
+</file>
+
+<file path=ppt/slides/slide13.xml><?xml version="1.0" encoding="utf-8"?>
+<p:sld xmlns:a="http://schemas.openxmlformats.org/drawingml/2006/main" xmlns:r="http://schemas.openxmlformats.org/officeDocument/2006/relationships" xmlns:p="http://schemas.openxmlformats.org/presentationml/2006/main">
+  <p:cSld>
+    <p:spTree>
+      <p:nvGrpSpPr>
+        <p:cNvPr id="1" name=""/>
+        <p:cNvGrpSpPr/>
+        <p:nvPr/>
+      </p:nvGrpSpPr>
+      <p:grpSpPr>
+        <a:xfrm>
+          <a:off x="0" y="0"/>
+          <a:ext cx="0" cy="0"/>
+          <a:chOff x="0" y="0"/>
+          <a:chExt cx="0" cy="0"/>
+        </a:xfrm>
+      </p:grpSpPr>
+      <p:sp>
+        <p:nvSpPr>
+          <p:cNvPr id="2" name="Title 1"/>
+          <p:cNvSpPr>
+            <a:spLocks noGrp="1"/>
+          </p:cNvSpPr>
+          <p:nvPr>
+            <p:ph type="title"/>
+          </p:nvPr>
+        </p:nvSpPr>
+        <p:spPr/>
+        <p:txBody>
+          <a:bodyPr/>
+          <a:lstStyle/>
+          <a:p>
+            <a:r>
+              <a:rPr lang="nl-BE" dirty="0" smtClean="0"/>
+              <a:t>Artilium: Informative</a:t>
+            </a:r>
+            <a:r>
+              <a:rPr lang="nl-BE" baseline="0" dirty="0" smtClean="0"/>
+              <a:t> Workspace</a:t>
+            </a:r>
+            <a:endParaRPr lang="en-US" dirty="0"/>
+          </a:p>
+        </p:txBody>
+      </p:sp>
+      <p:pic>
+        <p:nvPicPr>
+          <p:cNvPr id="4" name="Content Placeholder 3" descr="informative workspace 2.jpg"/>
+          <p:cNvPicPr>
+            <a:picLocks noGrp="1" noChangeAspect="1"/>
+          </p:cNvPicPr>
+          <p:nvPr>
+            <p:ph idx="1"/>
+          </p:nvPr>
+        </p:nvPicPr>
+        <p:blipFill>
+          <a:blip r:embed="rId2"/>
+          <a:stretch>
+            <a:fillRect/>
+          </a:stretch>
+        </p:blipFill>
+        <p:spPr>
+          <a:xfrm>
+            <a:off x="2163038" y="1447800"/>
+            <a:ext cx="6043474" cy="4800600"/>
+          </a:xfrm>
+        </p:spPr>
+      </p:pic>
+    </p:spTree>
+  </p:cSld>
+  <p:clrMapOvr>
+    <a:masterClrMapping/>
+  </p:clrMapOvr>
+  <p:transition>
+    <p:fade/>
+  </p:transition>
+  <p:timing>
+    <p:tnLst>
+      <p:par>
+        <p:cTn id="1" dur="indefinite" restart="never" nodeType="tmRoot"/>
+      </p:par>
+    </p:tnLst>
+  </p:timing>
+</p:sld>
+</file>
+
+<file path=ppt/slides/slide14.xml><?xml version="1.0" encoding="utf-8"?>
+<p:sld xmlns:a="http://schemas.openxmlformats.org/drawingml/2006/main" xmlns:r="http://schemas.openxmlformats.org/officeDocument/2006/relationships" xmlns:p="http://schemas.openxmlformats.org/presentationml/2006/main">
+  <p:cSld>
+    <p:spTree>
+      <p:nvGrpSpPr>
+        <p:cNvPr id="1" name=""/>
+        <p:cNvGrpSpPr/>
+        <p:nvPr/>
+      </p:nvGrpSpPr>
+      <p:grpSpPr>
+        <a:xfrm>
+          <a:off x="0" y="0"/>
+          <a:ext cx="0" cy="0"/>
+          <a:chOff x="0" y="0"/>
+          <a:chExt cx="0" cy="0"/>
+        </a:xfrm>
+      </p:grpSpPr>
+      <p:sp>
+        <p:nvSpPr>
+          <p:cNvPr id="2" name="Title 1"/>
+          <p:cNvSpPr>
+            <a:spLocks noGrp="1"/>
+          </p:cNvSpPr>
+          <p:nvPr>
+            <p:ph type="title"/>
+          </p:nvPr>
+        </p:nvSpPr>
+        <p:spPr/>
+        <p:txBody>
+          <a:bodyPr/>
+          <a:lstStyle/>
+          <a:p>
+            <a:r>
+              <a:rPr kumimoji="0" lang="nl-BE" sz="4300" kern="1200" dirty="0" smtClean="0">
+                <a:solidFill>
+                  <a:schemeClr val="tx2">
+                    <a:satMod val="130000"/>
+                  </a:schemeClr>
+                </a:solidFill>
+                <a:effectLst>
+                  <a:outerShdw blurRad="50800" dist="38100" algn="tr" rotWithShape="0">
+                    <a:prstClr val="black">
+                      <a:alpha val="40000"/>
+                    </a:prstClr>
+                  </a:outerShdw>
+                </a:effectLst>
+                <a:latin typeface="+mj-lt"/>
+                <a:ea typeface="+mj-ea"/>
+                <a:cs typeface="+mj-cs"/>
+              </a:rPr>
+              <a:t>Artilium: Informative</a:t>
+            </a:r>
+            <a:r>
+              <a:rPr kumimoji="0" lang="nl-BE" sz="4300" kern="1200" baseline="0" dirty="0" smtClean="0">
+                <a:solidFill>
+                  <a:schemeClr val="tx2">
+                    <a:satMod val="130000"/>
+                  </a:schemeClr>
+                </a:solidFill>
+                <a:effectLst>
+                  <a:outerShdw blurRad="50800" dist="38100" algn="tr" rotWithShape="0">
+                    <a:prstClr val="black">
+                      <a:alpha val="40000"/>
+                    </a:prstClr>
+                  </a:outerShdw>
+                </a:effectLst>
+                <a:latin typeface="+mj-lt"/>
+                <a:ea typeface="+mj-ea"/>
+                <a:cs typeface="+mj-cs"/>
+              </a:rPr>
+              <a:t> Workspace</a:t>
+            </a:r>
+            <a:endParaRPr lang="en-US" dirty="0"/>
+          </a:p>
+        </p:txBody>
+      </p:sp>
+      <p:pic>
+        <p:nvPicPr>
+          <p:cNvPr id="4" name="Content Placeholder 3" descr="big visible cruise.jpg"/>
+          <p:cNvPicPr>
+            <a:picLocks noGrp="1" noChangeAspect="1"/>
+          </p:cNvPicPr>
+          <p:nvPr>
+            <p:ph idx="1"/>
+          </p:nvPr>
+        </p:nvPicPr>
+        <p:blipFill>
+          <a:blip r:embed="rId2"/>
+          <a:stretch>
+            <a:fillRect/>
+          </a:stretch>
+        </p:blipFill>
+        <p:spPr>
+          <a:xfrm>
+            <a:off x="1559942" y="1447800"/>
+            <a:ext cx="7249665" cy="4800600"/>
+          </a:xfrm>
+        </p:spPr>
+      </p:pic>
+    </p:spTree>
+  </p:cSld>
+  <p:clrMapOvr>
+    <a:masterClrMapping/>
+  </p:clrMapOvr>
+  <p:transition>
+    <p:fade/>
+  </p:transition>
+  <p:timing>
+    <p:tnLst>
+      <p:par>
+        <p:cTn id="1" dur="indefinite" restart="never" nodeType="tmRoot"/>
+      </p:par>
+    </p:tnLst>
+  </p:timing>
+</p:sld>
+</file>
+
+<file path=ppt/slides/slide15.xml><?xml version="1.0" encoding="utf-8"?>
+<p:sld xmlns:a="http://schemas.openxmlformats.org/drawingml/2006/main" xmlns:r="http://schemas.openxmlformats.org/officeDocument/2006/relationships" xmlns:p="http://schemas.openxmlformats.org/presentationml/2006/main">
+  <p:cSld>
+    <p:spTree>
+      <p:nvGrpSpPr>
+        <p:cNvPr id="1" name=""/>
+        <p:cNvGrpSpPr/>
+        <p:nvPr/>
+      </p:nvGrpSpPr>
+      <p:grpSpPr>
+        <a:xfrm>
+          <a:off x="0" y="0"/>
+          <a:ext cx="0" cy="0"/>
+          <a:chOff x="0" y="0"/>
+          <a:chExt cx="0" cy="0"/>
+        </a:xfrm>
+      </p:grpSpPr>
+      <p:sp>
+        <p:nvSpPr>
+          <p:cNvPr id="2" name="Title 1"/>
+          <p:cNvSpPr>
+            <a:spLocks noGrp="1"/>
+          </p:cNvSpPr>
+          <p:nvPr>
+            <p:ph type="title"/>
+          </p:nvPr>
+        </p:nvSpPr>
+        <p:spPr/>
+        <p:txBody>
+          <a:bodyPr/>
+          <a:lstStyle/>
+          <a:p>
+            <a:r>
+              <a:rPr kumimoji="0" lang="nl-BE" sz="4300" kern="1200" dirty="0" smtClean="0">
+                <a:solidFill>
+                  <a:schemeClr val="tx2">
+                    <a:satMod val="130000"/>
+                  </a:schemeClr>
+                </a:solidFill>
+                <a:effectLst>
+                  <a:outerShdw blurRad="50800" dist="38100" algn="tr" rotWithShape="0">
+                    <a:prstClr val="black">
+                      <a:alpha val="40000"/>
+                    </a:prstClr>
+                  </a:outerShdw>
+                </a:effectLst>
+                <a:latin typeface="+mj-lt"/>
+                <a:ea typeface="+mj-ea"/>
+                <a:cs typeface="+mj-cs"/>
+              </a:rPr>
+              <a:t>Artilium: Informative</a:t>
+            </a:r>
+            <a:r>
+              <a:rPr kumimoji="0" lang="nl-BE" sz="4300" kern="1200" baseline="0" dirty="0" smtClean="0">
+                <a:solidFill>
+                  <a:schemeClr val="tx2">
+                    <a:satMod val="130000"/>
+                  </a:schemeClr>
+                </a:solidFill>
+                <a:effectLst>
+                  <a:outerShdw blurRad="50800" dist="38100" algn="tr" rotWithShape="0">
+                    <a:prstClr val="black">
+                      <a:alpha val="40000"/>
+                    </a:prstClr>
+                  </a:outerShdw>
+                </a:effectLst>
+                <a:latin typeface="+mj-lt"/>
+                <a:ea typeface="+mj-ea"/>
+                <a:cs typeface="+mj-cs"/>
+              </a:rPr>
+              <a:t> Workspace</a:t>
+            </a:r>
+            <a:endParaRPr lang="en-US" dirty="0"/>
+          </a:p>
+        </p:txBody>
+      </p:sp>
+      <p:pic>
+        <p:nvPicPr>
+          <p:cNvPr id="4" name="Content Placeholder 3" descr="screen saver.jpg"/>
+          <p:cNvPicPr>
+            <a:picLocks noGrp="1" noChangeAspect="1"/>
+          </p:cNvPicPr>
+          <p:nvPr>
+            <p:ph idx="1"/>
+          </p:nvPr>
+        </p:nvPicPr>
+        <p:blipFill>
+          <a:blip r:embed="rId2"/>
+          <a:stretch>
+            <a:fillRect/>
+          </a:stretch>
+        </p:blipFill>
+        <p:spPr>
+          <a:xfrm>
+            <a:off x="1435100" y="1557189"/>
+            <a:ext cx="7499350" cy="4581822"/>
+          </a:xfrm>
+        </p:spPr>
+      </p:pic>
+    </p:spTree>
+  </p:cSld>
+  <p:clrMapOvr>
+    <a:masterClrMapping/>
+  </p:clrMapOvr>
+  <p:transition>
+    <p:fade/>
+  </p:transition>
+  <p:timing>
+    <p:tnLst>
+      <p:par>
+        <p:cTn id="1" dur="indefinite" restart="never" nodeType="tmRoot"/>
+      </p:par>
+    </p:tnLst>
+  </p:timing>
+</p:sld>
+</file>
+
+<file path=ppt/slides/slide16.xml><?xml version="1.0" encoding="utf-8"?>
+<p:sld xmlns:a="http://schemas.openxmlformats.org/drawingml/2006/main" xmlns:r="http://schemas.openxmlformats.org/officeDocument/2006/relationships" xmlns:p="http://schemas.openxmlformats.org/presentationml/2006/main">
+  <p:cSld>
+    <p:spTree>
+      <p:nvGrpSpPr>
+        <p:cNvPr id="1" name=""/>
+        <p:cNvGrpSpPr/>
+        <p:nvPr/>
+      </p:nvGrpSpPr>
+      <p:grpSpPr>
+        <a:xfrm>
+          <a:off x="0" y="0"/>
+          <a:ext cx="0" cy="0"/>
+          <a:chOff x="0" y="0"/>
+          <a:chExt cx="0" cy="0"/>
+        </a:xfrm>
+      </p:grpSpPr>
+      <p:sp>
+        <p:nvSpPr>
+          <p:cNvPr id="2" name="Title 1"/>
+          <p:cNvSpPr>
+            <a:spLocks noGrp="1"/>
+          </p:cNvSpPr>
+          <p:nvPr>
+            <p:ph type="title"/>
+          </p:nvPr>
+        </p:nvSpPr>
+        <p:spPr/>
+        <p:txBody>
+          <a:bodyPr/>
+          <a:lstStyle/>
+          <a:p>
+            <a:r>
+              <a:rPr lang="nl-BE" dirty="0" smtClean="0"/>
+              <a:t>Artilium: Evolution</a:t>
+            </a:r>
+            <a:endParaRPr lang="en-US" dirty="0"/>
+          </a:p>
+        </p:txBody>
+      </p:sp>
+      <p:sp>
+        <p:nvSpPr>
+          <p:cNvPr id="3" name="Content Placeholder 2"/>
+          <p:cNvSpPr>
+            <a:spLocks noGrp="1"/>
+          </p:cNvSpPr>
+          <p:nvPr>
+            <p:ph idx="1"/>
+          </p:nvPr>
+        </p:nvSpPr>
+        <p:spPr/>
+        <p:txBody>
+          <a:bodyPr/>
+          <a:lstStyle/>
+          <a:p>
+            <a:endParaRPr lang="en-US"/>
+          </a:p>
+        </p:txBody>
+      </p:sp>
+    </p:spTree>
+  </p:cSld>
+  <p:clrMapOvr>
+    <a:masterClrMapping/>
+  </p:clrMapOvr>
+  <p:transition>
+    <p:fade/>
+  </p:transition>
+  <p:timing>
+    <p:tnLst>
+      <p:par>
+        <p:cTn id="1" dur="indefinite" restart="never" nodeType="tmRoot"/>
+      </p:par>
+    </p:tnLst>
+  </p:timing>
+</p:sld>
+</file>
+
+<file path=ppt/slides/slide17.xml><?xml version="1.0" encoding="utf-8"?>
+<p:sld xmlns:a="http://schemas.openxmlformats.org/drawingml/2006/main" xmlns:r="http://schemas.openxmlformats.org/officeDocument/2006/relationships" xmlns:p="http://schemas.openxmlformats.org/presentationml/2006/main">
+  <p:cSld>
+    <p:spTree>
+      <p:nvGrpSpPr>
+        <p:cNvPr id="1" name=""/>
+        <p:cNvGrpSpPr/>
+        <p:nvPr/>
+      </p:nvGrpSpPr>
+      <p:grpSpPr>
+        <a:xfrm>
+          <a:off x="0" y="0"/>
+          <a:ext cx="0" cy="0"/>
+          <a:chOff x="0" y="0"/>
+          <a:chExt cx="0" cy="0"/>
+        </a:xfrm>
+      </p:grpSpPr>
+      <p:sp>
+        <p:nvSpPr>
+          <p:cNvPr id="2" name="Title 1"/>
+          <p:cNvSpPr>
+            <a:spLocks noGrp="1"/>
+          </p:cNvSpPr>
+          <p:nvPr>
+            <p:ph type="title"/>
+          </p:nvPr>
+        </p:nvSpPr>
+        <p:spPr/>
+        <p:txBody>
+          <a:bodyPr/>
+          <a:lstStyle/>
+          <a:p>
+            <a:r>
+              <a:rPr lang="nl-BE" dirty="0" smtClean="0"/>
+              <a:t>Artilium: </a:t>
+            </a:r>
+            <a:r>
+              <a:rPr lang="nl-BE" dirty="0" smtClean="0"/>
+              <a:t>People</a:t>
+            </a:r>
+            <a:endParaRPr lang="en-US" dirty="0"/>
+          </a:p>
+        </p:txBody>
+      </p:sp>
+      <p:sp>
+        <p:nvSpPr>
+          <p:cNvPr id="3" name="Content Placeholder 2"/>
+          <p:cNvSpPr>
+            <a:spLocks noGrp="1"/>
+          </p:cNvSpPr>
+          <p:nvPr>
+            <p:ph idx="1"/>
+          </p:nvPr>
+        </p:nvSpPr>
+        <p:spPr/>
+        <p:txBody>
+          <a:bodyPr/>
+          <a:lstStyle/>
+          <a:p>
+            <a:endParaRPr lang="en-US"/>
+          </a:p>
+        </p:txBody>
+      </p:sp>
+    </p:spTree>
+  </p:cSld>
+  <p:clrMapOvr>
+    <a:masterClrMapping/>
+  </p:clrMapOvr>
+  <p:transition>
+    <p:fade/>
+  </p:transition>
+  <p:timing>
+    <p:tnLst>
+      <p:par>
+        <p:cTn id="1" dur="indefinite" restart="never" nodeType="tmRoot"/>
+      </p:par>
+    </p:tnLst>
+  </p:timing>
+</p:sld>
+</file>
+
+<file path=ppt/slides/slide18.xml><?xml version="1.0" encoding="utf-8"?>
+<p:sld xmlns:a="http://schemas.openxmlformats.org/drawingml/2006/main" xmlns:r="http://schemas.openxmlformats.org/officeDocument/2006/relationships" xmlns:p="http://schemas.openxmlformats.org/presentationml/2006/main">
+  <p:cSld>
+    <p:spTree>
+      <p:nvGrpSpPr>
+        <p:cNvPr id="1" name=""/>
+        <p:cNvGrpSpPr/>
+        <p:nvPr/>
+      </p:nvGrpSpPr>
+      <p:grpSpPr>
+        <a:xfrm>
+          <a:off x="0" y="0"/>
+          <a:ext cx="0" cy="0"/>
+          <a:chOff x="0" y="0"/>
+          <a:chExt cx="0" cy="0"/>
+        </a:xfrm>
+      </p:grpSpPr>
+      <p:sp>
+        <p:nvSpPr>
+          <p:cNvPr id="2" name="Title 1"/>
+          <p:cNvSpPr>
+            <a:spLocks noGrp="1"/>
+          </p:cNvSpPr>
+          <p:nvPr>
+            <p:ph type="title"/>
+          </p:nvPr>
+        </p:nvSpPr>
+        <p:spPr/>
+        <p:txBody>
+          <a:bodyPr/>
+          <a:lstStyle/>
+          <a:p>
+            <a:r>
+              <a:rPr lang="nl-BE" dirty="0" smtClean="0"/>
+              <a:t>Artilium:</a:t>
+            </a:r>
+            <a:r>
+              <a:rPr lang="nl-BE" baseline="0" dirty="0" smtClean="0"/>
+              <a:t> </a:t>
+            </a:r>
+            <a:r>
+              <a:rPr lang="nl-BE" baseline="0" dirty="0" smtClean="0"/>
+              <a:t>Tools </a:t>
+            </a:r>
+            <a:r>
+              <a:rPr lang="nl-BE" baseline="0" dirty="0" smtClean="0"/>
+              <a:t>in .net</a:t>
+            </a:r>
+            <a:endParaRPr lang="en-US" dirty="0"/>
+          </a:p>
+        </p:txBody>
+      </p:sp>
+      <p:sp>
+        <p:nvSpPr>
+          <p:cNvPr id="3" name="Content Placeholder 2"/>
+          <p:cNvSpPr>
+            <a:spLocks noGrp="1"/>
+          </p:cNvSpPr>
+          <p:nvPr>
+            <p:ph idx="1"/>
+          </p:nvPr>
+        </p:nvSpPr>
+        <p:spPr/>
+        <p:txBody>
+          <a:bodyPr/>
+          <a:lstStyle/>
+          <a:p>
+            <a:endParaRPr lang="en-US"/>
+          </a:p>
+        </p:txBody>
+      </p:sp>
+    </p:spTree>
+  </p:cSld>
+  <p:clrMapOvr>
+    <a:masterClrMapping/>
+  </p:clrMapOvr>
+  <p:transition>
+    <p:fade/>
+  </p:transition>
+  <p:timing>
+    <p:tnLst>
+      <p:par>
+        <p:cTn id="1" dur="indefinite" restart="never" nodeType="tmRoot"/>
+      </p:par>
+    </p:tnLst>
+  </p:timing>
 </p:sld>
 </file>
 
@@ -4337,101 +8192,1041 @@
           <a:lstStyle/>
           <a:p>
             <a:r>
-              <a:rPr lang="nl-BE" dirty="0" smtClean="0"/>
-              <a:t>Agile?</a:t>
+              <a:rPr kumimoji="0" lang="nl-BE" sz="4300" kern="1200" dirty="0" smtClean="0">
+                <a:solidFill>
+                  <a:schemeClr val="tx2">
+                    <a:satMod val="130000"/>
+                  </a:schemeClr>
+                </a:solidFill>
+                <a:effectLst>
+                  <a:outerShdw blurRad="50800" dist="38100" algn="tr" rotWithShape="0">
+                    <a:prstClr val="black">
+                      <a:alpha val="40000"/>
+                    </a:prstClr>
+                  </a:outerShdw>
+                </a:effectLst>
+                <a:latin typeface="+mj-lt"/>
+                <a:ea typeface="+mj-ea"/>
+                <a:cs typeface="+mj-cs"/>
+              </a:rPr>
+              <a:t>The Agile Manifesto</a:t>
             </a:r>
             <a:endParaRPr lang="en-US" dirty="0"/>
           </a:p>
         </p:txBody>
       </p:sp>
-      <p:sp>
-        <p:nvSpPr>
-          <p:cNvPr id="3" name="Content Placeholder 2"/>
-          <p:cNvSpPr>
-            <a:spLocks noGrp="1"/>
-          </p:cNvSpPr>
+      <p:graphicFrame>
+        <p:nvGraphicFramePr>
+          <p:cNvPr id="4" name="Content Placeholder 3"/>
+          <p:cNvGraphicFramePr>
+            <a:graphicFrameLocks noGrp="1"/>
+          </p:cNvGraphicFramePr>
           <p:nvPr>
             <p:ph idx="1"/>
           </p:nvPr>
-        </p:nvSpPr>
-        <p:spPr/>
-        <p:txBody>
-          <a:bodyPr/>
+        </p:nvGraphicFramePr>
+        <p:xfrm>
+          <a:off x="1435100" y="1447801"/>
+          <a:ext cx="7499349" cy="4297680"/>
+        </p:xfrm>
+        <a:graphic>
+          <a:graphicData uri="http://schemas.openxmlformats.org/drawingml/2006/table">
+            <a:tbl>
+              <a:tblPr firstRow="1" bandRow="1"/>
+              <a:tblGrid>
+                <a:gridCol w="2994024"/>
+                <a:gridCol w="1214446"/>
+                <a:gridCol w="3290879"/>
+              </a:tblGrid>
+              <a:tr h="587335">
+                <a:tc>
+                  <a:txBody>
+                    <a:bodyPr/>
+                    <a:lstStyle/>
+                    <a:p>
+                      <a:pPr algn="l"/>
+                      <a:r>
+                        <a:rPr lang="nl-BE" sz="2800" dirty="0" smtClean="0">
+                          <a:effectLst>
+                            <a:glow rad="63500">
+                              <a:schemeClr val="accent4">
+                                <a:satMod val="175000"/>
+                                <a:alpha val="40000"/>
+                              </a:schemeClr>
+                            </a:glow>
+                          </a:effectLst>
+                        </a:rPr>
+                        <a:t>Individuals and</a:t>
+                      </a:r>
+                      <a:r>
+                        <a:rPr lang="nl-BE" sz="2800" baseline="0" dirty="0" smtClean="0">
+                          <a:effectLst>
+                            <a:glow rad="63500">
+                              <a:schemeClr val="accent4">
+                                <a:satMod val="175000"/>
+                                <a:alpha val="40000"/>
+                              </a:schemeClr>
+                            </a:glow>
+                          </a:effectLst>
+                        </a:rPr>
+                        <a:t> interaction</a:t>
+                      </a:r>
+                      <a:endParaRPr lang="en-US" sz="2800" dirty="0">
+                        <a:effectLst>
+                          <a:glow rad="63500">
+                            <a:schemeClr val="accent4">
+                              <a:satMod val="175000"/>
+                              <a:alpha val="40000"/>
+                            </a:schemeClr>
+                          </a:glow>
+                        </a:effectLst>
+                      </a:endParaRPr>
+                    </a:p>
+                  </a:txBody>
+                  <a:tcPr anchor="ctr">
+                    <a:lnL w="12700" cmpd="sng">
+                      <a:noFill/>
+                      <a:prstDash val="solid"/>
+                    </a:lnL>
+                    <a:lnR w="12700" cmpd="sng">
+                      <a:noFill/>
+                      <a:prstDash val="solid"/>
+                    </a:lnR>
+                    <a:lnT w="12700" cmpd="sng">
+                      <a:noFill/>
+                      <a:prstDash val="solid"/>
+                    </a:lnT>
+                    <a:lnB w="12700" cmpd="sng">
+                      <a:noFill/>
+                      <a:prstDash val="solid"/>
+                    </a:lnB>
+                    <a:lnTlToBr w="12700" cmpd="sng">
+                      <a:noFill/>
+                      <a:prstDash val="solid"/>
+                    </a:lnTlToBr>
+                    <a:lnBlToTr w="12700" cmpd="sng">
+                      <a:noFill/>
+                      <a:prstDash val="solid"/>
+                    </a:lnBlToTr>
+                  </a:tcPr>
+                </a:tc>
+                <a:tc>
+                  <a:txBody>
+                    <a:bodyPr/>
+                    <a:lstStyle/>
+                    <a:p>
+                      <a:pPr algn="ctr"/>
+                      <a:r>
+                        <a:rPr lang="nl-BE" sz="2800" i="1" baseline="0" dirty="0" smtClean="0"/>
+                        <a:t>over</a:t>
+                      </a:r>
+                      <a:endParaRPr lang="en-US" sz="2800" i="1" dirty="0"/>
+                    </a:p>
+                  </a:txBody>
+                  <a:tcPr anchor="ctr">
+                    <a:lnL w="12700" cmpd="sng">
+                      <a:noFill/>
+                      <a:prstDash val="solid"/>
+                    </a:lnL>
+                    <a:lnR w="12700" cmpd="sng">
+                      <a:noFill/>
+                      <a:prstDash val="solid"/>
+                    </a:lnR>
+                    <a:lnT w="12700" cmpd="sng">
+                      <a:noFill/>
+                      <a:prstDash val="solid"/>
+                    </a:lnT>
+                    <a:lnB w="12700" cmpd="sng">
+                      <a:noFill/>
+                      <a:prstDash val="solid"/>
+                    </a:lnB>
+                    <a:lnTlToBr w="12700" cmpd="sng">
+                      <a:noFill/>
+                      <a:prstDash val="solid"/>
+                    </a:lnTlToBr>
+                    <a:lnBlToTr w="12700" cmpd="sng">
+                      <a:noFill/>
+                      <a:prstDash val="solid"/>
+                    </a:lnBlToTr>
+                  </a:tcPr>
+                </a:tc>
+                <a:tc>
+                  <a:txBody>
+                    <a:bodyPr/>
+                    <a:lstStyle/>
+                    <a:p>
+                      <a:pPr marL="0" marR="0" indent="0" algn="l" defTabSz="914400" rtl="0" eaLnBrk="1" fontAlgn="auto" latinLnBrk="0" hangingPunct="1">
+                        <a:lnSpc>
+                          <a:spcPct val="100000"/>
+                        </a:lnSpc>
+                        <a:spcBef>
+                          <a:spcPts val="0"/>
+                        </a:spcBef>
+                        <a:spcAft>
+                          <a:spcPts val="0"/>
+                        </a:spcAft>
+                        <a:buClrTx/>
+                        <a:buSzTx/>
+                        <a:buFontTx/>
+                        <a:buNone/>
+                        <a:tabLst/>
+                        <a:defRPr/>
+                      </a:pPr>
+                      <a:r>
+                        <a:rPr lang="nl-BE" sz="2800" baseline="0" dirty="0" smtClean="0"/>
+                        <a:t>Processes and tools</a:t>
+                      </a:r>
+                      <a:endParaRPr lang="en-US" sz="2800" dirty="0" smtClean="0"/>
+                    </a:p>
+                  </a:txBody>
+                  <a:tcPr anchor="ctr">
+                    <a:lnL w="12700" cmpd="sng">
+                      <a:noFill/>
+                      <a:prstDash val="solid"/>
+                    </a:lnL>
+                    <a:lnR w="12700" cmpd="sng">
+                      <a:noFill/>
+                      <a:prstDash val="solid"/>
+                    </a:lnR>
+                    <a:lnT w="12700" cmpd="sng">
+                      <a:noFill/>
+                      <a:prstDash val="solid"/>
+                    </a:lnT>
+                    <a:lnB w="12700" cmpd="sng">
+                      <a:noFill/>
+                      <a:prstDash val="solid"/>
+                    </a:lnB>
+                    <a:lnTlToBr w="12700" cmpd="sng">
+                      <a:noFill/>
+                      <a:prstDash val="solid"/>
+                    </a:lnTlToBr>
+                    <a:lnBlToTr w="12700" cmpd="sng">
+                      <a:noFill/>
+                      <a:prstDash val="solid"/>
+                    </a:lnBlToTr>
+                  </a:tcPr>
+                </a:tc>
+              </a:tr>
+              <a:tr h="587335">
+                <a:tc>
+                  <a:txBody>
+                    <a:bodyPr/>
+                    <a:lstStyle/>
+                    <a:p>
+                      <a:pPr algn="l"/>
+                      <a:r>
+                        <a:rPr lang="nl-BE" sz="2800" baseline="0" dirty="0" smtClean="0">
+                          <a:effectLst>
+                            <a:glow rad="63500">
+                              <a:schemeClr val="accent4">
+                                <a:satMod val="175000"/>
+                                <a:alpha val="40000"/>
+                              </a:schemeClr>
+                            </a:glow>
+                          </a:effectLst>
+                        </a:rPr>
+                        <a:t>Working software</a:t>
+                      </a:r>
+                      <a:endParaRPr lang="en-US" sz="2800" dirty="0">
+                        <a:effectLst>
+                          <a:glow rad="63500">
+                            <a:schemeClr val="accent4">
+                              <a:satMod val="175000"/>
+                              <a:alpha val="40000"/>
+                            </a:schemeClr>
+                          </a:glow>
+                        </a:effectLst>
+                      </a:endParaRPr>
+                    </a:p>
+                  </a:txBody>
+                  <a:tcPr anchor="ctr">
+                    <a:lnL w="12700" cmpd="sng">
+                      <a:noFill/>
+                      <a:prstDash val="solid"/>
+                    </a:lnL>
+                    <a:lnR w="12700" cmpd="sng">
+                      <a:noFill/>
+                      <a:prstDash val="solid"/>
+                    </a:lnR>
+                    <a:lnT w="12700" cmpd="sng">
+                      <a:noFill/>
+                      <a:prstDash val="solid"/>
+                    </a:lnT>
+                    <a:lnB w="12700" cmpd="sng">
+                      <a:noFill/>
+                      <a:prstDash val="solid"/>
+                    </a:lnB>
+                    <a:lnTlToBr w="12700" cmpd="sng">
+                      <a:noFill/>
+                      <a:prstDash val="solid"/>
+                    </a:lnTlToBr>
+                    <a:lnBlToTr w="12700" cmpd="sng">
+                      <a:noFill/>
+                      <a:prstDash val="solid"/>
+                    </a:lnBlToTr>
+                  </a:tcPr>
+                </a:tc>
+                <a:tc>
+                  <a:txBody>
+                    <a:bodyPr/>
+                    <a:lstStyle/>
+                    <a:p>
+                      <a:pPr algn="ctr"/>
+                      <a:r>
+                        <a:rPr lang="nl-BE" sz="2800" i="1" baseline="0" dirty="0" smtClean="0"/>
+                        <a:t>over</a:t>
+                      </a:r>
+                      <a:endParaRPr lang="en-US" sz="2800" i="1" dirty="0"/>
+                    </a:p>
+                  </a:txBody>
+                  <a:tcPr anchor="ctr">
+                    <a:lnL w="12700" cmpd="sng">
+                      <a:noFill/>
+                      <a:prstDash val="solid"/>
+                    </a:lnL>
+                    <a:lnR w="12700" cmpd="sng">
+                      <a:noFill/>
+                      <a:prstDash val="solid"/>
+                    </a:lnR>
+                    <a:lnT w="12700" cmpd="sng">
+                      <a:noFill/>
+                      <a:prstDash val="solid"/>
+                    </a:lnT>
+                    <a:lnB w="12700" cmpd="sng">
+                      <a:noFill/>
+                      <a:prstDash val="solid"/>
+                    </a:lnB>
+                    <a:lnTlToBr w="12700" cmpd="sng">
+                      <a:noFill/>
+                      <a:prstDash val="solid"/>
+                    </a:lnTlToBr>
+                    <a:lnBlToTr w="12700" cmpd="sng">
+                      <a:noFill/>
+                      <a:prstDash val="solid"/>
+                    </a:lnBlToTr>
+                  </a:tcPr>
+                </a:tc>
+                <a:tc>
+                  <a:txBody>
+                    <a:bodyPr/>
+                    <a:lstStyle/>
+                    <a:p>
+                      <a:pPr algn="l"/>
+                      <a:r>
+                        <a:rPr lang="nl-BE" sz="2800" baseline="0" dirty="0" smtClean="0"/>
+                        <a:t>Comprehensive documentation</a:t>
+                      </a:r>
+                      <a:endParaRPr lang="en-US" sz="2800" dirty="0"/>
+                    </a:p>
+                  </a:txBody>
+                  <a:tcPr anchor="ctr">
+                    <a:lnL w="12700" cmpd="sng">
+                      <a:noFill/>
+                      <a:prstDash val="solid"/>
+                    </a:lnL>
+                    <a:lnR w="12700" cmpd="sng">
+                      <a:noFill/>
+                      <a:prstDash val="solid"/>
+                    </a:lnR>
+                    <a:lnT w="12700" cmpd="sng">
+                      <a:noFill/>
+                      <a:prstDash val="solid"/>
+                    </a:lnT>
+                    <a:lnB w="12700" cmpd="sng">
+                      <a:noFill/>
+                      <a:prstDash val="solid"/>
+                    </a:lnB>
+                    <a:lnTlToBr w="12700" cmpd="sng">
+                      <a:noFill/>
+                      <a:prstDash val="solid"/>
+                    </a:lnTlToBr>
+                    <a:lnBlToTr w="12700" cmpd="sng">
+                      <a:noFill/>
+                      <a:prstDash val="solid"/>
+                    </a:lnBlToTr>
+                  </a:tcPr>
+                </a:tc>
+              </a:tr>
+              <a:tr h="340281">
+                <a:tc>
+                  <a:txBody>
+                    <a:bodyPr/>
+                    <a:lstStyle/>
+                    <a:p>
+                      <a:pPr algn="l"/>
+                      <a:r>
+                        <a:rPr lang="nl-BE" sz="2800" baseline="0" dirty="0" smtClean="0">
+                          <a:effectLst>
+                            <a:glow rad="63500">
+                              <a:schemeClr val="accent4">
+                                <a:satMod val="175000"/>
+                                <a:alpha val="40000"/>
+                              </a:schemeClr>
+                            </a:glow>
+                          </a:effectLst>
+                        </a:rPr>
+                        <a:t>Customer collaboration</a:t>
+                      </a:r>
+                      <a:endParaRPr lang="en-US" sz="2800" dirty="0">
+                        <a:effectLst>
+                          <a:glow rad="63500">
+                            <a:schemeClr val="accent4">
+                              <a:satMod val="175000"/>
+                              <a:alpha val="40000"/>
+                            </a:schemeClr>
+                          </a:glow>
+                        </a:effectLst>
+                      </a:endParaRPr>
+                    </a:p>
+                  </a:txBody>
+                  <a:tcPr anchor="ctr">
+                    <a:lnL w="12700" cmpd="sng">
+                      <a:noFill/>
+                      <a:prstDash val="solid"/>
+                    </a:lnL>
+                    <a:lnR w="12700" cmpd="sng">
+                      <a:noFill/>
+                      <a:prstDash val="solid"/>
+                    </a:lnR>
+                    <a:lnT w="12700" cmpd="sng">
+                      <a:noFill/>
+                      <a:prstDash val="solid"/>
+                    </a:lnT>
+                    <a:lnB w="12700" cmpd="sng">
+                      <a:noFill/>
+                      <a:prstDash val="solid"/>
+                    </a:lnB>
+                    <a:lnTlToBr w="12700" cmpd="sng">
+                      <a:noFill/>
+                      <a:prstDash val="solid"/>
+                    </a:lnTlToBr>
+                    <a:lnBlToTr w="12700" cmpd="sng">
+                      <a:noFill/>
+                      <a:prstDash val="solid"/>
+                    </a:lnBlToTr>
+                  </a:tcPr>
+                </a:tc>
+                <a:tc>
+                  <a:txBody>
+                    <a:bodyPr/>
+                    <a:lstStyle/>
+                    <a:p>
+                      <a:pPr algn="ctr"/>
+                      <a:r>
+                        <a:rPr lang="nl-BE" sz="2800" i="1" baseline="0" dirty="0" smtClean="0"/>
+                        <a:t>over</a:t>
+                      </a:r>
+                      <a:endParaRPr lang="en-US" sz="2800" i="1" dirty="0"/>
+                    </a:p>
+                  </a:txBody>
+                  <a:tcPr anchor="ctr">
+                    <a:lnL w="12700" cmpd="sng">
+                      <a:noFill/>
+                      <a:prstDash val="solid"/>
+                    </a:lnL>
+                    <a:lnR w="12700" cmpd="sng">
+                      <a:noFill/>
+                      <a:prstDash val="solid"/>
+                    </a:lnR>
+                    <a:lnT w="12700" cmpd="sng">
+                      <a:noFill/>
+                      <a:prstDash val="solid"/>
+                    </a:lnT>
+                    <a:lnB w="12700" cmpd="sng">
+                      <a:noFill/>
+                      <a:prstDash val="solid"/>
+                    </a:lnB>
+                    <a:lnTlToBr w="12700" cmpd="sng">
+                      <a:noFill/>
+                      <a:prstDash val="solid"/>
+                    </a:lnTlToBr>
+                    <a:lnBlToTr w="12700" cmpd="sng">
+                      <a:noFill/>
+                      <a:prstDash val="solid"/>
+                    </a:lnBlToTr>
+                  </a:tcPr>
+                </a:tc>
+                <a:tc>
+                  <a:txBody>
+                    <a:bodyPr/>
+                    <a:lstStyle/>
+                    <a:p>
+                      <a:pPr algn="l"/>
+                      <a:r>
+                        <a:rPr lang="nl-BE" sz="2800" baseline="0" dirty="0" smtClean="0"/>
+                        <a:t>Contract negotiation</a:t>
+                      </a:r>
+                      <a:endParaRPr lang="en-US" sz="2800" dirty="0"/>
+                    </a:p>
+                  </a:txBody>
+                  <a:tcPr anchor="ctr">
+                    <a:lnL w="12700" cmpd="sng">
+                      <a:noFill/>
+                      <a:prstDash val="solid"/>
+                    </a:lnL>
+                    <a:lnR w="12700" cmpd="sng">
+                      <a:noFill/>
+                      <a:prstDash val="solid"/>
+                    </a:lnR>
+                    <a:lnT w="12700" cmpd="sng">
+                      <a:noFill/>
+                      <a:prstDash val="solid"/>
+                    </a:lnT>
+                    <a:lnB w="12700" cmpd="sng">
+                      <a:noFill/>
+                      <a:prstDash val="solid"/>
+                    </a:lnB>
+                    <a:lnTlToBr w="12700" cmpd="sng">
+                      <a:noFill/>
+                      <a:prstDash val="solid"/>
+                    </a:lnTlToBr>
+                    <a:lnBlToTr w="12700" cmpd="sng">
+                      <a:noFill/>
+                      <a:prstDash val="solid"/>
+                    </a:lnBlToTr>
+                  </a:tcPr>
+                </a:tc>
+              </a:tr>
+              <a:tr h="340281">
+                <a:tc>
+                  <a:txBody>
+                    <a:bodyPr/>
+                    <a:lstStyle/>
+                    <a:p>
+                      <a:pPr algn="l"/>
+                      <a:r>
+                        <a:rPr lang="nl-BE" sz="2800" baseline="0" dirty="0" smtClean="0">
+                          <a:effectLst>
+                            <a:glow rad="63500">
+                              <a:schemeClr val="accent4">
+                                <a:satMod val="175000"/>
+                                <a:alpha val="40000"/>
+                              </a:schemeClr>
+                            </a:glow>
+                          </a:effectLst>
+                        </a:rPr>
+                        <a:t>Responding to change</a:t>
+                      </a:r>
+                      <a:endParaRPr lang="en-US" sz="2800" dirty="0">
+                        <a:effectLst>
+                          <a:glow rad="63500">
+                            <a:schemeClr val="accent4">
+                              <a:satMod val="175000"/>
+                              <a:alpha val="40000"/>
+                            </a:schemeClr>
+                          </a:glow>
+                        </a:effectLst>
+                      </a:endParaRPr>
+                    </a:p>
+                  </a:txBody>
+                  <a:tcPr anchor="ctr">
+                    <a:lnL w="12700" cmpd="sng">
+                      <a:noFill/>
+                      <a:prstDash val="solid"/>
+                    </a:lnL>
+                    <a:lnR w="12700" cmpd="sng">
+                      <a:noFill/>
+                      <a:prstDash val="solid"/>
+                    </a:lnR>
+                    <a:lnT w="12700" cmpd="sng">
+                      <a:noFill/>
+                      <a:prstDash val="solid"/>
+                    </a:lnT>
+                    <a:lnB w="12700" cmpd="sng">
+                      <a:noFill/>
+                      <a:prstDash val="solid"/>
+                    </a:lnB>
+                    <a:lnTlToBr w="12700" cmpd="sng">
+                      <a:noFill/>
+                      <a:prstDash val="solid"/>
+                    </a:lnTlToBr>
+                    <a:lnBlToTr w="12700" cmpd="sng">
+                      <a:noFill/>
+                      <a:prstDash val="solid"/>
+                    </a:lnBlToTr>
+                  </a:tcPr>
+                </a:tc>
+                <a:tc>
+                  <a:txBody>
+                    <a:bodyPr/>
+                    <a:lstStyle/>
+                    <a:p>
+                      <a:pPr algn="ctr"/>
+                      <a:r>
+                        <a:rPr lang="nl-BE" sz="2800" i="1" baseline="0" dirty="0" smtClean="0"/>
+                        <a:t>over</a:t>
+                      </a:r>
+                      <a:endParaRPr lang="en-US" sz="2800" i="1" dirty="0"/>
+                    </a:p>
+                  </a:txBody>
+                  <a:tcPr anchor="ctr">
+                    <a:lnL w="12700" cmpd="sng">
+                      <a:noFill/>
+                      <a:prstDash val="solid"/>
+                    </a:lnL>
+                    <a:lnR w="12700" cmpd="sng">
+                      <a:noFill/>
+                      <a:prstDash val="solid"/>
+                    </a:lnR>
+                    <a:lnT w="12700" cmpd="sng">
+                      <a:noFill/>
+                      <a:prstDash val="solid"/>
+                    </a:lnT>
+                    <a:lnB w="12700" cmpd="sng">
+                      <a:noFill/>
+                      <a:prstDash val="solid"/>
+                    </a:lnB>
+                    <a:lnTlToBr w="12700" cmpd="sng">
+                      <a:noFill/>
+                      <a:prstDash val="solid"/>
+                    </a:lnTlToBr>
+                    <a:lnBlToTr w="12700" cmpd="sng">
+                      <a:noFill/>
+                      <a:prstDash val="solid"/>
+                    </a:lnBlToTr>
+                  </a:tcPr>
+                </a:tc>
+                <a:tc>
+                  <a:txBody>
+                    <a:bodyPr/>
+                    <a:lstStyle/>
+                    <a:p>
+                      <a:pPr algn="l"/>
+                      <a:r>
+                        <a:rPr lang="nl-BE" sz="2800" baseline="0" dirty="0" smtClean="0"/>
+                        <a:t>Following a plan</a:t>
+                      </a:r>
+                      <a:endParaRPr lang="en-US" sz="2800" dirty="0"/>
+                    </a:p>
+                  </a:txBody>
+                  <a:tcPr anchor="ctr">
+                    <a:lnL w="12700" cmpd="sng">
+                      <a:noFill/>
+                      <a:prstDash val="solid"/>
+                    </a:lnL>
+                    <a:lnR w="12700" cmpd="sng">
+                      <a:noFill/>
+                      <a:prstDash val="solid"/>
+                    </a:lnR>
+                    <a:lnT w="12700" cmpd="sng">
+                      <a:noFill/>
+                      <a:prstDash val="solid"/>
+                    </a:lnT>
+                    <a:lnB w="12700" cmpd="sng">
+                      <a:noFill/>
+                      <a:prstDash val="solid"/>
+                    </a:lnB>
+                    <a:lnTlToBr w="12700" cmpd="sng">
+                      <a:noFill/>
+                      <a:prstDash val="solid"/>
+                    </a:lnTlToBr>
+                    <a:lnBlToTr w="12700" cmpd="sng">
+                      <a:noFill/>
+                      <a:prstDash val="solid"/>
+                    </a:lnBlToTr>
+                  </a:tcPr>
+                </a:tc>
+              </a:tr>
+              <a:tr h="340281">
+                <a:tc>
+                  <a:txBody>
+                    <a:bodyPr/>
+                    <a:lstStyle/>
+                    <a:p>
+                      <a:pPr algn="l"/>
+                      <a:r>
+                        <a:rPr lang="nl-BE" sz="2800" baseline="0" dirty="0" smtClean="0">
+                          <a:effectLst>
+                            <a:glow rad="63500">
+                              <a:schemeClr val="accent4">
+                                <a:satMod val="175000"/>
+                                <a:alpha val="40000"/>
+                              </a:schemeClr>
+                            </a:glow>
+                          </a:effectLst>
+                        </a:rPr>
+                        <a:t>Craftmanship</a:t>
+                      </a:r>
+                      <a:endParaRPr lang="en-US" sz="2800" dirty="0">
+                        <a:effectLst>
+                          <a:glow rad="63500">
+                            <a:schemeClr val="accent4">
+                              <a:satMod val="175000"/>
+                              <a:alpha val="40000"/>
+                            </a:schemeClr>
+                          </a:glow>
+                        </a:effectLst>
+                      </a:endParaRPr>
+                    </a:p>
+                  </a:txBody>
+                  <a:tcPr anchor="ctr">
+                    <a:lnL w="12700" cmpd="sng">
+                      <a:noFill/>
+                      <a:prstDash val="solid"/>
+                    </a:lnL>
+                    <a:lnR w="12700" cmpd="sng">
+                      <a:noFill/>
+                      <a:prstDash val="solid"/>
+                    </a:lnR>
+                    <a:lnT w="12700" cmpd="sng">
+                      <a:noFill/>
+                      <a:prstDash val="solid"/>
+                    </a:lnT>
+                    <a:lnB w="12700" cmpd="sng">
+                      <a:noFill/>
+                      <a:prstDash val="solid"/>
+                    </a:lnB>
+                    <a:lnTlToBr w="12700" cmpd="sng">
+                      <a:noFill/>
+                      <a:prstDash val="solid"/>
+                    </a:lnTlToBr>
+                    <a:lnBlToTr w="12700" cmpd="sng">
+                      <a:noFill/>
+                      <a:prstDash val="solid"/>
+                    </a:lnBlToTr>
+                  </a:tcPr>
+                </a:tc>
+                <a:tc>
+                  <a:txBody>
+                    <a:bodyPr/>
+                    <a:lstStyle/>
+                    <a:p>
+                      <a:pPr algn="ctr"/>
+                      <a:r>
+                        <a:rPr lang="nl-BE" sz="2800" i="1" baseline="0" dirty="0" smtClean="0"/>
+                        <a:t>over</a:t>
+                      </a:r>
+                      <a:endParaRPr lang="en-US" sz="2800" i="1" dirty="0"/>
+                    </a:p>
+                  </a:txBody>
+                  <a:tcPr anchor="ctr">
+                    <a:lnL w="12700" cmpd="sng">
+                      <a:noFill/>
+                      <a:prstDash val="solid"/>
+                    </a:lnL>
+                    <a:lnR w="12700" cmpd="sng">
+                      <a:noFill/>
+                      <a:prstDash val="solid"/>
+                    </a:lnR>
+                    <a:lnT w="12700" cmpd="sng">
+                      <a:noFill/>
+                      <a:prstDash val="solid"/>
+                    </a:lnT>
+                    <a:lnB w="12700" cmpd="sng">
+                      <a:noFill/>
+                      <a:prstDash val="solid"/>
+                    </a:lnB>
+                    <a:lnTlToBr w="12700" cmpd="sng">
+                      <a:noFill/>
+                      <a:prstDash val="solid"/>
+                    </a:lnTlToBr>
+                    <a:lnBlToTr w="12700" cmpd="sng">
+                      <a:noFill/>
+                      <a:prstDash val="solid"/>
+                    </a:lnBlToTr>
+                  </a:tcPr>
+                </a:tc>
+                <a:tc>
+                  <a:txBody>
+                    <a:bodyPr/>
+                    <a:lstStyle/>
+                    <a:p>
+                      <a:pPr algn="l"/>
+                      <a:r>
+                        <a:rPr lang="nl-BE" sz="2800" b="1" cap="none" spc="0" dirty="0" smtClean="0">
+                          <a:ln w="10541" cmpd="sng">
+                            <a:solidFill>
+                              <a:srgbClr val="7D7D7D">
+                                <a:tint val="100000"/>
+                                <a:shade val="100000"/>
+                                <a:satMod val="110000"/>
+                              </a:srgbClr>
+                            </a:solidFill>
+                            <a:prstDash val="solid"/>
+                          </a:ln>
+                          <a:solidFill>
+                            <a:schemeClr val="accent3"/>
+                          </a:solidFill>
+                          <a:effectLst/>
+                        </a:rPr>
+                        <a:t>Crap</a:t>
+                      </a:r>
+                      <a:endParaRPr lang="en-US" sz="2800" dirty="0">
+                        <a:solidFill>
+                          <a:schemeClr val="accent3"/>
+                        </a:solidFill>
+                      </a:endParaRPr>
+                    </a:p>
+                  </a:txBody>
+                  <a:tcPr anchor="ctr">
+                    <a:lnL w="12700" cmpd="sng">
+                      <a:noFill/>
+                      <a:prstDash val="solid"/>
+                    </a:lnL>
+                    <a:lnR w="12700" cmpd="sng">
+                      <a:noFill/>
+                      <a:prstDash val="solid"/>
+                    </a:lnR>
+                    <a:lnT w="12700" cmpd="sng">
+                      <a:noFill/>
+                      <a:prstDash val="solid"/>
+                    </a:lnT>
+                    <a:lnB w="12700" cmpd="sng">
+                      <a:noFill/>
+                      <a:prstDash val="solid"/>
+                    </a:lnB>
+                    <a:lnTlToBr w="12700" cmpd="sng">
+                      <a:noFill/>
+                      <a:prstDash val="solid"/>
+                    </a:lnTlToBr>
+                    <a:lnBlToTr w="12700" cmpd="sng">
+                      <a:noFill/>
+                      <a:prstDash val="solid"/>
+                    </a:lnBlToTr>
+                  </a:tcPr>
+                </a:tc>
+              </a:tr>
+            </a:tbl>
+          </a:graphicData>
+        </a:graphic>
+      </p:graphicFrame>
+      <p:sp>
+        <p:nvSpPr>
+          <p:cNvPr id="5" name="Rectangle 4"/>
+          <p:cNvSpPr/>
+          <p:nvPr/>
+        </p:nvSpPr>
+        <p:spPr>
+          <a:xfrm>
+            <a:off x="1214414" y="1500174"/>
+            <a:ext cx="7572428" cy="857256"/>
+          </a:xfrm>
+          <a:prstGeom prst="rect">
+            <a:avLst/>
+          </a:prstGeom>
+          <a:solidFill>
+            <a:schemeClr val="bg1"/>
+          </a:solidFill>
+          <a:ln>
+            <a:solidFill>
+              <a:schemeClr val="bg1"/>
+            </a:solidFill>
+          </a:ln>
+        </p:spPr>
+        <p:style>
+          <a:lnRef idx="2">
+            <a:schemeClr val="accent1">
+              <a:shade val="50000"/>
+            </a:schemeClr>
+          </a:lnRef>
+          <a:fillRef idx="1">
+            <a:schemeClr val="accent1"/>
+          </a:fillRef>
+          <a:effectRef idx="0">
+            <a:schemeClr val="accent1"/>
+          </a:effectRef>
+          <a:fontRef idx="minor">
+            <a:schemeClr val="lt1"/>
+          </a:fontRef>
+        </p:style>
+        <p:txBody>
+          <a:bodyPr rtlCol="0" anchor="ctr"/>
           <a:lstStyle/>
           <a:p>
-            <a:r>
-              <a:rPr lang="nl-BE" dirty="0" smtClean="0"/>
-              <a:t>Individuals and</a:t>
-            </a:r>
-            <a:r>
-              <a:rPr lang="nl-BE" baseline="0" dirty="0" smtClean="0"/>
-              <a:t> interaction </a:t>
-            </a:r>
-            <a:r>
-              <a:rPr lang="nl-BE" b="1" baseline="0" dirty="0" smtClean="0"/>
-              <a:t>over </a:t>
-            </a:r>
-            <a:r>
-              <a:rPr lang="nl-BE" baseline="0" dirty="0" smtClean="0"/>
-              <a:t>processes and tools</a:t>
-            </a:r>
-          </a:p>
-          <a:p>
-            <a:r>
-              <a:rPr lang="nl-BE" baseline="0" dirty="0" smtClean="0"/>
-              <a:t>Working software </a:t>
-            </a:r>
-            <a:r>
-              <a:rPr lang="nl-BE" b="1" baseline="0" dirty="0" smtClean="0"/>
-              <a:t>over</a:t>
-            </a:r>
-            <a:r>
-              <a:rPr lang="nl-BE" baseline="0" dirty="0" smtClean="0"/>
-              <a:t> comprehensive documentation</a:t>
-            </a:r>
-          </a:p>
-          <a:p>
-            <a:r>
-              <a:rPr lang="nl-BE" baseline="0" dirty="0" smtClean="0"/>
-              <a:t>Customer collaboration </a:t>
-            </a:r>
-            <a:r>
-              <a:rPr lang="nl-BE" b="1" baseline="0" dirty="0" smtClean="0"/>
-              <a:t>over</a:t>
-            </a:r>
-            <a:r>
-              <a:rPr lang="nl-BE" baseline="0" dirty="0" smtClean="0"/>
-              <a:t> contracr negotiation</a:t>
-            </a:r>
-          </a:p>
-          <a:p>
-            <a:r>
-              <a:rPr lang="nl-BE" baseline="0" dirty="0" smtClean="0"/>
-              <a:t>Responding to change </a:t>
-            </a:r>
-            <a:r>
-              <a:rPr lang="nl-BE" b="1" baseline="0" dirty="0" smtClean="0"/>
-              <a:t>over</a:t>
-            </a:r>
-            <a:r>
-              <a:rPr lang="nl-BE" baseline="0" dirty="0" smtClean="0"/>
-              <a:t> following a plan</a:t>
-            </a:r>
-          </a:p>
-          <a:p>
-            <a:r>
-              <a:rPr lang="nl-BE" baseline="0" dirty="0" smtClean="0"/>
-              <a:t>Craftmanship </a:t>
-            </a:r>
-            <a:r>
-              <a:rPr lang="nl-BE" b="1" baseline="0" dirty="0" smtClean="0"/>
-              <a:t>over</a:t>
-            </a:r>
-            <a:r>
-              <a:rPr lang="nl-BE" baseline="0" dirty="0" smtClean="0"/>
-              <a:t> crap</a:t>
-            </a:r>
-            <a:endParaRPr lang="en-US" dirty="0"/>
+            <a:pPr algn="ctr"/>
+            <a:endParaRPr lang="en-US"/>
+          </a:p>
+        </p:txBody>
+      </p:sp>
+      <p:sp>
+        <p:nvSpPr>
+          <p:cNvPr id="6" name="Rectangle 5"/>
+          <p:cNvSpPr/>
+          <p:nvPr/>
+        </p:nvSpPr>
+        <p:spPr>
+          <a:xfrm>
+            <a:off x="1285852" y="2500306"/>
+            <a:ext cx="7572428" cy="857256"/>
+          </a:xfrm>
+          <a:prstGeom prst="rect">
+            <a:avLst/>
+          </a:prstGeom>
+          <a:solidFill>
+            <a:schemeClr val="bg1"/>
+          </a:solidFill>
+          <a:ln>
+            <a:solidFill>
+              <a:schemeClr val="bg1"/>
+            </a:solidFill>
+          </a:ln>
+        </p:spPr>
+        <p:style>
+          <a:lnRef idx="2">
+            <a:schemeClr val="accent1">
+              <a:shade val="50000"/>
+            </a:schemeClr>
+          </a:lnRef>
+          <a:fillRef idx="1">
+            <a:schemeClr val="accent1"/>
+          </a:fillRef>
+          <a:effectRef idx="0">
+            <a:schemeClr val="accent1"/>
+          </a:effectRef>
+          <a:fontRef idx="minor">
+            <a:schemeClr val="lt1"/>
+          </a:fontRef>
+        </p:style>
+        <p:txBody>
+          <a:bodyPr rtlCol="0" anchor="ctr"/>
+          <a:lstStyle/>
+          <a:p>
+            <a:pPr algn="ctr"/>
+            <a:endParaRPr lang="en-US"/>
+          </a:p>
+        </p:txBody>
+      </p:sp>
+      <p:sp>
+        <p:nvSpPr>
+          <p:cNvPr id="7" name="Rectangle 6"/>
+          <p:cNvSpPr/>
+          <p:nvPr/>
+        </p:nvSpPr>
+        <p:spPr>
+          <a:xfrm>
+            <a:off x="1285852" y="3357562"/>
+            <a:ext cx="7572428" cy="857256"/>
+          </a:xfrm>
+          <a:prstGeom prst="rect">
+            <a:avLst/>
+          </a:prstGeom>
+          <a:solidFill>
+            <a:schemeClr val="bg1"/>
+          </a:solidFill>
+          <a:ln>
+            <a:solidFill>
+              <a:schemeClr val="bg1"/>
+            </a:solidFill>
+          </a:ln>
+        </p:spPr>
+        <p:style>
+          <a:lnRef idx="2">
+            <a:schemeClr val="accent1">
+              <a:shade val="50000"/>
+            </a:schemeClr>
+          </a:lnRef>
+          <a:fillRef idx="1">
+            <a:schemeClr val="accent1"/>
+          </a:fillRef>
+          <a:effectRef idx="0">
+            <a:schemeClr val="accent1"/>
+          </a:effectRef>
+          <a:fontRef idx="minor">
+            <a:schemeClr val="lt1"/>
+          </a:fontRef>
+        </p:style>
+        <p:txBody>
+          <a:bodyPr rtlCol="0" anchor="ctr"/>
+          <a:lstStyle/>
+          <a:p>
+            <a:pPr algn="ctr"/>
+            <a:endParaRPr lang="en-US"/>
+          </a:p>
+        </p:txBody>
+      </p:sp>
+      <p:sp>
+        <p:nvSpPr>
+          <p:cNvPr id="8" name="Rectangle 7"/>
+          <p:cNvSpPr/>
+          <p:nvPr/>
+        </p:nvSpPr>
+        <p:spPr>
+          <a:xfrm>
+            <a:off x="1214414" y="4357694"/>
+            <a:ext cx="7572428" cy="857256"/>
+          </a:xfrm>
+          <a:prstGeom prst="rect">
+            <a:avLst/>
+          </a:prstGeom>
+          <a:solidFill>
+            <a:schemeClr val="bg1"/>
+          </a:solidFill>
+          <a:ln>
+            <a:solidFill>
+              <a:schemeClr val="bg1"/>
+            </a:solidFill>
+          </a:ln>
+        </p:spPr>
+        <p:style>
+          <a:lnRef idx="2">
+            <a:schemeClr val="accent1">
+              <a:shade val="50000"/>
+            </a:schemeClr>
+          </a:lnRef>
+          <a:fillRef idx="1">
+            <a:schemeClr val="accent1"/>
+          </a:fillRef>
+          <a:effectRef idx="0">
+            <a:schemeClr val="accent1"/>
+          </a:effectRef>
+          <a:fontRef idx="minor">
+            <a:schemeClr val="lt1"/>
+          </a:fontRef>
+        </p:style>
+        <p:txBody>
+          <a:bodyPr rtlCol="0" anchor="ctr"/>
+          <a:lstStyle/>
+          <a:p>
+            <a:pPr algn="ctr"/>
+            <a:endParaRPr lang="en-US"/>
+          </a:p>
+        </p:txBody>
+      </p:sp>
+      <p:sp>
+        <p:nvSpPr>
+          <p:cNvPr id="9" name="Rectangle 8"/>
+          <p:cNvSpPr/>
+          <p:nvPr/>
+        </p:nvSpPr>
+        <p:spPr>
+          <a:xfrm>
+            <a:off x="1214414" y="5286388"/>
+            <a:ext cx="7572428" cy="857256"/>
+          </a:xfrm>
+          <a:prstGeom prst="rect">
+            <a:avLst/>
+          </a:prstGeom>
+          <a:solidFill>
+            <a:schemeClr val="bg1"/>
+          </a:solidFill>
+          <a:ln>
+            <a:solidFill>
+              <a:schemeClr val="bg1"/>
+            </a:solidFill>
+          </a:ln>
+        </p:spPr>
+        <p:style>
+          <a:lnRef idx="2">
+            <a:schemeClr val="accent1">
+              <a:shade val="50000"/>
+            </a:schemeClr>
+          </a:lnRef>
+          <a:fillRef idx="1">
+            <a:schemeClr val="accent1"/>
+          </a:fillRef>
+          <a:effectRef idx="0">
+            <a:schemeClr val="accent1"/>
+          </a:effectRef>
+          <a:fontRef idx="minor">
+            <a:schemeClr val="lt1"/>
+          </a:fontRef>
+        </p:style>
+        <p:txBody>
+          <a:bodyPr rtlCol="0" anchor="ctr"/>
+          <a:lstStyle/>
+          <a:p>
+            <a:pPr algn="ctr"/>
+            <a:endParaRPr lang="en-US"/>
           </a:p>
         </p:txBody>
       </p:sp>
@@ -4440,6 +9235,544 @@
   <p:clrMapOvr>
     <a:masterClrMapping/>
   </p:clrMapOvr>
+  <p:transition>
+    <p:fade/>
+  </p:transition>
+  <p:timing>
+    <p:tnLst>
+      <p:par>
+        <p:cTn id="1" dur="indefinite" restart="never" nodeType="tmRoot">
+          <p:childTnLst>
+            <p:seq concurrent="1" nextAc="seek">
+              <p:cTn id="2" dur="indefinite" nodeType="mainSeq">
+                <p:childTnLst>
+                  <p:par>
+                    <p:cTn id="3" fill="hold">
+                      <p:stCondLst>
+                        <p:cond delay="indefinite"/>
+                      </p:stCondLst>
+                      <p:childTnLst>
+                        <p:par>
+                          <p:cTn id="4" fill="hold">
+                            <p:stCondLst>
+                              <p:cond delay="0"/>
+                            </p:stCondLst>
+                            <p:childTnLst>
+                              <p:par>
+                                <p:cTn id="5" presetID="29" presetClass="exit" presetSubtype="0" fill="hold" grpId="1" nodeType="clickEffect">
+                                  <p:stCondLst>
+                                    <p:cond delay="0"/>
+                                  </p:stCondLst>
+                                  <p:iterate type="lt">
+                                    <p:tmPct val="0"/>
+                                  </p:iterate>
+                                  <p:childTnLst>
+                                    <p:anim calcmode="lin" valueType="num">
+                                      <p:cBhvr>
+                                        <p:cTn id="6" dur="1000"/>
+                                        <p:tgtEl>
+                                          <p:spTgt spid="5"/>
+                                        </p:tgtEl>
+                                        <p:attrNameLst>
+                                          <p:attrName>ppt_x</p:attrName>
+                                        </p:attrNameLst>
+                                      </p:cBhvr>
+                                      <p:tavLst>
+                                        <p:tav tm="0">
+                                          <p:val>
+                                            <p:strVal val="ppt_x"/>
+                                          </p:val>
+                                        </p:tav>
+                                        <p:tav tm="100000">
+                                          <p:val>
+                                            <p:strVal val="ppt_x-.2"/>
+                                          </p:val>
+                                        </p:tav>
+                                      </p:tavLst>
+                                    </p:anim>
+                                    <p:anim calcmode="lin" valueType="num">
+                                      <p:cBhvr>
+                                        <p:cTn id="7" dur="1000"/>
+                                        <p:tgtEl>
+                                          <p:spTgt spid="5"/>
+                                        </p:tgtEl>
+                                        <p:attrNameLst>
+                                          <p:attrName>ppt_y</p:attrName>
+                                        </p:attrNameLst>
+                                      </p:cBhvr>
+                                      <p:tavLst>
+                                        <p:tav tm="0">
+                                          <p:val>
+                                            <p:strVal val="ppt_y"/>
+                                          </p:val>
+                                        </p:tav>
+                                        <p:tav tm="100000">
+                                          <p:val>
+                                            <p:strVal val="ppt_y"/>
+                                          </p:val>
+                                        </p:tav>
+                                      </p:tavLst>
+                                    </p:anim>
+                                    <p:animEffect transition="out" filter="fade">
+                                      <p:cBhvr>
+                                        <p:cTn id="8" dur="1000"/>
+                                        <p:tgtEl>
+                                          <p:spTgt spid="5"/>
+                                        </p:tgtEl>
+                                      </p:cBhvr>
+                                    </p:animEffect>
+                                    <p:set>
+                                      <p:cBhvr>
+                                        <p:cTn id="9" dur="1" fill="hold">
+                                          <p:stCondLst>
+                                            <p:cond delay="999"/>
+                                          </p:stCondLst>
+                                        </p:cTn>
+                                        <p:tgtEl>
+                                          <p:spTgt spid="5"/>
+                                        </p:tgtEl>
+                                        <p:attrNameLst>
+                                          <p:attrName>style.visibility</p:attrName>
+                                        </p:attrNameLst>
+                                      </p:cBhvr>
+                                      <p:to>
+                                        <p:strVal val="hidden"/>
+                                      </p:to>
+                                    </p:set>
+                                  </p:childTnLst>
+                                </p:cTn>
+                              </p:par>
+                            </p:childTnLst>
+                          </p:cTn>
+                        </p:par>
+                      </p:childTnLst>
+                    </p:cTn>
+                  </p:par>
+                  <p:par>
+                    <p:cTn id="10" fill="hold">
+                      <p:stCondLst>
+                        <p:cond delay="indefinite"/>
+                      </p:stCondLst>
+                      <p:childTnLst>
+                        <p:par>
+                          <p:cTn id="11" fill="hold">
+                            <p:stCondLst>
+                              <p:cond delay="0"/>
+                            </p:stCondLst>
+                            <p:childTnLst>
+                              <p:par>
+                                <p:cTn id="12" presetID="29" presetClass="exit" presetSubtype="0" fill="hold" grpId="0" nodeType="clickEffect">
+                                  <p:stCondLst>
+                                    <p:cond delay="0"/>
+                                  </p:stCondLst>
+                                  <p:childTnLst>
+                                    <p:anim calcmode="lin" valueType="num">
+                                      <p:cBhvr>
+                                        <p:cTn id="13" dur="1000"/>
+                                        <p:tgtEl>
+                                          <p:spTgt spid="6"/>
+                                        </p:tgtEl>
+                                        <p:attrNameLst>
+                                          <p:attrName>ppt_x</p:attrName>
+                                        </p:attrNameLst>
+                                      </p:cBhvr>
+                                      <p:tavLst>
+                                        <p:tav tm="0">
+                                          <p:val>
+                                            <p:strVal val="ppt_x"/>
+                                          </p:val>
+                                        </p:tav>
+                                        <p:tav tm="100000">
+                                          <p:val>
+                                            <p:strVal val="ppt_x-.2"/>
+                                          </p:val>
+                                        </p:tav>
+                                      </p:tavLst>
+                                    </p:anim>
+                                    <p:anim calcmode="lin" valueType="num">
+                                      <p:cBhvr>
+                                        <p:cTn id="14" dur="1000"/>
+                                        <p:tgtEl>
+                                          <p:spTgt spid="6"/>
+                                        </p:tgtEl>
+                                        <p:attrNameLst>
+                                          <p:attrName>ppt_y</p:attrName>
+                                        </p:attrNameLst>
+                                      </p:cBhvr>
+                                      <p:tavLst>
+                                        <p:tav tm="0">
+                                          <p:val>
+                                            <p:strVal val="ppt_y"/>
+                                          </p:val>
+                                        </p:tav>
+                                        <p:tav tm="100000">
+                                          <p:val>
+                                            <p:strVal val="ppt_y"/>
+                                          </p:val>
+                                        </p:tav>
+                                      </p:tavLst>
+                                    </p:anim>
+                                    <p:animEffect transition="out" filter="fade">
+                                      <p:cBhvr>
+                                        <p:cTn id="15" dur="1000"/>
+                                        <p:tgtEl>
+                                          <p:spTgt spid="6"/>
+                                        </p:tgtEl>
+                                      </p:cBhvr>
+                                    </p:animEffect>
+                                    <p:set>
+                                      <p:cBhvr>
+                                        <p:cTn id="16" dur="1" fill="hold">
+                                          <p:stCondLst>
+                                            <p:cond delay="999"/>
+                                          </p:stCondLst>
+                                        </p:cTn>
+                                        <p:tgtEl>
+                                          <p:spTgt spid="6"/>
+                                        </p:tgtEl>
+                                        <p:attrNameLst>
+                                          <p:attrName>style.visibility</p:attrName>
+                                        </p:attrNameLst>
+                                      </p:cBhvr>
+                                      <p:to>
+                                        <p:strVal val="hidden"/>
+                                      </p:to>
+                                    </p:set>
+                                  </p:childTnLst>
+                                </p:cTn>
+                              </p:par>
+                            </p:childTnLst>
+                          </p:cTn>
+                        </p:par>
+                      </p:childTnLst>
+                    </p:cTn>
+                  </p:par>
+                  <p:par>
+                    <p:cTn id="17" fill="hold">
+                      <p:stCondLst>
+                        <p:cond delay="indefinite"/>
+                      </p:stCondLst>
+                      <p:childTnLst>
+                        <p:par>
+                          <p:cTn id="18" fill="hold">
+                            <p:stCondLst>
+                              <p:cond delay="0"/>
+                            </p:stCondLst>
+                            <p:childTnLst>
+                              <p:par>
+                                <p:cTn id="19" presetID="29" presetClass="exit" presetSubtype="0" fill="hold" grpId="0" nodeType="clickEffect">
+                                  <p:stCondLst>
+                                    <p:cond delay="0"/>
+                                  </p:stCondLst>
+                                  <p:childTnLst>
+                                    <p:anim calcmode="lin" valueType="num">
+                                      <p:cBhvr>
+                                        <p:cTn id="20" dur="1000"/>
+                                        <p:tgtEl>
+                                          <p:spTgt spid="7"/>
+                                        </p:tgtEl>
+                                        <p:attrNameLst>
+                                          <p:attrName>ppt_x</p:attrName>
+                                        </p:attrNameLst>
+                                      </p:cBhvr>
+                                      <p:tavLst>
+                                        <p:tav tm="0">
+                                          <p:val>
+                                            <p:strVal val="ppt_x"/>
+                                          </p:val>
+                                        </p:tav>
+                                        <p:tav tm="100000">
+                                          <p:val>
+                                            <p:strVal val="ppt_x-.2"/>
+                                          </p:val>
+                                        </p:tav>
+                                      </p:tavLst>
+                                    </p:anim>
+                                    <p:anim calcmode="lin" valueType="num">
+                                      <p:cBhvr>
+                                        <p:cTn id="21" dur="1000"/>
+                                        <p:tgtEl>
+                                          <p:spTgt spid="7"/>
+                                        </p:tgtEl>
+                                        <p:attrNameLst>
+                                          <p:attrName>ppt_y</p:attrName>
+                                        </p:attrNameLst>
+                                      </p:cBhvr>
+                                      <p:tavLst>
+                                        <p:tav tm="0">
+                                          <p:val>
+                                            <p:strVal val="ppt_y"/>
+                                          </p:val>
+                                        </p:tav>
+                                        <p:tav tm="100000">
+                                          <p:val>
+                                            <p:strVal val="ppt_y"/>
+                                          </p:val>
+                                        </p:tav>
+                                      </p:tavLst>
+                                    </p:anim>
+                                    <p:animEffect transition="out" filter="fade">
+                                      <p:cBhvr>
+                                        <p:cTn id="22" dur="1000"/>
+                                        <p:tgtEl>
+                                          <p:spTgt spid="7"/>
+                                        </p:tgtEl>
+                                      </p:cBhvr>
+                                    </p:animEffect>
+                                    <p:set>
+                                      <p:cBhvr>
+                                        <p:cTn id="23" dur="1" fill="hold">
+                                          <p:stCondLst>
+                                            <p:cond delay="999"/>
+                                          </p:stCondLst>
+                                        </p:cTn>
+                                        <p:tgtEl>
+                                          <p:spTgt spid="7"/>
+                                        </p:tgtEl>
+                                        <p:attrNameLst>
+                                          <p:attrName>style.visibility</p:attrName>
+                                        </p:attrNameLst>
+                                      </p:cBhvr>
+                                      <p:to>
+                                        <p:strVal val="hidden"/>
+                                      </p:to>
+                                    </p:set>
+                                  </p:childTnLst>
+                                </p:cTn>
+                              </p:par>
+                            </p:childTnLst>
+                          </p:cTn>
+                        </p:par>
+                      </p:childTnLst>
+                    </p:cTn>
+                  </p:par>
+                  <p:par>
+                    <p:cTn id="24" fill="hold">
+                      <p:stCondLst>
+                        <p:cond delay="indefinite"/>
+                      </p:stCondLst>
+                      <p:childTnLst>
+                        <p:par>
+                          <p:cTn id="25" fill="hold">
+                            <p:stCondLst>
+                              <p:cond delay="0"/>
+                            </p:stCondLst>
+                            <p:childTnLst>
+                              <p:par>
+                                <p:cTn id="26" presetID="29" presetClass="exit" presetSubtype="0" fill="hold" grpId="0" nodeType="clickEffect">
+                                  <p:stCondLst>
+                                    <p:cond delay="0"/>
+                                  </p:stCondLst>
+                                  <p:childTnLst>
+                                    <p:anim calcmode="lin" valueType="num">
+                                      <p:cBhvr>
+                                        <p:cTn id="27" dur="1000"/>
+                                        <p:tgtEl>
+                                          <p:spTgt spid="8"/>
+                                        </p:tgtEl>
+                                        <p:attrNameLst>
+                                          <p:attrName>ppt_x</p:attrName>
+                                        </p:attrNameLst>
+                                      </p:cBhvr>
+                                      <p:tavLst>
+                                        <p:tav tm="0">
+                                          <p:val>
+                                            <p:strVal val="ppt_x"/>
+                                          </p:val>
+                                        </p:tav>
+                                        <p:tav tm="100000">
+                                          <p:val>
+                                            <p:strVal val="ppt_x-.2"/>
+                                          </p:val>
+                                        </p:tav>
+                                      </p:tavLst>
+                                    </p:anim>
+                                    <p:anim calcmode="lin" valueType="num">
+                                      <p:cBhvr>
+                                        <p:cTn id="28" dur="1000"/>
+                                        <p:tgtEl>
+                                          <p:spTgt spid="8"/>
+                                        </p:tgtEl>
+                                        <p:attrNameLst>
+                                          <p:attrName>ppt_y</p:attrName>
+                                        </p:attrNameLst>
+                                      </p:cBhvr>
+                                      <p:tavLst>
+                                        <p:tav tm="0">
+                                          <p:val>
+                                            <p:strVal val="ppt_y"/>
+                                          </p:val>
+                                        </p:tav>
+                                        <p:tav tm="100000">
+                                          <p:val>
+                                            <p:strVal val="ppt_y"/>
+                                          </p:val>
+                                        </p:tav>
+                                      </p:tavLst>
+                                    </p:anim>
+                                    <p:animEffect transition="out" filter="fade">
+                                      <p:cBhvr>
+                                        <p:cTn id="29" dur="1000"/>
+                                        <p:tgtEl>
+                                          <p:spTgt spid="8"/>
+                                        </p:tgtEl>
+                                      </p:cBhvr>
+                                    </p:animEffect>
+                                    <p:set>
+                                      <p:cBhvr>
+                                        <p:cTn id="30" dur="1" fill="hold">
+                                          <p:stCondLst>
+                                            <p:cond delay="999"/>
+                                          </p:stCondLst>
+                                        </p:cTn>
+                                        <p:tgtEl>
+                                          <p:spTgt spid="8"/>
+                                        </p:tgtEl>
+                                        <p:attrNameLst>
+                                          <p:attrName>style.visibility</p:attrName>
+                                        </p:attrNameLst>
+                                      </p:cBhvr>
+                                      <p:to>
+                                        <p:strVal val="hidden"/>
+                                      </p:to>
+                                    </p:set>
+                                  </p:childTnLst>
+                                </p:cTn>
+                              </p:par>
+                            </p:childTnLst>
+                          </p:cTn>
+                        </p:par>
+                      </p:childTnLst>
+                    </p:cTn>
+                  </p:par>
+                  <p:par>
+                    <p:cTn id="31" fill="hold">
+                      <p:stCondLst>
+                        <p:cond delay="indefinite"/>
+                      </p:stCondLst>
+                      <p:childTnLst>
+                        <p:par>
+                          <p:cTn id="32" fill="hold">
+                            <p:stCondLst>
+                              <p:cond delay="0"/>
+                            </p:stCondLst>
+                            <p:childTnLst>
+                              <p:par>
+                                <p:cTn id="33" presetID="29" presetClass="exit" presetSubtype="0" fill="hold" grpId="0" nodeType="clickEffect">
+                                  <p:stCondLst>
+                                    <p:cond delay="0"/>
+                                  </p:stCondLst>
+                                  <p:childTnLst>
+                                    <p:anim calcmode="lin" valueType="num">
+                                      <p:cBhvr>
+                                        <p:cTn id="34" dur="1000"/>
+                                        <p:tgtEl>
+                                          <p:spTgt spid="9"/>
+                                        </p:tgtEl>
+                                        <p:attrNameLst>
+                                          <p:attrName>ppt_x</p:attrName>
+                                        </p:attrNameLst>
+                                      </p:cBhvr>
+                                      <p:tavLst>
+                                        <p:tav tm="0">
+                                          <p:val>
+                                            <p:strVal val="ppt_x"/>
+                                          </p:val>
+                                        </p:tav>
+                                        <p:tav tm="100000">
+                                          <p:val>
+                                            <p:strVal val="ppt_x-.2"/>
+                                          </p:val>
+                                        </p:tav>
+                                      </p:tavLst>
+                                    </p:anim>
+                                    <p:anim calcmode="lin" valueType="num">
+                                      <p:cBhvr>
+                                        <p:cTn id="35" dur="1000"/>
+                                        <p:tgtEl>
+                                          <p:spTgt spid="9"/>
+                                        </p:tgtEl>
+                                        <p:attrNameLst>
+                                          <p:attrName>ppt_y</p:attrName>
+                                        </p:attrNameLst>
+                                      </p:cBhvr>
+                                      <p:tavLst>
+                                        <p:tav tm="0">
+                                          <p:val>
+                                            <p:strVal val="ppt_y"/>
+                                          </p:val>
+                                        </p:tav>
+                                        <p:tav tm="100000">
+                                          <p:val>
+                                            <p:strVal val="ppt_y"/>
+                                          </p:val>
+                                        </p:tav>
+                                      </p:tavLst>
+                                    </p:anim>
+                                    <p:animEffect transition="out" filter="fade">
+                                      <p:cBhvr>
+                                        <p:cTn id="36" dur="1000"/>
+                                        <p:tgtEl>
+                                          <p:spTgt spid="9"/>
+                                        </p:tgtEl>
+                                      </p:cBhvr>
+                                    </p:animEffect>
+                                    <p:set>
+                                      <p:cBhvr>
+                                        <p:cTn id="37" dur="1" fill="hold">
+                                          <p:stCondLst>
+                                            <p:cond delay="999"/>
+                                          </p:stCondLst>
+                                        </p:cTn>
+                                        <p:tgtEl>
+                                          <p:spTgt spid="9"/>
+                                        </p:tgtEl>
+                                        <p:attrNameLst>
+                                          <p:attrName>style.visibility</p:attrName>
+                                        </p:attrNameLst>
+                                      </p:cBhvr>
+                                      <p:to>
+                                        <p:strVal val="hidden"/>
+                                      </p:to>
+                                    </p:set>
+                                  </p:childTnLst>
+                                </p:cTn>
+                              </p:par>
+                            </p:childTnLst>
+                          </p:cTn>
+                        </p:par>
+                      </p:childTnLst>
+                    </p:cTn>
+                  </p:par>
+                </p:childTnLst>
+              </p:cTn>
+              <p:prevCondLst>
+                <p:cond evt="onPrev" delay="0">
+                  <p:tgtEl>
+                    <p:sldTgt/>
+                  </p:tgtEl>
+                </p:cond>
+              </p:prevCondLst>
+              <p:nextCondLst>
+                <p:cond evt="onNext" delay="0">
+                  <p:tgtEl>
+                    <p:sldTgt/>
+                  </p:tgtEl>
+                </p:cond>
+              </p:nextCondLst>
+            </p:seq>
+          </p:childTnLst>
+        </p:cTn>
+      </p:par>
+    </p:tnLst>
+    <p:bldLst>
+      <p:bldP spid="5" grpId="1" animBg="1"/>
+      <p:bldP spid="6" grpId="0" animBg="1"/>
+      <p:bldP spid="7" grpId="0" animBg="1"/>
+      <p:bldP spid="8" grpId="0" animBg="1"/>
+      <p:bldP spid="9" grpId="0" animBg="1"/>
+    </p:bldLst>
+  </p:timing>
 </p:sld>
 </file>
 
@@ -4460,6 +9793,39 @@
           <a:chExt cx="0" cy="0"/>
         </a:xfrm>
       </p:grpSpPr>
+      <p:pic>
+        <p:nvPicPr>
+          <p:cNvPr id="1029" name="Picture 5"/>
+          <p:cNvPicPr>
+            <a:picLocks noChangeAspect="1" noChangeArrowheads="1"/>
+          </p:cNvPicPr>
+          <p:nvPr/>
+        </p:nvPicPr>
+        <p:blipFill>
+          <a:blip r:embed="rId2"/>
+          <a:srcRect/>
+          <a:stretch>
+            <a:fillRect/>
+          </a:stretch>
+        </p:blipFill>
+        <p:spPr bwMode="auto">
+          <a:xfrm>
+            <a:off x="597449" y="2786058"/>
+            <a:ext cx="8117955" cy="2857520"/>
+          </a:xfrm>
+          <a:prstGeom prst="rect">
+            <a:avLst/>
+          </a:prstGeom>
+          <a:noFill/>
+          <a:ln w="9525">
+            <a:noFill/>
+            <a:miter lim="800000"/>
+            <a:headEnd/>
+            <a:tailEnd/>
+          </a:ln>
+          <a:effectLst/>
+        </p:spPr>
+      </p:pic>
       <p:sp>
         <p:nvSpPr>
           <p:cNvPr id="2" name="Title 1"/>
@@ -4498,6 +9864,161 @@
           <a:bodyPr/>
           <a:lstStyle/>
           <a:p>
+            <a:r>
+              <a:rPr lang="nl-BE" dirty="0" smtClean="0"/>
+              <a:t>Roles</a:t>
+            </a:r>
+          </a:p>
+          <a:p>
+            <a:pPr lvl="1"/>
+            <a:r>
+              <a:rPr lang="nl-BE" baseline="0" dirty="0" smtClean="0"/>
+              <a:t>Chicken and Pigs</a:t>
+            </a:r>
+          </a:p>
+        </p:txBody>
+      </p:sp>
+      <p:sp>
+        <p:nvSpPr>
+          <p:cNvPr id="7" name="Rectangle 6"/>
+          <p:cNvSpPr/>
+          <p:nvPr/>
+        </p:nvSpPr>
+        <p:spPr>
+          <a:xfrm>
+            <a:off x="214282" y="1500174"/>
+            <a:ext cx="8643998" cy="1143008"/>
+          </a:xfrm>
+          <a:prstGeom prst="rect">
+            <a:avLst/>
+          </a:prstGeom>
+        </p:spPr>
+        <p:style>
+          <a:lnRef idx="1">
+            <a:schemeClr val="accent5"/>
+          </a:lnRef>
+          <a:fillRef idx="2">
+            <a:schemeClr val="accent5"/>
+          </a:fillRef>
+          <a:effectRef idx="1">
+            <a:schemeClr val="accent5"/>
+          </a:effectRef>
+          <a:fontRef idx="minor">
+            <a:schemeClr val="dk1"/>
+          </a:fontRef>
+        </p:style>
+        <p:txBody>
+          <a:bodyPr rtlCol="0" anchor="ctr"/>
+          <a:lstStyle/>
+          <a:p>
+            <a:pPr algn="ctr"/>
+            <a:r>
+              <a:rPr lang="nl-BE" sz="6000" dirty="0" smtClean="0"/>
+              <a:t>Ham and Eggs</a:t>
+            </a:r>
+          </a:p>
+          <a:p>
+            <a:pPr algn="ctr"/>
+            <a:r>
+              <a:rPr lang="nl-BE" dirty="0" smtClean="0"/>
+              <a:t>A day’s work for a chicken, a lifetime commitment for a pig.</a:t>
+            </a:r>
+            <a:endParaRPr lang="en-US" dirty="0"/>
+          </a:p>
+        </p:txBody>
+      </p:sp>
+      <p:sp>
+        <p:nvSpPr>
+          <p:cNvPr id="8" name="Rectangle 7"/>
+          <p:cNvSpPr/>
+          <p:nvPr/>
+        </p:nvSpPr>
+        <p:spPr>
+          <a:xfrm>
+            <a:off x="3286116" y="2786058"/>
+            <a:ext cx="3000396" cy="2786082"/>
+          </a:xfrm>
+          <a:prstGeom prst="rect">
+            <a:avLst/>
+          </a:prstGeom>
+          <a:solidFill>
+            <a:schemeClr val="bg1"/>
+          </a:solidFill>
+          <a:ln>
+            <a:solidFill>
+              <a:schemeClr val="bg1"/>
+            </a:solidFill>
+          </a:ln>
+        </p:spPr>
+        <p:style>
+          <a:lnRef idx="2">
+            <a:schemeClr val="accent1">
+              <a:shade val="50000"/>
+            </a:schemeClr>
+          </a:lnRef>
+          <a:fillRef idx="1">
+            <a:schemeClr val="accent1"/>
+          </a:fillRef>
+          <a:effectRef idx="0">
+            <a:schemeClr val="accent1"/>
+          </a:effectRef>
+          <a:fontRef idx="minor">
+            <a:schemeClr val="lt1"/>
+          </a:fontRef>
+        </p:style>
+        <p:txBody>
+          <a:bodyPr rtlCol="0" anchor="ctr"/>
+          <a:lstStyle/>
+          <a:p>
+            <a:pPr algn="ctr"/>
+            <a:endParaRPr lang="en-US"/>
+          </a:p>
+        </p:txBody>
+      </p:sp>
+      <p:sp>
+        <p:nvSpPr>
+          <p:cNvPr id="9" name="Rectangle 8"/>
+          <p:cNvSpPr/>
+          <p:nvPr/>
+        </p:nvSpPr>
+        <p:spPr>
+          <a:xfrm>
+            <a:off x="6000760" y="2786058"/>
+            <a:ext cx="2857520" cy="3000396"/>
+          </a:xfrm>
+          <a:prstGeom prst="rect">
+            <a:avLst/>
+          </a:prstGeom>
+          <a:solidFill>
+            <a:schemeClr val="bg1"/>
+          </a:solidFill>
+          <a:ln>
+            <a:solidFill>
+              <a:schemeClr val="bg1"/>
+            </a:solidFill>
+          </a:ln>
+        </p:spPr>
+        <p:style>
+          <a:lnRef idx="2">
+            <a:schemeClr val="accent1">
+              <a:shade val="50000"/>
+            </a:schemeClr>
+          </a:lnRef>
+          <a:fillRef idx="1">
+            <a:schemeClr val="accent1"/>
+          </a:fillRef>
+          <a:effectRef idx="0">
+            <a:schemeClr val="accent1"/>
+          </a:effectRef>
+          <a:fontRef idx="minor">
+            <a:schemeClr val="lt1"/>
+          </a:fontRef>
+        </p:style>
+        <p:txBody>
+          <a:bodyPr rtlCol="0" anchor="ctr"/>
+          <a:lstStyle/>
+          <a:p>
+            <a:pPr algn="ctr"/>
             <a:endParaRPr lang="en-US"/>
           </a:p>
         </p:txBody>
@@ -4507,6 +10028,277 @@
   <p:clrMapOvr>
     <a:masterClrMapping/>
   </p:clrMapOvr>
+  <p:transition>
+    <p:fade/>
+  </p:transition>
+  <p:timing>
+    <p:tnLst>
+      <p:par>
+        <p:cTn id="1" dur="indefinite" restart="never" nodeType="tmRoot">
+          <p:childTnLst>
+            <p:seq concurrent="1" nextAc="seek">
+              <p:cTn id="2" dur="indefinite" nodeType="mainSeq">
+                <p:childTnLst>
+                  <p:par>
+                    <p:cTn id="3" fill="hold">
+                      <p:stCondLst>
+                        <p:cond delay="indefinite"/>
+                        <p:cond evt="onBegin" delay="0">
+                          <p:tn val="2"/>
+                        </p:cond>
+                      </p:stCondLst>
+                      <p:childTnLst>
+                        <p:par>
+                          <p:cTn id="4" fill="hold">
+                            <p:stCondLst>
+                              <p:cond delay="0"/>
+                            </p:stCondLst>
+                            <p:childTnLst>
+                              <p:par>
+                                <p:cTn id="5" presetID="1" presetClass="entr" presetSubtype="0" fill="hold" grpId="0" nodeType="withEffect">
+                                  <p:stCondLst>
+                                    <p:cond delay="0"/>
+                                  </p:stCondLst>
+                                  <p:childTnLst>
+                                    <p:set>
+                                      <p:cBhvr>
+                                        <p:cTn id="6" dur="1" fill="hold">
+                                          <p:stCondLst>
+                                            <p:cond delay="0"/>
+                                          </p:stCondLst>
+                                        </p:cTn>
+                                        <p:tgtEl>
+                                          <p:spTgt spid="3">
+                                            <p:txEl>
+                                              <p:pRg st="1" end="1"/>
+                                            </p:txEl>
+                                          </p:spTgt>
+                                        </p:tgtEl>
+                                        <p:attrNameLst>
+                                          <p:attrName>style.visibility</p:attrName>
+                                        </p:attrNameLst>
+                                      </p:cBhvr>
+                                      <p:to>
+                                        <p:strVal val="visible"/>
+                                      </p:to>
+                                    </p:set>
+                                  </p:childTnLst>
+                                </p:cTn>
+                              </p:par>
+                            </p:childTnLst>
+                          </p:cTn>
+                        </p:par>
+                      </p:childTnLst>
+                    </p:cTn>
+                  </p:par>
+                  <p:par>
+                    <p:cTn id="7" fill="hold">
+                      <p:stCondLst>
+                        <p:cond delay="indefinite"/>
+                      </p:stCondLst>
+                      <p:childTnLst>
+                        <p:par>
+                          <p:cTn id="8" fill="hold">
+                            <p:stCondLst>
+                              <p:cond delay="0"/>
+                            </p:stCondLst>
+                            <p:childTnLst>
+                              <p:par>
+                                <p:cTn id="9" presetID="1" presetClass="entr" presetSubtype="0" fill="hold" nodeType="clickEffect">
+                                  <p:stCondLst>
+                                    <p:cond delay="0"/>
+                                  </p:stCondLst>
+                                  <p:childTnLst>
+                                    <p:set>
+                                      <p:cBhvr>
+                                        <p:cTn id="10" dur="1" fill="hold">
+                                          <p:stCondLst>
+                                            <p:cond delay="0"/>
+                                          </p:stCondLst>
+                                        </p:cTn>
+                                        <p:tgtEl>
+                                          <p:spTgt spid="1029"/>
+                                        </p:tgtEl>
+                                        <p:attrNameLst>
+                                          <p:attrName>style.visibility</p:attrName>
+                                        </p:attrNameLst>
+                                      </p:cBhvr>
+                                      <p:to>
+                                        <p:strVal val="visible"/>
+                                      </p:to>
+                                    </p:set>
+                                  </p:childTnLst>
+                                </p:cTn>
+                              </p:par>
+                            </p:childTnLst>
+                          </p:cTn>
+                        </p:par>
+                      </p:childTnLst>
+                    </p:cTn>
+                  </p:par>
+                  <p:par>
+                    <p:cTn id="11" fill="hold">
+                      <p:stCondLst>
+                        <p:cond delay="indefinite"/>
+                      </p:stCondLst>
+                      <p:childTnLst>
+                        <p:par>
+                          <p:cTn id="12" fill="hold">
+                            <p:stCondLst>
+                              <p:cond delay="0"/>
+                            </p:stCondLst>
+                            <p:childTnLst>
+                              <p:par>
+                                <p:cTn id="13" presetID="1" presetClass="exit" presetSubtype="0" fill="hold" grpId="0" nodeType="clickEffect">
+                                  <p:stCondLst>
+                                    <p:cond delay="0"/>
+                                  </p:stCondLst>
+                                  <p:childTnLst>
+                                    <p:set>
+                                      <p:cBhvr>
+                                        <p:cTn id="14" dur="1" fill="hold">
+                                          <p:stCondLst>
+                                            <p:cond delay="0"/>
+                                          </p:stCondLst>
+                                        </p:cTn>
+                                        <p:tgtEl>
+                                          <p:spTgt spid="8"/>
+                                        </p:tgtEl>
+                                        <p:attrNameLst>
+                                          <p:attrName>style.visibility</p:attrName>
+                                        </p:attrNameLst>
+                                      </p:cBhvr>
+                                      <p:to>
+                                        <p:strVal val="hidden"/>
+                                      </p:to>
+                                    </p:set>
+                                  </p:childTnLst>
+                                </p:cTn>
+                              </p:par>
+                            </p:childTnLst>
+                          </p:cTn>
+                        </p:par>
+                      </p:childTnLst>
+                    </p:cTn>
+                  </p:par>
+                  <p:par>
+                    <p:cTn id="15" fill="hold">
+                      <p:stCondLst>
+                        <p:cond delay="indefinite"/>
+                      </p:stCondLst>
+                      <p:childTnLst>
+                        <p:par>
+                          <p:cTn id="16" fill="hold">
+                            <p:stCondLst>
+                              <p:cond delay="0"/>
+                            </p:stCondLst>
+                            <p:childTnLst>
+                              <p:par>
+                                <p:cTn id="17" presetID="1" presetClass="exit" presetSubtype="0" fill="hold" grpId="0" nodeType="clickEffect">
+                                  <p:stCondLst>
+                                    <p:cond delay="0"/>
+                                  </p:stCondLst>
+                                  <p:childTnLst>
+                                    <p:set>
+                                      <p:cBhvr>
+                                        <p:cTn id="18" dur="1" fill="hold">
+                                          <p:stCondLst>
+                                            <p:cond delay="0"/>
+                                          </p:stCondLst>
+                                        </p:cTn>
+                                        <p:tgtEl>
+                                          <p:spTgt spid="9"/>
+                                        </p:tgtEl>
+                                        <p:attrNameLst>
+                                          <p:attrName>style.visibility</p:attrName>
+                                        </p:attrNameLst>
+                                      </p:cBhvr>
+                                      <p:to>
+                                        <p:strVal val="hidden"/>
+                                      </p:to>
+                                    </p:set>
+                                  </p:childTnLst>
+                                </p:cTn>
+                              </p:par>
+                            </p:childTnLst>
+                          </p:cTn>
+                        </p:par>
+                      </p:childTnLst>
+                    </p:cTn>
+                  </p:par>
+                  <p:par>
+                    <p:cTn id="19" fill="hold">
+                      <p:stCondLst>
+                        <p:cond delay="indefinite"/>
+                      </p:stCondLst>
+                      <p:childTnLst>
+                        <p:par>
+                          <p:cTn id="20" fill="hold">
+                            <p:stCondLst>
+                              <p:cond delay="0"/>
+                            </p:stCondLst>
+                            <p:childTnLst>
+                              <p:par>
+                                <p:cTn id="21" presetID="1" presetClass="entr" presetSubtype="0" fill="hold" grpId="0" nodeType="clickEffect">
+                                  <p:stCondLst>
+                                    <p:cond delay="0"/>
+                                  </p:stCondLst>
+                                  <p:childTnLst>
+                                    <p:set>
+                                      <p:cBhvr>
+                                        <p:cTn id="22" dur="1" fill="hold">
+                                          <p:stCondLst>
+                                            <p:cond delay="0"/>
+                                          </p:stCondLst>
+                                        </p:cTn>
+                                        <p:tgtEl>
+                                          <p:spTgt spid="7"/>
+                                        </p:tgtEl>
+                                        <p:attrNameLst>
+                                          <p:attrName>style.visibility</p:attrName>
+                                        </p:attrNameLst>
+                                      </p:cBhvr>
+                                      <p:to>
+                                        <p:strVal val="visible"/>
+                                      </p:to>
+                                    </p:set>
+                                  </p:childTnLst>
+                                </p:cTn>
+                              </p:par>
+                            </p:childTnLst>
+                          </p:cTn>
+                        </p:par>
+                      </p:childTnLst>
+                    </p:cTn>
+                  </p:par>
+                </p:childTnLst>
+              </p:cTn>
+              <p:prevCondLst>
+                <p:cond evt="onPrev" delay="0">
+                  <p:tgtEl>
+                    <p:sldTgt/>
+                  </p:tgtEl>
+                </p:cond>
+              </p:prevCondLst>
+              <p:nextCondLst>
+                <p:cond evt="onNext" delay="0">
+                  <p:tgtEl>
+                    <p:sldTgt/>
+                  </p:tgtEl>
+                </p:cond>
+              </p:nextCondLst>
+            </p:seq>
+          </p:childTnLst>
+        </p:cTn>
+      </p:par>
+    </p:tnLst>
+    <p:bldLst>
+      <p:bldP spid="3" grpId="0" uiExpand="1" build="p"/>
+      <p:bldP spid="7" grpId="0" animBg="1"/>
+      <p:bldP spid="8" grpId="0" animBg="1"/>
+      <p:bldP spid="9" grpId="0" animBg="1"/>
+    </p:bldLst>
+  </p:timing>
 </p:sld>
 </file>
 
@@ -4544,11 +10336,7 @@
           <a:p>
             <a:r>
               <a:rPr lang="nl-BE" dirty="0" smtClean="0"/>
-              <a:t>eXtreme</a:t>
-            </a:r>
-            <a:r>
-              <a:rPr lang="nl-BE" baseline="0" dirty="0" smtClean="0"/>
-              <a:t> Programming</a:t>
+              <a:t>SCRUM: Roles</a:t>
             </a:r>
             <a:endParaRPr lang="en-US" dirty="0"/>
           </a:p>
@@ -4569,7 +10357,64 @@
           <a:bodyPr/>
           <a:lstStyle/>
           <a:p>
-            <a:endParaRPr lang="en-US"/>
+            <a:r>
+              <a:rPr lang="nl-BE" dirty="0" smtClean="0"/>
+              <a:t>Chicken</a:t>
+            </a:r>
+          </a:p>
+          <a:p>
+            <a:pPr lvl="1"/>
+            <a:r>
+              <a:rPr lang="nl-BE" baseline="0" dirty="0" smtClean="0"/>
+              <a:t>Users</a:t>
+            </a:r>
+          </a:p>
+          <a:p>
+            <a:pPr lvl="1"/>
+            <a:r>
+              <a:rPr lang="nl-BE" baseline="0" dirty="0" smtClean="0"/>
+              <a:t>Stakeholders</a:t>
+            </a:r>
+          </a:p>
+          <a:p>
+            <a:pPr lvl="1"/>
+            <a:r>
+              <a:rPr lang="nl-BE" baseline="0" dirty="0" smtClean="0"/>
+              <a:t>Managers</a:t>
+            </a:r>
+            <a:endParaRPr lang="nl-BE" dirty="0" smtClean="0"/>
+          </a:p>
+          <a:p>
+            <a:pPr lvl="0"/>
+            <a:r>
+              <a:rPr lang="nl-BE" baseline="0" dirty="0" smtClean="0"/>
+              <a:t>Pigs</a:t>
+            </a:r>
+          </a:p>
+          <a:p>
+            <a:pPr lvl="1"/>
+            <a:r>
+              <a:rPr lang="nl-BE" dirty="0" smtClean="0"/>
+              <a:t>Product</a:t>
+            </a:r>
+            <a:r>
+              <a:rPr lang="nl-BE" baseline="0" dirty="0" smtClean="0"/>
+              <a:t> owner</a:t>
+            </a:r>
+          </a:p>
+          <a:p>
+            <a:pPr lvl="1"/>
+            <a:r>
+              <a:rPr lang="nl-BE" baseline="0" dirty="0" smtClean="0"/>
+              <a:t>Scrum master</a:t>
+            </a:r>
+          </a:p>
+          <a:p>
+            <a:pPr lvl="1"/>
+            <a:r>
+              <a:rPr lang="nl-BE" baseline="0" dirty="0" smtClean="0"/>
+              <a:t>Team</a:t>
+            </a:r>
           </a:p>
         </p:txBody>
       </p:sp>
@@ -4578,6 +10423,440 @@
   <p:clrMapOvr>
     <a:masterClrMapping/>
   </p:clrMapOvr>
+  <p:transition>
+    <p:fade/>
+  </p:transition>
+  <p:timing>
+    <p:tnLst>
+      <p:par>
+        <p:cTn id="1" dur="indefinite" restart="never" nodeType="tmRoot">
+          <p:childTnLst>
+            <p:seq concurrent="1" nextAc="seek">
+              <p:cTn id="2" dur="indefinite" nodeType="mainSeq">
+                <p:childTnLst>
+                  <p:par>
+                    <p:cTn id="3" fill="hold">
+                      <p:stCondLst>
+                        <p:cond delay="indefinite"/>
+                      </p:stCondLst>
+                      <p:childTnLst>
+                        <p:par>
+                          <p:cTn id="4" fill="hold">
+                            <p:stCondLst>
+                              <p:cond delay="0"/>
+                            </p:stCondLst>
+                            <p:childTnLst>
+                              <p:par>
+                                <p:cTn id="5" presetID="10" presetClass="entr" presetSubtype="0" fill="hold" grpId="0" nodeType="clickEffect">
+                                  <p:stCondLst>
+                                    <p:cond delay="0"/>
+                                  </p:stCondLst>
+                                  <p:childTnLst>
+                                    <p:set>
+                                      <p:cBhvr>
+                                        <p:cTn id="6" dur="1" fill="hold">
+                                          <p:stCondLst>
+                                            <p:cond delay="0"/>
+                                          </p:stCondLst>
+                                        </p:cTn>
+                                        <p:tgtEl>
+                                          <p:spTgt spid="3">
+                                            <p:txEl>
+                                              <p:pRg st="0" end="0"/>
+                                            </p:txEl>
+                                          </p:spTgt>
+                                        </p:tgtEl>
+                                        <p:attrNameLst>
+                                          <p:attrName>style.visibility</p:attrName>
+                                        </p:attrNameLst>
+                                      </p:cBhvr>
+                                      <p:to>
+                                        <p:strVal val="visible"/>
+                                      </p:to>
+                                    </p:set>
+                                    <p:animEffect transition="in" filter="fade">
+                                      <p:cBhvr>
+                                        <p:cTn id="7" dur="2000"/>
+                                        <p:tgtEl>
+                                          <p:spTgt spid="3">
+                                            <p:txEl>
+                                              <p:pRg st="0" end="0"/>
+                                            </p:txEl>
+                                          </p:spTgt>
+                                        </p:tgtEl>
+                                      </p:cBhvr>
+                                    </p:animEffect>
+                                  </p:childTnLst>
+                                </p:cTn>
+                              </p:par>
+                              <p:par>
+                                <p:cTn id="8" presetID="10" presetClass="entr" presetSubtype="0" fill="hold" grpId="0" nodeType="withEffect">
+                                  <p:stCondLst>
+                                    <p:cond delay="0"/>
+                                  </p:stCondLst>
+                                  <p:childTnLst>
+                                    <p:set>
+                                      <p:cBhvr>
+                                        <p:cTn id="9" dur="1" fill="hold">
+                                          <p:stCondLst>
+                                            <p:cond delay="0"/>
+                                          </p:stCondLst>
+                                        </p:cTn>
+                                        <p:tgtEl>
+                                          <p:spTgt spid="3">
+                                            <p:txEl>
+                                              <p:pRg st="4" end="4"/>
+                                            </p:txEl>
+                                          </p:spTgt>
+                                        </p:tgtEl>
+                                        <p:attrNameLst>
+                                          <p:attrName>style.visibility</p:attrName>
+                                        </p:attrNameLst>
+                                      </p:cBhvr>
+                                      <p:to>
+                                        <p:strVal val="visible"/>
+                                      </p:to>
+                                    </p:set>
+                                    <p:animEffect transition="in" filter="fade">
+                                      <p:cBhvr>
+                                        <p:cTn id="10" dur="2000"/>
+                                        <p:tgtEl>
+                                          <p:spTgt spid="3">
+                                            <p:txEl>
+                                              <p:pRg st="4" end="4"/>
+                                            </p:txEl>
+                                          </p:spTgt>
+                                        </p:tgtEl>
+                                      </p:cBhvr>
+                                    </p:animEffect>
+                                  </p:childTnLst>
+                                </p:cTn>
+                              </p:par>
+                            </p:childTnLst>
+                          </p:cTn>
+                        </p:par>
+                      </p:childTnLst>
+                    </p:cTn>
+                  </p:par>
+                  <p:par>
+                    <p:cTn id="11" fill="hold">
+                      <p:stCondLst>
+                        <p:cond delay="indefinite"/>
+                      </p:stCondLst>
+                      <p:childTnLst>
+                        <p:par>
+                          <p:cTn id="12" fill="hold">
+                            <p:stCondLst>
+                              <p:cond delay="0"/>
+                            </p:stCondLst>
+                            <p:childTnLst>
+                              <p:par>
+                                <p:cTn id="13" presetID="10" presetClass="entr" presetSubtype="0" fill="hold" grpId="0" nodeType="clickEffect">
+                                  <p:stCondLst>
+                                    <p:cond delay="0"/>
+                                  </p:stCondLst>
+                                  <p:childTnLst>
+                                    <p:set>
+                                      <p:cBhvr>
+                                        <p:cTn id="14" dur="1" fill="hold">
+                                          <p:stCondLst>
+                                            <p:cond delay="0"/>
+                                          </p:stCondLst>
+                                        </p:cTn>
+                                        <p:tgtEl>
+                                          <p:spTgt spid="3">
+                                            <p:txEl>
+                                              <p:pRg st="1" end="1"/>
+                                            </p:txEl>
+                                          </p:spTgt>
+                                        </p:tgtEl>
+                                        <p:attrNameLst>
+                                          <p:attrName>style.visibility</p:attrName>
+                                        </p:attrNameLst>
+                                      </p:cBhvr>
+                                      <p:to>
+                                        <p:strVal val="visible"/>
+                                      </p:to>
+                                    </p:set>
+                                    <p:animEffect transition="in" filter="fade">
+                                      <p:cBhvr>
+                                        <p:cTn id="15" dur="2000"/>
+                                        <p:tgtEl>
+                                          <p:spTgt spid="3">
+                                            <p:txEl>
+                                              <p:pRg st="1" end="1"/>
+                                            </p:txEl>
+                                          </p:spTgt>
+                                        </p:tgtEl>
+                                      </p:cBhvr>
+                                    </p:animEffect>
+                                  </p:childTnLst>
+                                </p:cTn>
+                              </p:par>
+                              <p:par>
+                                <p:cTn id="16" presetID="10" presetClass="entr" presetSubtype="0" fill="hold" grpId="0" nodeType="withEffect">
+                                  <p:stCondLst>
+                                    <p:cond delay="0"/>
+                                  </p:stCondLst>
+                                  <p:childTnLst>
+                                    <p:set>
+                                      <p:cBhvr>
+                                        <p:cTn id="17" dur="1" fill="hold">
+                                          <p:stCondLst>
+                                            <p:cond delay="0"/>
+                                          </p:stCondLst>
+                                        </p:cTn>
+                                        <p:tgtEl>
+                                          <p:spTgt spid="3">
+                                            <p:txEl>
+                                              <p:pRg st="2" end="2"/>
+                                            </p:txEl>
+                                          </p:spTgt>
+                                        </p:tgtEl>
+                                        <p:attrNameLst>
+                                          <p:attrName>style.visibility</p:attrName>
+                                        </p:attrNameLst>
+                                      </p:cBhvr>
+                                      <p:to>
+                                        <p:strVal val="visible"/>
+                                      </p:to>
+                                    </p:set>
+                                    <p:animEffect transition="in" filter="fade">
+                                      <p:cBhvr>
+                                        <p:cTn id="18" dur="2000"/>
+                                        <p:tgtEl>
+                                          <p:spTgt spid="3">
+                                            <p:txEl>
+                                              <p:pRg st="2" end="2"/>
+                                            </p:txEl>
+                                          </p:spTgt>
+                                        </p:tgtEl>
+                                      </p:cBhvr>
+                                    </p:animEffect>
+                                  </p:childTnLst>
+                                </p:cTn>
+                              </p:par>
+                              <p:par>
+                                <p:cTn id="19" presetID="10" presetClass="entr" presetSubtype="0" fill="hold" grpId="0" nodeType="withEffect">
+                                  <p:stCondLst>
+                                    <p:cond delay="0"/>
+                                  </p:stCondLst>
+                                  <p:childTnLst>
+                                    <p:set>
+                                      <p:cBhvr>
+                                        <p:cTn id="20" dur="1" fill="hold">
+                                          <p:stCondLst>
+                                            <p:cond delay="0"/>
+                                          </p:stCondLst>
+                                        </p:cTn>
+                                        <p:tgtEl>
+                                          <p:spTgt spid="3">
+                                            <p:txEl>
+                                              <p:pRg st="3" end="3"/>
+                                            </p:txEl>
+                                          </p:spTgt>
+                                        </p:tgtEl>
+                                        <p:attrNameLst>
+                                          <p:attrName>style.visibility</p:attrName>
+                                        </p:attrNameLst>
+                                      </p:cBhvr>
+                                      <p:to>
+                                        <p:strVal val="visible"/>
+                                      </p:to>
+                                    </p:set>
+                                    <p:animEffect transition="in" filter="fade">
+                                      <p:cBhvr>
+                                        <p:cTn id="21" dur="2000"/>
+                                        <p:tgtEl>
+                                          <p:spTgt spid="3">
+                                            <p:txEl>
+                                              <p:pRg st="3" end="3"/>
+                                            </p:txEl>
+                                          </p:spTgt>
+                                        </p:tgtEl>
+                                      </p:cBhvr>
+                                    </p:animEffect>
+                                  </p:childTnLst>
+                                </p:cTn>
+                              </p:par>
+                            </p:childTnLst>
+                          </p:cTn>
+                        </p:par>
+                      </p:childTnLst>
+                    </p:cTn>
+                  </p:par>
+                  <p:par>
+                    <p:cTn id="22" fill="hold">
+                      <p:stCondLst>
+                        <p:cond delay="indefinite"/>
+                      </p:stCondLst>
+                      <p:childTnLst>
+                        <p:par>
+                          <p:cTn id="23" fill="hold">
+                            <p:stCondLst>
+                              <p:cond delay="0"/>
+                            </p:stCondLst>
+                            <p:childTnLst>
+                              <p:par>
+                                <p:cTn id="24" presetID="10" presetClass="entr" presetSubtype="0" fill="hold" grpId="0" nodeType="clickEffect">
+                                  <p:stCondLst>
+                                    <p:cond delay="0"/>
+                                  </p:stCondLst>
+                                  <p:childTnLst>
+                                    <p:set>
+                                      <p:cBhvr>
+                                        <p:cTn id="25" dur="1" fill="hold">
+                                          <p:stCondLst>
+                                            <p:cond delay="0"/>
+                                          </p:stCondLst>
+                                        </p:cTn>
+                                        <p:tgtEl>
+                                          <p:spTgt spid="3">
+                                            <p:txEl>
+                                              <p:pRg st="5" end="5"/>
+                                            </p:txEl>
+                                          </p:spTgt>
+                                        </p:tgtEl>
+                                        <p:attrNameLst>
+                                          <p:attrName>style.visibility</p:attrName>
+                                        </p:attrNameLst>
+                                      </p:cBhvr>
+                                      <p:to>
+                                        <p:strVal val="visible"/>
+                                      </p:to>
+                                    </p:set>
+                                    <p:animEffect transition="in" filter="fade">
+                                      <p:cBhvr>
+                                        <p:cTn id="26" dur="2000"/>
+                                        <p:tgtEl>
+                                          <p:spTgt spid="3">
+                                            <p:txEl>
+                                              <p:pRg st="5" end="5"/>
+                                            </p:txEl>
+                                          </p:spTgt>
+                                        </p:tgtEl>
+                                      </p:cBhvr>
+                                    </p:animEffect>
+                                  </p:childTnLst>
+                                </p:cTn>
+                              </p:par>
+                              <p:par>
+                                <p:cTn id="27" presetID="10" presetClass="entr" presetSubtype="0" fill="hold" grpId="0" nodeType="withEffect">
+                                  <p:stCondLst>
+                                    <p:cond delay="0"/>
+                                  </p:stCondLst>
+                                  <p:childTnLst>
+                                    <p:set>
+                                      <p:cBhvr>
+                                        <p:cTn id="28" dur="1" fill="hold">
+                                          <p:stCondLst>
+                                            <p:cond delay="0"/>
+                                          </p:stCondLst>
+                                        </p:cTn>
+                                        <p:tgtEl>
+                                          <p:spTgt spid="3">
+                                            <p:txEl>
+                                              <p:pRg st="6" end="6"/>
+                                            </p:txEl>
+                                          </p:spTgt>
+                                        </p:tgtEl>
+                                        <p:attrNameLst>
+                                          <p:attrName>style.visibility</p:attrName>
+                                        </p:attrNameLst>
+                                      </p:cBhvr>
+                                      <p:to>
+                                        <p:strVal val="visible"/>
+                                      </p:to>
+                                    </p:set>
+                                    <p:animEffect transition="in" filter="fade">
+                                      <p:cBhvr>
+                                        <p:cTn id="29" dur="2000"/>
+                                        <p:tgtEl>
+                                          <p:spTgt spid="3">
+                                            <p:txEl>
+                                              <p:pRg st="6" end="6"/>
+                                            </p:txEl>
+                                          </p:spTgt>
+                                        </p:tgtEl>
+                                      </p:cBhvr>
+                                    </p:animEffect>
+                                  </p:childTnLst>
+                                </p:cTn>
+                              </p:par>
+                              <p:par>
+                                <p:cTn id="30" presetID="10" presetClass="entr" presetSubtype="0" fill="hold" grpId="0" nodeType="withEffect">
+                                  <p:stCondLst>
+                                    <p:cond delay="0"/>
+                                  </p:stCondLst>
+                                  <p:childTnLst>
+                                    <p:set>
+                                      <p:cBhvr>
+                                        <p:cTn id="31" dur="1" fill="hold">
+                                          <p:stCondLst>
+                                            <p:cond delay="0"/>
+                                          </p:stCondLst>
+                                        </p:cTn>
+                                        <p:tgtEl>
+                                          <p:spTgt spid="3">
+                                            <p:txEl>
+                                              <p:pRg st="7" end="7"/>
+                                            </p:txEl>
+                                          </p:spTgt>
+                                        </p:tgtEl>
+                                        <p:attrNameLst>
+                                          <p:attrName>style.visibility</p:attrName>
+                                        </p:attrNameLst>
+                                      </p:cBhvr>
+                                      <p:to>
+                                        <p:strVal val="visible"/>
+                                      </p:to>
+                                    </p:set>
+                                    <p:animEffect transition="in" filter="fade">
+                                      <p:cBhvr>
+                                        <p:cTn id="32" dur="2000"/>
+                                        <p:tgtEl>
+                                          <p:spTgt spid="3">
+                                            <p:txEl>
+                                              <p:pRg st="7" end="7"/>
+                                            </p:txEl>
+                                          </p:spTgt>
+                                        </p:tgtEl>
+                                      </p:cBhvr>
+                                    </p:animEffect>
+                                  </p:childTnLst>
+                                </p:cTn>
+                              </p:par>
+                            </p:childTnLst>
+                          </p:cTn>
+                        </p:par>
+                      </p:childTnLst>
+                    </p:cTn>
+                  </p:par>
+                </p:childTnLst>
+              </p:cTn>
+              <p:prevCondLst>
+                <p:cond evt="onPrev" delay="0">
+                  <p:tgtEl>
+                    <p:sldTgt/>
+                  </p:tgtEl>
+                </p:cond>
+              </p:prevCondLst>
+              <p:nextCondLst>
+                <p:cond evt="onNext" delay="0">
+                  <p:tgtEl>
+                    <p:sldTgt/>
+                  </p:tgtEl>
+                </p:cond>
+              </p:nextCondLst>
+            </p:seq>
+          </p:childTnLst>
+        </p:cTn>
+      </p:par>
+    </p:tnLst>
+    <p:bldLst>
+      <p:bldP spid="3" grpId="0" uiExpand="1" build="p"/>
+    </p:bldLst>
+  </p:timing>
 </p:sld>
 </file>
 
@@ -4615,36 +10894,152 @@
           <a:p>
             <a:r>
               <a:rPr lang="nl-BE" dirty="0" smtClean="0"/>
-              <a:t>.net</a:t>
+              <a:t>SCRUM: Phases of an iteration</a:t>
             </a:r>
             <a:endParaRPr lang="en-US" dirty="0"/>
           </a:p>
         </p:txBody>
       </p:sp>
-      <p:sp>
-        <p:nvSpPr>
-          <p:cNvPr id="3" name="Content Placeholder 2"/>
-          <p:cNvSpPr>
-            <a:spLocks noGrp="1"/>
-          </p:cNvSpPr>
+      <p:pic>
+        <p:nvPicPr>
+          <p:cNvPr id="6" name="Picture 3"/>
+          <p:cNvPicPr>
+            <a:picLocks noGrp="1" noChangeAspect="1" noChangeArrowheads="1"/>
+          </p:cNvPicPr>
           <p:nvPr>
             <p:ph idx="1"/>
           </p:nvPr>
-        </p:nvSpPr>
-        <p:spPr/>
-        <p:txBody>
-          <a:bodyPr/>
-          <a:lstStyle/>
-          <a:p>
-            <a:endParaRPr lang="en-US"/>
-          </a:p>
-        </p:txBody>
-      </p:sp>
+        </p:nvPicPr>
+        <p:blipFill>
+          <a:blip r:embed="rId2">
+            <a:clrChange>
+              <a:clrFrom>
+                <a:srgbClr val="FFFFFF"/>
+              </a:clrFrom>
+              <a:clrTo>
+                <a:srgbClr val="FFFFFF">
+                  <a:alpha val="0"/>
+                </a:srgbClr>
+              </a:clrTo>
+            </a:clrChange>
+          </a:blip>
+          <a:srcRect/>
+          <a:stretch>
+            <a:fillRect/>
+          </a:stretch>
+        </p:blipFill>
+        <p:spPr bwMode="auto">
+          <a:xfrm>
+            <a:off x="2151241" y="1447800"/>
+            <a:ext cx="6067068" cy="4800600"/>
+          </a:xfrm>
+          <a:prstGeom prst="rect">
+            <a:avLst/>
+          </a:prstGeom>
+          <a:noFill/>
+          <a:ln w="9525">
+            <a:noFill/>
+            <a:miter lim="800000"/>
+            <a:headEnd/>
+            <a:tailEnd/>
+          </a:ln>
+          <a:effectLst/>
+        </p:spPr>
+      </p:pic>
     </p:spTree>
   </p:cSld>
   <p:clrMapOvr>
     <a:masterClrMapping/>
   </p:clrMapOvr>
+  <p:transition>
+    <p:fade/>
+  </p:transition>
+  <p:timing>
+    <p:tnLst>
+      <p:par>
+        <p:cTn id="1" dur="indefinite" restart="never" nodeType="tmRoot">
+          <p:childTnLst>
+            <p:seq concurrent="1" nextAc="seek">
+              <p:cTn id="2" dur="indefinite" nodeType="mainSeq">
+                <p:childTnLst>
+                  <p:par>
+                    <p:cTn id="3" fill="hold">
+                      <p:stCondLst>
+                        <p:cond delay="indefinite"/>
+                        <p:cond evt="onBegin" delay="0">
+                          <p:tn val="2"/>
+                        </p:cond>
+                      </p:stCondLst>
+                      <p:childTnLst>
+                        <p:par>
+                          <p:cTn id="4" fill="hold">
+                            <p:stCondLst>
+                              <p:cond delay="0"/>
+                            </p:stCondLst>
+                            <p:childTnLst>
+                              <p:par>
+                                <p:cTn id="5" presetID="10" presetClass="entr" presetSubtype="0" fill="hold" nodeType="afterEffect">
+                                  <p:stCondLst>
+                                    <p:cond delay="0"/>
+                                  </p:stCondLst>
+                                  <p:childTnLst>
+                                    <p:set>
+                                      <p:cBhvr>
+                                        <p:cTn id="6" dur="1" fill="hold">
+                                          <p:stCondLst>
+                                            <p:cond delay="0"/>
+                                          </p:stCondLst>
+                                        </p:cTn>
+                                        <p:tgtEl>
+                                          <p:spTgt spid="6"/>
+                                        </p:tgtEl>
+                                        <p:attrNameLst>
+                                          <p:attrName>style.visibility</p:attrName>
+                                        </p:attrNameLst>
+                                      </p:cBhvr>
+                                      <p:to>
+                                        <p:strVal val="visible"/>
+                                      </p:to>
+                                    </p:set>
+                                    <p:animEffect transition="in" filter="fade">
+                                      <p:cBhvr>
+                                        <p:cTn id="7" dur="2000"/>
+                                        <p:tgtEl>
+                                          <p:spTgt spid="6"/>
+                                        </p:tgtEl>
+                                      </p:cBhvr>
+                                    </p:animEffect>
+                                  </p:childTnLst>
+                                </p:cTn>
+                              </p:par>
+                            </p:childTnLst>
+                          </p:cTn>
+                        </p:par>
+                      </p:childTnLst>
+                    </p:cTn>
+                  </p:par>
+                </p:childTnLst>
+              </p:cTn>
+              <p:prevCondLst>
+                <p:cond evt="onPrev" delay="0">
+                  <p:tgtEl>
+                    <p:sldTgt/>
+                  </p:tgtEl>
+                </p:cond>
+              </p:prevCondLst>
+              <p:nextCondLst>
+                <p:cond evt="onNext" delay="0">
+                  <p:tgtEl>
+                    <p:sldTgt/>
+                  </p:tgtEl>
+                </p:cond>
+              </p:nextCondLst>
+            </p:seq>
+          </p:childTnLst>
+        </p:cTn>
+      </p:par>
+    </p:tnLst>
+  </p:timing>
 </p:sld>
 </file>
 
@@ -4682,7 +11077,11 @@
           <a:p>
             <a:r>
               <a:rPr lang="nl-BE" dirty="0" smtClean="0"/>
-              <a:t>Artilium</a:t>
+              <a:t>XP</a:t>
+            </a:r>
+            <a:r>
+              <a:rPr lang="nl-BE" baseline="0" dirty="0" smtClean="0"/>
+              <a:t>: Values</a:t>
             </a:r>
             <a:endParaRPr lang="en-US" dirty="0"/>
           </a:p>
@@ -4703,7 +11102,62 @@
           <a:bodyPr/>
           <a:lstStyle/>
           <a:p>
-            <a:endParaRPr lang="en-US"/>
+            <a:pPr lvl="0"/>
+            <a:r>
+              <a:rPr lang="nl-BE" dirty="0" smtClean="0"/>
+              <a:t>Communication</a:t>
+            </a:r>
+          </a:p>
+          <a:p>
+            <a:pPr lvl="0"/>
+            <a:r>
+              <a:rPr lang="nl-BE" dirty="0" smtClean="0"/>
+              <a:t>Simplicity</a:t>
+            </a:r>
+          </a:p>
+          <a:p>
+            <a:pPr lvl="0"/>
+            <a:r>
+              <a:rPr lang="nl-BE" dirty="0" smtClean="0"/>
+              <a:t>Feedback</a:t>
+            </a:r>
+          </a:p>
+          <a:p>
+            <a:pPr lvl="1"/>
+            <a:r>
+              <a:rPr lang="nl-BE" dirty="0" smtClean="0"/>
+              <a:t>Continuous Integration</a:t>
+            </a:r>
+          </a:p>
+          <a:p>
+            <a:pPr lvl="1"/>
+            <a:r>
+              <a:rPr lang="nl-BE" dirty="0" smtClean="0"/>
+              <a:t>Informative Workspace</a:t>
+            </a:r>
+            <a:endParaRPr lang="en-US" dirty="0" smtClean="0"/>
+          </a:p>
+          <a:p>
+            <a:pPr lvl="0"/>
+            <a:r>
+              <a:rPr lang="nl-BE" dirty="0" smtClean="0"/>
+              <a:t>Courage</a:t>
+            </a:r>
+          </a:p>
+          <a:p>
+            <a:pPr lvl="0"/>
+            <a:r>
+              <a:rPr lang="nl-BE" dirty="0" smtClean="0"/>
+              <a:t>Respect</a:t>
+            </a:r>
+            <a:endParaRPr lang="nl-BE" dirty="0" smtClean="0"/>
+          </a:p>
+          <a:p>
+            <a:pPr lvl="0"/>
+            <a:r>
+              <a:rPr lang="nl-BE" dirty="0" smtClean="0"/>
+              <a:t>Sustainable Pace</a:t>
+            </a:r>
           </a:p>
         </p:txBody>
       </p:sp>
@@ -4712,6 +11166,449 @@
   <p:clrMapOvr>
     <a:masterClrMapping/>
   </p:clrMapOvr>
+  <p:transition>
+    <p:fade/>
+  </p:transition>
+  <p:timing>
+    <p:tnLst>
+      <p:par>
+        <p:cTn id="1" dur="indefinite" restart="never" nodeType="tmRoot">
+          <p:childTnLst>
+            <p:seq concurrent="1" nextAc="seek">
+              <p:cTn id="2" dur="indefinite" nodeType="mainSeq">
+                <p:childTnLst>
+                  <p:par>
+                    <p:cTn id="3" fill="hold">
+                      <p:stCondLst>
+                        <p:cond delay="indefinite"/>
+                        <p:cond evt="onBegin" delay="0">
+                          <p:tn val="2"/>
+                        </p:cond>
+                      </p:stCondLst>
+                      <p:childTnLst>
+                        <p:par>
+                          <p:cTn id="4" fill="hold">
+                            <p:stCondLst>
+                              <p:cond delay="0"/>
+                            </p:stCondLst>
+                            <p:childTnLst>
+                              <p:par>
+                                <p:cTn id="5" presetID="10" presetClass="entr" presetSubtype="0" fill="hold" nodeType="afterEffect">
+                                  <p:stCondLst>
+                                    <p:cond delay="0"/>
+                                  </p:stCondLst>
+                                  <p:childTnLst>
+                                    <p:set>
+                                      <p:cBhvr>
+                                        <p:cTn id="6" dur="1" fill="hold">
+                                          <p:stCondLst>
+                                            <p:cond delay="0"/>
+                                          </p:stCondLst>
+                                        </p:cTn>
+                                        <p:tgtEl>
+                                          <p:spTgt spid="3">
+                                            <p:txEl>
+                                              <p:pRg st="0" end="0"/>
+                                            </p:txEl>
+                                          </p:spTgt>
+                                        </p:tgtEl>
+                                        <p:attrNameLst>
+                                          <p:attrName>style.visibility</p:attrName>
+                                        </p:attrNameLst>
+                                      </p:cBhvr>
+                                      <p:to>
+                                        <p:strVal val="visible"/>
+                                      </p:to>
+                                    </p:set>
+                                    <p:animEffect transition="in" filter="fade">
+                                      <p:cBhvr>
+                                        <p:cTn id="7" dur="2000"/>
+                                        <p:tgtEl>
+                                          <p:spTgt spid="3">
+                                            <p:txEl>
+                                              <p:pRg st="0" end="0"/>
+                                            </p:txEl>
+                                          </p:spTgt>
+                                        </p:tgtEl>
+                                      </p:cBhvr>
+                                    </p:animEffect>
+                                  </p:childTnLst>
+                                </p:cTn>
+                              </p:par>
+                            </p:childTnLst>
+                          </p:cTn>
+                        </p:par>
+                        <p:par>
+                          <p:cTn id="8" fill="hold">
+                            <p:stCondLst>
+                              <p:cond delay="2000"/>
+                            </p:stCondLst>
+                            <p:childTnLst>
+                              <p:par>
+                                <p:cTn id="9" presetID="10" presetClass="entr" presetSubtype="0" fill="hold" nodeType="afterEffect">
+                                  <p:stCondLst>
+                                    <p:cond delay="0"/>
+                                  </p:stCondLst>
+                                  <p:childTnLst>
+                                    <p:set>
+                                      <p:cBhvr>
+                                        <p:cTn id="10" dur="1" fill="hold">
+                                          <p:stCondLst>
+                                            <p:cond delay="0"/>
+                                          </p:stCondLst>
+                                        </p:cTn>
+                                        <p:tgtEl>
+                                          <p:spTgt spid="3">
+                                            <p:txEl>
+                                              <p:pRg st="1" end="1"/>
+                                            </p:txEl>
+                                          </p:spTgt>
+                                        </p:tgtEl>
+                                        <p:attrNameLst>
+                                          <p:attrName>style.visibility</p:attrName>
+                                        </p:attrNameLst>
+                                      </p:cBhvr>
+                                      <p:to>
+                                        <p:strVal val="visible"/>
+                                      </p:to>
+                                    </p:set>
+                                    <p:animEffect transition="in" filter="fade">
+                                      <p:cBhvr>
+                                        <p:cTn id="11" dur="2000"/>
+                                        <p:tgtEl>
+                                          <p:spTgt spid="3">
+                                            <p:txEl>
+                                              <p:pRg st="1" end="1"/>
+                                            </p:txEl>
+                                          </p:spTgt>
+                                        </p:tgtEl>
+                                      </p:cBhvr>
+                                    </p:animEffect>
+                                  </p:childTnLst>
+                                </p:cTn>
+                              </p:par>
+                            </p:childTnLst>
+                          </p:cTn>
+                        </p:par>
+                        <p:par>
+                          <p:cTn id="12" fill="hold">
+                            <p:stCondLst>
+                              <p:cond delay="4000"/>
+                            </p:stCondLst>
+                            <p:childTnLst>
+                              <p:par>
+                                <p:cTn id="13" presetID="10" presetClass="entr" presetSubtype="0" fill="hold" nodeType="afterEffect">
+                                  <p:stCondLst>
+                                    <p:cond delay="0"/>
+                                  </p:stCondLst>
+                                  <p:childTnLst>
+                                    <p:set>
+                                      <p:cBhvr>
+                                        <p:cTn id="14" dur="1" fill="hold">
+                                          <p:stCondLst>
+                                            <p:cond delay="0"/>
+                                          </p:stCondLst>
+                                        </p:cTn>
+                                        <p:tgtEl>
+                                          <p:spTgt spid="3">
+                                            <p:txEl>
+                                              <p:pRg st="2" end="2"/>
+                                            </p:txEl>
+                                          </p:spTgt>
+                                        </p:tgtEl>
+                                        <p:attrNameLst>
+                                          <p:attrName>style.visibility</p:attrName>
+                                        </p:attrNameLst>
+                                      </p:cBhvr>
+                                      <p:to>
+                                        <p:strVal val="visible"/>
+                                      </p:to>
+                                    </p:set>
+                                    <p:animEffect transition="in" filter="fade">
+                                      <p:cBhvr>
+                                        <p:cTn id="15" dur="2000"/>
+                                        <p:tgtEl>
+                                          <p:spTgt spid="3">
+                                            <p:txEl>
+                                              <p:pRg st="2" end="2"/>
+                                            </p:txEl>
+                                          </p:spTgt>
+                                        </p:tgtEl>
+                                      </p:cBhvr>
+                                    </p:animEffect>
+                                  </p:childTnLst>
+                                </p:cTn>
+                              </p:par>
+                              <p:par>
+                                <p:cTn id="16" presetID="10" presetClass="entr" presetSubtype="0" fill="hold" nodeType="withEffect">
+                                  <p:stCondLst>
+                                    <p:cond delay="0"/>
+                                  </p:stCondLst>
+                                  <p:childTnLst>
+                                    <p:set>
+                                      <p:cBhvr>
+                                        <p:cTn id="17" dur="1" fill="hold">
+                                          <p:stCondLst>
+                                            <p:cond delay="0"/>
+                                          </p:stCondLst>
+                                        </p:cTn>
+                                        <p:tgtEl>
+                                          <p:spTgt spid="3">
+                                            <p:txEl>
+                                              <p:pRg st="3" end="3"/>
+                                            </p:txEl>
+                                          </p:spTgt>
+                                        </p:tgtEl>
+                                        <p:attrNameLst>
+                                          <p:attrName>style.visibility</p:attrName>
+                                        </p:attrNameLst>
+                                      </p:cBhvr>
+                                      <p:to>
+                                        <p:strVal val="visible"/>
+                                      </p:to>
+                                    </p:set>
+                                    <p:animEffect transition="in" filter="fade">
+                                      <p:cBhvr>
+                                        <p:cTn id="18" dur="2000"/>
+                                        <p:tgtEl>
+                                          <p:spTgt spid="3">
+                                            <p:txEl>
+                                              <p:pRg st="3" end="3"/>
+                                            </p:txEl>
+                                          </p:spTgt>
+                                        </p:tgtEl>
+                                      </p:cBhvr>
+                                    </p:animEffect>
+                                  </p:childTnLst>
+                                </p:cTn>
+                              </p:par>
+                              <p:par>
+                                <p:cTn id="19" presetID="10" presetClass="entr" presetSubtype="0" fill="hold" nodeType="withEffect">
+                                  <p:stCondLst>
+                                    <p:cond delay="0"/>
+                                  </p:stCondLst>
+                                  <p:childTnLst>
+                                    <p:set>
+                                      <p:cBhvr>
+                                        <p:cTn id="20" dur="1" fill="hold">
+                                          <p:stCondLst>
+                                            <p:cond delay="0"/>
+                                          </p:stCondLst>
+                                        </p:cTn>
+                                        <p:tgtEl>
+                                          <p:spTgt spid="3">
+                                            <p:txEl>
+                                              <p:pRg st="4" end="4"/>
+                                            </p:txEl>
+                                          </p:spTgt>
+                                        </p:tgtEl>
+                                        <p:attrNameLst>
+                                          <p:attrName>style.visibility</p:attrName>
+                                        </p:attrNameLst>
+                                      </p:cBhvr>
+                                      <p:to>
+                                        <p:strVal val="visible"/>
+                                      </p:to>
+                                    </p:set>
+                                    <p:animEffect transition="in" filter="fade">
+                                      <p:cBhvr>
+                                        <p:cTn id="21" dur="2000"/>
+                                        <p:tgtEl>
+                                          <p:spTgt spid="3">
+                                            <p:txEl>
+                                              <p:pRg st="4" end="4"/>
+                                            </p:txEl>
+                                          </p:spTgt>
+                                        </p:tgtEl>
+                                      </p:cBhvr>
+                                    </p:animEffect>
+                                  </p:childTnLst>
+                                </p:cTn>
+                              </p:par>
+                            </p:childTnLst>
+                          </p:cTn>
+                        </p:par>
+                        <p:par>
+                          <p:cTn id="22" fill="hold">
+                            <p:stCondLst>
+                              <p:cond delay="6000"/>
+                            </p:stCondLst>
+                            <p:childTnLst>
+                              <p:par>
+                                <p:cTn id="23" presetID="10" presetClass="entr" presetSubtype="0" fill="hold" nodeType="afterEffect">
+                                  <p:stCondLst>
+                                    <p:cond delay="0"/>
+                                  </p:stCondLst>
+                                  <p:childTnLst>
+                                    <p:set>
+                                      <p:cBhvr>
+                                        <p:cTn id="24" dur="1" fill="hold">
+                                          <p:stCondLst>
+                                            <p:cond delay="0"/>
+                                          </p:stCondLst>
+                                        </p:cTn>
+                                        <p:tgtEl>
+                                          <p:spTgt spid="3">
+                                            <p:txEl>
+                                              <p:pRg st="5" end="5"/>
+                                            </p:txEl>
+                                          </p:spTgt>
+                                        </p:tgtEl>
+                                        <p:attrNameLst>
+                                          <p:attrName>style.visibility</p:attrName>
+                                        </p:attrNameLst>
+                                      </p:cBhvr>
+                                      <p:to>
+                                        <p:strVal val="visible"/>
+                                      </p:to>
+                                    </p:set>
+                                    <p:animEffect transition="in" filter="fade">
+                                      <p:cBhvr>
+                                        <p:cTn id="25" dur="2000"/>
+                                        <p:tgtEl>
+                                          <p:spTgt spid="3">
+                                            <p:txEl>
+                                              <p:pRg st="5" end="5"/>
+                                            </p:txEl>
+                                          </p:spTgt>
+                                        </p:tgtEl>
+                                      </p:cBhvr>
+                                    </p:animEffect>
+                                  </p:childTnLst>
+                                </p:cTn>
+                              </p:par>
+                            </p:childTnLst>
+                          </p:cTn>
+                        </p:par>
+                        <p:par>
+                          <p:cTn id="26" fill="hold">
+                            <p:stCondLst>
+                              <p:cond delay="8000"/>
+                            </p:stCondLst>
+                            <p:childTnLst>
+                              <p:par>
+                                <p:cTn id="27" presetID="10" presetClass="entr" presetSubtype="0" fill="hold" nodeType="afterEffect">
+                                  <p:stCondLst>
+                                    <p:cond delay="0"/>
+                                  </p:stCondLst>
+                                  <p:childTnLst>
+                                    <p:set>
+                                      <p:cBhvr>
+                                        <p:cTn id="28" dur="1" fill="hold">
+                                          <p:stCondLst>
+                                            <p:cond delay="0"/>
+                                          </p:stCondLst>
+                                        </p:cTn>
+                                        <p:tgtEl>
+                                          <p:spTgt spid="3">
+                                            <p:txEl>
+                                              <p:pRg st="6" end="6"/>
+                                            </p:txEl>
+                                          </p:spTgt>
+                                        </p:tgtEl>
+                                        <p:attrNameLst>
+                                          <p:attrName>style.visibility</p:attrName>
+                                        </p:attrNameLst>
+                                      </p:cBhvr>
+                                      <p:to>
+                                        <p:strVal val="visible"/>
+                                      </p:to>
+                                    </p:set>
+                                    <p:animEffect transition="in" filter="fade">
+                                      <p:cBhvr>
+                                        <p:cTn id="29" dur="2000"/>
+                                        <p:tgtEl>
+                                          <p:spTgt spid="3">
+                                            <p:txEl>
+                                              <p:pRg st="6" end="6"/>
+                                            </p:txEl>
+                                          </p:spTgt>
+                                        </p:tgtEl>
+                                      </p:cBhvr>
+                                    </p:animEffect>
+                                  </p:childTnLst>
+                                </p:cTn>
+                              </p:par>
+                            </p:childTnLst>
+                          </p:cTn>
+                        </p:par>
+                        <p:par>
+                          <p:cTn id="30" fill="hold">
+                            <p:stCondLst>
+                              <p:cond delay="10000"/>
+                            </p:stCondLst>
+                            <p:childTnLst>
+                              <p:par>
+                                <p:cTn id="31" presetID="10" presetClass="entr" presetSubtype="0" fill="hold" nodeType="afterEffect">
+                                  <p:stCondLst>
+                                    <p:cond delay="0"/>
+                                  </p:stCondLst>
+                                  <p:childTnLst>
+                                    <p:set>
+                                      <p:cBhvr>
+                                        <p:cTn id="32" dur="1" fill="hold">
+                                          <p:stCondLst>
+                                            <p:cond delay="0"/>
+                                          </p:stCondLst>
+                                        </p:cTn>
+                                        <p:tgtEl>
+                                          <p:spTgt spid="3">
+                                            <p:txEl>
+                                              <p:pRg st="7" end="7"/>
+                                            </p:txEl>
+                                          </p:spTgt>
+                                        </p:tgtEl>
+                                        <p:attrNameLst>
+                                          <p:attrName>style.visibility</p:attrName>
+                                        </p:attrNameLst>
+                                      </p:cBhvr>
+                                      <p:to>
+                                        <p:strVal val="visible"/>
+                                      </p:to>
+                                    </p:set>
+                                    <p:animEffect transition="in" filter="fade">
+                                      <p:cBhvr>
+                                        <p:cTn id="33" dur="2000"/>
+                                        <p:tgtEl>
+                                          <p:spTgt spid="3">
+                                            <p:txEl>
+                                              <p:pRg st="7" end="7"/>
+                                            </p:txEl>
+                                          </p:spTgt>
+                                        </p:tgtEl>
+                                      </p:cBhvr>
+                                    </p:animEffect>
+                                  </p:childTnLst>
+                                </p:cTn>
+                              </p:par>
+                            </p:childTnLst>
+                          </p:cTn>
+                        </p:par>
+                      </p:childTnLst>
+                    </p:cTn>
+                  </p:par>
+                </p:childTnLst>
+              </p:cTn>
+              <p:prevCondLst>
+                <p:cond evt="onPrev" delay="0">
+                  <p:tgtEl>
+                    <p:sldTgt/>
+                  </p:tgtEl>
+                </p:cond>
+              </p:prevCondLst>
+              <p:nextCondLst>
+                <p:cond evt="onNext" delay="0">
+                  <p:tgtEl>
+                    <p:sldTgt/>
+                  </p:tgtEl>
+                </p:cond>
+              </p:nextCondLst>
+            </p:seq>
+          </p:childTnLst>
+        </p:cTn>
+      </p:par>
+    </p:tnLst>
+  </p:timing>
 </p:sld>
 </file>
 
@@ -4749,7 +11646,7 @@
           <a:p>
             <a:r>
               <a:rPr lang="nl-BE" dirty="0" smtClean="0"/>
-              <a:t>Artilium: team room</a:t>
+              <a:t>XP: Activities</a:t>
             </a:r>
             <a:endParaRPr lang="en-US" dirty="0"/>
           </a:p>
@@ -4770,7 +11667,63 @@
           <a:bodyPr/>
           <a:lstStyle/>
           <a:p>
-            <a:endParaRPr lang="en-US"/>
+            <a:pPr lvl="0"/>
+            <a:r>
+              <a:rPr lang="nl-BE" baseline="0" dirty="0" smtClean="0"/>
+              <a:t>Designing</a:t>
+            </a:r>
+          </a:p>
+          <a:p>
+            <a:pPr lvl="1"/>
+            <a:r>
+              <a:rPr lang="nl-BE" baseline="0" dirty="0" smtClean="0"/>
+              <a:t>Spiking</a:t>
+            </a:r>
+          </a:p>
+          <a:p>
+            <a:pPr lvl="1"/>
+            <a:r>
+              <a:rPr lang="nl-BE" baseline="0" dirty="0" smtClean="0"/>
+              <a:t>TDD</a:t>
+            </a:r>
+          </a:p>
+          <a:p>
+            <a:pPr lvl="1"/>
+            <a:r>
+              <a:rPr lang="nl-BE" baseline="0" dirty="0" smtClean="0"/>
+              <a:t>Incremental design</a:t>
+            </a:r>
+          </a:p>
+          <a:p>
+            <a:r>
+              <a:rPr lang="nl-BE" dirty="0" smtClean="0"/>
+              <a:t>Coding</a:t>
+            </a:r>
+          </a:p>
+          <a:p>
+            <a:pPr lvl="1"/>
+            <a:r>
+              <a:rPr lang="nl-BE" dirty="0" smtClean="0"/>
+              <a:t>Pair programming</a:t>
+            </a:r>
+          </a:p>
+          <a:p>
+            <a:pPr lvl="1"/>
+            <a:r>
+              <a:rPr lang="nl-BE" dirty="0" smtClean="0"/>
+              <a:t>Refactoring</a:t>
+            </a:r>
+          </a:p>
+          <a:p>
+            <a:pPr lvl="1"/>
+            <a:r>
+              <a:rPr lang="nl-BE" dirty="0" smtClean="0"/>
+              <a:t>Collective</a:t>
+            </a:r>
+            <a:r>
+              <a:rPr lang="nl-BE" baseline="0" dirty="0" smtClean="0"/>
+              <a:t> code ownership</a:t>
+            </a:r>
           </a:p>
         </p:txBody>
       </p:sp>
@@ -4779,6 +11732,440 @@
   <p:clrMapOvr>
     <a:masterClrMapping/>
   </p:clrMapOvr>
+  <p:transition>
+    <p:fade/>
+  </p:transition>
+  <p:timing>
+    <p:tnLst>
+      <p:par>
+        <p:cTn id="1" dur="indefinite" restart="never" nodeType="tmRoot">
+          <p:childTnLst>
+            <p:seq concurrent="1" nextAc="seek">
+              <p:cTn id="2" dur="indefinite" nodeType="mainSeq">
+                <p:childTnLst>
+                  <p:par>
+                    <p:cTn id="3" fill="hold">
+                      <p:stCondLst>
+                        <p:cond delay="indefinite"/>
+                      </p:stCondLst>
+                      <p:childTnLst>
+                        <p:par>
+                          <p:cTn id="4" fill="hold">
+                            <p:stCondLst>
+                              <p:cond delay="0"/>
+                            </p:stCondLst>
+                            <p:childTnLst>
+                              <p:par>
+                                <p:cTn id="5" presetID="10" presetClass="entr" presetSubtype="0" fill="hold" grpId="0" nodeType="clickEffect">
+                                  <p:stCondLst>
+                                    <p:cond delay="0"/>
+                                  </p:stCondLst>
+                                  <p:childTnLst>
+                                    <p:set>
+                                      <p:cBhvr>
+                                        <p:cTn id="6" dur="1" fill="hold">
+                                          <p:stCondLst>
+                                            <p:cond delay="0"/>
+                                          </p:stCondLst>
+                                        </p:cTn>
+                                        <p:tgtEl>
+                                          <p:spTgt spid="3">
+                                            <p:txEl>
+                                              <p:pRg st="0" end="0"/>
+                                            </p:txEl>
+                                          </p:spTgt>
+                                        </p:tgtEl>
+                                        <p:attrNameLst>
+                                          <p:attrName>style.visibility</p:attrName>
+                                        </p:attrNameLst>
+                                      </p:cBhvr>
+                                      <p:to>
+                                        <p:strVal val="visible"/>
+                                      </p:to>
+                                    </p:set>
+                                    <p:animEffect transition="in" filter="fade">
+                                      <p:cBhvr>
+                                        <p:cTn id="7" dur="2000"/>
+                                        <p:tgtEl>
+                                          <p:spTgt spid="3">
+                                            <p:txEl>
+                                              <p:pRg st="0" end="0"/>
+                                            </p:txEl>
+                                          </p:spTgt>
+                                        </p:tgtEl>
+                                      </p:cBhvr>
+                                    </p:animEffect>
+                                  </p:childTnLst>
+                                </p:cTn>
+                              </p:par>
+                              <p:par>
+                                <p:cTn id="8" presetID="10" presetClass="entr" presetSubtype="0" fill="hold" grpId="0" nodeType="withEffect">
+                                  <p:stCondLst>
+                                    <p:cond delay="0"/>
+                                  </p:stCondLst>
+                                  <p:childTnLst>
+                                    <p:set>
+                                      <p:cBhvr>
+                                        <p:cTn id="9" dur="1" fill="hold">
+                                          <p:stCondLst>
+                                            <p:cond delay="0"/>
+                                          </p:stCondLst>
+                                        </p:cTn>
+                                        <p:tgtEl>
+                                          <p:spTgt spid="3">
+                                            <p:txEl>
+                                              <p:pRg st="4" end="4"/>
+                                            </p:txEl>
+                                          </p:spTgt>
+                                        </p:tgtEl>
+                                        <p:attrNameLst>
+                                          <p:attrName>style.visibility</p:attrName>
+                                        </p:attrNameLst>
+                                      </p:cBhvr>
+                                      <p:to>
+                                        <p:strVal val="visible"/>
+                                      </p:to>
+                                    </p:set>
+                                    <p:animEffect transition="in" filter="fade">
+                                      <p:cBhvr>
+                                        <p:cTn id="10" dur="2000"/>
+                                        <p:tgtEl>
+                                          <p:spTgt spid="3">
+                                            <p:txEl>
+                                              <p:pRg st="4" end="4"/>
+                                            </p:txEl>
+                                          </p:spTgt>
+                                        </p:tgtEl>
+                                      </p:cBhvr>
+                                    </p:animEffect>
+                                  </p:childTnLst>
+                                </p:cTn>
+                              </p:par>
+                            </p:childTnLst>
+                          </p:cTn>
+                        </p:par>
+                      </p:childTnLst>
+                    </p:cTn>
+                  </p:par>
+                  <p:par>
+                    <p:cTn id="11" fill="hold">
+                      <p:stCondLst>
+                        <p:cond delay="indefinite"/>
+                      </p:stCondLst>
+                      <p:childTnLst>
+                        <p:par>
+                          <p:cTn id="12" fill="hold">
+                            <p:stCondLst>
+                              <p:cond delay="0"/>
+                            </p:stCondLst>
+                            <p:childTnLst>
+                              <p:par>
+                                <p:cTn id="13" presetID="10" presetClass="entr" presetSubtype="0" fill="hold" grpId="0" nodeType="clickEffect">
+                                  <p:stCondLst>
+                                    <p:cond delay="0"/>
+                                  </p:stCondLst>
+                                  <p:childTnLst>
+                                    <p:set>
+                                      <p:cBhvr>
+                                        <p:cTn id="14" dur="1" fill="hold">
+                                          <p:stCondLst>
+                                            <p:cond delay="0"/>
+                                          </p:stCondLst>
+                                        </p:cTn>
+                                        <p:tgtEl>
+                                          <p:spTgt spid="3">
+                                            <p:txEl>
+                                              <p:pRg st="1" end="1"/>
+                                            </p:txEl>
+                                          </p:spTgt>
+                                        </p:tgtEl>
+                                        <p:attrNameLst>
+                                          <p:attrName>style.visibility</p:attrName>
+                                        </p:attrNameLst>
+                                      </p:cBhvr>
+                                      <p:to>
+                                        <p:strVal val="visible"/>
+                                      </p:to>
+                                    </p:set>
+                                    <p:animEffect transition="in" filter="fade">
+                                      <p:cBhvr>
+                                        <p:cTn id="15" dur="2000"/>
+                                        <p:tgtEl>
+                                          <p:spTgt spid="3">
+                                            <p:txEl>
+                                              <p:pRg st="1" end="1"/>
+                                            </p:txEl>
+                                          </p:spTgt>
+                                        </p:tgtEl>
+                                      </p:cBhvr>
+                                    </p:animEffect>
+                                  </p:childTnLst>
+                                </p:cTn>
+                              </p:par>
+                              <p:par>
+                                <p:cTn id="16" presetID="10" presetClass="entr" presetSubtype="0" fill="hold" grpId="0" nodeType="withEffect">
+                                  <p:stCondLst>
+                                    <p:cond delay="0"/>
+                                  </p:stCondLst>
+                                  <p:childTnLst>
+                                    <p:set>
+                                      <p:cBhvr>
+                                        <p:cTn id="17" dur="1" fill="hold">
+                                          <p:stCondLst>
+                                            <p:cond delay="0"/>
+                                          </p:stCondLst>
+                                        </p:cTn>
+                                        <p:tgtEl>
+                                          <p:spTgt spid="3">
+                                            <p:txEl>
+                                              <p:pRg st="2" end="2"/>
+                                            </p:txEl>
+                                          </p:spTgt>
+                                        </p:tgtEl>
+                                        <p:attrNameLst>
+                                          <p:attrName>style.visibility</p:attrName>
+                                        </p:attrNameLst>
+                                      </p:cBhvr>
+                                      <p:to>
+                                        <p:strVal val="visible"/>
+                                      </p:to>
+                                    </p:set>
+                                    <p:animEffect transition="in" filter="fade">
+                                      <p:cBhvr>
+                                        <p:cTn id="18" dur="2000"/>
+                                        <p:tgtEl>
+                                          <p:spTgt spid="3">
+                                            <p:txEl>
+                                              <p:pRg st="2" end="2"/>
+                                            </p:txEl>
+                                          </p:spTgt>
+                                        </p:tgtEl>
+                                      </p:cBhvr>
+                                    </p:animEffect>
+                                  </p:childTnLst>
+                                </p:cTn>
+                              </p:par>
+                              <p:par>
+                                <p:cTn id="19" presetID="10" presetClass="entr" presetSubtype="0" fill="hold" grpId="0" nodeType="withEffect">
+                                  <p:stCondLst>
+                                    <p:cond delay="0"/>
+                                  </p:stCondLst>
+                                  <p:childTnLst>
+                                    <p:set>
+                                      <p:cBhvr>
+                                        <p:cTn id="20" dur="1" fill="hold">
+                                          <p:stCondLst>
+                                            <p:cond delay="0"/>
+                                          </p:stCondLst>
+                                        </p:cTn>
+                                        <p:tgtEl>
+                                          <p:spTgt spid="3">
+                                            <p:txEl>
+                                              <p:pRg st="3" end="3"/>
+                                            </p:txEl>
+                                          </p:spTgt>
+                                        </p:tgtEl>
+                                        <p:attrNameLst>
+                                          <p:attrName>style.visibility</p:attrName>
+                                        </p:attrNameLst>
+                                      </p:cBhvr>
+                                      <p:to>
+                                        <p:strVal val="visible"/>
+                                      </p:to>
+                                    </p:set>
+                                    <p:animEffect transition="in" filter="fade">
+                                      <p:cBhvr>
+                                        <p:cTn id="21" dur="2000"/>
+                                        <p:tgtEl>
+                                          <p:spTgt spid="3">
+                                            <p:txEl>
+                                              <p:pRg st="3" end="3"/>
+                                            </p:txEl>
+                                          </p:spTgt>
+                                        </p:tgtEl>
+                                      </p:cBhvr>
+                                    </p:animEffect>
+                                  </p:childTnLst>
+                                </p:cTn>
+                              </p:par>
+                            </p:childTnLst>
+                          </p:cTn>
+                        </p:par>
+                      </p:childTnLst>
+                    </p:cTn>
+                  </p:par>
+                  <p:par>
+                    <p:cTn id="22" fill="hold">
+                      <p:stCondLst>
+                        <p:cond delay="indefinite"/>
+                      </p:stCondLst>
+                      <p:childTnLst>
+                        <p:par>
+                          <p:cTn id="23" fill="hold">
+                            <p:stCondLst>
+                              <p:cond delay="0"/>
+                            </p:stCondLst>
+                            <p:childTnLst>
+                              <p:par>
+                                <p:cTn id="24" presetID="10" presetClass="entr" presetSubtype="0" fill="hold" grpId="0" nodeType="clickEffect">
+                                  <p:stCondLst>
+                                    <p:cond delay="0"/>
+                                  </p:stCondLst>
+                                  <p:childTnLst>
+                                    <p:set>
+                                      <p:cBhvr>
+                                        <p:cTn id="25" dur="1" fill="hold">
+                                          <p:stCondLst>
+                                            <p:cond delay="0"/>
+                                          </p:stCondLst>
+                                        </p:cTn>
+                                        <p:tgtEl>
+                                          <p:spTgt spid="3">
+                                            <p:txEl>
+                                              <p:pRg st="5" end="5"/>
+                                            </p:txEl>
+                                          </p:spTgt>
+                                        </p:tgtEl>
+                                        <p:attrNameLst>
+                                          <p:attrName>style.visibility</p:attrName>
+                                        </p:attrNameLst>
+                                      </p:cBhvr>
+                                      <p:to>
+                                        <p:strVal val="visible"/>
+                                      </p:to>
+                                    </p:set>
+                                    <p:animEffect transition="in" filter="fade">
+                                      <p:cBhvr>
+                                        <p:cTn id="26" dur="2000"/>
+                                        <p:tgtEl>
+                                          <p:spTgt spid="3">
+                                            <p:txEl>
+                                              <p:pRg st="5" end="5"/>
+                                            </p:txEl>
+                                          </p:spTgt>
+                                        </p:tgtEl>
+                                      </p:cBhvr>
+                                    </p:animEffect>
+                                  </p:childTnLst>
+                                </p:cTn>
+                              </p:par>
+                              <p:par>
+                                <p:cTn id="27" presetID="10" presetClass="entr" presetSubtype="0" fill="hold" grpId="0" nodeType="withEffect">
+                                  <p:stCondLst>
+                                    <p:cond delay="0"/>
+                                  </p:stCondLst>
+                                  <p:childTnLst>
+                                    <p:set>
+                                      <p:cBhvr>
+                                        <p:cTn id="28" dur="1" fill="hold">
+                                          <p:stCondLst>
+                                            <p:cond delay="0"/>
+                                          </p:stCondLst>
+                                        </p:cTn>
+                                        <p:tgtEl>
+                                          <p:spTgt spid="3">
+                                            <p:txEl>
+                                              <p:pRg st="6" end="6"/>
+                                            </p:txEl>
+                                          </p:spTgt>
+                                        </p:tgtEl>
+                                        <p:attrNameLst>
+                                          <p:attrName>style.visibility</p:attrName>
+                                        </p:attrNameLst>
+                                      </p:cBhvr>
+                                      <p:to>
+                                        <p:strVal val="visible"/>
+                                      </p:to>
+                                    </p:set>
+                                    <p:animEffect transition="in" filter="fade">
+                                      <p:cBhvr>
+                                        <p:cTn id="29" dur="2000"/>
+                                        <p:tgtEl>
+                                          <p:spTgt spid="3">
+                                            <p:txEl>
+                                              <p:pRg st="6" end="6"/>
+                                            </p:txEl>
+                                          </p:spTgt>
+                                        </p:tgtEl>
+                                      </p:cBhvr>
+                                    </p:animEffect>
+                                  </p:childTnLst>
+                                </p:cTn>
+                              </p:par>
+                              <p:par>
+                                <p:cTn id="30" presetID="10" presetClass="entr" presetSubtype="0" fill="hold" grpId="0" nodeType="withEffect">
+                                  <p:stCondLst>
+                                    <p:cond delay="0"/>
+                                  </p:stCondLst>
+                                  <p:childTnLst>
+                                    <p:set>
+                                      <p:cBhvr>
+                                        <p:cTn id="31" dur="1" fill="hold">
+                                          <p:stCondLst>
+                                            <p:cond delay="0"/>
+                                          </p:stCondLst>
+                                        </p:cTn>
+                                        <p:tgtEl>
+                                          <p:spTgt spid="3">
+                                            <p:txEl>
+                                              <p:pRg st="7" end="7"/>
+                                            </p:txEl>
+                                          </p:spTgt>
+                                        </p:tgtEl>
+                                        <p:attrNameLst>
+                                          <p:attrName>style.visibility</p:attrName>
+                                        </p:attrNameLst>
+                                      </p:cBhvr>
+                                      <p:to>
+                                        <p:strVal val="visible"/>
+                                      </p:to>
+                                    </p:set>
+                                    <p:animEffect transition="in" filter="fade">
+                                      <p:cBhvr>
+                                        <p:cTn id="32" dur="2000"/>
+                                        <p:tgtEl>
+                                          <p:spTgt spid="3">
+                                            <p:txEl>
+                                              <p:pRg st="7" end="7"/>
+                                            </p:txEl>
+                                          </p:spTgt>
+                                        </p:tgtEl>
+                                      </p:cBhvr>
+                                    </p:animEffect>
+                                  </p:childTnLst>
+                                </p:cTn>
+                              </p:par>
+                            </p:childTnLst>
+                          </p:cTn>
+                        </p:par>
+                      </p:childTnLst>
+                    </p:cTn>
+                  </p:par>
+                </p:childTnLst>
+              </p:cTn>
+              <p:prevCondLst>
+                <p:cond evt="onPrev" delay="0">
+                  <p:tgtEl>
+                    <p:sldTgt/>
+                  </p:tgtEl>
+                </p:cond>
+              </p:prevCondLst>
+              <p:nextCondLst>
+                <p:cond evt="onNext" delay="0">
+                  <p:tgtEl>
+                    <p:sldTgt/>
+                  </p:tgtEl>
+                </p:cond>
+              </p:nextCondLst>
+            </p:seq>
+          </p:childTnLst>
+        </p:cTn>
+      </p:par>
+    </p:tnLst>
+    <p:bldLst>
+      <p:bldP spid="3" grpId="0" uiExpand="1" build="p"/>
+    </p:bldLst>
+  </p:timing>
 </p:sld>
 </file>
 
@@ -4816,36 +12203,218 @@
           <a:p>
             <a:r>
               <a:rPr lang="nl-BE" dirty="0" smtClean="0"/>
-              <a:t>Artilium: evolution</a:t>
+              <a:t>Applying agile.net to</a:t>
             </a:r>
             <a:endParaRPr lang="en-US" dirty="0"/>
           </a:p>
         </p:txBody>
       </p:sp>
-      <p:sp>
-        <p:nvSpPr>
-          <p:cNvPr id="3" name="Content Placeholder 2"/>
-          <p:cNvSpPr>
-            <a:spLocks noGrp="1"/>
-          </p:cNvSpPr>
+      <p:pic>
+        <p:nvPicPr>
+          <p:cNvPr id="4098" name="Picture 2"/>
+          <p:cNvPicPr>
+            <a:picLocks noChangeAspect="1" noChangeArrowheads="1"/>
+          </p:cNvPicPr>
+          <p:nvPr/>
+        </p:nvPicPr>
+        <p:blipFill>
+          <a:blip r:embed="rId2"/>
+          <a:srcRect/>
+          <a:stretch>
+            <a:fillRect/>
+          </a:stretch>
+        </p:blipFill>
+        <p:spPr bwMode="auto">
+          <a:xfrm>
+            <a:off x="1428728" y="1214422"/>
+            <a:ext cx="7343627" cy="2500330"/>
+          </a:xfrm>
+          <a:prstGeom prst="rect">
+            <a:avLst/>
+          </a:prstGeom>
+          <a:noFill/>
+          <a:ln w="9525">
+            <a:noFill/>
+            <a:miter lim="800000"/>
+            <a:headEnd/>
+            <a:tailEnd/>
+          </a:ln>
+          <a:effectLst/>
+        </p:spPr>
+      </p:pic>
+      <p:pic>
+        <p:nvPicPr>
+          <p:cNvPr id="4101" name="Picture 5"/>
+          <p:cNvPicPr>
+            <a:picLocks noChangeAspect="1" noChangeArrowheads="1"/>
+          </p:cNvPicPr>
+          <p:nvPr/>
+        </p:nvPicPr>
+        <p:blipFill>
+          <a:blip r:embed="rId3"/>
+          <a:srcRect/>
+          <a:stretch>
+            <a:fillRect/>
+          </a:stretch>
+        </p:blipFill>
+        <p:spPr bwMode="auto">
+          <a:xfrm>
+            <a:off x="1142976" y="4786322"/>
+            <a:ext cx="2781035" cy="1847843"/>
+          </a:xfrm>
+          <a:prstGeom prst="rect">
+            <a:avLst/>
+          </a:prstGeom>
+          <a:noFill/>
+          <a:ln w="9525">
+            <a:noFill/>
+            <a:miter lim="800000"/>
+            <a:headEnd/>
+            <a:tailEnd/>
+          </a:ln>
+          <a:effectLst/>
+        </p:spPr>
+      </p:pic>
+      <p:pic>
+        <p:nvPicPr>
+          <p:cNvPr id="4102" name="Picture 6"/>
+          <p:cNvPicPr>
+            <a:picLocks noGrp="1" noChangeAspect="1" noChangeArrowheads="1"/>
+          </p:cNvPicPr>
           <p:nvPr>
             <p:ph idx="1"/>
           </p:nvPr>
-        </p:nvSpPr>
-        <p:spPr/>
-        <p:txBody>
-          <a:bodyPr/>
-          <a:lstStyle/>
-          <a:p>
-            <a:endParaRPr lang="en-US"/>
-          </a:p>
-        </p:txBody>
-      </p:sp>
+        </p:nvPicPr>
+        <p:blipFill>
+          <a:blip r:embed="rId4">
+            <a:clrChange>
+              <a:clrFrom>
+                <a:srgbClr val="FFFFFF"/>
+              </a:clrFrom>
+              <a:clrTo>
+                <a:srgbClr val="FFFFFF">
+                  <a:alpha val="0"/>
+                </a:srgbClr>
+              </a:clrTo>
+            </a:clrChange>
+          </a:blip>
+          <a:srcRect/>
+          <a:stretch>
+            <a:fillRect/>
+          </a:stretch>
+        </p:blipFill>
+        <p:spPr bwMode="auto">
+          <a:xfrm>
+            <a:off x="6286512" y="4286256"/>
+            <a:ext cx="2562225" cy="2352675"/>
+          </a:xfrm>
+          <a:prstGeom prst="rect">
+            <a:avLst/>
+          </a:prstGeom>
+          <a:noFill/>
+          <a:ln w="9525">
+            <a:noFill/>
+            <a:miter lim="800000"/>
+            <a:headEnd/>
+            <a:tailEnd/>
+          </a:ln>
+          <a:effectLst/>
+        </p:spPr>
+      </p:pic>
     </p:spTree>
   </p:cSld>
   <p:clrMapOvr>
     <a:masterClrMapping/>
   </p:clrMapOvr>
+  <p:transition>
+    <p:fade/>
+  </p:transition>
+  <p:timing>
+    <p:tnLst>
+      <p:par>
+        <p:cTn id="1" dur="indefinite" restart="never" nodeType="tmRoot">
+          <p:childTnLst>
+            <p:seq concurrent="1" nextAc="seek">
+              <p:cTn id="2" dur="indefinite" nodeType="mainSeq">
+                <p:childTnLst>
+                  <p:par>
+                    <p:cTn id="3" fill="hold">
+                      <p:stCondLst>
+                        <p:cond delay="indefinite"/>
+                        <p:cond evt="onBegin" delay="0">
+                          <p:tn val="2"/>
+                        </p:cond>
+                      </p:stCondLst>
+                      <p:childTnLst>
+                        <p:par>
+                          <p:cTn id="4" fill="hold">
+                            <p:stCondLst>
+                              <p:cond delay="0"/>
+                            </p:stCondLst>
+                            <p:childTnLst>
+                              <p:par>
+                                <p:cTn id="5" presetID="10" presetClass="entr" presetSubtype="0" fill="hold" nodeType="withEffect">
+                                  <p:stCondLst>
+                                    <p:cond delay="0"/>
+                                  </p:stCondLst>
+                                  <p:childTnLst>
+                                    <p:set>
+                                      <p:cBhvr>
+                                        <p:cTn id="6" dur="1" fill="hold">
+                                          <p:stCondLst>
+                                            <p:cond delay="0"/>
+                                          </p:stCondLst>
+                                        </p:cTn>
+                                        <p:tgtEl>
+                                          <p:spTgt spid="4098"/>
+                                        </p:tgtEl>
+                                        <p:attrNameLst>
+                                          <p:attrName>style.visibility</p:attrName>
+                                        </p:attrNameLst>
+                                      </p:cBhvr>
+                                      <p:to>
+                                        <p:strVal val="visible"/>
+                                      </p:to>
+                                    </p:set>
+                                    <p:animEffect transition="in" filter="fade">
+                                      <p:cBhvr>
+                                        <p:cTn id="7" dur="2000"/>
+                                        <p:tgtEl>
+                                          <p:spTgt spid="4098"/>
+                                        </p:tgtEl>
+                                      </p:cBhvr>
+                                    </p:animEffect>
+                                  </p:childTnLst>
+                                </p:cTn>
+                              </p:par>
+                            </p:childTnLst>
+                          </p:cTn>
+                        </p:par>
+                      </p:childTnLst>
+                    </p:cTn>
+                  </p:par>
+                </p:childTnLst>
+              </p:cTn>
+              <p:prevCondLst>
+                <p:cond evt="onPrev" delay="0">
+                  <p:tgtEl>
+                    <p:sldTgt/>
+                  </p:tgtEl>
+                </p:cond>
+              </p:prevCondLst>
+              <p:nextCondLst>
+                <p:cond evt="onNext" delay="0">
+                  <p:tgtEl>
+                    <p:sldTgt/>
+                  </p:tgtEl>
+                </p:cond>
+              </p:nextCondLst>
+            </p:seq>
+          </p:childTnLst>
+        </p:cTn>
+      </p:par>
+    </p:tnLst>
+  </p:timing>
 </p:sld>
 </file>
 
@@ -4883,36 +12452,54 @@
           <a:p>
             <a:r>
               <a:rPr lang="nl-BE" dirty="0" smtClean="0"/>
-              <a:t>Artilium: people</a:t>
+              <a:t>Artilium: </a:t>
+            </a:r>
+            <a:r>
+              <a:rPr lang="nl-BE" dirty="0" smtClean="0"/>
+              <a:t>Team Room</a:t>
             </a:r>
             <a:endParaRPr lang="en-US" dirty="0"/>
           </a:p>
         </p:txBody>
       </p:sp>
-      <p:sp>
-        <p:nvSpPr>
-          <p:cNvPr id="3" name="Content Placeholder 2"/>
-          <p:cNvSpPr>
-            <a:spLocks noGrp="1"/>
-          </p:cNvSpPr>
+      <p:pic>
+        <p:nvPicPr>
+          <p:cNvPr id="4" name="Content Placeholder 3" descr="teamroom1.jpg"/>
+          <p:cNvPicPr>
+            <a:picLocks noGrp="1" noChangeAspect="1"/>
+          </p:cNvPicPr>
           <p:nvPr>
             <p:ph idx="1"/>
           </p:nvPr>
-        </p:nvSpPr>
-        <p:spPr/>
-        <p:txBody>
-          <a:bodyPr/>
-          <a:lstStyle/>
-          <a:p>
-            <a:endParaRPr lang="en-US"/>
-          </a:p>
-        </p:txBody>
-      </p:sp>
+        </p:nvPicPr>
+        <p:blipFill>
+          <a:blip r:embed="rId2"/>
+          <a:stretch>
+            <a:fillRect/>
+          </a:stretch>
+        </p:blipFill>
+        <p:spPr>
+          <a:xfrm>
+            <a:off x="1599141" y="1447800"/>
+            <a:ext cx="7171267" cy="4800600"/>
+          </a:xfrm>
+        </p:spPr>
+      </p:pic>
     </p:spTree>
   </p:cSld>
   <p:clrMapOvr>
     <a:masterClrMapping/>
   </p:clrMapOvr>
+  <p:transition>
+    <p:fade/>
+  </p:transition>
+  <p:timing>
+    <p:tnLst>
+      <p:par>
+        <p:cTn id="1" dur="indefinite" restart="never" nodeType="tmRoot"/>
+      </p:par>
+    </p:tnLst>
+  </p:timing>
 </p:sld>
 </file>
 
@@ -5237,4 +12824,287 @@
   <a:objectDefaults/>
   <a:extraClrSchemeLst/>
 </a:theme>
+</file>
+
+<file path=ppt/theme/theme2.xml><?xml version="1.0" encoding="utf-8"?>
+<a:theme xmlns:a="http://schemas.openxmlformats.org/drawingml/2006/main" name="Custom Design">
+  <a:themeElements>
+    <a:clrScheme name="Office">
+      <a:dk1>
+        <a:sysClr val="windowText" lastClr="000000"/>
+      </a:dk1>
+      <a:lt1>
+        <a:sysClr val="window" lastClr="FFFFFF"/>
+      </a:lt1>
+      <a:dk2>
+        <a:srgbClr val="1F497D"/>
+      </a:dk2>
+      <a:lt2>
+        <a:srgbClr val="EEECE1"/>
+      </a:lt2>
+      <a:accent1>
+        <a:srgbClr val="4F81BD"/>
+      </a:accent1>
+      <a:accent2>
+        <a:srgbClr val="C0504D"/>
+      </a:accent2>
+      <a:accent3>
+        <a:srgbClr val="9BBB59"/>
+      </a:accent3>
+      <a:accent4>
+        <a:srgbClr val="8064A2"/>
+      </a:accent4>
+      <a:accent5>
+        <a:srgbClr val="4BACC6"/>
+      </a:accent5>
+      <a:accent6>
+        <a:srgbClr val="F79646"/>
+      </a:accent6>
+      <a:hlink>
+        <a:srgbClr val="0000FF"/>
+      </a:hlink>
+      <a:folHlink>
+        <a:srgbClr val="800080"/>
+      </a:folHlink>
+    </a:clrScheme>
+    <a:fontScheme name="Office">
+      <a:majorFont>
+        <a:latin typeface="Calibri"/>
+        <a:ea typeface=""/>
+        <a:cs typeface=""/>
+        <a:font script="Jpan" typeface="ＭＳ Ｐゴシック"/>
+        <a:font script="Hang" typeface="맑은 고딕"/>
+        <a:font script="Hans" typeface="宋体"/>
+        <a:font script="Hant" typeface="新細明體"/>
+        <a:font script="Arab" typeface="Times New Roman"/>
+        <a:font script="Hebr" typeface="Times New Roman"/>
+        <a:font script="Thai" typeface="Angsana New"/>
+        <a:font script="Ethi" typeface="Nyala"/>
+        <a:font script="Beng" typeface="Vrinda"/>
+        <a:font script="Gujr" typeface="Shruti"/>
+        <a:font script="Khmr" typeface="MoolBoran"/>
+        <a:font script="Knda" typeface="Tunga"/>
+        <a:font script="Guru" typeface="Raavi"/>
+        <a:font script="Cans" typeface="Euphemia"/>
+        <a:font script="Cher" typeface="Plantagenet Cherokee"/>
+        <a:font script="Yiii" typeface="Microsoft Yi Baiti"/>
+        <a:font script="Tibt" typeface="Microsoft Himalaya"/>
+        <a:font script="Thaa" typeface="MV Boli"/>
+        <a:font script="Deva" typeface="Mangal"/>
+        <a:font script="Telu" typeface="Gautami"/>
+        <a:font script="Taml" typeface="Latha"/>
+        <a:font script="Syrc" typeface="Estrangelo Edessa"/>
+        <a:font script="Orya" typeface="Kalinga"/>
+        <a:font script="Mlym" typeface="Kartika"/>
+        <a:font script="Laoo" typeface="DokChampa"/>
+        <a:font script="Sinh" typeface="Iskoola Pota"/>
+        <a:font script="Mong" typeface="Mongolian Baiti"/>
+        <a:font script="Viet" typeface="Times New Roman"/>
+        <a:font script="Uigh" typeface="Microsoft Uighur"/>
+      </a:majorFont>
+      <a:minorFont>
+        <a:latin typeface="Calibri"/>
+        <a:ea typeface=""/>
+        <a:cs typeface=""/>
+        <a:font script="Jpan" typeface="ＭＳ Ｐゴシック"/>
+        <a:font script="Hang" typeface="맑은 고딕"/>
+        <a:font script="Hans" typeface="宋体"/>
+        <a:font script="Hant" typeface="新細明體"/>
+        <a:font script="Arab" typeface="Arial"/>
+        <a:font script="Hebr" typeface="Arial"/>
+        <a:font script="Thai" typeface="Cordia New"/>
+        <a:font script="Ethi" typeface="Nyala"/>
+        <a:font script="Beng" typeface="Vrinda"/>
+        <a:font script="Gujr" typeface="Shruti"/>
+        <a:font script="Khmr" typeface="DaunPenh"/>
+        <a:font script="Knda" typeface="Tunga"/>
+        <a:font script="Guru" typeface="Raavi"/>
+        <a:font script="Cans" typeface="Euphemia"/>
+        <a:font script="Cher" typeface="Plantagenet Cherokee"/>
+        <a:font script="Yiii" typeface="Microsoft Yi Baiti"/>
+        <a:font script="Tibt" typeface="Microsoft Himalaya"/>
+        <a:font script="Thaa" typeface="MV Boli"/>
+        <a:font script="Deva" typeface="Mangal"/>
+        <a:font script="Telu" typeface="Gautami"/>
+        <a:font script="Taml" typeface="Latha"/>
+        <a:font script="Syrc" typeface="Estrangelo Edessa"/>
+        <a:font script="Orya" typeface="Kalinga"/>
+        <a:font script="Mlym" typeface="Kartika"/>
+        <a:font script="Laoo" typeface="DokChampa"/>
+        <a:font script="Sinh" typeface="Iskoola Pota"/>
+        <a:font script="Mong" typeface="Mongolian Baiti"/>
+        <a:font script="Viet" typeface="Arial"/>
+        <a:font script="Uigh" typeface="Microsoft Uighur"/>
+      </a:minorFont>
+    </a:fontScheme>
+    <a:fmtScheme name="Office">
+      <a:fillStyleLst>
+        <a:solidFill>
+          <a:schemeClr val="phClr"/>
+        </a:solidFill>
+        <a:gradFill rotWithShape="1">
+          <a:gsLst>
+            <a:gs pos="0">
+              <a:schemeClr val="phClr">
+                <a:tint val="50000"/>
+                <a:satMod val="300000"/>
+              </a:schemeClr>
+            </a:gs>
+            <a:gs pos="35000">
+              <a:schemeClr val="phClr">
+                <a:tint val="37000"/>
+                <a:satMod val="300000"/>
+              </a:schemeClr>
+            </a:gs>
+            <a:gs pos="100000">
+              <a:schemeClr val="phClr">
+                <a:tint val="15000"/>
+                <a:satMod val="350000"/>
+              </a:schemeClr>
+            </a:gs>
+          </a:gsLst>
+          <a:lin ang="16200000" scaled="1"/>
+        </a:gradFill>
+        <a:gradFill rotWithShape="1">
+          <a:gsLst>
+            <a:gs pos="0">
+              <a:schemeClr val="phClr">
+                <a:shade val="51000"/>
+                <a:satMod val="130000"/>
+              </a:schemeClr>
+            </a:gs>
+            <a:gs pos="80000">
+              <a:schemeClr val="phClr">
+                <a:shade val="93000"/>
+                <a:satMod val="130000"/>
+              </a:schemeClr>
+            </a:gs>
+            <a:gs pos="100000">
+              <a:schemeClr val="phClr">
+                <a:shade val="94000"/>
+                <a:satMod val="135000"/>
+              </a:schemeClr>
+            </a:gs>
+          </a:gsLst>
+          <a:lin ang="16200000" scaled="0"/>
+        </a:gradFill>
+      </a:fillStyleLst>
+      <a:lnStyleLst>
+        <a:ln w="9525" cap="flat" cmpd="sng" algn="ctr">
+          <a:solidFill>
+            <a:schemeClr val="phClr">
+              <a:shade val="95000"/>
+              <a:satMod val="105000"/>
+            </a:schemeClr>
+          </a:solidFill>
+          <a:prstDash val="solid"/>
+        </a:ln>
+        <a:ln w="25400" cap="flat" cmpd="sng" algn="ctr">
+          <a:solidFill>
+            <a:schemeClr val="phClr"/>
+          </a:solidFill>
+          <a:prstDash val="solid"/>
+        </a:ln>
+        <a:ln w="38100" cap="flat" cmpd="sng" algn="ctr">
+          <a:solidFill>
+            <a:schemeClr val="phClr"/>
+          </a:solidFill>
+          <a:prstDash val="solid"/>
+        </a:ln>
+      </a:lnStyleLst>
+      <a:effectStyleLst>
+        <a:effectStyle>
+          <a:effectLst>
+            <a:outerShdw blurRad="40000" dist="20000" dir="5400000" rotWithShape="0">
+              <a:srgbClr val="000000">
+                <a:alpha val="38000"/>
+              </a:srgbClr>
+            </a:outerShdw>
+          </a:effectLst>
+        </a:effectStyle>
+        <a:effectStyle>
+          <a:effectLst>
+            <a:outerShdw blurRad="40000" dist="23000" dir="5400000" rotWithShape="0">
+              <a:srgbClr val="000000">
+                <a:alpha val="35000"/>
+              </a:srgbClr>
+            </a:outerShdw>
+          </a:effectLst>
+        </a:effectStyle>
+        <a:effectStyle>
+          <a:effectLst>
+            <a:outerShdw blurRad="40000" dist="23000" dir="5400000" rotWithShape="0">
+              <a:srgbClr val="000000">
+                <a:alpha val="35000"/>
+              </a:srgbClr>
+            </a:outerShdw>
+          </a:effectLst>
+          <a:scene3d>
+            <a:camera prst="orthographicFront">
+              <a:rot lat="0" lon="0" rev="0"/>
+            </a:camera>
+            <a:lightRig rig="threePt" dir="t">
+              <a:rot lat="0" lon="0" rev="1200000"/>
+            </a:lightRig>
+          </a:scene3d>
+          <a:sp3d>
+            <a:bevelT w="63500" h="25400"/>
+          </a:sp3d>
+        </a:effectStyle>
+      </a:effectStyleLst>
+      <a:bgFillStyleLst>
+        <a:solidFill>
+          <a:schemeClr val="phClr"/>
+        </a:solidFill>
+        <a:gradFill rotWithShape="1">
+          <a:gsLst>
+            <a:gs pos="0">
+              <a:schemeClr val="phClr">
+                <a:tint val="40000"/>
+                <a:satMod val="350000"/>
+              </a:schemeClr>
+            </a:gs>
+            <a:gs pos="40000">
+              <a:schemeClr val="phClr">
+                <a:tint val="45000"/>
+                <a:shade val="99000"/>
+                <a:satMod val="350000"/>
+              </a:schemeClr>
+            </a:gs>
+            <a:gs pos="100000">
+              <a:schemeClr val="phClr">
+                <a:shade val="20000"/>
+                <a:satMod val="255000"/>
+              </a:schemeClr>
+            </a:gs>
+          </a:gsLst>
+          <a:path path="circle">
+            <a:fillToRect l="50000" t="-80000" r="50000" b="180000"/>
+          </a:path>
+        </a:gradFill>
+        <a:gradFill rotWithShape="1">
+          <a:gsLst>
+            <a:gs pos="0">
+              <a:schemeClr val="phClr">
+                <a:tint val="80000"/>
+                <a:satMod val="300000"/>
+              </a:schemeClr>
+            </a:gs>
+            <a:gs pos="100000">
+              <a:schemeClr val="phClr">
+                <a:shade val="30000"/>
+                <a:satMod val="200000"/>
+              </a:schemeClr>
+            </a:gs>
+          </a:gsLst>
+          <a:path path="circle">
+            <a:fillToRect l="50000" t="50000" r="50000" b="50000"/>
+          </a:path>
+        </a:gradFill>
+      </a:bgFillStyleLst>
+    </a:fmtScheme>
+  </a:themeElements>
+  <a:objectDefaults/>
+  <a:extraClrSchemeLst/>
+</a:theme>
 </file>
--- a/trunk/Agile.net/Agile.net.pptx
+++ b/trunk/Agile.net/Agile.net.pptx
@@ -1020,6 +1020,7 @@
           <a:p>
             <a:fld id="{5AB54E97-EA14-4D6D-B65E-B97DF81584A8}" type="datetimeFigureOut">
               <a:rPr lang="en-US" smtClean="0"/>
+              <a:pPr/>
               <a:t>11/11/2008</a:t>
             </a:fld>
             <a:endParaRPr lang="en-US"/>
@@ -1062,6 +1063,7 @@
           <a:p>
             <a:fld id="{C2E99204-D3AF-4B0E-B808-5AFF8377D7BB}" type="slidenum">
               <a:rPr lang="en-US" smtClean="0"/>
+              <a:pPr/>
               <a:t>‹#›</a:t>
             </a:fld>
             <a:endParaRPr lang="en-US"/>
@@ -1188,6 +1190,7 @@
           <a:p>
             <a:fld id="{5AB54E97-EA14-4D6D-B65E-B97DF81584A8}" type="datetimeFigureOut">
               <a:rPr lang="en-US" smtClean="0"/>
+              <a:pPr/>
               <a:t>11/11/2008</a:t>
             </a:fld>
             <a:endParaRPr lang="en-US"/>
@@ -1230,6 +1233,7 @@
           <a:p>
             <a:fld id="{C2E99204-D3AF-4B0E-B808-5AFF8377D7BB}" type="slidenum">
               <a:rPr lang="en-US" smtClean="0"/>
+              <a:pPr/>
               <a:t>‹#›</a:t>
             </a:fld>
             <a:endParaRPr lang="en-US"/>
@@ -1432,6 +1436,7 @@
           <a:p>
             <a:fld id="{5AB54E97-EA14-4D6D-B65E-B97DF81584A8}" type="datetimeFigureOut">
               <a:rPr lang="en-US" smtClean="0"/>
+              <a:pPr/>
               <a:t>11/11/2008</a:t>
             </a:fld>
             <a:endParaRPr lang="en-US"/>
@@ -1474,6 +1479,7 @@
           <a:p>
             <a:fld id="{C2E99204-D3AF-4B0E-B808-5AFF8377D7BB}" type="slidenum">
               <a:rPr lang="en-US" smtClean="0"/>
+              <a:pPr/>
               <a:t>‹#›</a:t>
             </a:fld>
             <a:endParaRPr lang="en-US"/>
@@ -1718,6 +1724,7 @@
           <a:p>
             <a:fld id="{5AB54E97-EA14-4D6D-B65E-B97DF81584A8}" type="datetimeFigureOut">
               <a:rPr lang="en-US" smtClean="0"/>
+              <a:pPr/>
               <a:t>11/11/2008</a:t>
             </a:fld>
             <a:endParaRPr lang="en-US"/>
@@ -1760,6 +1767,7 @@
           <a:p>
             <a:fld id="{C2E99204-D3AF-4B0E-B808-5AFF8377D7BB}" type="slidenum">
               <a:rPr lang="en-US" smtClean="0"/>
+              <a:pPr/>
               <a:t>‹#›</a:t>
             </a:fld>
             <a:endParaRPr lang="en-US"/>
@@ -2138,6 +2146,7 @@
           <a:p>
             <a:fld id="{5AB54E97-EA14-4D6D-B65E-B97DF81584A8}" type="datetimeFigureOut">
               <a:rPr lang="en-US" smtClean="0"/>
+              <a:pPr/>
               <a:t>11/11/2008</a:t>
             </a:fld>
             <a:endParaRPr lang="en-US"/>
@@ -2180,6 +2189,7 @@
           <a:p>
             <a:fld id="{C2E99204-D3AF-4B0E-B808-5AFF8377D7BB}" type="slidenum">
               <a:rPr lang="en-US" smtClean="0"/>
+              <a:pPr/>
               <a:t>‹#›</a:t>
             </a:fld>
             <a:endParaRPr lang="en-US"/>
@@ -2254,6 +2264,7 @@
           <a:p>
             <a:fld id="{5AB54E97-EA14-4D6D-B65E-B97DF81584A8}" type="datetimeFigureOut">
               <a:rPr lang="en-US" smtClean="0"/>
+              <a:pPr/>
               <a:t>11/11/2008</a:t>
             </a:fld>
             <a:endParaRPr lang="en-US"/>
@@ -2296,6 +2307,7 @@
           <a:p>
             <a:fld id="{C2E99204-D3AF-4B0E-B808-5AFF8377D7BB}" type="slidenum">
               <a:rPr lang="en-US" smtClean="0"/>
+              <a:pPr/>
               <a:t>‹#›</a:t>
             </a:fld>
             <a:endParaRPr lang="en-US"/>
@@ -2347,6 +2359,7 @@
           <a:p>
             <a:fld id="{5AB54E97-EA14-4D6D-B65E-B97DF81584A8}" type="datetimeFigureOut">
               <a:rPr lang="en-US" smtClean="0"/>
+              <a:pPr/>
               <a:t>11/11/2008</a:t>
             </a:fld>
             <a:endParaRPr lang="en-US"/>
@@ -2389,6 +2402,7 @@
           <a:p>
             <a:fld id="{C2E99204-D3AF-4B0E-B808-5AFF8377D7BB}" type="slidenum">
               <a:rPr lang="en-US" smtClean="0"/>
+              <a:pPr/>
               <a:t>‹#›</a:t>
             </a:fld>
             <a:endParaRPr lang="en-US"/>
@@ -2622,6 +2636,7 @@
           <a:p>
             <a:fld id="{5AB54E97-EA14-4D6D-B65E-B97DF81584A8}" type="datetimeFigureOut">
               <a:rPr lang="en-US" smtClean="0"/>
+              <a:pPr/>
               <a:t>11/11/2008</a:t>
             </a:fld>
             <a:endParaRPr lang="en-US"/>
@@ -2664,6 +2679,7 @@
           <a:p>
             <a:fld id="{C2E99204-D3AF-4B0E-B808-5AFF8377D7BB}" type="slidenum">
               <a:rPr lang="en-US" smtClean="0"/>
+              <a:pPr/>
               <a:t>‹#›</a:t>
             </a:fld>
             <a:endParaRPr lang="en-US"/>
@@ -3060,6 +3076,7 @@
           <a:p>
             <a:fld id="{5AB54E97-EA14-4D6D-B65E-B97DF81584A8}" type="datetimeFigureOut">
               <a:rPr lang="en-US" smtClean="0"/>
+              <a:pPr/>
               <a:t>11/11/2008</a:t>
             </a:fld>
             <a:endParaRPr lang="en-US"/>
@@ -3102,6 +3119,7 @@
           <a:p>
             <a:fld id="{C2E99204-D3AF-4B0E-B808-5AFF8377D7BB}" type="slidenum">
               <a:rPr lang="en-US" smtClean="0"/>
+              <a:pPr/>
               <a:t>‹#›</a:t>
             </a:fld>
             <a:endParaRPr lang="en-US"/>
@@ -3228,6 +3246,7 @@
           <a:p>
             <a:fld id="{5AB54E97-EA14-4D6D-B65E-B97DF81584A8}" type="datetimeFigureOut">
               <a:rPr lang="en-US" smtClean="0"/>
+              <a:pPr/>
               <a:t>11/11/2008</a:t>
             </a:fld>
             <a:endParaRPr lang="en-US"/>
@@ -3270,6 +3289,7 @@
           <a:p>
             <a:fld id="{C2E99204-D3AF-4B0E-B808-5AFF8377D7BB}" type="slidenum">
               <a:rPr lang="en-US" smtClean="0"/>
+              <a:pPr/>
               <a:t>‹#›</a:t>
             </a:fld>
             <a:endParaRPr lang="en-US"/>
@@ -3406,6 +3426,7 @@
           <a:p>
             <a:fld id="{5AB54E97-EA14-4D6D-B65E-B97DF81584A8}" type="datetimeFigureOut">
               <a:rPr lang="en-US" smtClean="0"/>
+              <a:pPr/>
               <a:t>11/11/2008</a:t>
             </a:fld>
             <a:endParaRPr lang="en-US"/>
@@ -3448,6 +3469,7 @@
           <a:p>
             <a:fld id="{C2E99204-D3AF-4B0E-B808-5AFF8377D7BB}" type="slidenum">
               <a:rPr lang="en-US" smtClean="0"/>
+              <a:pPr/>
               <a:t>‹#›</a:t>
             </a:fld>
             <a:endParaRPr lang="en-US"/>
@@ -6822,6 +6844,7 @@
           <a:p>
             <a:fld id="{5AB54E97-EA14-4D6D-B65E-B97DF81584A8}" type="datetimeFigureOut">
               <a:rPr lang="en-US" smtClean="0"/>
+              <a:pPr/>
               <a:t>11/11/2008</a:t>
             </a:fld>
             <a:endParaRPr lang="en-US"/>
@@ -6900,6 +6923,7 @@
           <a:p>
             <a:fld id="{C2E99204-D3AF-4B0E-B808-5AFF8377D7BB}" type="slidenum">
               <a:rPr lang="en-US" smtClean="0"/>
+              <a:pPr/>
               <a:t>‹#›</a:t>
             </a:fld>
             <a:endParaRPr lang="en-US"/>
@@ -7246,11 +7270,7 @@
             </a:r>
             <a:r>
               <a:rPr lang="nl-BE" baseline="0" dirty="0" smtClean="0"/>
-              <a:t> </a:t>
-            </a:r>
-            <a:r>
-              <a:rPr lang="nl-BE" baseline="0" dirty="0" smtClean="0"/>
-              <a:t>project</a:t>
+              <a:t> project</a:t>
             </a:r>
           </a:p>
         </p:txBody>
@@ -7967,7 +7987,27 @@
           <a:bodyPr/>
           <a:lstStyle/>
           <a:p>
-            <a:endParaRPr lang="en-US"/>
+            <a:r>
+              <a:rPr lang="nl-BE" dirty="0" smtClean="0"/>
+              <a:t>Design: </a:t>
+            </a:r>
+            <a:r>
+              <a:rPr lang="nl-BE" dirty="0" smtClean="0"/>
+              <a:t>From BDUF to incremental design</a:t>
+            </a:r>
+          </a:p>
+          <a:p>
+            <a:r>
+              <a:rPr lang="nl-BE" dirty="0" smtClean="0"/>
+              <a:t>Adding tasks to the scrum board</a:t>
+            </a:r>
+          </a:p>
+          <a:p>
+            <a:r>
+              <a:rPr lang="nl-BE" smtClean="0"/>
+              <a:t>4 week sprints to 2 week sprints</a:t>
+            </a:r>
+            <a:endParaRPr lang="en-US" dirty="0"/>
           </a:p>
         </p:txBody>
       </p:sp>
@@ -8023,11 +8063,7 @@
           <a:p>
             <a:r>
               <a:rPr lang="nl-BE" dirty="0" smtClean="0"/>
-              <a:t>Artilium: </a:t>
-            </a:r>
-            <a:r>
-              <a:rPr lang="nl-BE" dirty="0" smtClean="0"/>
-              <a:t>People</a:t>
+              <a:t>Artilium: People</a:t>
             </a:r>
             <a:endParaRPr lang="en-US" dirty="0"/>
           </a:p>
@@ -8108,15 +8144,7 @@
             </a:r>
             <a:r>
               <a:rPr lang="nl-BE" baseline="0" dirty="0" smtClean="0"/>
-              <a:t> </a:t>
-            </a:r>
-            <a:r>
-              <a:rPr lang="nl-BE" baseline="0" dirty="0" smtClean="0"/>
-              <a:t>Tools </a:t>
-            </a:r>
-            <a:r>
-              <a:rPr lang="nl-BE" baseline="0" dirty="0" smtClean="0"/>
-              <a:t>in .net</a:t>
+              <a:t> Tools in .net</a:t>
             </a:r>
             <a:endParaRPr lang="en-US" dirty="0"/>
           </a:p>
@@ -10394,19 +10422,23 @@
           <a:p>
             <a:pPr lvl="1"/>
             <a:r>
+              <a:rPr lang="nl-BE" baseline="0" dirty="0" smtClean="0"/>
+              <a:t>Scrum master</a:t>
+            </a:r>
+          </a:p>
+          <a:p>
+            <a:pPr lvl="1"/>
+            <a:r>
               <a:rPr lang="nl-BE" dirty="0" smtClean="0"/>
               <a:t>Product</a:t>
             </a:r>
             <a:r>
               <a:rPr lang="nl-BE" baseline="0" dirty="0" smtClean="0"/>
-              <a:t> owner</a:t>
-            </a:r>
-          </a:p>
-          <a:p>
-            <a:pPr lvl="1"/>
+              <a:t> </a:t>
+            </a:r>
             <a:r>
               <a:rPr lang="nl-BE" baseline="0" dirty="0" smtClean="0"/>
-              <a:t>Scrum master</a:t>
+              <a:t>owner</a:t>
             </a:r>
           </a:p>
           <a:p>
@@ -10415,6 +10447,7 @@
               <a:rPr lang="nl-BE" baseline="0" dirty="0" smtClean="0"/>
               <a:t>Team</a:t>
             </a:r>
+            <a:endParaRPr lang="nl-BE" baseline="0" dirty="0" smtClean="0"/>
           </a:p>
         </p:txBody>
       </p:sp>
@@ -11150,7 +11183,6 @@
               <a:rPr lang="nl-BE" dirty="0" smtClean="0"/>
               <a:t>Respect</a:t>
             </a:r>
-            <a:endParaRPr lang="nl-BE" dirty="0" smtClean="0"/>
           </a:p>
           <a:p>
             <a:pPr lvl="0"/>
@@ -12259,7 +12291,7 @@
         </p:blipFill>
         <p:spPr bwMode="auto">
           <a:xfrm>
-            <a:off x="1142976" y="4786322"/>
+            <a:off x="142844" y="4857760"/>
             <a:ext cx="2781035" cy="1847843"/>
           </a:xfrm>
           <a:prstGeom prst="rect">
@@ -12305,8 +12337,41 @@
         </p:blipFill>
         <p:spPr bwMode="auto">
           <a:xfrm>
-            <a:off x="6286512" y="4286256"/>
+            <a:off x="6438931" y="4505349"/>
             <a:ext cx="2562225" cy="2352675"/>
+          </a:xfrm>
+          <a:prstGeom prst="rect">
+            <a:avLst/>
+          </a:prstGeom>
+          <a:noFill/>
+          <a:ln w="9525">
+            <a:noFill/>
+            <a:miter lim="800000"/>
+            <a:headEnd/>
+            <a:tailEnd/>
+          </a:ln>
+          <a:effectLst/>
+        </p:spPr>
+      </p:pic>
+      <p:pic>
+        <p:nvPicPr>
+          <p:cNvPr id="1026" name="Picture 2"/>
+          <p:cNvPicPr>
+            <a:picLocks noChangeAspect="1" noChangeArrowheads="1"/>
+          </p:cNvPicPr>
+          <p:nvPr/>
+        </p:nvPicPr>
+        <p:blipFill>
+          <a:blip r:embed="rId5"/>
+          <a:srcRect b="33447"/>
+          <a:stretch>
+            <a:fillRect/>
+          </a:stretch>
+        </p:blipFill>
+        <p:spPr bwMode="auto">
+          <a:xfrm>
+            <a:off x="3143240" y="4857760"/>
+            <a:ext cx="3048000" cy="1857388"/>
           </a:xfrm>
           <a:prstGeom prst="rect">
             <a:avLst/>
@@ -12393,6 +12458,147 @@
                       </p:childTnLst>
                     </p:cTn>
                   </p:par>
+                  <p:par>
+                    <p:cTn id="8" fill="hold">
+                      <p:stCondLst>
+                        <p:cond delay="indefinite"/>
+                      </p:stCondLst>
+                      <p:childTnLst>
+                        <p:par>
+                          <p:cTn id="9" fill="hold">
+                            <p:stCondLst>
+                              <p:cond delay="0"/>
+                            </p:stCondLst>
+                            <p:childTnLst>
+                              <p:par>
+                                <p:cTn id="10" presetID="10" presetClass="entr" presetSubtype="0" fill="hold" nodeType="clickEffect">
+                                  <p:stCondLst>
+                                    <p:cond delay="0"/>
+                                  </p:stCondLst>
+                                  <p:childTnLst>
+                                    <p:set>
+                                      <p:cBhvr>
+                                        <p:cTn id="11" dur="1" fill="hold">
+                                          <p:stCondLst>
+                                            <p:cond delay="0"/>
+                                          </p:stCondLst>
+                                        </p:cTn>
+                                        <p:tgtEl>
+                                          <p:spTgt spid="4101"/>
+                                        </p:tgtEl>
+                                        <p:attrNameLst>
+                                          <p:attrName>style.visibility</p:attrName>
+                                        </p:attrNameLst>
+                                      </p:cBhvr>
+                                      <p:to>
+                                        <p:strVal val="visible"/>
+                                      </p:to>
+                                    </p:set>
+                                    <p:animEffect transition="in" filter="fade">
+                                      <p:cBhvr>
+                                        <p:cTn id="12" dur="2000"/>
+                                        <p:tgtEl>
+                                          <p:spTgt spid="4101"/>
+                                        </p:tgtEl>
+                                      </p:cBhvr>
+                                    </p:animEffect>
+                                  </p:childTnLst>
+                                </p:cTn>
+                              </p:par>
+                            </p:childTnLst>
+                          </p:cTn>
+                        </p:par>
+                        <p:par>
+                          <p:cTn id="13" fill="hold">
+                            <p:stCondLst>
+                              <p:cond delay="2000"/>
+                            </p:stCondLst>
+                            <p:childTnLst>
+                              <p:par>
+                                <p:cTn id="14" presetID="10" presetClass="entr" presetSubtype="0" fill="hold" nodeType="afterEffect">
+                                  <p:stCondLst>
+                                    <p:cond delay="0"/>
+                                  </p:stCondLst>
+                                  <p:childTnLst>
+                                    <p:set>
+                                      <p:cBhvr>
+                                        <p:cTn id="15" dur="1" fill="hold">
+                                          <p:stCondLst>
+                                            <p:cond delay="0"/>
+                                          </p:stCondLst>
+                                        </p:cTn>
+                                        <p:tgtEl>
+                                          <p:spTgt spid="4102"/>
+                                        </p:tgtEl>
+                                        <p:attrNameLst>
+                                          <p:attrName>style.visibility</p:attrName>
+                                        </p:attrNameLst>
+                                      </p:cBhvr>
+                                      <p:to>
+                                        <p:strVal val="visible"/>
+                                      </p:to>
+                                    </p:set>
+                                    <p:animEffect transition="in" filter="fade">
+                                      <p:cBhvr>
+                                        <p:cTn id="16" dur="2000"/>
+                                        <p:tgtEl>
+                                          <p:spTgt spid="4102"/>
+                                        </p:tgtEl>
+                                      </p:cBhvr>
+                                    </p:animEffect>
+                                  </p:childTnLst>
+                                </p:cTn>
+                              </p:par>
+                            </p:childTnLst>
+                          </p:cTn>
+                        </p:par>
+                        <p:par>
+                          <p:cTn id="17" fill="hold">
+                            <p:stCondLst>
+                              <p:cond delay="4000"/>
+                            </p:stCondLst>
+                            <p:childTnLst>
+                              <p:par>
+                                <p:cTn id="18" presetID="10" presetClass="entr" presetSubtype="0" fill="hold" nodeType="afterEffect">
+                                  <p:stCondLst>
+                                    <p:cond delay="0"/>
+                                  </p:stCondLst>
+                                  <p:childTnLst>
+                                    <p:set>
+                                      <p:cBhvr>
+                                        <p:cTn id="19" dur="1" fill="hold">
+                                          <p:stCondLst>
+                                            <p:cond delay="0"/>
+                                          </p:stCondLst>
+                                        </p:cTn>
+                                        <p:tgtEl>
+                                          <p:spTgt spid="1026"/>
+                                        </p:tgtEl>
+                                        <p:attrNameLst>
+                                          <p:attrName>style.visibility</p:attrName>
+                                        </p:attrNameLst>
+                                      </p:cBhvr>
+                                      <p:to>
+                                        <p:strVal val="visible"/>
+                                      </p:to>
+                                    </p:set>
+                                    <p:animEffect transition="in" filter="fade">
+                                      <p:cBhvr>
+                                        <p:cTn id="20" dur="2000"/>
+                                        <p:tgtEl>
+                                          <p:spTgt spid="1026"/>
+                                        </p:tgtEl>
+                                      </p:cBhvr>
+                                    </p:animEffect>
+                                  </p:childTnLst>
+                                </p:cTn>
+                              </p:par>
+                            </p:childTnLst>
+                          </p:cTn>
+                        </p:par>
+                      </p:childTnLst>
+                    </p:cTn>
+                  </p:par>
                 </p:childTnLst>
               </p:cTn>
               <p:prevCondLst>
@@ -12452,11 +12658,7 @@
           <a:p>
             <a:r>
               <a:rPr lang="nl-BE" dirty="0" smtClean="0"/>
-              <a:t>Artilium: </a:t>
-            </a:r>
-            <a:r>
-              <a:rPr lang="nl-BE" dirty="0" smtClean="0"/>
-              <a:t>Team Room</a:t>
+              <a:t>Artilium: Team Room</a:t>
             </a:r>
             <a:endParaRPr lang="en-US" dirty="0"/>
           </a:p>

--- a/trunk/Agile.net/Agile.net.pptx
+++ b/trunk/Agile.net/Agile.net.pptx
@@ -24,6 +24,8 @@
     <p:sldId id="263" r:id="rId18"/>
     <p:sldId id="264" r:id="rId19"/>
     <p:sldId id="265" r:id="rId20"/>
+    <p:sldId id="277" r:id="rId21"/>
+    <p:sldId id="278" r:id="rId22"/>
   </p:sldIdLst>
   <p:sldSz cx="9144000" cy="6858000" type="screen4x3"/>
   <p:notesSz cx="6858000" cy="9144000"/>
@@ -260,7 +262,7 @@
             <a:fld id="{09609310-A27C-4486-85E6-BEA22C115EFC}" type="datetimeFigureOut">
               <a:rPr lang="en-US" smtClean="0"/>
               <a:pPr/>
-              <a:t>11/11/2008</a:t>
+              <a:t>11/14/2008</a:t>
             </a:fld>
             <a:endParaRPr lang="en-US"/>
           </a:p>
@@ -585,7 +587,7 @@
             <a:fld id="{09609310-A27C-4486-85E6-BEA22C115EFC}" type="datetimeFigureOut">
               <a:rPr lang="en-US" smtClean="0"/>
               <a:pPr/>
-              <a:t>11/11/2008</a:t>
+              <a:t>11/14/2008</a:t>
             </a:fld>
             <a:endParaRPr lang="en-US"/>
           </a:p>
@@ -775,7 +777,7 @@
             <a:fld id="{09609310-A27C-4486-85E6-BEA22C115EFC}" type="datetimeFigureOut">
               <a:rPr lang="en-US" smtClean="0"/>
               <a:pPr/>
-              <a:t>11/11/2008</a:t>
+              <a:t>11/14/2008</a:t>
             </a:fld>
             <a:endParaRPr lang="en-US"/>
           </a:p>
@@ -1021,7 +1023,7 @@
             <a:fld id="{5AB54E97-EA14-4D6D-B65E-B97DF81584A8}" type="datetimeFigureOut">
               <a:rPr lang="en-US" smtClean="0"/>
               <a:pPr/>
-              <a:t>11/11/2008</a:t>
+              <a:t>11/14/2008</a:t>
             </a:fld>
             <a:endParaRPr lang="en-US"/>
           </a:p>
@@ -1191,7 +1193,7 @@
             <a:fld id="{5AB54E97-EA14-4D6D-B65E-B97DF81584A8}" type="datetimeFigureOut">
               <a:rPr lang="en-US" smtClean="0"/>
               <a:pPr/>
-              <a:t>11/11/2008</a:t>
+              <a:t>11/14/2008</a:t>
             </a:fld>
             <a:endParaRPr lang="en-US"/>
           </a:p>
@@ -1437,7 +1439,7 @@
             <a:fld id="{5AB54E97-EA14-4D6D-B65E-B97DF81584A8}" type="datetimeFigureOut">
               <a:rPr lang="en-US" smtClean="0"/>
               <a:pPr/>
-              <a:t>11/11/2008</a:t>
+              <a:t>11/14/2008</a:t>
             </a:fld>
             <a:endParaRPr lang="en-US"/>
           </a:p>
@@ -1725,7 +1727,7 @@
             <a:fld id="{5AB54E97-EA14-4D6D-B65E-B97DF81584A8}" type="datetimeFigureOut">
               <a:rPr lang="en-US" smtClean="0"/>
               <a:pPr/>
-              <a:t>11/11/2008</a:t>
+              <a:t>11/14/2008</a:t>
             </a:fld>
             <a:endParaRPr lang="en-US"/>
           </a:p>
@@ -2147,7 +2149,7 @@
             <a:fld id="{5AB54E97-EA14-4D6D-B65E-B97DF81584A8}" type="datetimeFigureOut">
               <a:rPr lang="en-US" smtClean="0"/>
               <a:pPr/>
-              <a:t>11/11/2008</a:t>
+              <a:t>11/14/2008</a:t>
             </a:fld>
             <a:endParaRPr lang="en-US"/>
           </a:p>
@@ -2265,7 +2267,7 @@
             <a:fld id="{5AB54E97-EA14-4D6D-B65E-B97DF81584A8}" type="datetimeFigureOut">
               <a:rPr lang="en-US" smtClean="0"/>
               <a:pPr/>
-              <a:t>11/11/2008</a:t>
+              <a:t>11/14/2008</a:t>
             </a:fld>
             <a:endParaRPr lang="en-US"/>
           </a:p>
@@ -2360,7 +2362,7 @@
             <a:fld id="{5AB54E97-EA14-4D6D-B65E-B97DF81584A8}" type="datetimeFigureOut">
               <a:rPr lang="en-US" smtClean="0"/>
               <a:pPr/>
-              <a:t>11/11/2008</a:t>
+              <a:t>11/14/2008</a:t>
             </a:fld>
             <a:endParaRPr lang="en-US"/>
           </a:p>
@@ -2637,7 +2639,7 @@
             <a:fld id="{5AB54E97-EA14-4D6D-B65E-B97DF81584A8}" type="datetimeFigureOut">
               <a:rPr lang="en-US" smtClean="0"/>
               <a:pPr/>
-              <a:t>11/11/2008</a:t>
+              <a:t>11/14/2008</a:t>
             </a:fld>
             <a:endParaRPr lang="en-US"/>
           </a:p>
@@ -2813,7 +2815,7 @@
             <a:fld id="{09609310-A27C-4486-85E6-BEA22C115EFC}" type="datetimeFigureOut">
               <a:rPr lang="en-US" smtClean="0"/>
               <a:pPr/>
-              <a:t>11/11/2008</a:t>
+              <a:t>11/14/2008</a:t>
             </a:fld>
             <a:endParaRPr lang="en-US"/>
           </a:p>
@@ -3077,7 +3079,7 @@
             <a:fld id="{5AB54E97-EA14-4D6D-B65E-B97DF81584A8}" type="datetimeFigureOut">
               <a:rPr lang="en-US" smtClean="0"/>
               <a:pPr/>
-              <a:t>11/11/2008</a:t>
+              <a:t>11/14/2008</a:t>
             </a:fld>
             <a:endParaRPr lang="en-US"/>
           </a:p>
@@ -3247,7 +3249,7 @@
             <a:fld id="{5AB54E97-EA14-4D6D-B65E-B97DF81584A8}" type="datetimeFigureOut">
               <a:rPr lang="en-US" smtClean="0"/>
               <a:pPr/>
-              <a:t>11/11/2008</a:t>
+              <a:t>11/14/2008</a:t>
             </a:fld>
             <a:endParaRPr lang="en-US"/>
           </a:p>
@@ -3427,7 +3429,7 @@
             <a:fld id="{5AB54E97-EA14-4D6D-B65E-B97DF81584A8}" type="datetimeFigureOut">
               <a:rPr lang="en-US" smtClean="0"/>
               <a:pPr/>
-              <a:t>11/11/2008</a:t>
+              <a:t>11/14/2008</a:t>
             </a:fld>
             <a:endParaRPr lang="en-US"/>
           </a:p>
@@ -3696,7 +3698,7 @@
             <a:fld id="{09609310-A27C-4486-85E6-BEA22C115EFC}" type="datetimeFigureOut">
               <a:rPr lang="en-US" smtClean="0"/>
               <a:pPr/>
-              <a:t>11/11/2008</a:t>
+              <a:t>11/14/2008</a:t>
             </a:fld>
             <a:endParaRPr lang="en-US"/>
           </a:p>
@@ -4176,7 +4178,7 @@
             <a:fld id="{09609310-A27C-4486-85E6-BEA22C115EFC}" type="datetimeFigureOut">
               <a:rPr lang="en-US" smtClean="0"/>
               <a:pPr/>
-              <a:t>11/11/2008</a:t>
+              <a:t>11/14/2008</a:t>
             </a:fld>
             <a:endParaRPr lang="en-US"/>
           </a:p>
@@ -4670,7 +4672,7 @@
             <a:fld id="{09609310-A27C-4486-85E6-BEA22C115EFC}" type="datetimeFigureOut">
               <a:rPr lang="en-US" smtClean="0"/>
               <a:pPr/>
-              <a:t>11/11/2008</a:t>
+              <a:t>11/14/2008</a:t>
             </a:fld>
             <a:endParaRPr lang="en-US"/>
           </a:p>
@@ -4801,7 +4803,7 @@
             <a:fld id="{09609310-A27C-4486-85E6-BEA22C115EFC}" type="datetimeFigureOut">
               <a:rPr lang="en-US" smtClean="0"/>
               <a:pPr/>
-              <a:t>11/11/2008</a:t>
+              <a:t>11/14/2008</a:t>
             </a:fld>
             <a:endParaRPr lang="en-US"/>
           </a:p>
@@ -4950,7 +4952,7 @@
             <a:fld id="{09609310-A27C-4486-85E6-BEA22C115EFC}" type="datetimeFigureOut">
               <a:rPr lang="en-US" smtClean="0"/>
               <a:pPr/>
-              <a:t>11/11/2008</a:t>
+              <a:t>11/14/2008</a:t>
             </a:fld>
             <a:endParaRPr lang="en-US"/>
           </a:p>
@@ -5277,7 +5279,7 @@
             <a:fld id="{09609310-A27C-4486-85E6-BEA22C115EFC}" type="datetimeFigureOut">
               <a:rPr lang="en-US" smtClean="0"/>
               <a:pPr/>
-              <a:t>11/11/2008</a:t>
+              <a:t>11/14/2008</a:t>
             </a:fld>
             <a:endParaRPr lang="en-US"/>
           </a:p>
@@ -5416,7 +5418,7 @@
             <a:fld id="{09609310-A27C-4486-85E6-BEA22C115EFC}" type="datetimeFigureOut">
               <a:rPr lang="en-US" smtClean="0"/>
               <a:pPr/>
-              <a:t>11/11/2008</a:t>
+              <a:t>11/14/2008</a:t>
             </a:fld>
             <a:endParaRPr lang="en-US"/>
           </a:p>
@@ -6202,7 +6204,7 @@
             <a:fld id="{09609310-A27C-4486-85E6-BEA22C115EFC}" type="datetimeFigureOut">
               <a:rPr lang="en-US" smtClean="0"/>
               <a:pPr/>
-              <a:t>11/11/2008</a:t>
+              <a:t>11/14/2008</a:t>
             </a:fld>
             <a:endParaRPr lang="en-US"/>
           </a:p>
@@ -6845,7 +6847,7 @@
             <a:fld id="{5AB54E97-EA14-4D6D-B65E-B97DF81584A8}" type="datetimeFigureOut">
               <a:rPr lang="en-US" smtClean="0"/>
               <a:pPr/>
-              <a:t>11/11/2008</a:t>
+              <a:t>11/14/2008</a:t>
             </a:fld>
             <a:endParaRPr lang="en-US"/>
           </a:p>
@@ -7961,39 +7963,51 @@
         </p:nvSpPr>
         <p:spPr/>
         <p:txBody>
+          <a:bodyPr>
+            <a:normAutofit fontScale="90000"/>
+          </a:bodyPr>
+          <a:lstStyle/>
+          <a:p>
+            <a:r>
+              <a:rPr lang="nl-BE" dirty="0" smtClean="0"/>
+              <a:t>Artilium: </a:t>
+            </a:r>
+            <a:r>
+              <a:rPr lang="nl-BE" dirty="0" smtClean="0"/>
+              <a:t>Continuous Improvement</a:t>
+            </a:r>
+            <a:endParaRPr lang="en-US" dirty="0"/>
+          </a:p>
+        </p:txBody>
+      </p:sp>
+      <p:sp>
+        <p:nvSpPr>
+          <p:cNvPr id="3" name="Content Placeholder 2"/>
+          <p:cNvSpPr>
+            <a:spLocks noGrp="1"/>
+          </p:cNvSpPr>
+          <p:nvPr>
+            <p:ph idx="1"/>
+          </p:nvPr>
+        </p:nvSpPr>
+        <p:spPr/>
+        <p:txBody>
           <a:bodyPr/>
           <a:lstStyle/>
           <a:p>
             <a:r>
               <a:rPr lang="nl-BE" dirty="0" smtClean="0"/>
-              <a:t>Artilium: Evolution</a:t>
-            </a:r>
-            <a:endParaRPr lang="en-US" dirty="0"/>
-          </a:p>
-        </p:txBody>
-      </p:sp>
-      <p:sp>
-        <p:nvSpPr>
-          <p:cNvPr id="3" name="Content Placeholder 2"/>
-          <p:cNvSpPr>
-            <a:spLocks noGrp="1"/>
-          </p:cNvSpPr>
-          <p:nvPr>
-            <p:ph idx="1"/>
-          </p:nvPr>
-        </p:nvSpPr>
-        <p:spPr/>
-        <p:txBody>
-          <a:bodyPr/>
-          <a:lstStyle/>
+              <a:t>From no build to full build</a:t>
+            </a:r>
+          </a:p>
           <a:p>
             <a:r>
               <a:rPr lang="nl-BE" dirty="0" smtClean="0"/>
-              <a:t>Design: </a:t>
+              <a:t>From </a:t>
             </a:r>
             <a:r>
               <a:rPr lang="nl-BE" dirty="0" smtClean="0"/>
-              <a:t>From BDUF to incremental design</a:t>
+              <a:t>BDUF to incremental design</a:t>
             </a:r>
           </a:p>
           <a:p>
@@ -8004,10 +8018,61 @@
           </a:p>
           <a:p>
             <a:r>
-              <a:rPr lang="nl-BE" smtClean="0"/>
-              <a:t>4 week sprints to 2 week sprints</a:t>
-            </a:r>
-            <a:endParaRPr lang="en-US" dirty="0"/>
+              <a:rPr lang="nl-BE" dirty="0" smtClean="0"/>
+              <a:t>4 week sprints to 2 week </a:t>
+            </a:r>
+            <a:r>
+              <a:rPr lang="nl-BE" dirty="0" smtClean="0"/>
+              <a:t>sprints</a:t>
+            </a:r>
+          </a:p>
+          <a:p>
+            <a:r>
+              <a:rPr lang="nl-BE" dirty="0" smtClean="0"/>
+              <a:t>...</a:t>
+            </a:r>
+          </a:p>
+        </p:txBody>
+      </p:sp>
+      <p:sp>
+        <p:nvSpPr>
+          <p:cNvPr id="4" name="Rectangle 3"/>
+          <p:cNvSpPr/>
+          <p:nvPr/>
+        </p:nvSpPr>
+        <p:spPr>
+          <a:xfrm>
+            <a:off x="214282" y="4857760"/>
+            <a:ext cx="8643998" cy="1143008"/>
+          </a:xfrm>
+          <a:prstGeom prst="rect">
+            <a:avLst/>
+          </a:prstGeom>
+        </p:spPr>
+        <p:style>
+          <a:lnRef idx="1">
+            <a:schemeClr val="accent5"/>
+          </a:lnRef>
+          <a:fillRef idx="2">
+            <a:schemeClr val="accent5"/>
+          </a:fillRef>
+          <a:effectRef idx="1">
+            <a:schemeClr val="accent5"/>
+          </a:effectRef>
+          <a:fontRef idx="minor">
+            <a:schemeClr val="dk1"/>
+          </a:fontRef>
+        </p:style>
+        <p:txBody>
+          <a:bodyPr rtlCol="0" anchor="ctr"/>
+          <a:lstStyle/>
+          <a:p>
+            <a:pPr algn="ctr"/>
+            <a:r>
+              <a:rPr lang="nl-BE" sz="6000" dirty="0" smtClean="0"/>
+              <a:t>Retrospectives rules</a:t>
+            </a:r>
+            <a:endParaRPr lang="nl-BE" sz="6000" dirty="0" smtClean="0"/>
           </a:p>
         </p:txBody>
       </p:sp>
@@ -8022,9 +8087,386 @@
   <p:timing>
     <p:tnLst>
       <p:par>
-        <p:cTn id="1" dur="indefinite" restart="never" nodeType="tmRoot"/>
+        <p:cTn id="1" dur="indefinite" restart="never" nodeType="tmRoot">
+          <p:childTnLst>
+            <p:seq concurrent="1" nextAc="seek">
+              <p:cTn id="2" dur="indefinite" nodeType="mainSeq">
+                <p:childTnLst>
+                  <p:par>
+                    <p:cTn id="3" fill="hold">
+                      <p:stCondLst>
+                        <p:cond delay="indefinite"/>
+                      </p:stCondLst>
+                      <p:childTnLst>
+                        <p:par>
+                          <p:cTn id="4" fill="hold">
+                            <p:stCondLst>
+                              <p:cond delay="0"/>
+                            </p:stCondLst>
+                            <p:childTnLst>
+                              <p:par>
+                                <p:cTn id="5" presetID="10" presetClass="entr" presetSubtype="0" fill="hold" grpId="0" nodeType="clickEffect">
+                                  <p:stCondLst>
+                                    <p:cond delay="0"/>
+                                  </p:stCondLst>
+                                  <p:childTnLst>
+                                    <p:set>
+                                      <p:cBhvr>
+                                        <p:cTn id="6" dur="1" fill="hold">
+                                          <p:stCondLst>
+                                            <p:cond delay="0"/>
+                                          </p:stCondLst>
+                                        </p:cTn>
+                                        <p:tgtEl>
+                                          <p:spTgt spid="3">
+                                            <p:txEl>
+                                              <p:pRg st="0" end="0"/>
+                                            </p:txEl>
+                                          </p:spTgt>
+                                        </p:tgtEl>
+                                        <p:attrNameLst>
+                                          <p:attrName>style.visibility</p:attrName>
+                                        </p:attrNameLst>
+                                      </p:cBhvr>
+                                      <p:to>
+                                        <p:strVal val="visible"/>
+                                      </p:to>
+                                    </p:set>
+                                    <p:animEffect transition="in" filter="fade">
+                                      <p:cBhvr>
+                                        <p:cTn id="7" dur="2000"/>
+                                        <p:tgtEl>
+                                          <p:spTgt spid="3">
+                                            <p:txEl>
+                                              <p:pRg st="0" end="0"/>
+                                            </p:txEl>
+                                          </p:spTgt>
+                                        </p:tgtEl>
+                                      </p:cBhvr>
+                                    </p:animEffect>
+                                  </p:childTnLst>
+                                </p:cTn>
+                              </p:par>
+                            </p:childTnLst>
+                          </p:cTn>
+                        </p:par>
+                      </p:childTnLst>
+                    </p:cTn>
+                  </p:par>
+                  <p:par>
+                    <p:cTn id="8" fill="hold">
+                      <p:stCondLst>
+                        <p:cond delay="indefinite"/>
+                      </p:stCondLst>
+                      <p:childTnLst>
+                        <p:par>
+                          <p:cTn id="9" fill="hold">
+                            <p:stCondLst>
+                              <p:cond delay="0"/>
+                            </p:stCondLst>
+                            <p:childTnLst>
+                              <p:par>
+                                <p:cTn id="10" presetID="10" presetClass="entr" presetSubtype="0" fill="hold" grpId="0" nodeType="clickEffect">
+                                  <p:stCondLst>
+                                    <p:cond delay="0"/>
+                                  </p:stCondLst>
+                                  <p:childTnLst>
+                                    <p:set>
+                                      <p:cBhvr>
+                                        <p:cTn id="11" dur="1" fill="hold">
+                                          <p:stCondLst>
+                                            <p:cond delay="0"/>
+                                          </p:stCondLst>
+                                        </p:cTn>
+                                        <p:tgtEl>
+                                          <p:spTgt spid="3">
+                                            <p:txEl>
+                                              <p:pRg st="1" end="1"/>
+                                            </p:txEl>
+                                          </p:spTgt>
+                                        </p:tgtEl>
+                                        <p:attrNameLst>
+                                          <p:attrName>style.visibility</p:attrName>
+                                        </p:attrNameLst>
+                                      </p:cBhvr>
+                                      <p:to>
+                                        <p:strVal val="visible"/>
+                                      </p:to>
+                                    </p:set>
+                                    <p:animEffect transition="in" filter="fade">
+                                      <p:cBhvr>
+                                        <p:cTn id="12" dur="2000"/>
+                                        <p:tgtEl>
+                                          <p:spTgt spid="3">
+                                            <p:txEl>
+                                              <p:pRg st="1" end="1"/>
+                                            </p:txEl>
+                                          </p:spTgt>
+                                        </p:tgtEl>
+                                      </p:cBhvr>
+                                    </p:animEffect>
+                                  </p:childTnLst>
+                                </p:cTn>
+                              </p:par>
+                            </p:childTnLst>
+                          </p:cTn>
+                        </p:par>
+                      </p:childTnLst>
+                    </p:cTn>
+                  </p:par>
+                  <p:par>
+                    <p:cTn id="13" fill="hold">
+                      <p:stCondLst>
+                        <p:cond delay="indefinite"/>
+                      </p:stCondLst>
+                      <p:childTnLst>
+                        <p:par>
+                          <p:cTn id="14" fill="hold">
+                            <p:stCondLst>
+                              <p:cond delay="0"/>
+                            </p:stCondLst>
+                            <p:childTnLst>
+                              <p:par>
+                                <p:cTn id="15" presetID="10" presetClass="entr" presetSubtype="0" fill="hold" grpId="0" nodeType="clickEffect">
+                                  <p:stCondLst>
+                                    <p:cond delay="0"/>
+                                  </p:stCondLst>
+                                  <p:childTnLst>
+                                    <p:set>
+                                      <p:cBhvr>
+                                        <p:cTn id="16" dur="1" fill="hold">
+                                          <p:stCondLst>
+                                            <p:cond delay="0"/>
+                                          </p:stCondLst>
+                                        </p:cTn>
+                                        <p:tgtEl>
+                                          <p:spTgt spid="3">
+                                            <p:txEl>
+                                              <p:pRg st="2" end="2"/>
+                                            </p:txEl>
+                                          </p:spTgt>
+                                        </p:tgtEl>
+                                        <p:attrNameLst>
+                                          <p:attrName>style.visibility</p:attrName>
+                                        </p:attrNameLst>
+                                      </p:cBhvr>
+                                      <p:to>
+                                        <p:strVal val="visible"/>
+                                      </p:to>
+                                    </p:set>
+                                    <p:animEffect transition="in" filter="fade">
+                                      <p:cBhvr>
+                                        <p:cTn id="17" dur="2000"/>
+                                        <p:tgtEl>
+                                          <p:spTgt spid="3">
+                                            <p:txEl>
+                                              <p:pRg st="2" end="2"/>
+                                            </p:txEl>
+                                          </p:spTgt>
+                                        </p:tgtEl>
+                                      </p:cBhvr>
+                                    </p:animEffect>
+                                  </p:childTnLst>
+                                </p:cTn>
+                              </p:par>
+                            </p:childTnLst>
+                          </p:cTn>
+                        </p:par>
+                      </p:childTnLst>
+                    </p:cTn>
+                  </p:par>
+                  <p:par>
+                    <p:cTn id="18" fill="hold">
+                      <p:stCondLst>
+                        <p:cond delay="indefinite"/>
+                      </p:stCondLst>
+                      <p:childTnLst>
+                        <p:par>
+                          <p:cTn id="19" fill="hold">
+                            <p:stCondLst>
+                              <p:cond delay="0"/>
+                            </p:stCondLst>
+                            <p:childTnLst>
+                              <p:par>
+                                <p:cTn id="20" presetID="10" presetClass="entr" presetSubtype="0" fill="hold" grpId="0" nodeType="clickEffect">
+                                  <p:stCondLst>
+                                    <p:cond delay="0"/>
+                                  </p:stCondLst>
+                                  <p:childTnLst>
+                                    <p:set>
+                                      <p:cBhvr>
+                                        <p:cTn id="21" dur="1" fill="hold">
+                                          <p:stCondLst>
+                                            <p:cond delay="0"/>
+                                          </p:stCondLst>
+                                        </p:cTn>
+                                        <p:tgtEl>
+                                          <p:spTgt spid="3">
+                                            <p:txEl>
+                                              <p:pRg st="3" end="3"/>
+                                            </p:txEl>
+                                          </p:spTgt>
+                                        </p:tgtEl>
+                                        <p:attrNameLst>
+                                          <p:attrName>style.visibility</p:attrName>
+                                        </p:attrNameLst>
+                                      </p:cBhvr>
+                                      <p:to>
+                                        <p:strVal val="visible"/>
+                                      </p:to>
+                                    </p:set>
+                                    <p:animEffect transition="in" filter="fade">
+                                      <p:cBhvr>
+                                        <p:cTn id="22" dur="2000"/>
+                                        <p:tgtEl>
+                                          <p:spTgt spid="3">
+                                            <p:txEl>
+                                              <p:pRg st="3" end="3"/>
+                                            </p:txEl>
+                                          </p:spTgt>
+                                        </p:tgtEl>
+                                      </p:cBhvr>
+                                    </p:animEffect>
+                                  </p:childTnLst>
+                                </p:cTn>
+                              </p:par>
+                            </p:childTnLst>
+                          </p:cTn>
+                        </p:par>
+                      </p:childTnLst>
+                    </p:cTn>
+                  </p:par>
+                  <p:par>
+                    <p:cTn id="23" fill="hold">
+                      <p:stCondLst>
+                        <p:cond delay="indefinite"/>
+                      </p:stCondLst>
+                      <p:childTnLst>
+                        <p:par>
+                          <p:cTn id="24" fill="hold">
+                            <p:stCondLst>
+                              <p:cond delay="0"/>
+                            </p:stCondLst>
+                            <p:childTnLst>
+                              <p:par>
+                                <p:cTn id="25" presetID="10" presetClass="entr" presetSubtype="0" fill="hold" grpId="0" nodeType="clickEffect">
+                                  <p:stCondLst>
+                                    <p:cond delay="0"/>
+                                  </p:stCondLst>
+                                  <p:childTnLst>
+                                    <p:set>
+                                      <p:cBhvr>
+                                        <p:cTn id="26" dur="1" fill="hold">
+                                          <p:stCondLst>
+                                            <p:cond delay="0"/>
+                                          </p:stCondLst>
+                                        </p:cTn>
+                                        <p:tgtEl>
+                                          <p:spTgt spid="3">
+                                            <p:txEl>
+                                              <p:pRg st="4" end="4"/>
+                                            </p:txEl>
+                                          </p:spTgt>
+                                        </p:tgtEl>
+                                        <p:attrNameLst>
+                                          <p:attrName>style.visibility</p:attrName>
+                                        </p:attrNameLst>
+                                      </p:cBhvr>
+                                      <p:to>
+                                        <p:strVal val="visible"/>
+                                      </p:to>
+                                    </p:set>
+                                    <p:animEffect transition="in" filter="fade">
+                                      <p:cBhvr>
+                                        <p:cTn id="27" dur="2000"/>
+                                        <p:tgtEl>
+                                          <p:spTgt spid="3">
+                                            <p:txEl>
+                                              <p:pRg st="4" end="4"/>
+                                            </p:txEl>
+                                          </p:spTgt>
+                                        </p:tgtEl>
+                                      </p:cBhvr>
+                                    </p:animEffect>
+                                  </p:childTnLst>
+                                </p:cTn>
+                              </p:par>
+                            </p:childTnLst>
+                          </p:cTn>
+                        </p:par>
+                      </p:childTnLst>
+                    </p:cTn>
+                  </p:par>
+                  <p:par>
+                    <p:cTn id="28" fill="hold">
+                      <p:stCondLst>
+                        <p:cond delay="indefinite"/>
+                      </p:stCondLst>
+                      <p:childTnLst>
+                        <p:par>
+                          <p:cTn id="29" fill="hold">
+                            <p:stCondLst>
+                              <p:cond delay="0"/>
+                            </p:stCondLst>
+                            <p:childTnLst>
+                              <p:par>
+                                <p:cTn id="30" presetID="1" presetClass="entr" presetSubtype="0" fill="hold" grpId="0" nodeType="clickEffect">
+                                  <p:stCondLst>
+                                    <p:cond delay="0"/>
+                                  </p:stCondLst>
+                                  <p:childTnLst>
+                                    <p:set>
+                                      <p:cBhvr>
+                                        <p:cTn id="31" dur="1" fill="hold">
+                                          <p:stCondLst>
+                                            <p:cond delay="0"/>
+                                          </p:stCondLst>
+                                        </p:cTn>
+                                        <p:tgtEl>
+                                          <p:spTgt spid="4"/>
+                                        </p:tgtEl>
+                                        <p:attrNameLst>
+                                          <p:attrName>style.visibility</p:attrName>
+                                        </p:attrNameLst>
+                                      </p:cBhvr>
+                                      <p:to>
+                                        <p:strVal val="visible"/>
+                                      </p:to>
+                                    </p:set>
+                                  </p:childTnLst>
+                                </p:cTn>
+                              </p:par>
+                            </p:childTnLst>
+                          </p:cTn>
+                        </p:par>
+                      </p:childTnLst>
+                    </p:cTn>
+                  </p:par>
+                </p:childTnLst>
+              </p:cTn>
+              <p:prevCondLst>
+                <p:cond evt="onPrev" delay="0">
+                  <p:tgtEl>
+                    <p:sldTgt/>
+                  </p:tgtEl>
+                </p:cond>
+              </p:prevCondLst>
+              <p:nextCondLst>
+                <p:cond evt="onNext" delay="0">
+                  <p:tgtEl>
+                    <p:sldTgt/>
+                  </p:tgtEl>
+                </p:cond>
+              </p:nextCondLst>
+            </p:seq>
+          </p:childTnLst>
+        </p:cTn>
       </p:par>
     </p:tnLst>
+    <p:bldLst>
+      <p:bldP spid="3" grpId="0" build="p"/>
+      <p:bldP spid="4" grpId="0" animBg="1"/>
+    </p:bldLst>
   </p:timing>
 </p:sld>
 </file>
@@ -8084,7 +8526,23 @@
           <a:bodyPr/>
           <a:lstStyle/>
           <a:p>
-            <a:endParaRPr lang="en-US"/>
+            <a:r>
+              <a:rPr lang="nl-BE" dirty="0" smtClean="0"/>
+              <a:t>Mixed team</a:t>
+            </a:r>
+          </a:p>
+          <a:p>
+            <a:r>
+              <a:rPr lang="nl-BE" dirty="0" smtClean="0"/>
+              <a:t>How new members are introduced</a:t>
+            </a:r>
+          </a:p>
+          <a:p>
+            <a:r>
+              <a:rPr lang="nl-BE" dirty="0" smtClean="0"/>
+              <a:t>How coaches became team members</a:t>
+            </a:r>
+            <a:endParaRPr lang="en-US" dirty="0"/>
           </a:p>
         </p:txBody>
       </p:sp>
@@ -8140,11 +8598,92 @@
           <a:p>
             <a:r>
               <a:rPr lang="nl-BE" dirty="0" smtClean="0"/>
-              <a:t>Artilium:</a:t>
+              <a:t>.net:</a:t>
             </a:r>
             <a:r>
               <a:rPr lang="nl-BE" baseline="0" dirty="0" smtClean="0"/>
-              <a:t> Tools in .net</a:t>
+              <a:t> Development Environment</a:t>
+            </a:r>
+            <a:endParaRPr lang="en-US" dirty="0"/>
+          </a:p>
+        </p:txBody>
+      </p:sp>
+      <p:sp>
+        <p:nvSpPr>
+          <p:cNvPr id="3" name="Content Placeholder 2"/>
+          <p:cNvSpPr>
+            <a:spLocks noGrp="1"/>
+          </p:cNvSpPr>
+          <p:nvPr>
+            <p:ph idx="1"/>
+          </p:nvPr>
+        </p:nvSpPr>
+        <p:spPr/>
+        <p:txBody>
+          <a:bodyPr/>
+          <a:lstStyle/>
+          <a:p>
+            <a:endParaRPr lang="en-US"/>
+          </a:p>
+        </p:txBody>
+      </p:sp>
+    </p:spTree>
+  </p:cSld>
+  <p:clrMapOvr>
+    <a:masterClrMapping/>
+  </p:clrMapOvr>
+  <p:transition>
+    <p:fade/>
+  </p:transition>
+  <p:timing>
+    <p:tnLst>
+      <p:par>
+        <p:cTn id="1" dur="indefinite" restart="never" nodeType="tmRoot"/>
+      </p:par>
+    </p:tnLst>
+  </p:timing>
+</p:sld>
+</file>
+
+<file path=ppt/slides/slide19.xml><?xml version="1.0" encoding="utf-8"?>
+<p:sld xmlns:a="http://schemas.openxmlformats.org/drawingml/2006/main" xmlns:r="http://schemas.openxmlformats.org/officeDocument/2006/relationships" xmlns:p="http://schemas.openxmlformats.org/presentationml/2006/main">
+  <p:cSld>
+    <p:spTree>
+      <p:nvGrpSpPr>
+        <p:cNvPr id="1" name=""/>
+        <p:cNvGrpSpPr/>
+        <p:nvPr/>
+      </p:nvGrpSpPr>
+      <p:grpSpPr>
+        <a:xfrm>
+          <a:off x="0" y="0"/>
+          <a:ext cx="0" cy="0"/>
+          <a:chOff x="0" y="0"/>
+          <a:chExt cx="0" cy="0"/>
+        </a:xfrm>
+      </p:grpSpPr>
+      <p:sp>
+        <p:nvSpPr>
+          <p:cNvPr id="2" name="Title 1"/>
+          <p:cNvSpPr>
+            <a:spLocks noGrp="1"/>
+          </p:cNvSpPr>
+          <p:nvPr>
+            <p:ph type="title"/>
+          </p:nvPr>
+        </p:nvSpPr>
+        <p:spPr/>
+        <p:txBody>
+          <a:bodyPr/>
+          <a:lstStyle/>
+          <a:p>
+            <a:r>
+              <a:rPr lang="nl-BE" dirty="0" smtClean="0"/>
+              <a:t>.net:</a:t>
+            </a:r>
+            <a:r>
+              <a:rPr lang="nl-BE" baseline="0" dirty="0" smtClean="0"/>
+              <a:t> Development Lifecycle</a:t>
             </a:r>
             <a:endParaRPr lang="en-US" dirty="0"/>
           </a:p>
@@ -8254,8 +8793,175 @@
           </p:nvPr>
         </p:nvGraphicFramePr>
         <p:xfrm>
-          <a:off x="1435100" y="1447801"/>
-          <a:ext cx="7499349" cy="4297680"/>
+          <a:off x="1357290" y="3357562"/>
+          <a:ext cx="7499349" cy="944880"/>
+        </p:xfrm>
+        <a:graphic>
+          <a:graphicData uri="http://schemas.openxmlformats.org/drawingml/2006/table">
+            <a:tbl>
+              <a:tblPr firstRow="1" bandRow="1"/>
+              <a:tblGrid>
+                <a:gridCol w="2994024"/>
+                <a:gridCol w="1214446"/>
+                <a:gridCol w="3290879"/>
+              </a:tblGrid>
+              <a:tr h="340281">
+                <a:tc>
+                  <a:txBody>
+                    <a:bodyPr/>
+                    <a:lstStyle/>
+                    <a:p>
+                      <a:pPr algn="l"/>
+                      <a:r>
+                        <a:rPr lang="nl-BE" sz="2800" baseline="0" dirty="0" smtClean="0">
+                          <a:effectLst>
+                            <a:glow rad="63500">
+                              <a:schemeClr val="accent4">
+                                <a:satMod val="175000"/>
+                                <a:alpha val="40000"/>
+                              </a:schemeClr>
+                            </a:glow>
+                          </a:effectLst>
+                        </a:rPr>
+                        <a:t>Customer collaboration</a:t>
+                      </a:r>
+                      <a:endParaRPr lang="en-US" sz="2800" dirty="0">
+                        <a:effectLst>
+                          <a:glow rad="63500">
+                            <a:schemeClr val="accent4">
+                              <a:satMod val="175000"/>
+                              <a:alpha val="40000"/>
+                            </a:schemeClr>
+                          </a:glow>
+                        </a:effectLst>
+                      </a:endParaRPr>
+                    </a:p>
+                  </a:txBody>
+                  <a:tcPr anchor="ctr">
+                    <a:lnL w="12700" cmpd="sng">
+                      <a:noFill/>
+                      <a:prstDash val="solid"/>
+                    </a:lnL>
+                    <a:lnR w="12700" cmpd="sng">
+                      <a:noFill/>
+                      <a:prstDash val="solid"/>
+                    </a:lnR>
+                    <a:lnT w="12700" cmpd="sng">
+                      <a:noFill/>
+                      <a:prstDash val="solid"/>
+                    </a:lnT>
+                    <a:lnB w="12700" cmpd="sng">
+                      <a:noFill/>
+                      <a:prstDash val="solid"/>
+                    </a:lnB>
+                    <a:lnTlToBr w="12700" cmpd="sng">
+                      <a:noFill/>
+                      <a:prstDash val="solid"/>
+                    </a:lnTlToBr>
+                    <a:lnBlToTr w="12700" cmpd="sng">
+                      <a:noFill/>
+                      <a:prstDash val="solid"/>
+                    </a:lnBlToTr>
+                  </a:tcPr>
+                </a:tc>
+                <a:tc>
+                  <a:txBody>
+                    <a:bodyPr/>
+                    <a:lstStyle/>
+                    <a:p>
+                      <a:pPr algn="ctr"/>
+                      <a:r>
+                        <a:rPr lang="nl-BE" sz="2800" i="1" baseline="0" dirty="0" smtClean="0"/>
+                        <a:t>over</a:t>
+                      </a:r>
+                      <a:endParaRPr lang="en-US" sz="2800" i="1" dirty="0"/>
+                    </a:p>
+                  </a:txBody>
+                  <a:tcPr anchor="ctr">
+                    <a:lnL w="12700" cmpd="sng">
+                      <a:noFill/>
+                      <a:prstDash val="solid"/>
+                    </a:lnL>
+                    <a:lnR w="12700" cmpd="sng">
+                      <a:noFill/>
+                      <a:prstDash val="solid"/>
+                    </a:lnR>
+                    <a:lnT w="12700" cmpd="sng">
+                      <a:noFill/>
+                      <a:prstDash val="solid"/>
+                    </a:lnT>
+                    <a:lnB w="12700" cmpd="sng">
+                      <a:noFill/>
+                      <a:prstDash val="solid"/>
+                    </a:lnB>
+                    <a:lnTlToBr w="12700" cmpd="sng">
+                      <a:noFill/>
+                      <a:prstDash val="solid"/>
+                    </a:lnTlToBr>
+                    <a:lnBlToTr w="12700" cmpd="sng">
+                      <a:noFill/>
+                      <a:prstDash val="solid"/>
+                    </a:lnBlToTr>
+                  </a:tcPr>
+                </a:tc>
+                <a:tc>
+                  <a:txBody>
+                    <a:bodyPr/>
+                    <a:lstStyle/>
+                    <a:p>
+                      <a:pPr algn="l"/>
+                      <a:r>
+                        <a:rPr lang="nl-BE" sz="2800" baseline="0" dirty="0" smtClean="0"/>
+                        <a:t>Contract negotiation</a:t>
+                      </a:r>
+                      <a:endParaRPr lang="en-US" sz="2800" dirty="0"/>
+                    </a:p>
+                  </a:txBody>
+                  <a:tcPr anchor="ctr">
+                    <a:lnL w="12700" cmpd="sng">
+                      <a:noFill/>
+                      <a:prstDash val="solid"/>
+                    </a:lnL>
+                    <a:lnR w="12700" cmpd="sng">
+                      <a:noFill/>
+                      <a:prstDash val="solid"/>
+                    </a:lnR>
+                    <a:lnT w="12700" cmpd="sng">
+                      <a:noFill/>
+                      <a:prstDash val="solid"/>
+                    </a:lnT>
+                    <a:lnB w="12700" cmpd="sng">
+                      <a:noFill/>
+                      <a:prstDash val="solid"/>
+                    </a:lnB>
+                    <a:lnTlToBr w="12700" cmpd="sng">
+                      <a:noFill/>
+                      <a:prstDash val="solid"/>
+                    </a:lnTlToBr>
+                    <a:lnBlToTr w="12700" cmpd="sng">
+                      <a:noFill/>
+                      <a:prstDash val="solid"/>
+                    </a:lnBlToTr>
+                  </a:tcPr>
+                </a:tc>
+              </a:tr>
+            </a:tbl>
+          </a:graphicData>
+        </a:graphic>
+      </p:graphicFrame>
+      <p:graphicFrame>
+        <p:nvGraphicFramePr>
+          <p:cNvPr id="10" name="Content Placeholder 3"/>
+          <p:cNvGraphicFramePr>
+            <a:graphicFrameLocks noGrp="1"/>
+          </p:cNvGraphicFramePr>
+          <p:nvPr>
+            <p:ph idx="1"/>
+          </p:nvPr>
+        </p:nvGraphicFramePr>
+        <p:xfrm>
+          <a:off x="1357290" y="1285860"/>
+          <a:ext cx="7499349" cy="944880"/>
         </p:xfrm>
         <a:graphic>
           <a:graphicData uri="http://schemas.openxmlformats.org/drawingml/2006/table">
@@ -8435,6 +9141,33 @@
                   </a:tcPr>
                 </a:tc>
               </a:tr>
+            </a:tbl>
+          </a:graphicData>
+        </a:graphic>
+      </p:graphicFrame>
+      <p:graphicFrame>
+        <p:nvGraphicFramePr>
+          <p:cNvPr id="11" name="Content Placeholder 3"/>
+          <p:cNvGraphicFramePr>
+            <a:graphicFrameLocks noGrp="1"/>
+          </p:cNvGraphicFramePr>
+          <p:nvPr>
+            <p:ph idx="1"/>
+          </p:nvPr>
+        </p:nvGraphicFramePr>
+        <p:xfrm>
+          <a:off x="1357290" y="2357430"/>
+          <a:ext cx="7499349" cy="944880"/>
+        </p:xfrm>
+        <a:graphic>
+          <a:graphicData uri="http://schemas.openxmlformats.org/drawingml/2006/table">
+            <a:tbl>
+              <a:tblPr firstRow="1" bandRow="1"/>
+              <a:tblGrid>
+                <a:gridCol w="2994024"/>
+                <a:gridCol w="1214446"/>
+                <a:gridCol w="3290879"/>
+              </a:tblGrid>
               <a:tr h="587335">
                 <a:tc>
                   <a:txBody>
@@ -8575,146 +9308,33 @@
                   </a:tcPr>
                 </a:tc>
               </a:tr>
-              <a:tr h="340281">
-                <a:tc>
-                  <a:txBody>
-                    <a:bodyPr/>
-                    <a:lstStyle/>
-                    <a:p>
-                      <a:pPr algn="l"/>
-                      <a:r>
-                        <a:rPr lang="nl-BE" sz="2800" baseline="0" dirty="0" smtClean="0">
-                          <a:effectLst>
-                            <a:glow rad="63500">
-                              <a:schemeClr val="accent4">
-                                <a:satMod val="175000"/>
-                                <a:alpha val="40000"/>
-                              </a:schemeClr>
-                            </a:glow>
-                          </a:effectLst>
-                        </a:rPr>
-                        <a:t>Customer collaboration</a:t>
-                      </a:r>
-                      <a:endParaRPr lang="en-US" sz="2800" dirty="0">
-                        <a:effectLst>
-                          <a:glow rad="63500">
-                            <a:schemeClr val="accent4">
-                              <a:satMod val="175000"/>
-                              <a:alpha val="40000"/>
-                            </a:schemeClr>
-                          </a:glow>
-                        </a:effectLst>
-                      </a:endParaRPr>
-                    </a:p>
-                  </a:txBody>
-                  <a:tcPr anchor="ctr">
-                    <a:lnL w="12700" cmpd="sng">
-                      <a:noFill/>
-                      <a:prstDash val="solid"/>
-                    </a:lnL>
-                    <a:lnR w="12700" cmpd="sng">
-                      <a:noFill/>
-                      <a:prstDash val="solid"/>
-                    </a:lnR>
-                    <a:lnT w="12700" cmpd="sng">
-                      <a:noFill/>
-                      <a:prstDash val="solid"/>
-                    </a:lnT>
-                    <a:lnB w="12700" cmpd="sng">
-                      <a:noFill/>
-                      <a:prstDash val="solid"/>
-                    </a:lnB>
-                    <a:lnTlToBr w="12700" cmpd="sng">
-                      <a:noFill/>
-                      <a:prstDash val="solid"/>
-                    </a:lnTlToBr>
-                    <a:lnBlToTr w="12700" cmpd="sng">
-                      <a:noFill/>
-                      <a:prstDash val="solid"/>
-                    </a:lnBlToTr>
-                  </a:tcPr>
-                </a:tc>
-                <a:tc>
-                  <a:txBody>
-                    <a:bodyPr/>
-                    <a:lstStyle/>
-                    <a:p>
-                      <a:pPr algn="ctr"/>
-                      <a:r>
-                        <a:rPr lang="nl-BE" sz="2800" i="1" baseline="0" dirty="0" smtClean="0"/>
-                        <a:t>over</a:t>
-                      </a:r>
-                      <a:endParaRPr lang="en-US" sz="2800" i="1" dirty="0"/>
-                    </a:p>
-                  </a:txBody>
-                  <a:tcPr anchor="ctr">
-                    <a:lnL w="12700" cmpd="sng">
-                      <a:noFill/>
-                      <a:prstDash val="solid"/>
-                    </a:lnL>
-                    <a:lnR w="12700" cmpd="sng">
-                      <a:noFill/>
-                      <a:prstDash val="solid"/>
-                    </a:lnR>
-                    <a:lnT w="12700" cmpd="sng">
-                      <a:noFill/>
-                      <a:prstDash val="solid"/>
-                    </a:lnT>
-                    <a:lnB w="12700" cmpd="sng">
-                      <a:noFill/>
-                      <a:prstDash val="solid"/>
-                    </a:lnB>
-                    <a:lnTlToBr w="12700" cmpd="sng">
-                      <a:noFill/>
-                      <a:prstDash val="solid"/>
-                    </a:lnTlToBr>
-                    <a:lnBlToTr w="12700" cmpd="sng">
-                      <a:noFill/>
-                      <a:prstDash val="solid"/>
-                    </a:lnBlToTr>
-                  </a:tcPr>
-                </a:tc>
-                <a:tc>
-                  <a:txBody>
-                    <a:bodyPr/>
-                    <a:lstStyle/>
-                    <a:p>
-                      <a:pPr algn="l"/>
-                      <a:r>
-                        <a:rPr lang="nl-BE" sz="2800" baseline="0" dirty="0" smtClean="0"/>
-                        <a:t>Contract negotiation</a:t>
-                      </a:r>
-                      <a:endParaRPr lang="en-US" sz="2800" dirty="0"/>
-                    </a:p>
-                  </a:txBody>
-                  <a:tcPr anchor="ctr">
-                    <a:lnL w="12700" cmpd="sng">
-                      <a:noFill/>
-                      <a:prstDash val="solid"/>
-                    </a:lnL>
-                    <a:lnR w="12700" cmpd="sng">
-                      <a:noFill/>
-                      <a:prstDash val="solid"/>
-                    </a:lnR>
-                    <a:lnT w="12700" cmpd="sng">
-                      <a:noFill/>
-                      <a:prstDash val="solid"/>
-                    </a:lnT>
-                    <a:lnB w="12700" cmpd="sng">
-                      <a:noFill/>
-                      <a:prstDash val="solid"/>
-                    </a:lnB>
-                    <a:lnTlToBr w="12700" cmpd="sng">
-                      <a:noFill/>
-                      <a:prstDash val="solid"/>
-                    </a:lnTlToBr>
-                    <a:lnBlToTr w="12700" cmpd="sng">
-                      <a:noFill/>
-                      <a:prstDash val="solid"/>
-                    </a:lnBlToTr>
-                  </a:tcPr>
-                </a:tc>
-              </a:tr>
+            </a:tbl>
+          </a:graphicData>
+        </a:graphic>
+      </p:graphicFrame>
+      <p:graphicFrame>
+        <p:nvGraphicFramePr>
+          <p:cNvPr id="12" name="Content Placeholder 3"/>
+          <p:cNvGraphicFramePr>
+            <a:graphicFrameLocks noGrp="1"/>
+          </p:cNvGraphicFramePr>
+          <p:nvPr>
+            <p:ph idx="1"/>
+          </p:nvPr>
+        </p:nvGraphicFramePr>
+        <p:xfrm>
+          <a:off x="1357290" y="4429132"/>
+          <a:ext cx="7499349" cy="944880"/>
+        </p:xfrm>
+        <a:graphic>
+          <a:graphicData uri="http://schemas.openxmlformats.org/drawingml/2006/table">
+            <a:tbl>
+              <a:tblPr firstRow="1" bandRow="1"/>
+              <a:tblGrid>
+                <a:gridCol w="2994024"/>
+                <a:gridCol w="1214446"/>
+                <a:gridCol w="3290879"/>
+              </a:tblGrid>
               <a:tr h="340281">
                 <a:tc>
                   <a:txBody>
@@ -8855,6 +9475,33 @@
                   </a:tcPr>
                 </a:tc>
               </a:tr>
+            </a:tbl>
+          </a:graphicData>
+        </a:graphic>
+      </p:graphicFrame>
+      <p:graphicFrame>
+        <p:nvGraphicFramePr>
+          <p:cNvPr id="13" name="Content Placeholder 3"/>
+          <p:cNvGraphicFramePr>
+            <a:graphicFrameLocks noGrp="1"/>
+          </p:cNvGraphicFramePr>
+          <p:nvPr>
+            <p:ph idx="1"/>
+          </p:nvPr>
+        </p:nvGraphicFramePr>
+        <p:xfrm>
+          <a:off x="1357290" y="5500702"/>
+          <a:ext cx="7499349" cy="518160"/>
+        </p:xfrm>
+        <a:graphic>
+          <a:graphicData uri="http://schemas.openxmlformats.org/drawingml/2006/table">
+            <a:tbl>
+              <a:tblPr firstRow="1" bandRow="1"/>
+              <a:tblGrid>
+                <a:gridCol w="2994024"/>
+                <a:gridCol w="1214446"/>
+                <a:gridCol w="3290879"/>
+              </a:tblGrid>
               <a:tr h="340281">
                 <a:tc>
                   <a:txBody>
@@ -9018,246 +9665,6 @@
           </a:graphicData>
         </a:graphic>
       </p:graphicFrame>
-      <p:sp>
-        <p:nvSpPr>
-          <p:cNvPr id="5" name="Rectangle 4"/>
-          <p:cNvSpPr/>
-          <p:nvPr/>
-        </p:nvSpPr>
-        <p:spPr>
-          <a:xfrm>
-            <a:off x="1214414" y="1500174"/>
-            <a:ext cx="7572428" cy="857256"/>
-          </a:xfrm>
-          <a:prstGeom prst="rect">
-            <a:avLst/>
-          </a:prstGeom>
-          <a:solidFill>
-            <a:schemeClr val="bg1"/>
-          </a:solidFill>
-          <a:ln>
-            <a:solidFill>
-              <a:schemeClr val="bg1"/>
-            </a:solidFill>
-          </a:ln>
-        </p:spPr>
-        <p:style>
-          <a:lnRef idx="2">
-            <a:schemeClr val="accent1">
-              <a:shade val="50000"/>
-            </a:schemeClr>
-          </a:lnRef>
-          <a:fillRef idx="1">
-            <a:schemeClr val="accent1"/>
-          </a:fillRef>
-          <a:effectRef idx="0">
-            <a:schemeClr val="accent1"/>
-          </a:effectRef>
-          <a:fontRef idx="minor">
-            <a:schemeClr val="lt1"/>
-          </a:fontRef>
-        </p:style>
-        <p:txBody>
-          <a:bodyPr rtlCol="0" anchor="ctr"/>
-          <a:lstStyle/>
-          <a:p>
-            <a:pPr algn="ctr"/>
-            <a:endParaRPr lang="en-US"/>
-          </a:p>
-        </p:txBody>
-      </p:sp>
-      <p:sp>
-        <p:nvSpPr>
-          <p:cNvPr id="6" name="Rectangle 5"/>
-          <p:cNvSpPr/>
-          <p:nvPr/>
-        </p:nvSpPr>
-        <p:spPr>
-          <a:xfrm>
-            <a:off x="1285852" y="2500306"/>
-            <a:ext cx="7572428" cy="857256"/>
-          </a:xfrm>
-          <a:prstGeom prst="rect">
-            <a:avLst/>
-          </a:prstGeom>
-          <a:solidFill>
-            <a:schemeClr val="bg1"/>
-          </a:solidFill>
-          <a:ln>
-            <a:solidFill>
-              <a:schemeClr val="bg1"/>
-            </a:solidFill>
-          </a:ln>
-        </p:spPr>
-        <p:style>
-          <a:lnRef idx="2">
-            <a:schemeClr val="accent1">
-              <a:shade val="50000"/>
-            </a:schemeClr>
-          </a:lnRef>
-          <a:fillRef idx="1">
-            <a:schemeClr val="accent1"/>
-          </a:fillRef>
-          <a:effectRef idx="0">
-            <a:schemeClr val="accent1"/>
-          </a:effectRef>
-          <a:fontRef idx="minor">
-            <a:schemeClr val="lt1"/>
-          </a:fontRef>
-        </p:style>
-        <p:txBody>
-          <a:bodyPr rtlCol="0" anchor="ctr"/>
-          <a:lstStyle/>
-          <a:p>
-            <a:pPr algn="ctr"/>
-            <a:endParaRPr lang="en-US"/>
-          </a:p>
-        </p:txBody>
-      </p:sp>
-      <p:sp>
-        <p:nvSpPr>
-          <p:cNvPr id="7" name="Rectangle 6"/>
-          <p:cNvSpPr/>
-          <p:nvPr/>
-        </p:nvSpPr>
-        <p:spPr>
-          <a:xfrm>
-            <a:off x="1285852" y="3357562"/>
-            <a:ext cx="7572428" cy="857256"/>
-          </a:xfrm>
-          <a:prstGeom prst="rect">
-            <a:avLst/>
-          </a:prstGeom>
-          <a:solidFill>
-            <a:schemeClr val="bg1"/>
-          </a:solidFill>
-          <a:ln>
-            <a:solidFill>
-              <a:schemeClr val="bg1"/>
-            </a:solidFill>
-          </a:ln>
-        </p:spPr>
-        <p:style>
-          <a:lnRef idx="2">
-            <a:schemeClr val="accent1">
-              <a:shade val="50000"/>
-            </a:schemeClr>
-          </a:lnRef>
-          <a:fillRef idx="1">
-            <a:schemeClr val="accent1"/>
-          </a:fillRef>
-          <a:effectRef idx="0">
-            <a:schemeClr val="accent1"/>
-          </a:effectRef>
-          <a:fontRef idx="minor">
-            <a:schemeClr val="lt1"/>
-          </a:fontRef>
-        </p:style>
-        <p:txBody>
-          <a:bodyPr rtlCol="0" anchor="ctr"/>
-          <a:lstStyle/>
-          <a:p>
-            <a:pPr algn="ctr"/>
-            <a:endParaRPr lang="en-US"/>
-          </a:p>
-        </p:txBody>
-      </p:sp>
-      <p:sp>
-        <p:nvSpPr>
-          <p:cNvPr id="8" name="Rectangle 7"/>
-          <p:cNvSpPr/>
-          <p:nvPr/>
-        </p:nvSpPr>
-        <p:spPr>
-          <a:xfrm>
-            <a:off x="1214414" y="4357694"/>
-            <a:ext cx="7572428" cy="857256"/>
-          </a:xfrm>
-          <a:prstGeom prst="rect">
-            <a:avLst/>
-          </a:prstGeom>
-          <a:solidFill>
-            <a:schemeClr val="bg1"/>
-          </a:solidFill>
-          <a:ln>
-            <a:solidFill>
-              <a:schemeClr val="bg1"/>
-            </a:solidFill>
-          </a:ln>
-        </p:spPr>
-        <p:style>
-          <a:lnRef idx="2">
-            <a:schemeClr val="accent1">
-              <a:shade val="50000"/>
-            </a:schemeClr>
-          </a:lnRef>
-          <a:fillRef idx="1">
-            <a:schemeClr val="accent1"/>
-          </a:fillRef>
-          <a:effectRef idx="0">
-            <a:schemeClr val="accent1"/>
-          </a:effectRef>
-          <a:fontRef idx="minor">
-            <a:schemeClr val="lt1"/>
-          </a:fontRef>
-        </p:style>
-        <p:txBody>
-          <a:bodyPr rtlCol="0" anchor="ctr"/>
-          <a:lstStyle/>
-          <a:p>
-            <a:pPr algn="ctr"/>
-            <a:endParaRPr lang="en-US"/>
-          </a:p>
-        </p:txBody>
-      </p:sp>
-      <p:sp>
-        <p:nvSpPr>
-          <p:cNvPr id="9" name="Rectangle 8"/>
-          <p:cNvSpPr/>
-          <p:nvPr/>
-        </p:nvSpPr>
-        <p:spPr>
-          <a:xfrm>
-            <a:off x="1214414" y="5286388"/>
-            <a:ext cx="7572428" cy="857256"/>
-          </a:xfrm>
-          <a:prstGeom prst="rect">
-            <a:avLst/>
-          </a:prstGeom>
-          <a:solidFill>
-            <a:schemeClr val="bg1"/>
-          </a:solidFill>
-          <a:ln>
-            <a:solidFill>
-              <a:schemeClr val="bg1"/>
-            </a:solidFill>
-          </a:ln>
-        </p:spPr>
-        <p:style>
-          <a:lnRef idx="2">
-            <a:schemeClr val="accent1">
-              <a:shade val="50000"/>
-            </a:schemeClr>
-          </a:lnRef>
-          <a:fillRef idx="1">
-            <a:schemeClr val="accent1"/>
-          </a:fillRef>
-          <a:effectRef idx="0">
-            <a:schemeClr val="accent1"/>
-          </a:effectRef>
-          <a:fontRef idx="minor">
-            <a:schemeClr val="lt1"/>
-          </a:fontRef>
-        </p:style>
-        <p:txBody>
-          <a:bodyPr rtlCol="0" anchor="ctr"/>
-          <a:lstStyle/>
-          <a:p>
-            <a:pPr algn="ctr"/>
-            <a:endParaRPr lang="en-US"/>
-          </a:p>
-        </p:txBody>
-      </p:sp>
     </p:spTree>
   </p:cSld>
   <p:clrMapOvr>
@@ -9287,86 +9694,37 @@
                             </p:stCondLst>
                             <p:childTnLst>
                               <p:par>
-                                <p:cTn id="5" presetID="29" presetClass="exit" presetSubtype="0" fill="hold" grpId="1" nodeType="clickEffect">
+                                <p:cTn id="5" presetID="10" presetClass="entr" presetSubtype="0" fill="hold" nodeType="clickEffect">
                                   <p:stCondLst>
                                     <p:cond delay="0"/>
                                   </p:stCondLst>
-                                  <p:iterate type="lt">
-                                    <p:tmPct val="0"/>
-                                  </p:iterate>
                                   <p:childTnLst>
-                                    <p:anim calcmode="lin" valueType="num">
-                                      <p:cBhvr>
-                                        <p:cTn id="6" dur="1000"/>
-                                        <p:tgtEl>
-                                          <p:spTgt spid="5"/>
-                                        </p:tgtEl>
-                                        <p:attrNameLst>
-                                          <p:attrName>ppt_x</p:attrName>
-                                        </p:attrNameLst>
-                                      </p:cBhvr>
-                                      <p:tavLst>
-                                        <p:tav tm="0">
-                                          <p:val>
-                                            <p:strVal val="ppt_x"/>
-                                          </p:val>
-                                        </p:tav>
-                                        <p:tav tm="100000">
-                                          <p:val>
-                                            <p:strVal val="ppt_x-.2"/>
-                                          </p:val>
-                                        </p:tav>
-                                      </p:tavLst>
-                                    </p:anim>
-                                    <p:anim calcmode="lin" valueType="num">
-                                      <p:cBhvr>
-                                        <p:cTn id="7" dur="1000"/>
-                                        <p:tgtEl>
-                                          <p:spTgt spid="5"/>
-                                        </p:tgtEl>
-                                        <p:attrNameLst>
-                                          <p:attrName>ppt_y</p:attrName>
-                                        </p:attrNameLst>
-                                      </p:cBhvr>
-                                      <p:tavLst>
-                                        <p:tav tm="0">
-                                          <p:val>
-                                            <p:strVal val="ppt_y"/>
-                                          </p:val>
-                                        </p:tav>
-                                        <p:tav tm="100000">
-                                          <p:val>
-                                            <p:strVal val="ppt_y"/>
-                                          </p:val>
-                                        </p:tav>
-                                      </p:tavLst>
-                                    </p:anim>
-                                    <p:animEffect transition="out" filter="fade">
-                                      <p:cBhvr>
-                                        <p:cTn id="8" dur="1000"/>
-                                        <p:tgtEl>
-                                          <p:spTgt spid="5"/>
-                                        </p:tgtEl>
-                                      </p:cBhvr>
-                                    </p:animEffect>
                                     <p:set>
                                       <p:cBhvr>
-                                        <p:cTn id="9" dur="1" fill="hold">
+                                        <p:cTn id="6" dur="1" fill="hold">
                                           <p:stCondLst>
-                                            <p:cond delay="999"/>
+                                            <p:cond delay="0"/>
                                           </p:stCondLst>
                                         </p:cTn>
                                         <p:tgtEl>
-                                          <p:spTgt spid="5"/>
+                                          <p:spTgt spid="10"/>
                                         </p:tgtEl>
                                         <p:attrNameLst>
                                           <p:attrName>style.visibility</p:attrName>
                                         </p:attrNameLst>
                                       </p:cBhvr>
                                       <p:to>
-                                        <p:strVal val="hidden"/>
+                                        <p:strVal val="visible"/>
                                       </p:to>
                                     </p:set>
+                                    <p:animEffect transition="in" filter="fade">
+                                      <p:cBhvr>
+                                        <p:cTn id="7" dur="2000"/>
+                                        <p:tgtEl>
+                                          <p:spTgt spid="10"/>
+                                        </p:tgtEl>
+                                      </p:cBhvr>
+                                    </p:animEffect>
                                   </p:childTnLst>
                                 </p:cTn>
                               </p:par>
@@ -9377,95 +9735,49 @@
                     </p:cTn>
                   </p:par>
                   <p:par>
-                    <p:cTn id="10" fill="hold">
+                    <p:cTn id="8" fill="hold">
                       <p:stCondLst>
                         <p:cond delay="indefinite"/>
                       </p:stCondLst>
                       <p:childTnLst>
                         <p:par>
-                          <p:cTn id="11" fill="hold">
+                          <p:cTn id="9" fill="hold">
                             <p:stCondLst>
                               <p:cond delay="0"/>
                             </p:stCondLst>
                             <p:childTnLst>
                               <p:par>
-                                <p:cTn id="12" presetID="29" presetClass="exit" presetSubtype="0" fill="hold" grpId="0" nodeType="clickEffect">
+                                <p:cTn id="10" presetID="10" presetClass="entr" presetSubtype="0" fill="hold" nodeType="clickEffect">
                                   <p:stCondLst>
                                     <p:cond delay="0"/>
                                   </p:stCondLst>
                                   <p:childTnLst>
-                                    <p:anim calcmode="lin" valueType="num">
-                                      <p:cBhvr>
-                                        <p:cTn id="13" dur="1000"/>
-                                        <p:tgtEl>
-                                          <p:spTgt spid="6"/>
-                                        </p:tgtEl>
-                                        <p:attrNameLst>
-                                          <p:attrName>ppt_x</p:attrName>
-                                        </p:attrNameLst>
-                                      </p:cBhvr>
-                                      <p:tavLst>
-                                        <p:tav tm="0">
-                                          <p:val>
-                                            <p:strVal val="ppt_x"/>
-                                          </p:val>
-                                        </p:tav>
-                                        <p:tav tm="100000">
-                                          <p:val>
-                                            <p:strVal val="ppt_x-.2"/>
-                                          </p:val>
-                                        </p:tav>
-                                      </p:tavLst>
-                                    </p:anim>
-                                    <p:anim calcmode="lin" valueType="num">
-                                      <p:cBhvr>
-                                        <p:cTn id="14" dur="1000"/>
-                                        <p:tgtEl>
-                                          <p:spTgt spid="6"/>
-                                        </p:tgtEl>
-                                        <p:attrNameLst>
-                                          <p:attrName>ppt_y</p:attrName>
-                                        </p:attrNameLst>
-                                      </p:cBhvr>
-                                      <p:tavLst>
-                                        <p:tav tm="0">
-                                          <p:val>
-                                            <p:strVal val="ppt_y"/>
-                                          </p:val>
-                                        </p:tav>
-                                        <p:tav tm="100000">
-                                          <p:val>
-                                            <p:strVal val="ppt_y"/>
-                                          </p:val>
-                                        </p:tav>
-                                      </p:tavLst>
-                                    </p:anim>
-                                    <p:animEffect transition="out" filter="fade">
-                                      <p:cBhvr>
-                                        <p:cTn id="15" dur="1000"/>
-                                        <p:tgtEl>
-                                          <p:spTgt spid="6"/>
-                                        </p:tgtEl>
-                                      </p:cBhvr>
-                                    </p:animEffect>
                                     <p:set>
                                       <p:cBhvr>
-                                        <p:cTn id="16" dur="1" fill="hold">
+                                        <p:cTn id="11" dur="1" fill="hold">
                                           <p:stCondLst>
-                                            <p:cond delay="999"/>
+                                            <p:cond delay="0"/>
                                           </p:stCondLst>
                                         </p:cTn>
                                         <p:tgtEl>
-                                          <p:spTgt spid="6"/>
+                                          <p:spTgt spid="11"/>
                                         </p:tgtEl>
                                         <p:attrNameLst>
                                           <p:attrName>style.visibility</p:attrName>
                                         </p:attrNameLst>
                                       </p:cBhvr>
                                       <p:to>
-                                        <p:strVal val="hidden"/>
+                                        <p:strVal val="visible"/>
                                       </p:to>
                                     </p:set>
+                                    <p:animEffect transition="in" filter="fade">
+                                      <p:cBhvr>
+                                        <p:cTn id="12" dur="2000"/>
+                                        <p:tgtEl>
+                                          <p:spTgt spid="11"/>
+                                        </p:tgtEl>
+                                      </p:cBhvr>
+                                    </p:animEffect>
                                   </p:childTnLst>
                                 </p:cTn>
                               </p:par>
@@ -9476,95 +9788,49 @@
                     </p:cTn>
                   </p:par>
                   <p:par>
-                    <p:cTn id="17" fill="hold">
+                    <p:cTn id="13" fill="hold">
                       <p:stCondLst>
                         <p:cond delay="indefinite"/>
                       </p:stCondLst>
                       <p:childTnLst>
                         <p:par>
-                          <p:cTn id="18" fill="hold">
+                          <p:cTn id="14" fill="hold">
                             <p:stCondLst>
                               <p:cond delay="0"/>
                             </p:stCondLst>
                             <p:childTnLst>
                               <p:par>
-                                <p:cTn id="19" presetID="29" presetClass="exit" presetSubtype="0" fill="hold" grpId="0" nodeType="clickEffect">
+                                <p:cTn id="15" presetID="10" presetClass="entr" presetSubtype="0" fill="hold" nodeType="clickEffect">
                                   <p:stCondLst>
                                     <p:cond delay="0"/>
                                   </p:stCondLst>
                                   <p:childTnLst>
-                                    <p:anim calcmode="lin" valueType="num">
-                                      <p:cBhvr>
-                                        <p:cTn id="20" dur="1000"/>
-                                        <p:tgtEl>
-                                          <p:spTgt spid="7"/>
-                                        </p:tgtEl>
-                                        <p:attrNameLst>
-                                          <p:attrName>ppt_x</p:attrName>
-                                        </p:attrNameLst>
-                                      </p:cBhvr>
-                                      <p:tavLst>
-                                        <p:tav tm="0">
-                                          <p:val>
-                                            <p:strVal val="ppt_x"/>
-                                          </p:val>
-                                        </p:tav>
-                                        <p:tav tm="100000">
-                                          <p:val>
-                                            <p:strVal val="ppt_x-.2"/>
-                                          </p:val>
-                                        </p:tav>
-                                      </p:tavLst>
-                                    </p:anim>
-                                    <p:anim calcmode="lin" valueType="num">
-                                      <p:cBhvr>
-                                        <p:cTn id="21" dur="1000"/>
-                                        <p:tgtEl>
-                                          <p:spTgt spid="7"/>
-                                        </p:tgtEl>
-                                        <p:attrNameLst>
-                                          <p:attrName>ppt_y</p:attrName>
-                                        </p:attrNameLst>
-                                      </p:cBhvr>
-                                      <p:tavLst>
-                                        <p:tav tm="0">
-                                          <p:val>
-                                            <p:strVal val="ppt_y"/>
-                                          </p:val>
-                                        </p:tav>
-                                        <p:tav tm="100000">
-                                          <p:val>
-                                            <p:strVal val="ppt_y"/>
-                                          </p:val>
-                                        </p:tav>
-                                      </p:tavLst>
-                                    </p:anim>
-                                    <p:animEffect transition="out" filter="fade">
-                                      <p:cBhvr>
-                                        <p:cTn id="22" dur="1000"/>
-                                        <p:tgtEl>
-                                          <p:spTgt spid="7"/>
-                                        </p:tgtEl>
-                                      </p:cBhvr>
-                                    </p:animEffect>
                                     <p:set>
                                       <p:cBhvr>
-                                        <p:cTn id="23" dur="1" fill="hold">
+                                        <p:cTn id="16" dur="1" fill="hold">
                                           <p:stCondLst>
-                                            <p:cond delay="999"/>
+                                            <p:cond delay="0"/>
                                           </p:stCondLst>
                                         </p:cTn>
                                         <p:tgtEl>
-                                          <p:spTgt spid="7"/>
+                                          <p:spTgt spid="4"/>
                                         </p:tgtEl>
                                         <p:attrNameLst>
                                           <p:attrName>style.visibility</p:attrName>
                                         </p:attrNameLst>
                                       </p:cBhvr>
                                       <p:to>
-                                        <p:strVal val="hidden"/>
+                                        <p:strVal val="visible"/>
                                       </p:to>
                                     </p:set>
+                                    <p:animEffect transition="in" filter="fade">
+                                      <p:cBhvr>
+                                        <p:cTn id="17" dur="2000"/>
+                                        <p:tgtEl>
+                                          <p:spTgt spid="4"/>
+                                        </p:tgtEl>
+                                      </p:cBhvr>
+                                    </p:animEffect>
                                   </p:childTnLst>
                                 </p:cTn>
                               </p:par>
@@ -9575,95 +9841,49 @@
                     </p:cTn>
                   </p:par>
                   <p:par>
-                    <p:cTn id="24" fill="hold">
+                    <p:cTn id="18" fill="hold">
                       <p:stCondLst>
                         <p:cond delay="indefinite"/>
                       </p:stCondLst>
                       <p:childTnLst>
                         <p:par>
-                          <p:cTn id="25" fill="hold">
+                          <p:cTn id="19" fill="hold">
                             <p:stCondLst>
                               <p:cond delay="0"/>
                             </p:stCondLst>
                             <p:childTnLst>
                               <p:par>
-                                <p:cTn id="26" presetID="29" presetClass="exit" presetSubtype="0" fill="hold" grpId="0" nodeType="clickEffect">
+                                <p:cTn id="20" presetID="10" presetClass="entr" presetSubtype="0" fill="hold" nodeType="clickEffect">
                                   <p:stCondLst>
                                     <p:cond delay="0"/>
                                   </p:stCondLst>
                                   <p:childTnLst>
-                                    <p:anim calcmode="lin" valueType="num">
-                                      <p:cBhvr>
-                                        <p:cTn id="27" dur="1000"/>
-                                        <p:tgtEl>
-                                          <p:spTgt spid="8"/>
-                                        </p:tgtEl>
-                                        <p:attrNameLst>
-                                          <p:attrName>ppt_x</p:attrName>
-                                        </p:attrNameLst>
-                                      </p:cBhvr>
-                                      <p:tavLst>
-                                        <p:tav tm="0">
-                                          <p:val>
-                                            <p:strVal val="ppt_x"/>
-                                          </p:val>
-                                        </p:tav>
-                                        <p:tav tm="100000">
-                                          <p:val>
-                                            <p:strVal val="ppt_x-.2"/>
-                                          </p:val>
-                                        </p:tav>
-                                      </p:tavLst>
-                                    </p:anim>
-                                    <p:anim calcmode="lin" valueType="num">
-                                      <p:cBhvr>
-                                        <p:cTn id="28" dur="1000"/>
-                                        <p:tgtEl>
-                                          <p:spTgt spid="8"/>
-                                        </p:tgtEl>
-                                        <p:attrNameLst>
-                                          <p:attrName>ppt_y</p:attrName>
-                                        </p:attrNameLst>
-                                      </p:cBhvr>
-                                      <p:tavLst>
-                                        <p:tav tm="0">
-                                          <p:val>
-                                            <p:strVal val="ppt_y"/>
-                                          </p:val>
-                                        </p:tav>
-                                        <p:tav tm="100000">
-                                          <p:val>
-                                            <p:strVal val="ppt_y"/>
-                                          </p:val>
-                                        </p:tav>
-                                      </p:tavLst>
-                                    </p:anim>
-                                    <p:animEffect transition="out" filter="fade">
-                                      <p:cBhvr>
-                                        <p:cTn id="29" dur="1000"/>
-                                        <p:tgtEl>
-                                          <p:spTgt spid="8"/>
-                                        </p:tgtEl>
-                                      </p:cBhvr>
-                                    </p:animEffect>
                                     <p:set>
                                       <p:cBhvr>
-                                        <p:cTn id="30" dur="1" fill="hold">
+                                        <p:cTn id="21" dur="1" fill="hold">
                                           <p:stCondLst>
-                                            <p:cond delay="999"/>
+                                            <p:cond delay="0"/>
                                           </p:stCondLst>
                                         </p:cTn>
                                         <p:tgtEl>
-                                          <p:spTgt spid="8"/>
+                                          <p:spTgt spid="12"/>
                                         </p:tgtEl>
                                         <p:attrNameLst>
                                           <p:attrName>style.visibility</p:attrName>
                                         </p:attrNameLst>
                                       </p:cBhvr>
                                       <p:to>
-                                        <p:strVal val="hidden"/>
+                                        <p:strVal val="visible"/>
                                       </p:to>
                                     </p:set>
+                                    <p:animEffect transition="in" filter="fade">
+                                      <p:cBhvr>
+                                        <p:cTn id="22" dur="2000"/>
+                                        <p:tgtEl>
+                                          <p:spTgt spid="12"/>
+                                        </p:tgtEl>
+                                      </p:cBhvr>
+                                    </p:animEffect>
                                   </p:childTnLst>
                                 </p:cTn>
                               </p:par>
@@ -9674,95 +9894,49 @@
                     </p:cTn>
                   </p:par>
                   <p:par>
-                    <p:cTn id="31" fill="hold">
+                    <p:cTn id="23" fill="hold">
                       <p:stCondLst>
                         <p:cond delay="indefinite"/>
                       </p:stCondLst>
                       <p:childTnLst>
                         <p:par>
-                          <p:cTn id="32" fill="hold">
+                          <p:cTn id="24" fill="hold">
                             <p:stCondLst>
                               <p:cond delay="0"/>
                             </p:stCondLst>
                             <p:childTnLst>
                               <p:par>
-                                <p:cTn id="33" presetID="29" presetClass="exit" presetSubtype="0" fill="hold" grpId="0" nodeType="clickEffect">
+                                <p:cTn id="25" presetID="10" presetClass="entr" presetSubtype="0" fill="hold" nodeType="clickEffect">
                                   <p:stCondLst>
                                     <p:cond delay="0"/>
                                   </p:stCondLst>
                                   <p:childTnLst>
-                                    <p:anim calcmode="lin" valueType="num">
-                                      <p:cBhvr>
-                                        <p:cTn id="34" dur="1000"/>
-                                        <p:tgtEl>
-                                          <p:spTgt spid="9"/>
-                                        </p:tgtEl>
-                                        <p:attrNameLst>
-                                          <p:attrName>ppt_x</p:attrName>
-                                        </p:attrNameLst>
-                                      </p:cBhvr>
-                                      <p:tavLst>
-                                        <p:tav tm="0">
-                                          <p:val>
-                                            <p:strVal val="ppt_x"/>
-                                          </p:val>
-                                        </p:tav>
-                                        <p:tav tm="100000">
-                                          <p:val>
-                                            <p:strVal val="ppt_x-.2"/>
-                                          </p:val>
-                                        </p:tav>
-                                      </p:tavLst>
-                                    </p:anim>
-                                    <p:anim calcmode="lin" valueType="num">
-                                      <p:cBhvr>
-                                        <p:cTn id="35" dur="1000"/>
-                                        <p:tgtEl>
-                                          <p:spTgt spid="9"/>
-                                        </p:tgtEl>
-                                        <p:attrNameLst>
-                                          <p:attrName>ppt_y</p:attrName>
-                                        </p:attrNameLst>
-                                      </p:cBhvr>
-                                      <p:tavLst>
-                                        <p:tav tm="0">
-                                          <p:val>
-                                            <p:strVal val="ppt_y"/>
-                                          </p:val>
-                                        </p:tav>
-                                        <p:tav tm="100000">
-                                          <p:val>
-                                            <p:strVal val="ppt_y"/>
-                                          </p:val>
-                                        </p:tav>
-                                      </p:tavLst>
-                                    </p:anim>
-                                    <p:animEffect transition="out" filter="fade">
-                                      <p:cBhvr>
-                                        <p:cTn id="36" dur="1000"/>
-                                        <p:tgtEl>
-                                          <p:spTgt spid="9"/>
-                                        </p:tgtEl>
-                                      </p:cBhvr>
-                                    </p:animEffect>
                                     <p:set>
                                       <p:cBhvr>
-                                        <p:cTn id="37" dur="1" fill="hold">
+                                        <p:cTn id="26" dur="1" fill="hold">
                                           <p:stCondLst>
-                                            <p:cond delay="999"/>
+                                            <p:cond delay="0"/>
                                           </p:stCondLst>
                                         </p:cTn>
                                         <p:tgtEl>
-                                          <p:spTgt spid="9"/>
+                                          <p:spTgt spid="13"/>
                                         </p:tgtEl>
                                         <p:attrNameLst>
                                           <p:attrName>style.visibility</p:attrName>
                                         </p:attrNameLst>
                                       </p:cBhvr>
                                       <p:to>
-                                        <p:strVal val="hidden"/>
+                                        <p:strVal val="visible"/>
                                       </p:to>
                                     </p:set>
+                                    <p:animEffect transition="in" filter="fade">
+                                      <p:cBhvr>
+                                        <p:cTn id="27" dur="2000"/>
+                                        <p:tgtEl>
+                                          <p:spTgt spid="13"/>
+                                        </p:tgtEl>
+                                      </p:cBhvr>
+                                    </p:animEffect>
                                   </p:childTnLst>
                                 </p:cTn>
                               </p:par>
@@ -9793,13 +9967,87 @@
         </p:cTn>
       </p:par>
     </p:tnLst>
-    <p:bldLst>
-      <p:bldP spid="5" grpId="1" animBg="1"/>
-      <p:bldP spid="6" grpId="0" animBg="1"/>
-      <p:bldP spid="7" grpId="0" animBg="1"/>
-      <p:bldP spid="8" grpId="0" animBg="1"/>
-      <p:bldP spid="9" grpId="0" animBg="1"/>
-    </p:bldLst>
+  </p:timing>
+</p:sld>
+</file>
+
+<file path=ppt/slides/slide20.xml><?xml version="1.0" encoding="utf-8"?>
+<p:sld xmlns:a="http://schemas.openxmlformats.org/drawingml/2006/main" xmlns:r="http://schemas.openxmlformats.org/officeDocument/2006/relationships" xmlns:p="http://schemas.openxmlformats.org/presentationml/2006/main">
+  <p:cSld>
+    <p:spTree>
+      <p:nvGrpSpPr>
+        <p:cNvPr id="1" name=""/>
+        <p:cNvGrpSpPr/>
+        <p:nvPr/>
+      </p:nvGrpSpPr>
+      <p:grpSpPr>
+        <a:xfrm>
+          <a:off x="0" y="0"/>
+          <a:ext cx="0" cy="0"/>
+          <a:chOff x="0" y="0"/>
+          <a:chExt cx="0" cy="0"/>
+        </a:xfrm>
+      </p:grpSpPr>
+      <p:sp>
+        <p:nvSpPr>
+          <p:cNvPr id="2" name="Title 1"/>
+          <p:cNvSpPr>
+            <a:spLocks noGrp="1"/>
+          </p:cNvSpPr>
+          <p:nvPr>
+            <p:ph type="title"/>
+          </p:nvPr>
+        </p:nvSpPr>
+        <p:spPr/>
+        <p:txBody>
+          <a:bodyPr/>
+          <a:lstStyle/>
+          <a:p>
+            <a:r>
+              <a:rPr lang="nl-BE" dirty="0" smtClean="0"/>
+              <a:t>.net:</a:t>
+            </a:r>
+            <a:r>
+              <a:rPr lang="nl-BE" baseline="0" dirty="0" smtClean="0"/>
+              <a:t> CodeingTools	</a:t>
+            </a:r>
+            <a:endParaRPr lang="en-US" dirty="0"/>
+          </a:p>
+        </p:txBody>
+      </p:sp>
+      <p:sp>
+        <p:nvSpPr>
+          <p:cNvPr id="3" name="Content Placeholder 2"/>
+          <p:cNvSpPr>
+            <a:spLocks noGrp="1"/>
+          </p:cNvSpPr>
+          <p:nvPr>
+            <p:ph idx="1"/>
+          </p:nvPr>
+        </p:nvSpPr>
+        <p:spPr/>
+        <p:txBody>
+          <a:bodyPr/>
+          <a:lstStyle/>
+          <a:p>
+            <a:endParaRPr lang="en-US"/>
+          </a:p>
+        </p:txBody>
+      </p:sp>
+    </p:spTree>
+  </p:cSld>
+  <p:clrMapOvr>
+    <a:masterClrMapping/>
+  </p:clrMapOvr>
+  <p:transition>
+    <p:fade/>
+  </p:transition>
+  <p:timing>
+    <p:tnLst>
+      <p:par>
+        <p:cTn id="1" dur="indefinite" restart="never" nodeType="tmRoot"/>
+      </p:par>
+    </p:tnLst>
   </p:timing>
 </p:sld>
 </file>
@@ -10434,11 +10682,7 @@
             </a:r>
             <a:r>
               <a:rPr lang="nl-BE" baseline="0" dirty="0" smtClean="0"/>
-              <a:t> </a:t>
-            </a:r>
-            <a:r>
-              <a:rPr lang="nl-BE" baseline="0" dirty="0" smtClean="0"/>
-              <a:t>owner</a:t>
+              <a:t> owner</a:t>
             </a:r>
           </a:p>
           <a:p>
@@ -10447,7 +10691,6 @@
               <a:rPr lang="nl-BE" baseline="0" dirty="0" smtClean="0"/>
               <a:t>Team</a:t>
             </a:r>
-            <a:endParaRPr lang="nl-BE" baseline="0" dirty="0" smtClean="0"/>
           </a:p>
         </p:txBody>
       </p:sp>
